--- a/docker/docker002.pptx
+++ b/docker/docker002.pptx
@@ -208,7 +208,7 @@
           <a:p>
             <a:fld id="{63F136E3-80C6-A842-B275-74FC7A4265FC}" type="datetimeFigureOut">
               <a:rPr kumimoji="1" lang="zh-CN" altLang="en-US" smtClean="0"/>
-              <a:t>2019/5/19</a:t>
+              <a:t>2019/11/27</a:t>
             </a:fld>
             <a:endParaRPr kumimoji="1" lang="zh-CN" altLang="en-US"/>
           </a:p>
@@ -272,38 +272,37 @@
           <a:p>
             <a:pPr lvl="0"/>
             <a:r>
-              <a:rPr kumimoji="1" lang="zh-CN" altLang="en-US" smtClean="0"/>
+              <a:rPr kumimoji="1" lang="zh-CN" altLang="en-US"/>
               <a:t>单击此处编辑母版文本样式</a:t>
             </a:r>
           </a:p>
           <a:p>
             <a:pPr lvl="1"/>
             <a:r>
-              <a:rPr kumimoji="1" lang="zh-CN" altLang="en-US" smtClean="0"/>
+              <a:rPr kumimoji="1" lang="zh-CN" altLang="en-US"/>
               <a:t>二级</a:t>
             </a:r>
           </a:p>
           <a:p>
             <a:pPr lvl="2"/>
             <a:r>
-              <a:rPr kumimoji="1" lang="zh-CN" altLang="en-US" smtClean="0"/>
+              <a:rPr kumimoji="1" lang="zh-CN" altLang="en-US"/>
               <a:t>三级</a:t>
             </a:r>
           </a:p>
           <a:p>
             <a:pPr lvl="3"/>
             <a:r>
-              <a:rPr kumimoji="1" lang="zh-CN" altLang="en-US" smtClean="0"/>
+              <a:rPr kumimoji="1" lang="zh-CN" altLang="en-US"/>
               <a:t>四级</a:t>
             </a:r>
           </a:p>
           <a:p>
             <a:pPr lvl="4"/>
             <a:r>
-              <a:rPr kumimoji="1" lang="zh-CN" altLang="en-US" smtClean="0"/>
+              <a:rPr kumimoji="1" lang="zh-CN" altLang="en-US"/>
               <a:t>五级</a:t>
             </a:r>
-            <a:endParaRPr kumimoji="1" lang="zh-CN" altLang="en-US"/>
           </a:p>
         </p:txBody>
       </p:sp>
@@ -605,60 +604,59 @@
           <a:lstStyle/>
           <a:p>
             <a:r>
-              <a:rPr kumimoji="1" lang="en-US" altLang="zh-CN" dirty="0" err="1" smtClean="0"/>
+              <a:rPr kumimoji="1" lang="en-US" altLang="zh-CN" dirty="0" err="1"/>
               <a:t>Docker</a:t>
             </a:r>
             <a:r>
-              <a:rPr kumimoji="1" lang="zh-CN" altLang="en-US" dirty="0" smtClean="0"/>
+              <a:rPr kumimoji="1" lang="zh-CN" altLang="en-US" dirty="0"/>
               <a:t> </a:t>
             </a:r>
             <a:r>
-              <a:rPr kumimoji="1" lang="en-US" altLang="zh-CN" dirty="0" smtClean="0"/>
+              <a:rPr kumimoji="1" lang="en-US" altLang="zh-CN" dirty="0"/>
               <a:t>hub</a:t>
             </a:r>
             <a:r>
-              <a:rPr kumimoji="1" lang="zh-CN" altLang="en-US" dirty="0" smtClean="0"/>
+              <a:rPr kumimoji="1" lang="zh-CN" altLang="en-US" dirty="0"/>
               <a:t>账号</a:t>
             </a:r>
             <a:r>
-              <a:rPr kumimoji="0" lang="en-US" altLang="zh-CN" dirty="0" err="1" smtClean="0"/>
+              <a:rPr kumimoji="0" lang="en-US" altLang="zh-CN" dirty="0" err="1"/>
               <a:t>tallongsun</a:t>
             </a:r>
             <a:r>
-              <a:rPr lang="zh-CN" altLang="en-US" dirty="0" smtClean="0"/>
+              <a:rPr lang="zh-CN" altLang="en-US" dirty="0"/>
               <a:t>，</a:t>
             </a:r>
             <a:r>
-              <a:rPr lang="en-US" altLang="zh-CN" dirty="0" smtClean="0"/>
+              <a:rPr lang="en-US" altLang="zh-CN" dirty="0"/>
               <a:t>abcd.1234</a:t>
             </a:r>
           </a:p>
           <a:p>
             <a:r>
-              <a:rPr lang="zh-CN" altLang="en-US" baseline="0" dirty="0" smtClean="0"/>
+              <a:rPr lang="zh-CN" altLang="en-US" baseline="0" dirty="0"/>
               <a:t>安排大家安装另一台</a:t>
             </a:r>
             <a:r>
-              <a:rPr lang="en-US" altLang="zh-CN" baseline="0" dirty="0" err="1" smtClean="0"/>
+              <a:rPr lang="en-US" altLang="zh-CN" baseline="0" dirty="0" err="1"/>
               <a:t>docker</a:t>
             </a:r>
             <a:r>
-              <a:rPr lang="zh-CN" altLang="en-US" baseline="0" dirty="0" smtClean="0"/>
+              <a:rPr lang="zh-CN" altLang="en-US" baseline="0" dirty="0"/>
               <a:t>主机，并测试</a:t>
             </a:r>
             <a:r>
-              <a:rPr lang="en-US" altLang="zh-CN" baseline="0" dirty="0" err="1" smtClean="0"/>
+              <a:rPr lang="en-US" altLang="zh-CN" baseline="0" dirty="0" err="1"/>
               <a:t>docker</a:t>
             </a:r>
             <a:r>
-              <a:rPr lang="zh-CN" altLang="en-US" baseline="0" dirty="0" smtClean="0"/>
+              <a:rPr lang="zh-CN" altLang="en-US" baseline="0" dirty="0"/>
               <a:t> </a:t>
             </a:r>
             <a:r>
-              <a:rPr lang="en-US" altLang="zh-CN" baseline="0" dirty="0" smtClean="0"/>
+              <a:rPr lang="en-US" altLang="zh-CN" baseline="0" dirty="0"/>
               <a:t>run</a:t>
             </a:r>
-            <a:endParaRPr lang="en-US" altLang="zh-CN" baseline="0" dirty="0" smtClean="0"/>
           </a:p>
         </p:txBody>
       </p:sp>
@@ -743,7 +741,7 @@
           <a:lstStyle/>
           <a:p>
             <a:r>
-              <a:rPr lang="en-US" altLang="zh-CN" sz="1200" kern="1200" dirty="0" err="1" smtClean="0">
+              <a:rPr lang="en-US" altLang="zh-CN" sz="1200" kern="1200" dirty="0" err="1">
                 <a:solidFill>
                   <a:schemeClr val="tx1"/>
                 </a:solidFill>
@@ -754,7 +752,7 @@
               <a:t>docker</a:t>
             </a:r>
             <a:r>
-              <a:rPr lang="en-US" altLang="zh-CN" sz="1200" kern="1200" dirty="0" smtClean="0">
+              <a:rPr lang="en-US" altLang="zh-CN" sz="1200" kern="1200" dirty="0">
                 <a:solidFill>
                   <a:schemeClr val="tx1"/>
                 </a:solidFill>
@@ -866,10 +864,10 @@
               <a:defRPr/>
             </a:pPr>
             <a:r>
-              <a:rPr lang="en-US" altLang="zh-CN" dirty="0" smtClean="0"/>
+              <a:rPr lang="en-US" altLang="zh-CN" dirty="0"/>
               <a:t>[build]</a:t>
             </a:r>
-            <a:endParaRPr lang="hr-HR" altLang="zh-CN" dirty="0" smtClean="0"/>
+            <a:endParaRPr lang="hr-HR" altLang="zh-CN" dirty="0"/>
           </a:p>
           <a:p>
             <a:pPr marL="0" marR="0" indent="0" algn="l" defTabSz="914400" rtl="0" eaLnBrk="1" fontAlgn="auto" latinLnBrk="0" hangingPunct="1">
@@ -890,30 +888,30 @@
               <a:defRPr/>
             </a:pPr>
             <a:r>
-              <a:rPr lang="hr-HR" altLang="zh-CN" dirty="0" smtClean="0"/>
+              <a:rPr lang="hr-HR" altLang="zh-CN" dirty="0"/>
               <a:t>PATH | URL | -</a:t>
             </a:r>
             <a:r>
-              <a:rPr lang="zh-CN" altLang="en-US" dirty="0" smtClean="0"/>
+              <a:rPr lang="zh-CN" altLang="en-US" dirty="0"/>
               <a:t>    </a:t>
             </a:r>
             <a:r>
-              <a:rPr kumimoji="1" lang="en-US" altLang="zh-CN" dirty="0" smtClean="0"/>
+              <a:rPr kumimoji="1" lang="en-US" altLang="zh-CN" dirty="0"/>
               <a:t>-t,-f</a:t>
             </a:r>
-            <a:endParaRPr lang="hr-HR" altLang="zh-CN" dirty="0" smtClean="0"/>
-          </a:p>
-          <a:p>
-            <a:r>
-              <a:rPr lang="en-US" altLang="zh-CN" dirty="0" err="1" smtClean="0"/>
+            <a:endParaRPr lang="hr-HR" altLang="zh-CN" dirty="0"/>
+          </a:p>
+          <a:p>
+            <a:r>
+              <a:rPr lang="en-US" altLang="zh-CN" dirty="0" err="1"/>
               <a:t>docker</a:t>
             </a:r>
             <a:r>
-              <a:rPr lang="en-US" altLang="zh-CN" dirty="0" smtClean="0"/>
+              <a:rPr lang="en-US" altLang="zh-CN" dirty="0"/>
               <a:t> build </a:t>
             </a:r>
             <a:r>
-              <a:rPr lang="en-US" altLang="zh-CN" sz="1200" kern="1200" dirty="0" smtClean="0">
+              <a:rPr lang="en-US" altLang="zh-CN" sz="1200" kern="1200" dirty="0">
                 <a:solidFill>
                   <a:schemeClr val="tx1"/>
                 </a:solidFill>
@@ -926,7 +924,7 @@
             </a:r>
           </a:p>
           <a:p>
-            <a:endParaRPr lang="en-US" altLang="zh-CN" sz="1200" kern="1200" dirty="0" smtClean="0">
+            <a:endParaRPr lang="en-US" altLang="zh-CN" sz="1200" kern="1200" dirty="0">
               <a:solidFill>
                 <a:schemeClr val="tx1"/>
               </a:solidFill>
@@ -938,7 +936,7 @@
           </a:p>
           <a:p>
             <a:r>
-              <a:rPr lang="en-US" altLang="zh-CN" sz="1200" kern="1200" dirty="0" err="1" smtClean="0">
+              <a:rPr lang="en-US" altLang="zh-CN" sz="1200" kern="1200" dirty="0" err="1">
                 <a:solidFill>
                   <a:schemeClr val="tx1"/>
                 </a:solidFill>
@@ -949,7 +947,7 @@
               <a:t>docker</a:t>
             </a:r>
             <a:r>
-              <a:rPr lang="en-US" altLang="zh-CN" sz="1200" kern="1200" dirty="0" smtClean="0">
+              <a:rPr lang="en-US" altLang="zh-CN" sz="1200" kern="1200" dirty="0">
                 <a:solidFill>
                   <a:schemeClr val="tx1"/>
                 </a:solidFill>
@@ -960,7 +958,7 @@
               <a:t> build </a:t>
             </a:r>
             <a:r>
-              <a:rPr lang="en-US" altLang="zh-CN" sz="1200" kern="1200" dirty="0" err="1" smtClean="0">
+              <a:rPr lang="en-US" altLang="zh-CN" sz="1200" kern="1200" dirty="0" err="1">
                 <a:solidFill>
                   <a:schemeClr val="tx1"/>
                 </a:solidFill>
@@ -971,7 +969,7 @@
               <a:t>github.com</a:t>
             </a:r>
             <a:r>
-              <a:rPr lang="en-US" altLang="zh-CN" sz="1200" kern="1200" dirty="0" smtClean="0">
+              <a:rPr lang="en-US" altLang="zh-CN" sz="1200" kern="1200" dirty="0">
                 <a:solidFill>
                   <a:schemeClr val="tx1"/>
                 </a:solidFill>
@@ -982,7 +980,7 @@
               <a:t>/</a:t>
             </a:r>
             <a:r>
-              <a:rPr lang="en-US" altLang="zh-CN" sz="1200" kern="1200" dirty="0" err="1" smtClean="0">
+              <a:rPr lang="en-US" altLang="zh-CN" sz="1200" kern="1200" dirty="0" err="1">
                 <a:solidFill>
                   <a:schemeClr val="tx1"/>
                 </a:solidFill>
@@ -993,7 +991,7 @@
               <a:t>airuitian</a:t>
             </a:r>
             <a:r>
-              <a:rPr lang="en-US" altLang="zh-CN" sz="1200" kern="1200" dirty="0" smtClean="0">
+              <a:rPr lang="en-US" altLang="zh-CN" sz="1200" kern="1200" dirty="0">
                 <a:solidFill>
                   <a:schemeClr val="tx1"/>
                 </a:solidFill>
@@ -1006,15 +1004,15 @@
           </a:p>
           <a:p>
             <a:r>
-              <a:rPr lang="en-US" altLang="zh-CN" dirty="0" err="1" smtClean="0"/>
+              <a:rPr lang="en-US" altLang="zh-CN" dirty="0" err="1"/>
               <a:t>docker</a:t>
             </a:r>
             <a:r>
-              <a:rPr lang="en-US" altLang="zh-CN" dirty="0" smtClean="0"/>
+              <a:rPr lang="en-US" altLang="zh-CN" dirty="0"/>
               <a:t> build </a:t>
             </a:r>
             <a:r>
-              <a:rPr lang="en-US" altLang="zh-CN" sz="1200" kern="1200" dirty="0" smtClean="0">
+              <a:rPr lang="en-US" altLang="zh-CN" sz="1200" kern="1200" dirty="0">
                 <a:solidFill>
                   <a:schemeClr val="tx1"/>
                 </a:solidFill>
@@ -1026,33 +1024,33 @@
               <a:t>-f</a:t>
             </a:r>
             <a:r>
-              <a:rPr lang="en-US" altLang="zh-CN" dirty="0" smtClean="0"/>
+              <a:rPr lang="en-US" altLang="zh-CN" dirty="0"/>
               <a:t> </a:t>
             </a:r>
             <a:r>
-              <a:rPr lang="en-US" altLang="zh-CN" dirty="0" err="1" smtClean="0"/>
+              <a:rPr lang="en-US" altLang="zh-CN" dirty="0" err="1"/>
               <a:t>ctx</a:t>
             </a:r>
             <a:r>
-              <a:rPr lang="en-US" altLang="zh-CN" dirty="0" smtClean="0"/>
+              <a:rPr lang="en-US" altLang="zh-CN" dirty="0"/>
               <a:t>/</a:t>
             </a:r>
             <a:r>
-              <a:rPr lang="en-US" altLang="zh-CN" dirty="0" err="1" smtClean="0"/>
+              <a:rPr lang="en-US" altLang="zh-CN" dirty="0" err="1"/>
               <a:t>Dockerfile</a:t>
             </a:r>
             <a:r>
-              <a:rPr lang="en-US" altLang="zh-CN" dirty="0" smtClean="0"/>
+              <a:rPr lang="en-US" altLang="zh-CN" dirty="0"/>
               <a:t> http://server/</a:t>
             </a:r>
             <a:r>
-              <a:rPr lang="en-US" altLang="zh-CN" dirty="0" err="1" smtClean="0"/>
+              <a:rPr lang="en-US" altLang="zh-CN" dirty="0" err="1"/>
               <a:t>ctx.tar.gz</a:t>
             </a:r>
-            <a:endParaRPr lang="en-US" altLang="zh-CN" dirty="0" smtClean="0"/>
-          </a:p>
-          <a:p>
-            <a:endParaRPr lang="en-US" altLang="zh-CN" dirty="0" smtClean="0"/>
+            <a:endParaRPr lang="en-US" altLang="zh-CN" dirty="0"/>
+          </a:p>
+          <a:p>
+            <a:endParaRPr lang="en-US" altLang="zh-CN" dirty="0"/>
           </a:p>
           <a:p>
             <a:pPr marL="0" marR="0" indent="0" algn="l" defTabSz="914400" rtl="0" eaLnBrk="1" fontAlgn="auto" latinLnBrk="0" hangingPunct="1">
@@ -1073,7 +1071,7 @@
               <a:defRPr/>
             </a:pPr>
             <a:r>
-              <a:rPr lang="en-US" altLang="zh-CN" sz="1200" kern="1200" dirty="0" smtClean="0">
+              <a:rPr lang="en-US" altLang="zh-CN" sz="1200" kern="1200" dirty="0">
                 <a:solidFill>
                   <a:schemeClr val="tx1"/>
                 </a:solidFill>
@@ -1085,11 +1083,11 @@
               <a:t>echo</a:t>
             </a:r>
             <a:r>
-              <a:rPr lang="en-US" altLang="zh-CN" dirty="0" smtClean="0"/>
+              <a:rPr lang="en-US" altLang="zh-CN" dirty="0"/>
               <a:t> </a:t>
             </a:r>
             <a:r>
-              <a:rPr lang="en-US" altLang="zh-CN" sz="1200" kern="1200" dirty="0" smtClean="0">
+              <a:rPr lang="en-US" altLang="zh-CN" sz="1200" kern="1200" dirty="0">
                 <a:solidFill>
                   <a:schemeClr val="tx1"/>
                 </a:solidFill>
@@ -1101,11 +1099,11 @@
               <a:t>-e</a:t>
             </a:r>
             <a:r>
-              <a:rPr lang="en-US" altLang="zh-CN" dirty="0" smtClean="0"/>
+              <a:rPr lang="en-US" altLang="zh-CN" dirty="0"/>
               <a:t> </a:t>
             </a:r>
             <a:r>
-              <a:rPr lang="en-US" altLang="zh-CN" sz="1200" kern="1200" dirty="0" smtClean="0">
+              <a:rPr lang="en-US" altLang="zh-CN" sz="1200" kern="1200" dirty="0">
                 <a:solidFill>
                   <a:schemeClr val="tx1"/>
                 </a:solidFill>
@@ -1117,7 +1115,7 @@
               <a:t>'FROM </a:t>
             </a:r>
             <a:r>
-              <a:rPr lang="en-US" altLang="zh-CN" sz="1200" kern="1200" dirty="0" err="1" smtClean="0">
+              <a:rPr lang="en-US" altLang="zh-CN" sz="1200" kern="1200" dirty="0" err="1">
                 <a:solidFill>
                   <a:schemeClr val="tx1"/>
                 </a:solidFill>
@@ -1129,7 +1127,7 @@
               <a:t>busybox</a:t>
             </a:r>
             <a:r>
-              <a:rPr lang="en-US" altLang="zh-CN" sz="1200" kern="1200" dirty="0" smtClean="0">
+              <a:rPr lang="en-US" altLang="zh-CN" sz="1200" kern="1200" dirty="0">
                 <a:solidFill>
                   <a:schemeClr val="tx1"/>
                 </a:solidFill>
@@ -1141,7 +1139,7 @@
               <a:t>\</a:t>
             </a:r>
             <a:r>
-              <a:rPr lang="en-US" altLang="zh-CN" sz="1200" kern="1200" dirty="0" err="1" smtClean="0">
+              <a:rPr lang="en-US" altLang="zh-CN" sz="1200" kern="1200" dirty="0" err="1">
                 <a:solidFill>
                   <a:schemeClr val="tx1"/>
                 </a:solidFill>
@@ -1153,7 +1151,7 @@
               <a:t>nRUN</a:t>
             </a:r>
             <a:r>
-              <a:rPr lang="en-US" altLang="zh-CN" sz="1200" kern="1200" dirty="0" smtClean="0">
+              <a:rPr lang="en-US" altLang="zh-CN" sz="1200" kern="1200" dirty="0">
                 <a:solidFill>
                   <a:schemeClr val="tx1"/>
                 </a:solidFill>
@@ -1165,22 +1163,22 @@
               <a:t> echo "hello world"'</a:t>
             </a:r>
             <a:r>
-              <a:rPr lang="en-US" altLang="zh-CN" dirty="0" smtClean="0"/>
+              <a:rPr lang="en-US" altLang="zh-CN" dirty="0"/>
               <a:t> | </a:t>
             </a:r>
             <a:r>
-              <a:rPr lang="en-US" altLang="zh-CN" dirty="0" err="1" smtClean="0"/>
+              <a:rPr lang="en-US" altLang="zh-CN" dirty="0" err="1"/>
               <a:t>docker</a:t>
             </a:r>
             <a:r>
-              <a:rPr lang="en-US" altLang="zh-CN" dirty="0" smtClean="0"/>
+              <a:rPr lang="en-US" altLang="zh-CN" dirty="0"/>
               <a:t> build </a:t>
             </a:r>
             <a:r>
-              <a:rPr lang="mr-IN" altLang="zh-CN" dirty="0" smtClean="0"/>
+              <a:rPr lang="mr-IN" altLang="zh-CN" dirty="0"/>
               <a:t>–</a:t>
             </a:r>
-            <a:endParaRPr lang="en-US" altLang="zh-CN" dirty="0" smtClean="0"/>
+            <a:endParaRPr lang="en-US" altLang="zh-CN" dirty="0"/>
           </a:p>
           <a:p>
             <a:pPr marL="0" marR="0" indent="0" algn="l" defTabSz="914400" rtl="0" eaLnBrk="1" fontAlgn="auto" latinLnBrk="0" hangingPunct="1">
@@ -1201,7 +1199,7 @@
               <a:defRPr/>
             </a:pPr>
             <a:r>
-              <a:rPr lang="en-US" altLang="zh-CN" sz="1200" kern="1200" dirty="0" err="1" smtClean="0">
+              <a:rPr lang="en-US" altLang="zh-CN" sz="1200" kern="1200" dirty="0" err="1">
                 <a:solidFill>
                   <a:schemeClr val="tx1"/>
                 </a:solidFill>
@@ -1212,7 +1210,7 @@
               <a:t>docker</a:t>
             </a:r>
             <a:r>
-              <a:rPr lang="en-US" altLang="zh-CN" sz="1200" kern="1200" dirty="0" smtClean="0">
+              <a:rPr lang="en-US" altLang="zh-CN" sz="1200" kern="1200" dirty="0">
                 <a:solidFill>
                   <a:schemeClr val="tx1"/>
                 </a:solidFill>
@@ -1223,7 +1221,7 @@
               <a:t> build - &lt; </a:t>
             </a:r>
             <a:r>
-              <a:rPr lang="en-US" altLang="zh-CN" sz="1200" kern="1200" dirty="0" err="1" smtClean="0">
+              <a:rPr lang="en-US" altLang="zh-CN" sz="1200" kern="1200" dirty="0" err="1">
                 <a:solidFill>
                   <a:schemeClr val="tx1"/>
                 </a:solidFill>
@@ -1233,7 +1231,7 @@
               </a:rPr>
               <a:t>Dockerfile</a:t>
             </a:r>
-            <a:endParaRPr lang="en-US" altLang="zh-CN" dirty="0" smtClean="0"/>
+            <a:endParaRPr lang="en-US" altLang="zh-CN" dirty="0"/>
           </a:p>
           <a:p>
             <a:pPr marL="0" marR="0" indent="0" algn="l" defTabSz="914400" rtl="0" eaLnBrk="1" fontAlgn="auto" latinLnBrk="0" hangingPunct="1">
@@ -1254,21 +1252,21 @@
               <a:defRPr/>
             </a:pPr>
             <a:r>
-              <a:rPr lang="en-US" altLang="zh-CN" dirty="0" err="1" smtClean="0"/>
+              <a:rPr lang="en-US" altLang="zh-CN" dirty="0" err="1"/>
               <a:t>docker</a:t>
             </a:r>
             <a:r>
-              <a:rPr lang="en-US" altLang="zh-CN" dirty="0" smtClean="0"/>
+              <a:rPr lang="en-US" altLang="zh-CN" dirty="0"/>
               <a:t> build -</a:t>
             </a:r>
             <a:r>
-              <a:rPr lang="en-US" altLang="zh-CN" dirty="0" smtClean="0">
+              <a:rPr lang="en-US" altLang="zh-CN" dirty="0">
                 <a:effectLst/>
               </a:rPr>
               <a:t>&lt;&lt;</a:t>
             </a:r>
             <a:r>
-              <a:rPr lang="en-US" altLang="zh-CN" sz="1200" kern="1200" dirty="0" smtClean="0">
+              <a:rPr lang="en-US" altLang="zh-CN" sz="1200" kern="1200" dirty="0">
                 <a:solidFill>
                   <a:schemeClr val="tx1"/>
                 </a:solidFill>
@@ -1299,7 +1297,7 @@
               <a:defRPr/>
             </a:pPr>
             <a:r>
-              <a:rPr lang="en-US" altLang="zh-CN" sz="1200" kern="1200" dirty="0" smtClean="0">
+              <a:rPr lang="en-US" altLang="zh-CN" sz="1200" kern="1200" dirty="0">
                 <a:solidFill>
                   <a:schemeClr val="tx1"/>
                 </a:solidFill>
@@ -1311,7 +1309,7 @@
               <a:t>FROM </a:t>
             </a:r>
             <a:r>
-              <a:rPr lang="en-US" altLang="zh-CN" sz="1200" kern="1200" dirty="0" err="1" smtClean="0">
+              <a:rPr lang="en-US" altLang="zh-CN" sz="1200" kern="1200" dirty="0" err="1">
                 <a:solidFill>
                   <a:schemeClr val="tx1"/>
                 </a:solidFill>
@@ -1323,7 +1321,7 @@
               <a:t>busybox</a:t>
             </a:r>
             <a:r>
-              <a:rPr lang="en-US" altLang="zh-CN" sz="1200" kern="1200" dirty="0" smtClean="0">
+              <a:rPr lang="en-US" altLang="zh-CN" sz="1200" kern="1200" dirty="0">
                 <a:solidFill>
                   <a:schemeClr val="tx1"/>
                 </a:solidFill>
@@ -1354,7 +1352,7 @@
               <a:defRPr/>
             </a:pPr>
             <a:r>
-              <a:rPr lang="en-US" altLang="zh-CN" sz="1200" kern="1200" dirty="0" smtClean="0">
+              <a:rPr lang="en-US" altLang="zh-CN" sz="1200" kern="1200" dirty="0">
                 <a:solidFill>
                   <a:schemeClr val="tx1"/>
                 </a:solidFill>
@@ -1385,7 +1383,7 @@
               <a:defRPr/>
             </a:pPr>
             <a:r>
-              <a:rPr lang="en-US" altLang="zh-CN" sz="1200" kern="1200" dirty="0" smtClean="0">
+              <a:rPr lang="en-US" altLang="zh-CN" sz="1200" kern="1200" dirty="0">
                 <a:solidFill>
                   <a:schemeClr val="tx1"/>
                 </a:solidFill>
@@ -1415,7 +1413,7 @@
               <a:tabLst/>
               <a:defRPr/>
             </a:pPr>
-            <a:endParaRPr kumimoji="1" lang="en-US" altLang="zh-CN" sz="1200" kern="1200" dirty="0" smtClean="0">
+            <a:endParaRPr kumimoji="1" lang="en-US" altLang="zh-CN" sz="1200" kern="1200" dirty="0">
               <a:solidFill>
                 <a:schemeClr val="tx1"/>
               </a:solidFill>
@@ -1444,7 +1442,7 @@
               <a:defRPr/>
             </a:pPr>
             <a:r>
-              <a:rPr kumimoji="1" lang="en-US" altLang="zh-CN" sz="1200" kern="1200" dirty="0" smtClean="0">
+              <a:rPr kumimoji="1" lang="en-US" altLang="zh-CN" sz="1200" kern="1200" dirty="0">
                 <a:solidFill>
                   <a:schemeClr val="tx1"/>
                 </a:solidFill>
@@ -1456,7 +1454,7 @@
               <a:t>touch</a:t>
             </a:r>
             <a:r>
-              <a:rPr kumimoji="1" lang="zh-CN" altLang="en-US" sz="1200" kern="1200" dirty="0" smtClean="0">
+              <a:rPr kumimoji="1" lang="zh-CN" altLang="en-US" sz="1200" kern="1200" dirty="0">
                 <a:solidFill>
                   <a:schemeClr val="tx1"/>
                 </a:solidFill>
@@ -1468,7 +1466,7 @@
               <a:t> </a:t>
             </a:r>
             <a:r>
-              <a:rPr lang="en-US" altLang="zh-CN" sz="1200" kern="1200" dirty="0" err="1" smtClean="0">
+              <a:rPr lang="en-US" altLang="zh-CN" sz="1200" kern="1200" dirty="0" err="1">
                 <a:solidFill>
                   <a:schemeClr val="tx1"/>
                 </a:solidFill>
@@ -1479,7 +1477,7 @@
               </a:rPr>
               <a:t>somefile.txt</a:t>
             </a:r>
-            <a:endParaRPr kumimoji="1" lang="en-US" altLang="zh-CN" sz="1200" kern="1200" dirty="0" smtClean="0">
+            <a:endParaRPr kumimoji="1" lang="en-US" altLang="zh-CN" sz="1200" kern="1200" dirty="0">
               <a:solidFill>
                 <a:schemeClr val="tx1"/>
               </a:solidFill>
@@ -1508,15 +1506,15 @@
               <a:defRPr/>
             </a:pPr>
             <a:r>
-              <a:rPr lang="en-US" altLang="zh-CN" dirty="0" err="1" smtClean="0"/>
+              <a:rPr lang="en-US" altLang="zh-CN" dirty="0" err="1"/>
               <a:t>docker</a:t>
             </a:r>
             <a:r>
-              <a:rPr lang="en-US" altLang="zh-CN" dirty="0" smtClean="0"/>
+              <a:rPr lang="en-US" altLang="zh-CN" dirty="0"/>
               <a:t> build </a:t>
             </a:r>
             <a:r>
-              <a:rPr lang="en-US" altLang="zh-CN" sz="1200" kern="1200" dirty="0" smtClean="0">
+              <a:rPr lang="en-US" altLang="zh-CN" sz="1200" kern="1200" dirty="0">
                 <a:solidFill>
                   <a:schemeClr val="tx1"/>
                 </a:solidFill>
@@ -1528,19 +1526,19 @@
               <a:t>-t</a:t>
             </a:r>
             <a:r>
-              <a:rPr lang="en-US" altLang="zh-CN" dirty="0" smtClean="0"/>
+              <a:rPr lang="en-US" altLang="zh-CN" dirty="0"/>
               <a:t> </a:t>
             </a:r>
             <a:r>
-              <a:rPr lang="en-US" altLang="zh-CN" dirty="0" err="1" smtClean="0"/>
+              <a:rPr lang="en-US" altLang="zh-CN" dirty="0" err="1"/>
               <a:t>myimage:latest</a:t>
             </a:r>
             <a:r>
-              <a:rPr lang="en-US" altLang="zh-CN" dirty="0" smtClean="0"/>
+              <a:rPr lang="en-US" altLang="zh-CN" dirty="0"/>
               <a:t> </a:t>
             </a:r>
             <a:r>
-              <a:rPr lang="en-US" altLang="zh-CN" sz="1200" kern="1200" dirty="0" smtClean="0">
+              <a:rPr lang="en-US" altLang="zh-CN" sz="1200" kern="1200" dirty="0">
                 <a:solidFill>
                   <a:schemeClr val="tx1"/>
                 </a:solidFill>
@@ -1552,11 +1550,11 @@
               <a:t>-f-</a:t>
             </a:r>
             <a:r>
-              <a:rPr lang="en-US" altLang="zh-CN" dirty="0" smtClean="0"/>
+              <a:rPr lang="en-US" altLang="zh-CN" dirty="0"/>
               <a:t> </a:t>
             </a:r>
             <a:r>
-              <a:rPr lang="en-US" altLang="zh-CN" sz="1200" kern="1200" dirty="0" smtClean="0">
+              <a:rPr lang="en-US" altLang="zh-CN" sz="1200" kern="1200" dirty="0">
                 <a:solidFill>
                   <a:schemeClr val="tx1"/>
                 </a:solidFill>
@@ -1568,17 +1566,17 @@
               <a:t>.</a:t>
             </a:r>
             <a:r>
-              <a:rPr lang="en-US" altLang="zh-CN" dirty="0" smtClean="0"/>
+              <a:rPr lang="en-US" altLang="zh-CN" dirty="0"/>
               <a:t> </a:t>
             </a:r>
             <a:r>
-              <a:rPr lang="en-US" altLang="zh-CN" dirty="0" smtClean="0">
+              <a:rPr lang="en-US" altLang="zh-CN" dirty="0">
                 <a:effectLst/>
               </a:rPr>
               <a:t>&lt;&lt;</a:t>
             </a:r>
             <a:r>
-              <a:rPr lang="en-US" altLang="zh-CN" sz="1200" kern="1200" dirty="0" smtClean="0">
+              <a:rPr lang="en-US" altLang="zh-CN" sz="1200" kern="1200" dirty="0">
                 <a:solidFill>
                   <a:schemeClr val="tx1"/>
                 </a:solidFill>
@@ -1609,7 +1607,7 @@
               <a:defRPr/>
             </a:pPr>
             <a:r>
-              <a:rPr lang="en-US" altLang="zh-CN" sz="1200" kern="1200" dirty="0" smtClean="0">
+              <a:rPr lang="en-US" altLang="zh-CN" sz="1200" kern="1200" dirty="0">
                 <a:solidFill>
                   <a:schemeClr val="tx1"/>
                 </a:solidFill>
@@ -1621,7 +1619,7 @@
               <a:t>FROM </a:t>
             </a:r>
             <a:r>
-              <a:rPr lang="en-US" altLang="zh-CN" sz="1200" kern="1200" dirty="0" err="1" smtClean="0">
+              <a:rPr lang="en-US" altLang="zh-CN" sz="1200" kern="1200" dirty="0" err="1">
                 <a:solidFill>
                   <a:schemeClr val="tx1"/>
                 </a:solidFill>
@@ -1633,7 +1631,7 @@
               <a:t>busybox</a:t>
             </a:r>
             <a:r>
-              <a:rPr lang="en-US" altLang="zh-CN" sz="1200" kern="1200" dirty="0" smtClean="0">
+              <a:rPr lang="en-US" altLang="zh-CN" sz="1200" kern="1200" dirty="0">
                 <a:solidFill>
                   <a:schemeClr val="tx1"/>
                 </a:solidFill>
@@ -1664,7 +1662,7 @@
               <a:defRPr/>
             </a:pPr>
             <a:r>
-              <a:rPr lang="en-US" altLang="zh-CN" sz="1200" kern="1200" dirty="0" smtClean="0">
+              <a:rPr lang="en-US" altLang="zh-CN" sz="1200" kern="1200" dirty="0">
                 <a:solidFill>
                   <a:schemeClr val="tx1"/>
                 </a:solidFill>
@@ -1676,7 +1674,7 @@
               <a:t>COPY </a:t>
             </a:r>
             <a:r>
-              <a:rPr lang="en-US" altLang="zh-CN" sz="1200" kern="1200" dirty="0" err="1" smtClean="0">
+              <a:rPr lang="en-US" altLang="zh-CN" sz="1200" kern="1200" dirty="0" err="1">
                 <a:solidFill>
                   <a:schemeClr val="tx1"/>
                 </a:solidFill>
@@ -1688,7 +1686,7 @@
               <a:t>somefile.txt</a:t>
             </a:r>
             <a:r>
-              <a:rPr lang="en-US" altLang="zh-CN" sz="1200" kern="1200" dirty="0" smtClean="0">
+              <a:rPr lang="en-US" altLang="zh-CN" sz="1200" kern="1200" dirty="0">
                 <a:solidFill>
                   <a:schemeClr val="tx1"/>
                 </a:solidFill>
@@ -1719,7 +1717,7 @@
               <a:defRPr/>
             </a:pPr>
             <a:r>
-              <a:rPr lang="en-US" altLang="zh-CN" sz="1200" kern="1200" dirty="0" smtClean="0">
+              <a:rPr lang="en-US" altLang="zh-CN" sz="1200" kern="1200" dirty="0">
                 <a:solidFill>
                   <a:schemeClr val="tx1"/>
                 </a:solidFill>
@@ -1731,7 +1729,7 @@
               <a:t>RUN cat /</a:t>
             </a:r>
             <a:r>
-              <a:rPr lang="en-US" altLang="zh-CN" sz="1200" kern="1200" dirty="0" err="1" smtClean="0">
+              <a:rPr lang="en-US" altLang="zh-CN" sz="1200" kern="1200" dirty="0" err="1">
                 <a:solidFill>
                   <a:schemeClr val="tx1"/>
                 </a:solidFill>
@@ -1743,7 +1741,7 @@
               <a:t>somefile.txt</a:t>
             </a:r>
             <a:r>
-              <a:rPr lang="en-US" altLang="zh-CN" sz="1200" kern="1200" dirty="0" smtClean="0">
+              <a:rPr lang="en-US" altLang="zh-CN" sz="1200" kern="1200" dirty="0">
                 <a:solidFill>
                   <a:schemeClr val="tx1"/>
                 </a:solidFill>
@@ -1774,7 +1772,7 @@
               <a:defRPr/>
             </a:pPr>
             <a:r>
-              <a:rPr lang="en-US" altLang="zh-CN" sz="1200" kern="1200" dirty="0" smtClean="0">
+              <a:rPr lang="en-US" altLang="zh-CN" sz="1200" kern="1200" dirty="0">
                 <a:solidFill>
                   <a:schemeClr val="tx1"/>
                 </a:solidFill>
@@ -1804,7 +1802,7 @@
               <a:tabLst/>
               <a:defRPr/>
             </a:pPr>
-            <a:endParaRPr kumimoji="1" lang="en-US" altLang="zh-CN" sz="1200" kern="1200" dirty="0" smtClean="0">
+            <a:endParaRPr kumimoji="1" lang="en-US" altLang="zh-CN" sz="1200" kern="1200" dirty="0">
               <a:solidFill>
                 <a:schemeClr val="tx1"/>
               </a:solidFill>
@@ -1833,11 +1831,11 @@
               <a:defRPr/>
             </a:pPr>
             <a:r>
-              <a:rPr lang="en-US" altLang="zh-CN" dirty="0" smtClean="0"/>
+              <a:rPr lang="en-US" altLang="zh-CN" dirty="0"/>
               <a:t>[</a:t>
             </a:r>
             <a:r>
-              <a:rPr lang="en-US" altLang="zh-CN" sz="1200" kern="1200" dirty="0" smtClean="0">
+              <a:rPr lang="en-US" altLang="zh-CN" sz="1200" kern="1200" dirty="0">
                 <a:solidFill>
                   <a:schemeClr val="tx1"/>
                 </a:solidFill>
@@ -1848,10 +1846,10 @@
               <a:t>history</a:t>
             </a:r>
             <a:r>
-              <a:rPr lang="en-US" altLang="zh-CN" dirty="0" smtClean="0"/>
+              <a:rPr lang="en-US" altLang="zh-CN" dirty="0"/>
               <a:t>]</a:t>
             </a:r>
-            <a:endParaRPr kumimoji="1" lang="en-US" altLang="zh-CN" sz="1200" kern="1200" dirty="0" smtClean="0">
+            <a:endParaRPr kumimoji="1" lang="en-US" altLang="zh-CN" sz="1200" kern="1200" dirty="0">
               <a:solidFill>
                 <a:schemeClr val="tx1"/>
               </a:solidFill>
@@ -1880,7 +1878,7 @@
               <a:defRPr/>
             </a:pPr>
             <a:r>
-              <a:rPr lang="en-US" altLang="zh-CN" sz="1200" kern="1200" dirty="0" err="1" smtClean="0">
+              <a:rPr lang="en-US" altLang="zh-CN" sz="1200" kern="1200" dirty="0" err="1">
                 <a:solidFill>
                   <a:schemeClr val="tx1"/>
                 </a:solidFill>
@@ -1891,7 +1889,7 @@
               <a:t>docker</a:t>
             </a:r>
             <a:r>
-              <a:rPr lang="en-US" altLang="zh-CN" sz="1200" kern="1200" dirty="0" smtClean="0">
+              <a:rPr lang="en-US" altLang="zh-CN" sz="1200" kern="1200" dirty="0">
                 <a:solidFill>
                   <a:schemeClr val="tx1"/>
                 </a:solidFill>
@@ -1902,7 +1900,7 @@
               <a:t> history </a:t>
             </a:r>
             <a:r>
-              <a:rPr lang="en-US" altLang="zh-CN" sz="1200" kern="1200" dirty="0" err="1" smtClean="0">
+              <a:rPr lang="en-US" altLang="zh-CN" sz="1200" kern="1200" dirty="0" err="1">
                 <a:solidFill>
                   <a:schemeClr val="tx1"/>
                 </a:solidFill>
@@ -1912,7 +1910,7 @@
               </a:rPr>
               <a:t>myimage:latest</a:t>
             </a:r>
-            <a:endParaRPr lang="en-US" altLang="zh-CN" sz="1200" kern="1200" dirty="0" smtClean="0">
+            <a:endParaRPr lang="en-US" altLang="zh-CN" sz="1200" kern="1200" dirty="0">
               <a:solidFill>
                 <a:schemeClr val="tx1"/>
               </a:solidFill>
@@ -1940,7 +1938,7 @@
               <a:defRPr/>
             </a:pPr>
             <a:r>
-              <a:rPr lang="en-US" altLang="zh-CN" sz="1200" kern="1200" dirty="0" err="1" smtClean="0">
+              <a:rPr lang="en-US" altLang="zh-CN" sz="1200" kern="1200" dirty="0" err="1">
                 <a:solidFill>
                   <a:schemeClr val="tx1"/>
                 </a:solidFill>
@@ -1951,7 +1949,7 @@
               <a:t>docker</a:t>
             </a:r>
             <a:r>
-              <a:rPr lang="en-US" altLang="zh-CN" sz="1200" kern="1200" dirty="0" smtClean="0">
+              <a:rPr lang="en-US" altLang="zh-CN" sz="1200" kern="1200" dirty="0">
                 <a:solidFill>
                   <a:schemeClr val="tx1"/>
                 </a:solidFill>
@@ -1962,7 +1960,7 @@
               <a:t> history --format "{{.ID}}: {{.</a:t>
             </a:r>
             <a:r>
-              <a:rPr lang="en-US" altLang="zh-CN" sz="1200" kern="1200" dirty="0" err="1" smtClean="0">
+              <a:rPr lang="en-US" altLang="zh-CN" sz="1200" kern="1200" dirty="0" err="1">
                 <a:solidFill>
                   <a:schemeClr val="tx1"/>
                 </a:solidFill>
@@ -1973,7 +1971,7 @@
               <a:t>CreatedSince</a:t>
             </a:r>
             <a:r>
-              <a:rPr lang="en-US" altLang="zh-CN" sz="1200" kern="1200" dirty="0" smtClean="0">
+              <a:rPr lang="en-US" altLang="zh-CN" sz="1200" kern="1200" dirty="0">
                 <a:solidFill>
                   <a:schemeClr val="tx1"/>
                 </a:solidFill>
@@ -1984,7 +1982,7 @@
               <a:t>}}" </a:t>
             </a:r>
             <a:r>
-              <a:rPr lang="en-US" altLang="zh-CN" sz="1200" kern="1200" dirty="0" err="1" smtClean="0">
+              <a:rPr lang="en-US" altLang="zh-CN" sz="1200" kern="1200" dirty="0" err="1">
                 <a:solidFill>
                   <a:schemeClr val="tx1"/>
                 </a:solidFill>
@@ -1994,7 +1992,7 @@
               </a:rPr>
               <a:t>myimage:latest</a:t>
             </a:r>
-            <a:endParaRPr lang="en-US" altLang="zh-CN" sz="1200" kern="1200" dirty="0" smtClean="0">
+            <a:endParaRPr lang="en-US" altLang="zh-CN" sz="1200" kern="1200" dirty="0">
               <a:solidFill>
                 <a:schemeClr val="tx1"/>
               </a:solidFill>
@@ -2021,7 +2019,7 @@
               <a:tabLst/>
               <a:defRPr/>
             </a:pPr>
-            <a:endParaRPr kumimoji="1" lang="en-US" altLang="zh-CN" sz="1200" kern="1200" dirty="0" smtClean="0">
+            <a:endParaRPr kumimoji="1" lang="en-US" altLang="zh-CN" sz="1200" kern="1200" dirty="0">
               <a:solidFill>
                 <a:schemeClr val="tx1"/>
               </a:solidFill>
@@ -2049,7 +2047,7 @@
               <a:defRPr/>
             </a:pPr>
             <a:r>
-              <a:rPr kumimoji="1" lang="en-US" altLang="zh-CN" sz="1200" kern="1200" dirty="0" smtClean="0">
+              <a:rPr kumimoji="1" lang="en-US" altLang="zh-CN" sz="1200" kern="1200" dirty="0">
                 <a:solidFill>
                   <a:schemeClr val="tx1"/>
                 </a:solidFill>
@@ -2079,7 +2077,7 @@
               <a:defRPr/>
             </a:pPr>
             <a:r>
-              <a:rPr lang="en-US" altLang="zh-CN" sz="1200" kern="1200" dirty="0" err="1" smtClean="0">
+              <a:rPr lang="en-US" altLang="zh-CN" sz="1200" kern="1200" dirty="0" err="1">
                 <a:solidFill>
                   <a:schemeClr val="tx1"/>
                 </a:solidFill>
@@ -2090,7 +2088,7 @@
               <a:t>docker</a:t>
             </a:r>
             <a:r>
-              <a:rPr lang="en-US" altLang="zh-CN" sz="1200" kern="1200" dirty="0" smtClean="0">
+              <a:rPr lang="en-US" altLang="zh-CN" sz="1200" kern="1200" dirty="0">
                 <a:solidFill>
                   <a:schemeClr val="tx1"/>
                 </a:solidFill>
@@ -2101,7 +2099,7 @@
               <a:t> inspect  </a:t>
             </a:r>
             <a:r>
-              <a:rPr lang="en-US" altLang="zh-CN" sz="1200" kern="1200" dirty="0" err="1" smtClean="0">
+              <a:rPr lang="en-US" altLang="zh-CN" sz="1200" kern="1200" dirty="0" err="1">
                 <a:solidFill>
                   <a:schemeClr val="tx1"/>
                 </a:solidFill>
@@ -2111,7 +2109,7 @@
               </a:rPr>
               <a:t>myimage:latest</a:t>
             </a:r>
-            <a:endParaRPr kumimoji="1" lang="en-US" altLang="zh-CN" sz="1200" kern="1200" dirty="0" smtClean="0">
+            <a:endParaRPr kumimoji="1" lang="en-US" altLang="zh-CN" sz="1200" kern="1200" dirty="0">
               <a:solidFill>
                 <a:schemeClr val="tx1"/>
               </a:solidFill>
@@ -2139,7 +2137,7 @@
               <a:defRPr/>
             </a:pPr>
             <a:r>
-              <a:rPr lang="en-US" altLang="zh-CN" sz="1200" kern="1200" dirty="0" err="1" smtClean="0">
+              <a:rPr lang="en-US" altLang="zh-CN" sz="1200" kern="1200" dirty="0" err="1">
                 <a:solidFill>
                   <a:schemeClr val="tx1"/>
                 </a:solidFill>
@@ -2150,7 +2148,7 @@
               <a:t>docker</a:t>
             </a:r>
             <a:r>
-              <a:rPr lang="en-US" altLang="zh-CN" sz="1200" kern="1200" dirty="0" smtClean="0">
+              <a:rPr lang="en-US" altLang="zh-CN" sz="1200" kern="1200" dirty="0">
                 <a:solidFill>
                   <a:schemeClr val="tx1"/>
                 </a:solidFill>
@@ -2161,7 +2159,7 @@
               <a:t> inspect --format='{{.</a:t>
             </a:r>
             <a:r>
-              <a:rPr lang="en-US" altLang="zh-CN" sz="1200" kern="1200" dirty="0" err="1" smtClean="0">
+              <a:rPr lang="en-US" altLang="zh-CN" sz="1200" kern="1200" dirty="0" err="1">
                 <a:solidFill>
                   <a:schemeClr val="tx1"/>
                 </a:solidFill>
@@ -2172,7 +2170,7 @@
               <a:t>Config.Image</a:t>
             </a:r>
             <a:r>
-              <a:rPr lang="en-US" altLang="zh-CN" sz="1200" kern="1200" dirty="0" smtClean="0">
+              <a:rPr lang="en-US" altLang="zh-CN" sz="1200" kern="1200" dirty="0">
                 <a:solidFill>
                   <a:schemeClr val="tx1"/>
                 </a:solidFill>
@@ -2183,7 +2181,7 @@
               <a:t>}}'  </a:t>
             </a:r>
             <a:r>
-              <a:rPr lang="en-US" altLang="zh-CN" sz="1200" kern="1200" dirty="0" err="1" smtClean="0">
+              <a:rPr lang="en-US" altLang="zh-CN" sz="1200" kern="1200" dirty="0" err="1">
                 <a:solidFill>
                   <a:schemeClr val="tx1"/>
                 </a:solidFill>
@@ -2193,7 +2191,7 @@
               </a:rPr>
               <a:t>myimage:latest</a:t>
             </a:r>
-            <a:endParaRPr lang="en-US" altLang="zh-CN" sz="1200" kern="1200" dirty="0" smtClean="0">
+            <a:endParaRPr lang="en-US" altLang="zh-CN" sz="1200" kern="1200" dirty="0">
               <a:solidFill>
                 <a:schemeClr val="tx1"/>
               </a:solidFill>
@@ -2220,7 +2218,7 @@
               <a:tabLst/>
               <a:defRPr/>
             </a:pPr>
-            <a:endParaRPr kumimoji="1" lang="en-US" altLang="zh-CN" sz="1200" kern="1200" dirty="0" smtClean="0">
+            <a:endParaRPr kumimoji="1" lang="en-US" altLang="zh-CN" sz="1200" kern="1200" dirty="0">
               <a:solidFill>
                 <a:schemeClr val="tx1"/>
               </a:solidFill>
@@ -2231,7 +2229,7 @@
           </a:p>
           <a:p>
             <a:r>
-              <a:rPr kumimoji="1" lang="en-US" altLang="zh-CN" sz="1200" kern="1200" dirty="0" smtClean="0">
+              <a:rPr kumimoji="1" lang="en-US" altLang="zh-CN" sz="1200" kern="1200" dirty="0">
                 <a:solidFill>
                   <a:schemeClr val="tx1"/>
                 </a:solidFill>
@@ -2242,7 +2240,7 @@
               <a:t>[load</a:t>
             </a:r>
             <a:r>
-              <a:rPr kumimoji="1" lang="zh-CN" altLang="en-US" sz="1200" kern="1200" baseline="0" dirty="0" smtClean="0">
+              <a:rPr kumimoji="1" lang="zh-CN" altLang="en-US" sz="1200" kern="1200" baseline="0" dirty="0">
                 <a:solidFill>
                   <a:schemeClr val="tx1"/>
                 </a:solidFill>
@@ -2253,7 +2251,7 @@
               <a:t> </a:t>
             </a:r>
             <a:r>
-              <a:rPr kumimoji="1" lang="en-US" altLang="zh-CN" sz="1200" kern="1200" baseline="0" dirty="0" smtClean="0">
+              <a:rPr kumimoji="1" lang="en-US" altLang="zh-CN" sz="1200" kern="1200" baseline="0" dirty="0">
                 <a:solidFill>
                   <a:schemeClr val="tx1"/>
                 </a:solidFill>
@@ -2264,7 +2262,7 @@
               <a:t>&amp;</a:t>
             </a:r>
             <a:r>
-              <a:rPr kumimoji="1" lang="zh-CN" altLang="en-US" sz="1200" kern="1200" baseline="0" dirty="0" smtClean="0">
+              <a:rPr kumimoji="1" lang="zh-CN" altLang="en-US" sz="1200" kern="1200" baseline="0" dirty="0">
                 <a:solidFill>
                   <a:schemeClr val="tx1"/>
                 </a:solidFill>
@@ -2275,7 +2273,7 @@
               <a:t> </a:t>
             </a:r>
             <a:r>
-              <a:rPr kumimoji="1" lang="en-US" altLang="zh-CN" sz="1200" kern="1200" baseline="0" dirty="0" smtClean="0">
+              <a:rPr kumimoji="1" lang="en-US" altLang="zh-CN" sz="1200" kern="1200" baseline="0" dirty="0">
                 <a:solidFill>
                   <a:schemeClr val="tx1"/>
                 </a:solidFill>
@@ -2286,7 +2284,7 @@
               <a:t>save</a:t>
             </a:r>
             <a:r>
-              <a:rPr kumimoji="1" lang="en-US" altLang="zh-CN" sz="1200" kern="1200" dirty="0" smtClean="0">
+              <a:rPr kumimoji="1" lang="en-US" altLang="zh-CN" sz="1200" kern="1200" dirty="0">
                 <a:solidFill>
                   <a:schemeClr val="tx1"/>
                 </a:solidFill>
@@ -2299,7 +2297,7 @@
           </a:p>
           <a:p>
             <a:r>
-              <a:rPr kumimoji="1" lang="en-US" altLang="zh-CN" sz="1200" kern="1200" dirty="0" smtClean="0">
+              <a:rPr kumimoji="1" lang="en-US" altLang="zh-CN" sz="1200" kern="1200" dirty="0">
                 <a:solidFill>
                   <a:schemeClr val="tx1"/>
                 </a:solidFill>
@@ -2310,7 +2308,7 @@
               <a:t>Save</a:t>
             </a:r>
             <a:r>
-              <a:rPr kumimoji="1" lang="zh-CN" altLang="en-US" sz="1200" kern="1200" dirty="0" smtClean="0">
+              <a:rPr kumimoji="1" lang="zh-CN" altLang="en-US" sz="1200" kern="1200" dirty="0">
                 <a:solidFill>
                   <a:schemeClr val="tx1"/>
                 </a:solidFill>
@@ -2320,7 +2318,7 @@
               </a:rPr>
               <a:t>打包镜像，可以一起打包多个镜像</a:t>
             </a:r>
-            <a:endParaRPr kumimoji="1" lang="en-US" altLang="zh-CN" sz="1200" kern="1200" dirty="0" smtClean="0">
+            <a:endParaRPr kumimoji="1" lang="en-US" altLang="zh-CN" sz="1200" kern="1200" dirty="0">
               <a:solidFill>
                 <a:schemeClr val="tx1"/>
               </a:solidFill>
@@ -2331,7 +2329,7 @@
           </a:p>
           <a:p>
             <a:r>
-              <a:rPr kumimoji="1" lang="en-US" altLang="zh-CN" sz="1200" kern="1200" dirty="0" smtClean="0">
+              <a:rPr kumimoji="1" lang="en-US" altLang="zh-CN" sz="1200" kern="1200" dirty="0">
                 <a:solidFill>
                   <a:schemeClr val="tx1"/>
                 </a:solidFill>
@@ -2342,7 +2340,7 @@
               <a:t>Load</a:t>
             </a:r>
             <a:r>
-              <a:rPr kumimoji="1" lang="zh-CN" altLang="en-US" sz="1200" kern="1200" dirty="0" smtClean="0">
+              <a:rPr kumimoji="1" lang="zh-CN" altLang="en-US" sz="1200" kern="1200" dirty="0">
                 <a:solidFill>
                   <a:schemeClr val="tx1"/>
                 </a:solidFill>
@@ -2352,7 +2350,7 @@
               </a:rPr>
               <a:t>载入镜像</a:t>
             </a:r>
-            <a:endParaRPr kumimoji="1" lang="en-US" altLang="zh-CN" sz="1200" kern="1200" dirty="0" smtClean="0">
+            <a:endParaRPr kumimoji="1" lang="en-US" altLang="zh-CN" sz="1200" kern="1200" dirty="0">
               <a:solidFill>
                 <a:schemeClr val="tx1"/>
               </a:solidFill>
@@ -2363,7 +2361,7 @@
           </a:p>
           <a:p>
             <a:r>
-              <a:rPr kumimoji="1" lang="zh-CN" altLang="en-US" sz="1200" kern="1200" dirty="0" smtClean="0">
+              <a:rPr kumimoji="1" lang="zh-CN" altLang="en-US" sz="1200" kern="1200" dirty="0">
                 <a:solidFill>
                   <a:schemeClr val="tx1"/>
                 </a:solidFill>
@@ -2374,7 +2372,7 @@
               <a:t>用于需要部署的服务器不能直接从外网下载镜像时，可以用</a:t>
             </a:r>
             <a:r>
-              <a:rPr kumimoji="1" lang="en-US" altLang="zh-CN" sz="1200" kern="1200" dirty="0" smtClean="0">
+              <a:rPr kumimoji="1" lang="en-US" altLang="zh-CN" sz="1200" kern="1200" dirty="0">
                 <a:solidFill>
                   <a:schemeClr val="tx1"/>
                 </a:solidFill>
@@ -2385,7 +2383,7 @@
               <a:t>save</a:t>
             </a:r>
             <a:r>
-              <a:rPr kumimoji="1" lang="zh-CN" altLang="en-US" sz="1200" kern="1200" dirty="0" smtClean="0">
+              <a:rPr kumimoji="1" lang="zh-CN" altLang="en-US" sz="1200" kern="1200" dirty="0">
                 <a:solidFill>
                   <a:schemeClr val="tx1"/>
                 </a:solidFill>
@@ -2396,7 +2394,7 @@
               <a:t>打包镜像，拷贝到服务器上，用</a:t>
             </a:r>
             <a:r>
-              <a:rPr kumimoji="1" lang="en-US" altLang="zh-CN" sz="1200" kern="1200" dirty="0" smtClean="0">
+              <a:rPr kumimoji="1" lang="en-US" altLang="zh-CN" sz="1200" kern="1200" dirty="0">
                 <a:solidFill>
                   <a:schemeClr val="tx1"/>
                 </a:solidFill>
@@ -2407,7 +2405,7 @@
               <a:t>load</a:t>
             </a:r>
             <a:r>
-              <a:rPr kumimoji="1" lang="zh-CN" altLang="en-US" sz="1200" kern="1200" dirty="0" smtClean="0">
+              <a:rPr kumimoji="1" lang="zh-CN" altLang="en-US" sz="1200" kern="1200" dirty="0">
                 <a:solidFill>
                   <a:schemeClr val="tx1"/>
                 </a:solidFill>
@@ -2417,7 +2415,7 @@
               </a:rPr>
               <a:t>载入</a:t>
             </a:r>
-            <a:endParaRPr kumimoji="1" lang="en-US" altLang="zh-CN" sz="1200" kern="1200" dirty="0" smtClean="0">
+            <a:endParaRPr kumimoji="1" lang="en-US" altLang="zh-CN" sz="1200" kern="1200" dirty="0">
               <a:solidFill>
                 <a:schemeClr val="tx1"/>
               </a:solidFill>
@@ -2428,7 +2426,7 @@
           </a:p>
           <a:p>
             <a:r>
-              <a:rPr lang="en-US" altLang="zh-CN" sz="1200" kern="1200" dirty="0" err="1" smtClean="0">
+              <a:rPr lang="en-US" altLang="zh-CN" sz="1200" kern="1200" dirty="0" err="1">
                 <a:solidFill>
                   <a:schemeClr val="tx1"/>
                 </a:solidFill>
@@ -2439,7 +2437,7 @@
               <a:t>docker</a:t>
             </a:r>
             <a:r>
-              <a:rPr lang="en-US" altLang="zh-CN" sz="1200" kern="1200" dirty="0" smtClean="0">
+              <a:rPr lang="en-US" altLang="zh-CN" sz="1200" kern="1200" dirty="0">
                 <a:solidFill>
                   <a:schemeClr val="tx1"/>
                 </a:solidFill>
@@ -2450,7 +2448,7 @@
               <a:t> save -o </a:t>
             </a:r>
             <a:r>
-              <a:rPr lang="en-US" altLang="zh-CN" sz="1200" kern="1200" dirty="0" err="1" smtClean="0">
+              <a:rPr lang="en-US" altLang="zh-CN" sz="1200" kern="1200" dirty="0" err="1">
                 <a:solidFill>
                   <a:schemeClr val="tx1"/>
                 </a:solidFill>
@@ -2461,7 +2459,7 @@
               <a:t>images.tar</a:t>
             </a:r>
             <a:r>
-              <a:rPr lang="en-US" altLang="zh-CN" sz="1200" kern="1200" dirty="0" smtClean="0">
+              <a:rPr lang="en-US" altLang="zh-CN" sz="1200" kern="1200" dirty="0">
                 <a:solidFill>
                   <a:schemeClr val="tx1"/>
                 </a:solidFill>
@@ -2472,7 +2470,7 @@
               <a:t> </a:t>
             </a:r>
             <a:r>
-              <a:rPr lang="en-US" altLang="zh-CN" sz="1200" kern="1200" dirty="0" err="1" smtClean="0">
+              <a:rPr lang="en-US" altLang="zh-CN" sz="1200" kern="1200" dirty="0" err="1">
                 <a:solidFill>
                   <a:schemeClr val="tx1"/>
                 </a:solidFill>
@@ -2483,7 +2481,7 @@
               <a:t>myimage:latest</a:t>
             </a:r>
             <a:r>
-              <a:rPr lang="zh-CN" altLang="en-US" sz="1200" kern="1200" dirty="0" smtClean="0">
+              <a:rPr lang="zh-CN" altLang="en-US" sz="1200" kern="1200" dirty="0">
                 <a:solidFill>
                   <a:schemeClr val="tx1"/>
                 </a:solidFill>
@@ -2494,7 +2492,7 @@
               <a:t> </a:t>
             </a:r>
             <a:r>
-              <a:rPr lang="en-US" altLang="zh-CN" sz="1200" kern="1200" dirty="0" err="1" smtClean="0">
+              <a:rPr lang="en-US" altLang="zh-CN" sz="1200" kern="1200" dirty="0" err="1">
                 <a:solidFill>
                   <a:schemeClr val="tx1"/>
                 </a:solidFill>
@@ -2504,7 +2502,7 @@
               </a:rPr>
               <a:t>busybox:latest</a:t>
             </a:r>
-            <a:endParaRPr lang="en-US" altLang="zh-CN" sz="1200" kern="1200" dirty="0" smtClean="0">
+            <a:endParaRPr lang="en-US" altLang="zh-CN" sz="1200" kern="1200" dirty="0">
               <a:solidFill>
                 <a:schemeClr val="tx1"/>
               </a:solidFill>
@@ -2532,7 +2530,7 @@
               <a:defRPr/>
             </a:pPr>
             <a:r>
-              <a:rPr lang="en-US" altLang="zh-CN" sz="1200" kern="1200" dirty="0" err="1" smtClean="0">
+              <a:rPr lang="en-US" altLang="zh-CN" sz="1200" kern="1200" dirty="0" err="1">
                 <a:solidFill>
                   <a:schemeClr val="tx1"/>
                 </a:solidFill>
@@ -2543,7 +2541,7 @@
               <a:t>docker</a:t>
             </a:r>
             <a:r>
-              <a:rPr lang="zh-CN" altLang="en-US" sz="1200" kern="1200" dirty="0" smtClean="0">
+              <a:rPr lang="zh-CN" altLang="en-US" sz="1200" kern="1200" dirty="0">
                 <a:solidFill>
                   <a:schemeClr val="tx1"/>
                 </a:solidFill>
@@ -2554,7 +2552,7 @@
               <a:t> </a:t>
             </a:r>
             <a:r>
-              <a:rPr lang="en-US" altLang="zh-CN" sz="1200" kern="1200" dirty="0" smtClean="0">
+              <a:rPr lang="en-US" altLang="zh-CN" sz="1200" kern="1200" dirty="0">
                 <a:solidFill>
                   <a:schemeClr val="tx1"/>
                 </a:solidFill>
@@ -2565,7 +2563,7 @@
               <a:t>save</a:t>
             </a:r>
             <a:r>
-              <a:rPr lang="zh-CN" altLang="en-US" sz="1200" kern="1200" dirty="0" smtClean="0">
+              <a:rPr lang="zh-CN" altLang="en-US" sz="1200" kern="1200" dirty="0">
                 <a:solidFill>
                   <a:schemeClr val="tx1"/>
                 </a:solidFill>
@@ -2576,7 +2574,7 @@
               <a:t> </a:t>
             </a:r>
             <a:r>
-              <a:rPr lang="en-US" altLang="zh-CN" sz="1200" kern="1200" dirty="0" err="1" smtClean="0">
+              <a:rPr lang="en-US" altLang="zh-CN" sz="1200" kern="1200" dirty="0" err="1">
                 <a:solidFill>
                   <a:schemeClr val="tx1"/>
                 </a:solidFill>
@@ -2587,7 +2585,7 @@
               <a:t>myimage:latest</a:t>
             </a:r>
             <a:r>
-              <a:rPr lang="zh-CN" altLang="en-US" sz="1200" kern="1200" dirty="0" smtClean="0">
+              <a:rPr lang="zh-CN" altLang="en-US" sz="1200" kern="1200" dirty="0">
                 <a:solidFill>
                   <a:schemeClr val="tx1"/>
                 </a:solidFill>
@@ -2598,7 +2596,7 @@
               <a:t> </a:t>
             </a:r>
             <a:r>
-              <a:rPr lang="en-US" altLang="zh-CN" sz="1200" kern="1200" dirty="0" err="1" smtClean="0">
+              <a:rPr lang="en-US" altLang="zh-CN" sz="1200" kern="1200" dirty="0" err="1">
                 <a:solidFill>
                   <a:schemeClr val="tx1"/>
                 </a:solidFill>
@@ -2609,7 +2607,7 @@
               <a:t>busybox:latest</a:t>
             </a:r>
             <a:r>
-              <a:rPr lang="zh-CN" altLang="en-US" sz="1200" kern="1200" baseline="0" dirty="0" smtClean="0">
+              <a:rPr lang="zh-CN" altLang="en-US" sz="1200" kern="1200" baseline="0" dirty="0">
                 <a:solidFill>
                   <a:schemeClr val="tx1"/>
                 </a:solidFill>
@@ -2620,7 +2618,7 @@
               <a:t> </a:t>
             </a:r>
             <a:r>
-              <a:rPr lang="en-US" altLang="zh-CN" sz="1200" kern="1200" baseline="0" dirty="0" smtClean="0">
+              <a:rPr lang="en-US" altLang="zh-CN" sz="1200" kern="1200" baseline="0" dirty="0">
                 <a:solidFill>
                   <a:schemeClr val="tx1"/>
                 </a:solidFill>
@@ -2631,7 +2629,7 @@
               <a:t>&gt;</a:t>
             </a:r>
             <a:r>
-              <a:rPr lang="zh-CN" altLang="en-US" sz="1200" kern="1200" baseline="0" dirty="0" smtClean="0">
+              <a:rPr lang="zh-CN" altLang="en-US" sz="1200" kern="1200" baseline="0" dirty="0">
                 <a:solidFill>
                   <a:schemeClr val="tx1"/>
                 </a:solidFill>
@@ -2642,7 +2640,7 @@
               <a:t> </a:t>
             </a:r>
             <a:r>
-              <a:rPr lang="en-US" altLang="zh-CN" sz="1200" kern="1200" baseline="0" dirty="0" err="1" smtClean="0">
+              <a:rPr lang="en-US" altLang="zh-CN" sz="1200" kern="1200" baseline="0" dirty="0" err="1">
                 <a:solidFill>
                   <a:schemeClr val="tx1"/>
                 </a:solidFill>
@@ -2652,7 +2650,7 @@
               </a:rPr>
               <a:t>images.tar</a:t>
             </a:r>
-            <a:endParaRPr lang="en-US" altLang="zh-CN" sz="1200" kern="1200" dirty="0" smtClean="0">
+            <a:endParaRPr lang="en-US" altLang="zh-CN" sz="1200" kern="1200" dirty="0">
               <a:solidFill>
                 <a:schemeClr val="tx1"/>
               </a:solidFill>
@@ -2663,7 +2661,7 @@
           </a:p>
           <a:p>
             <a:r>
-              <a:rPr lang="en-US" altLang="zh-CN" sz="1200" kern="1200" dirty="0" err="1" smtClean="0">
+              <a:rPr lang="en-US" altLang="zh-CN" sz="1200" kern="1200" dirty="0" err="1">
                 <a:solidFill>
                   <a:schemeClr val="tx1"/>
                 </a:solidFill>
@@ -2674,7 +2672,7 @@
               <a:t>docker</a:t>
             </a:r>
             <a:r>
-              <a:rPr lang="en-US" altLang="zh-CN" sz="1200" kern="1200" dirty="0" smtClean="0">
+              <a:rPr lang="en-US" altLang="zh-CN" sz="1200" kern="1200" dirty="0">
                 <a:solidFill>
                   <a:schemeClr val="tx1"/>
                 </a:solidFill>
@@ -2685,7 +2683,7 @@
               <a:t> load -</a:t>
             </a:r>
             <a:r>
-              <a:rPr lang="en-US" altLang="zh-CN" sz="1200" kern="1200" dirty="0" err="1" smtClean="0">
+              <a:rPr lang="en-US" altLang="zh-CN" sz="1200" kern="1200" dirty="0" err="1">
                 <a:solidFill>
                   <a:schemeClr val="tx1"/>
                 </a:solidFill>
@@ -2696,7 +2694,7 @@
               <a:t>i</a:t>
             </a:r>
             <a:r>
-              <a:rPr lang="en-US" altLang="zh-CN" sz="1200" kern="1200" dirty="0" smtClean="0">
+              <a:rPr lang="en-US" altLang="zh-CN" sz="1200" kern="1200" dirty="0">
                 <a:solidFill>
                   <a:schemeClr val="tx1"/>
                 </a:solidFill>
@@ -2707,7 +2705,7 @@
               <a:t> </a:t>
             </a:r>
             <a:r>
-              <a:rPr lang="en-US" altLang="zh-CN" sz="1200" kern="1200" dirty="0" err="1" smtClean="0">
+              <a:rPr lang="en-US" altLang="zh-CN" sz="1200" kern="1200" dirty="0" err="1">
                 <a:solidFill>
                   <a:schemeClr val="tx1"/>
                 </a:solidFill>
@@ -2718,7 +2716,7 @@
               <a:t>images.tar</a:t>
             </a:r>
             <a:r>
-              <a:rPr lang="en-US" altLang="zh-CN" sz="1200" kern="1200" dirty="0" smtClean="0">
+              <a:rPr lang="en-US" altLang="zh-CN" sz="1200" kern="1200" dirty="0">
                 <a:solidFill>
                   <a:schemeClr val="tx1"/>
                 </a:solidFill>
@@ -2748,7 +2746,7 @@
               <a:defRPr/>
             </a:pPr>
             <a:r>
-              <a:rPr kumimoji="1" lang="en-US" altLang="zh-CN" sz="1200" kern="1200" dirty="0" err="1" smtClean="0">
+              <a:rPr kumimoji="1" lang="en-US" altLang="zh-CN" sz="1200" kern="1200" dirty="0" err="1">
                 <a:solidFill>
                   <a:schemeClr val="tx1"/>
                 </a:solidFill>
@@ -2759,7 +2757,7 @@
               <a:t>docker</a:t>
             </a:r>
             <a:r>
-              <a:rPr kumimoji="1" lang="zh-CN" altLang="en-US" sz="1200" kern="1200" dirty="0" smtClean="0">
+              <a:rPr kumimoji="1" lang="zh-CN" altLang="en-US" sz="1200" kern="1200" dirty="0">
                 <a:solidFill>
                   <a:schemeClr val="tx1"/>
                 </a:solidFill>
@@ -2770,7 +2768,7 @@
               <a:t> </a:t>
             </a:r>
             <a:r>
-              <a:rPr kumimoji="1" lang="en-US" altLang="zh-CN" sz="1200" kern="1200" dirty="0" smtClean="0">
+              <a:rPr kumimoji="1" lang="en-US" altLang="zh-CN" sz="1200" kern="1200" dirty="0">
                 <a:solidFill>
                   <a:schemeClr val="tx1"/>
                 </a:solidFill>
@@ -2781,7 +2779,7 @@
               <a:t>load</a:t>
             </a:r>
             <a:r>
-              <a:rPr kumimoji="1" lang="zh-CN" altLang="en-US" sz="1200" kern="1200" dirty="0" smtClean="0">
+              <a:rPr kumimoji="1" lang="zh-CN" altLang="en-US" sz="1200" kern="1200" dirty="0">
                 <a:solidFill>
                   <a:schemeClr val="tx1"/>
                 </a:solidFill>
@@ -2792,7 +2790,7 @@
               <a:t> </a:t>
             </a:r>
             <a:r>
-              <a:rPr kumimoji="1" lang="en-US" altLang="zh-CN" sz="1200" kern="1200" dirty="0" smtClean="0">
+              <a:rPr kumimoji="1" lang="en-US" altLang="zh-CN" sz="1200" kern="1200" dirty="0">
                 <a:solidFill>
                   <a:schemeClr val="tx1"/>
                 </a:solidFill>
@@ -2803,7 +2801,7 @@
               <a:t>&lt;</a:t>
             </a:r>
             <a:r>
-              <a:rPr kumimoji="1" lang="zh-CN" altLang="en-US" sz="1200" kern="1200" dirty="0" smtClean="0">
+              <a:rPr kumimoji="1" lang="zh-CN" altLang="en-US" sz="1200" kern="1200" dirty="0">
                 <a:solidFill>
                   <a:schemeClr val="tx1"/>
                 </a:solidFill>
@@ -2814,7 +2812,7 @@
               <a:t> </a:t>
             </a:r>
             <a:r>
-              <a:rPr lang="en-US" altLang="zh-CN" sz="1200" kern="1200" dirty="0" err="1" smtClean="0">
+              <a:rPr lang="en-US" altLang="zh-CN" sz="1200" kern="1200" dirty="0" err="1">
                 <a:solidFill>
                   <a:schemeClr val="tx1"/>
                 </a:solidFill>
@@ -2825,7 +2823,7 @@
               <a:t>images.tar</a:t>
             </a:r>
             <a:r>
-              <a:rPr lang="en-US" altLang="zh-CN" sz="1200" kern="1200" dirty="0" smtClean="0">
+              <a:rPr lang="en-US" altLang="zh-CN" sz="1200" kern="1200" dirty="0">
                 <a:solidFill>
                   <a:schemeClr val="tx1"/>
                 </a:solidFill>
@@ -2835,43 +2833,43 @@
               </a:rPr>
               <a:t> </a:t>
             </a:r>
-            <a:endParaRPr kumimoji="1" lang="en-US" altLang="zh-CN" dirty="0" smtClean="0"/>
-          </a:p>
-          <a:p>
-            <a:endParaRPr kumimoji="1" lang="en-US" altLang="zh-CN" dirty="0" smtClean="0"/>
-          </a:p>
-          <a:p>
-            <a:r>
-              <a:rPr kumimoji="1" lang="en-US" altLang="zh-CN" dirty="0" smtClean="0"/>
+            <a:endParaRPr kumimoji="1" lang="en-US" altLang="zh-CN" dirty="0"/>
+          </a:p>
+          <a:p>
+            <a:endParaRPr kumimoji="1" lang="en-US" altLang="zh-CN" dirty="0"/>
+          </a:p>
+          <a:p>
+            <a:r>
+              <a:rPr kumimoji="1" lang="en-US" altLang="zh-CN" dirty="0"/>
               <a:t>[ls]</a:t>
             </a:r>
           </a:p>
           <a:p>
             <a:r>
-              <a:rPr kumimoji="1" lang="en-US" altLang="zh-CN" dirty="0" smtClean="0"/>
+              <a:rPr kumimoji="1" lang="en-US" altLang="zh-CN" dirty="0"/>
               <a:t>Docker</a:t>
             </a:r>
             <a:r>
-              <a:rPr kumimoji="1" lang="zh-CN" altLang="en-US" dirty="0" smtClean="0"/>
+              <a:rPr kumimoji="1" lang="zh-CN" altLang="en-US" dirty="0"/>
               <a:t> </a:t>
             </a:r>
             <a:r>
-              <a:rPr kumimoji="1" lang="en-US" altLang="zh-CN" dirty="0" smtClean="0"/>
+              <a:rPr kumimoji="1" lang="en-US" altLang="zh-CN" dirty="0"/>
               <a:t>images</a:t>
             </a:r>
           </a:p>
           <a:p>
-            <a:endParaRPr kumimoji="1" lang="en-US" altLang="zh-CN" dirty="0" smtClean="0"/>
-          </a:p>
-          <a:p>
-            <a:r>
-              <a:rPr kumimoji="1" lang="en-US" altLang="zh-CN" dirty="0" smtClean="0"/>
+            <a:endParaRPr kumimoji="1" lang="en-US" altLang="zh-CN" dirty="0"/>
+          </a:p>
+          <a:p>
+            <a:r>
+              <a:rPr kumimoji="1" lang="en-US" altLang="zh-CN" dirty="0"/>
               <a:t>[prune]</a:t>
             </a:r>
           </a:p>
           <a:p>
             <a:r>
-              <a:rPr lang="en-US" altLang="zh-CN" sz="1200" kern="1200" dirty="0" err="1" smtClean="0">
+              <a:rPr lang="en-US" altLang="zh-CN" sz="1200" kern="1200" dirty="0" err="1">
                 <a:solidFill>
                   <a:schemeClr val="tx1"/>
                 </a:solidFill>
@@ -2882,7 +2880,7 @@
               <a:t>docker</a:t>
             </a:r>
             <a:r>
-              <a:rPr lang="en-US" altLang="zh-CN" sz="1200" kern="1200" dirty="0" smtClean="0">
+              <a:rPr lang="en-US" altLang="zh-CN" sz="1200" kern="1200" dirty="0">
                 <a:solidFill>
                   <a:schemeClr val="tx1"/>
                 </a:solidFill>
@@ -2895,7 +2893,7 @@
           </a:p>
           <a:p>
             <a:r>
-              <a:rPr lang="en-US" altLang="zh-CN" sz="1200" kern="1200" dirty="0" err="1" smtClean="0">
+              <a:rPr lang="en-US" altLang="zh-CN" sz="1200" kern="1200" dirty="0" err="1">
                 <a:solidFill>
                   <a:schemeClr val="tx1"/>
                 </a:solidFill>
@@ -2906,7 +2904,7 @@
               <a:t>docker</a:t>
             </a:r>
             <a:r>
-              <a:rPr lang="en-US" altLang="zh-CN" sz="1200" kern="1200" dirty="0" smtClean="0">
+              <a:rPr lang="en-US" altLang="zh-CN" sz="1200" kern="1200" dirty="0">
                 <a:solidFill>
                   <a:schemeClr val="tx1"/>
                 </a:solidFill>
@@ -2917,7 +2915,7 @@
               <a:t> image prune </a:t>
             </a:r>
             <a:r>
-              <a:rPr lang="mr-IN" altLang="zh-CN" sz="1200" kern="1200" dirty="0" smtClean="0">
+              <a:rPr lang="mr-IN" altLang="zh-CN" sz="1200" kern="1200" dirty="0">
                 <a:solidFill>
                   <a:schemeClr val="tx1"/>
                 </a:solidFill>
@@ -2928,7 +2926,7 @@
               <a:t>–</a:t>
             </a:r>
             <a:r>
-              <a:rPr lang="en-US" altLang="zh-CN" sz="1200" kern="1200" dirty="0" smtClean="0">
+              <a:rPr lang="en-US" altLang="zh-CN" sz="1200" kern="1200" dirty="0">
                 <a:solidFill>
                   <a:schemeClr val="tx1"/>
                 </a:solidFill>
@@ -2940,7 +2938,7 @@
             </a:r>
           </a:p>
           <a:p>
-            <a:endParaRPr kumimoji="1" lang="en-US" altLang="zh-CN" sz="1200" kern="1200" dirty="0" smtClean="0">
+            <a:endParaRPr lang="en-US" altLang="zh-CN" sz="1200" kern="1200" dirty="0">
               <a:solidFill>
                 <a:schemeClr val="tx1"/>
               </a:solidFill>
@@ -2950,7 +2948,59 @@
             </a:endParaRPr>
           </a:p>
           <a:p>
-            <a:endParaRPr kumimoji="1" lang="en-US" altLang="zh-CN" sz="1200" kern="1200" dirty="0" smtClean="0">
+            <a:pPr marL="0" marR="0" lvl="0" indent="0" algn="l" defTabSz="914400" rtl="0" eaLnBrk="1" fontAlgn="auto" latinLnBrk="0" hangingPunct="1">
+              <a:lnSpc>
+                <a:spcPct val="100000"/>
+              </a:lnSpc>
+              <a:spcBef>
+                <a:spcPts val="0"/>
+              </a:spcBef>
+              <a:spcAft>
+                <a:spcPts val="0"/>
+              </a:spcAft>
+              <a:buClrTx/>
+              <a:buSzTx/>
+              <a:buFontTx/>
+              <a:buNone/>
+              <a:tabLst/>
+              <a:defRPr/>
+            </a:pPr>
+            <a:r>
+              <a:rPr lang="en" altLang="zh-CN" sz="1200" b="1" i="0" kern="1200" dirty="0">
+                <a:solidFill>
+                  <a:schemeClr val="tx1"/>
+                </a:solidFill>
+                <a:effectLst/>
+                <a:latin typeface="+mn-lt"/>
+                <a:ea typeface="+mn-ea"/>
+                <a:cs typeface="+mn-cs"/>
+              </a:rPr>
+              <a:t>Docker </a:t>
+            </a:r>
+            <a:r>
+              <a:rPr lang="zh-CN" altLang="en-US" sz="1200" b="1" i="0" kern="1200" dirty="0">
+                <a:solidFill>
+                  <a:schemeClr val="tx1"/>
+                </a:solidFill>
+                <a:effectLst/>
+                <a:latin typeface="+mn-lt"/>
+                <a:ea typeface="+mn-ea"/>
+                <a:cs typeface="+mn-cs"/>
+              </a:rPr>
+              <a:t>常用指令详解</a:t>
+            </a:r>
+          </a:p>
+          <a:p>
+            <a:r>
+              <a:rPr lang="en" altLang="zh-CN" dirty="0">
+                <a:hlinkClick r:id="rId3"/>
+              </a:rPr>
+              <a:t>https://www.jianshu.com/p/7c9e2247cfbd</a:t>
+            </a:r>
+            <a:endParaRPr lang="en" altLang="zh-CN" dirty="0"/>
+          </a:p>
+          <a:p>
+            <a:endParaRPr lang="en-US" altLang="zh-CN" sz="1200" kern="1200" dirty="0">
               <a:solidFill>
                 <a:schemeClr val="tx1"/>
               </a:solidFill>
@@ -2960,7 +3010,27 @@
             </a:endParaRPr>
           </a:p>
           <a:p>
-            <a:endParaRPr kumimoji="1" lang="en-US" altLang="zh-CN" sz="1200" kern="1200" dirty="0" smtClean="0">
+            <a:endParaRPr kumimoji="1" lang="en-US" altLang="zh-CN" sz="1200" kern="1200" dirty="0">
+              <a:solidFill>
+                <a:schemeClr val="tx1"/>
+              </a:solidFill>
+              <a:latin typeface="+mn-lt"/>
+              <a:ea typeface="+mn-ea"/>
+              <a:cs typeface="+mn-cs"/>
+            </a:endParaRPr>
+          </a:p>
+          <a:p>
+            <a:endParaRPr kumimoji="1" lang="en-US" altLang="zh-CN" sz="1200" kern="1200" dirty="0">
+              <a:solidFill>
+                <a:schemeClr val="tx1"/>
+              </a:solidFill>
+              <a:latin typeface="+mn-lt"/>
+              <a:ea typeface="+mn-ea"/>
+              <a:cs typeface="+mn-cs"/>
+            </a:endParaRPr>
+          </a:p>
+          <a:p>
+            <a:endParaRPr kumimoji="1" lang="en-US" altLang="zh-CN" sz="1200" kern="1200" dirty="0">
               <a:solidFill>
                 <a:schemeClr val="tx1"/>
               </a:solidFill>
@@ -3055,66 +3125,66 @@
           <a:lstStyle/>
           <a:p>
             <a:r>
-              <a:rPr lang="en-US" altLang="zh-CN" dirty="0" smtClean="0">
+              <a:rPr lang="en-US" altLang="zh-CN" dirty="0">
                 <a:effectLst/>
               </a:rPr>
               <a:t>[attach]</a:t>
             </a:r>
             <a:r>
-              <a:rPr lang="zh-CN" altLang="en-US" dirty="0" smtClean="0">
+              <a:rPr lang="zh-CN" altLang="en-US" dirty="0">
                 <a:effectLst/>
               </a:rPr>
               <a:t> </a:t>
             </a:r>
-            <a:endParaRPr lang="en-US" altLang="zh-CN" dirty="0" smtClean="0">
+            <a:endParaRPr lang="en-US" altLang="zh-CN" dirty="0">
               <a:effectLst/>
             </a:endParaRPr>
           </a:p>
           <a:p>
             <a:r>
-              <a:rPr lang="en-US" altLang="zh-CN" dirty="0" err="1" smtClean="0">
+              <a:rPr lang="en-US" altLang="zh-CN" dirty="0" err="1">
                 <a:effectLst/>
               </a:rPr>
               <a:t>docker</a:t>
             </a:r>
             <a:r>
-              <a:rPr lang="en-US" altLang="zh-CN" dirty="0" smtClean="0">
+              <a:rPr lang="en-US" altLang="zh-CN" dirty="0">
                 <a:effectLst/>
               </a:rPr>
               <a:t> run -d --name </a:t>
             </a:r>
             <a:r>
-              <a:rPr lang="en-US" altLang="zh-CN" dirty="0" err="1" smtClean="0">
+              <a:rPr lang="en-US" altLang="zh-CN" dirty="0" err="1">
                 <a:effectLst/>
               </a:rPr>
               <a:t>topdemo</a:t>
             </a:r>
             <a:r>
-              <a:rPr lang="en-US" altLang="zh-CN" dirty="0" smtClean="0">
+              <a:rPr lang="en-US" altLang="zh-CN" dirty="0">
                 <a:effectLst/>
               </a:rPr>
               <a:t> </a:t>
             </a:r>
             <a:r>
-              <a:rPr lang="en-US" altLang="zh-CN" dirty="0" err="1" smtClean="0">
+              <a:rPr lang="en-US" altLang="zh-CN" dirty="0" err="1">
                 <a:effectLst/>
               </a:rPr>
               <a:t>ubuntu</a:t>
             </a:r>
             <a:r>
-              <a:rPr lang="en-US" altLang="zh-CN" dirty="0" smtClean="0">
+              <a:rPr lang="en-US" altLang="zh-CN" dirty="0">
                 <a:effectLst/>
               </a:rPr>
               <a:t> /</a:t>
             </a:r>
             <a:r>
-              <a:rPr lang="en-US" altLang="zh-CN" dirty="0" err="1" smtClean="0">
+              <a:rPr lang="en-US" altLang="zh-CN" dirty="0" err="1">
                 <a:effectLst/>
               </a:rPr>
               <a:t>usr</a:t>
             </a:r>
             <a:r>
-              <a:rPr lang="en-US" altLang="zh-CN" dirty="0" smtClean="0">
+              <a:rPr lang="en-US" altLang="zh-CN" dirty="0">
                 <a:effectLst/>
               </a:rPr>
               <a:t>/bin/top -b</a:t>
@@ -3122,7 +3192,7 @@
           </a:p>
           <a:p>
             <a:r>
-              <a:rPr lang="en-US" altLang="zh-CN" sz="1200" kern="1200" dirty="0" err="1" smtClean="0">
+              <a:rPr lang="en-US" altLang="zh-CN" sz="1200" kern="1200" dirty="0" err="1">
                 <a:solidFill>
                   <a:schemeClr val="tx1"/>
                 </a:solidFill>
@@ -3134,7 +3204,7 @@
               <a:t>docker</a:t>
             </a:r>
             <a:r>
-              <a:rPr lang="en-US" altLang="zh-CN" sz="1200" kern="1200" dirty="0" smtClean="0">
+              <a:rPr lang="en-US" altLang="zh-CN" sz="1200" kern="1200" dirty="0">
                 <a:solidFill>
                   <a:schemeClr val="tx1"/>
                 </a:solidFill>
@@ -3146,145 +3216,139 @@
               <a:t> attach </a:t>
             </a:r>
             <a:r>
-              <a:rPr lang="en-US" altLang="zh-CN" dirty="0" err="1" smtClean="0">
+              <a:rPr lang="en-US" altLang="zh-CN" dirty="0" err="1">
                 <a:effectLst/>
               </a:rPr>
               <a:t>topdemo</a:t>
             </a:r>
-            <a:endParaRPr lang="en-US" altLang="zh-CN" dirty="0" smtClean="0">
+            <a:endParaRPr lang="en-US" altLang="zh-CN" dirty="0">
               <a:effectLst/>
             </a:endParaRPr>
           </a:p>
           <a:p>
             <a:r>
-              <a:rPr lang="en-US" altLang="zh-CN" dirty="0" err="1" smtClean="0">
+              <a:rPr lang="en-US" altLang="zh-CN" dirty="0" err="1">
                 <a:effectLst/>
               </a:rPr>
               <a:t>crtl+c</a:t>
             </a:r>
-            <a:endParaRPr lang="en-US" altLang="zh-CN" dirty="0" smtClean="0">
+            <a:endParaRPr lang="en-US" altLang="zh-CN" dirty="0">
               <a:effectLst/>
             </a:endParaRPr>
           </a:p>
           <a:p>
             <a:r>
-              <a:rPr lang="en-US" altLang="zh-CN" dirty="0" err="1" smtClean="0">
+              <a:rPr lang="en-US" altLang="zh-CN" dirty="0" err="1">
                 <a:effectLst/>
               </a:rPr>
               <a:t>docker</a:t>
             </a:r>
             <a:r>
-              <a:rPr lang="en-US" altLang="zh-CN" dirty="0" smtClean="0">
+              <a:rPr lang="en-US" altLang="zh-CN" dirty="0">
                 <a:effectLst/>
               </a:rPr>
               <a:t> </a:t>
             </a:r>
             <a:r>
-              <a:rPr lang="en-US" altLang="zh-CN" dirty="0" err="1" smtClean="0">
+              <a:rPr lang="en-US" altLang="zh-CN" dirty="0" err="1">
                 <a:effectLst/>
               </a:rPr>
               <a:t>ps</a:t>
             </a:r>
             <a:r>
-              <a:rPr lang="en-US" altLang="zh-CN" dirty="0" smtClean="0">
+              <a:rPr lang="en-US" altLang="zh-CN" dirty="0">
                 <a:effectLst/>
               </a:rPr>
               <a:t> -a |</a:t>
             </a:r>
             <a:r>
-              <a:rPr lang="en-US" altLang="zh-CN" dirty="0" err="1" smtClean="0">
+              <a:rPr lang="en-US" altLang="zh-CN" dirty="0" err="1">
                 <a:effectLst/>
               </a:rPr>
               <a:t>grep</a:t>
             </a:r>
             <a:r>
-              <a:rPr lang="en-US" altLang="zh-CN" dirty="0" smtClean="0">
+              <a:rPr lang="en-US" altLang="zh-CN" dirty="0">
                 <a:effectLst/>
               </a:rPr>
               <a:t> </a:t>
             </a:r>
             <a:r>
-              <a:rPr lang="en-US" altLang="zh-CN" dirty="0" err="1" smtClean="0">
+              <a:rPr lang="en-US" altLang="zh-CN" dirty="0" err="1">
                 <a:effectLst/>
               </a:rPr>
               <a:t>topdemo</a:t>
             </a:r>
-            <a:endParaRPr lang="en-US" altLang="zh-CN" dirty="0" smtClean="0">
+            <a:endParaRPr lang="en-US" altLang="zh-CN" dirty="0">
               <a:effectLst/>
             </a:endParaRPr>
           </a:p>
           <a:p>
-            <a:r>
-              <a:rPr lang="en-US" altLang="zh-CN" dirty="0" smtClean="0">
-                <a:effectLst/>
-              </a:rPr>
-              <a:t/>
-            </a:r>
             <a:br>
-              <a:rPr lang="en-US" altLang="zh-CN" dirty="0" smtClean="0">
+              <a:rPr lang="en-US" altLang="zh-CN" dirty="0">
                 <a:effectLst/>
               </a:rPr>
             </a:br>
-            <a:endParaRPr lang="en-US" altLang="zh-CN" dirty="0" smtClean="0">
+            <a:endParaRPr lang="en-US" altLang="zh-CN" dirty="0">
               <a:effectLst/>
             </a:endParaRPr>
           </a:p>
           <a:p>
             <a:r>
-              <a:rPr lang="en-US" altLang="zh-CN" dirty="0" err="1" smtClean="0">
+              <a:rPr lang="en-US" altLang="zh-CN" dirty="0" err="1">
                 <a:effectLst/>
               </a:rPr>
               <a:t>docker</a:t>
             </a:r>
             <a:r>
-              <a:rPr lang="en-US" altLang="zh-CN" dirty="0" smtClean="0">
+              <a:rPr lang="en-US" altLang="zh-CN" dirty="0">
                 <a:effectLst/>
               </a:rPr>
               <a:t> run --name test -d -it </a:t>
             </a:r>
             <a:r>
-              <a:rPr lang="en-US" altLang="zh-CN" dirty="0" err="1" smtClean="0">
+              <a:rPr lang="en-US" altLang="zh-CN" dirty="0" err="1">
                 <a:effectLst/>
               </a:rPr>
               <a:t>ubuntu</a:t>
             </a:r>
-            <a:endParaRPr lang="en-US" altLang="zh-CN" dirty="0" smtClean="0">
+            <a:endParaRPr lang="en-US" altLang="zh-CN" dirty="0">
               <a:effectLst/>
             </a:endParaRPr>
           </a:p>
           <a:p>
             <a:r>
-              <a:rPr lang="en-US" altLang="zh-CN" dirty="0" err="1" smtClean="0">
+              <a:rPr lang="en-US" altLang="zh-CN" dirty="0" err="1">
                 <a:effectLst/>
               </a:rPr>
               <a:t>docker</a:t>
             </a:r>
             <a:r>
-              <a:rPr lang="en-US" altLang="zh-CN" dirty="0" smtClean="0">
+              <a:rPr lang="en-US" altLang="zh-CN" dirty="0">
                 <a:effectLst/>
               </a:rPr>
               <a:t> </a:t>
             </a:r>
             <a:r>
-              <a:rPr lang="en-US" altLang="zh-CN" dirty="0" err="1" smtClean="0">
+              <a:rPr lang="en-US" altLang="zh-CN" dirty="0" err="1">
                 <a:effectLst/>
               </a:rPr>
               <a:t>ps</a:t>
             </a:r>
             <a:r>
-              <a:rPr lang="en-US" altLang="zh-CN" dirty="0" smtClean="0">
+              <a:rPr lang="en-US" altLang="zh-CN" dirty="0">
                 <a:effectLst/>
               </a:rPr>
               <a:t> -a | </a:t>
             </a:r>
             <a:r>
-              <a:rPr lang="en-US" altLang="zh-CN" dirty="0" err="1" smtClean="0">
+              <a:rPr lang="en-US" altLang="zh-CN" dirty="0" err="1">
                 <a:effectLst/>
               </a:rPr>
               <a:t>grep</a:t>
             </a:r>
             <a:r>
-              <a:rPr lang="en-US" altLang="zh-CN" dirty="0" smtClean="0">
+              <a:rPr lang="en-US" altLang="zh-CN" dirty="0">
                 <a:effectLst/>
               </a:rPr>
               <a:t> test</a:t>
@@ -3292,13 +3356,13 @@
           </a:p>
           <a:p>
             <a:r>
-              <a:rPr lang="en-US" altLang="zh-CN" dirty="0" err="1" smtClean="0">
+              <a:rPr lang="en-US" altLang="zh-CN" dirty="0" err="1">
                 <a:effectLst/>
               </a:rPr>
               <a:t>docker</a:t>
             </a:r>
             <a:r>
-              <a:rPr lang="en-US" altLang="zh-CN" dirty="0" smtClean="0">
+              <a:rPr lang="en-US" altLang="zh-CN" dirty="0">
                 <a:effectLst/>
               </a:rPr>
               <a:t> attach test</a:t>
@@ -3306,48 +3370,48 @@
           </a:p>
           <a:p>
             <a:r>
-              <a:rPr lang="en-US" altLang="zh-CN" dirty="0" err="1" smtClean="0">
+              <a:rPr lang="en-US" altLang="zh-CN" dirty="0" err="1">
                 <a:effectLst/>
               </a:rPr>
               <a:t>crtl+p,crtl+q</a:t>
             </a:r>
-            <a:endParaRPr lang="en-US" altLang="zh-CN" dirty="0" smtClean="0">
+            <a:endParaRPr lang="en-US" altLang="zh-CN" dirty="0">
               <a:effectLst/>
             </a:endParaRPr>
           </a:p>
           <a:p>
             <a:r>
-              <a:rPr lang="en-US" altLang="zh-CN" dirty="0" err="1" smtClean="0">
+              <a:rPr lang="en-US" altLang="zh-CN" dirty="0" err="1">
                 <a:effectLst/>
               </a:rPr>
               <a:t>docker</a:t>
             </a:r>
             <a:r>
-              <a:rPr lang="en-US" altLang="zh-CN" dirty="0" smtClean="0">
+              <a:rPr lang="en-US" altLang="zh-CN" dirty="0">
                 <a:effectLst/>
               </a:rPr>
               <a:t> </a:t>
             </a:r>
             <a:r>
-              <a:rPr lang="en-US" altLang="zh-CN" dirty="0" err="1" smtClean="0">
+              <a:rPr lang="en-US" altLang="zh-CN" dirty="0" err="1">
                 <a:effectLst/>
               </a:rPr>
               <a:t>ps</a:t>
             </a:r>
             <a:r>
-              <a:rPr lang="en-US" altLang="zh-CN" dirty="0" smtClean="0">
+              <a:rPr lang="en-US" altLang="zh-CN" dirty="0">
                 <a:effectLst/>
               </a:rPr>
               <a:t> -a | </a:t>
             </a:r>
             <a:r>
-              <a:rPr lang="en-US" altLang="zh-CN" dirty="0" err="1" smtClean="0">
+              <a:rPr lang="en-US" altLang="zh-CN" dirty="0" err="1">
                 <a:effectLst/>
               </a:rPr>
               <a:t>grep</a:t>
             </a:r>
             <a:r>
-              <a:rPr lang="en-US" altLang="zh-CN" dirty="0" smtClean="0">
+              <a:rPr lang="en-US" altLang="zh-CN" dirty="0">
                 <a:effectLst/>
               </a:rPr>
               <a:t> test</a:t>
@@ -3355,13 +3419,13 @@
           </a:p>
           <a:p>
             <a:r>
-              <a:rPr lang="en-US" altLang="zh-CN" dirty="0" err="1" smtClean="0">
+              <a:rPr lang="en-US" altLang="zh-CN" dirty="0" err="1">
                 <a:effectLst/>
               </a:rPr>
               <a:t>docker</a:t>
             </a:r>
             <a:r>
-              <a:rPr lang="en-US" altLang="zh-CN" dirty="0" smtClean="0">
+              <a:rPr lang="en-US" altLang="zh-CN" dirty="0">
                 <a:effectLst/>
               </a:rPr>
               <a:t> attach test</a:t>
@@ -3369,7 +3433,7 @@
           </a:p>
           <a:p>
             <a:r>
-              <a:rPr lang="en-US" altLang="zh-CN" dirty="0" smtClean="0">
+              <a:rPr lang="en-US" altLang="zh-CN" dirty="0">
                 <a:effectLst/>
               </a:rPr>
               <a:t>exit</a:t>
@@ -3377,62 +3441,62 @@
           </a:p>
           <a:p>
             <a:r>
-              <a:rPr lang="en-US" altLang="zh-CN" dirty="0" err="1" smtClean="0">
+              <a:rPr lang="en-US" altLang="zh-CN" dirty="0" err="1">
                 <a:effectLst/>
               </a:rPr>
               <a:t>docker</a:t>
             </a:r>
             <a:r>
-              <a:rPr lang="en-US" altLang="zh-CN" dirty="0" smtClean="0">
+              <a:rPr lang="en-US" altLang="zh-CN" dirty="0">
                 <a:effectLst/>
               </a:rPr>
               <a:t> </a:t>
             </a:r>
             <a:r>
-              <a:rPr lang="en-US" altLang="zh-CN" dirty="0" err="1" smtClean="0">
+              <a:rPr lang="en-US" altLang="zh-CN" dirty="0" err="1">
                 <a:effectLst/>
               </a:rPr>
               <a:t>ps</a:t>
             </a:r>
             <a:r>
-              <a:rPr lang="en-US" altLang="zh-CN" dirty="0" smtClean="0">
+              <a:rPr lang="en-US" altLang="zh-CN" dirty="0">
                 <a:effectLst/>
               </a:rPr>
               <a:t> -a | grep test</a:t>
             </a:r>
           </a:p>
           <a:p>
-            <a:endParaRPr lang="en-US" altLang="zh-CN" dirty="0" smtClean="0">
+            <a:endParaRPr lang="en-US" altLang="zh-CN" dirty="0">
               <a:effectLst/>
             </a:endParaRPr>
           </a:p>
           <a:p>
             <a:r>
-              <a:rPr lang="en-US" altLang="zh-CN" dirty="0" smtClean="0">
+              <a:rPr lang="en-US" altLang="zh-CN" dirty="0">
                 <a:effectLst/>
               </a:rPr>
               <a:t>[export</a:t>
             </a:r>
             <a:r>
-              <a:rPr lang="zh-CN" altLang="en-US" dirty="0" smtClean="0">
+              <a:rPr lang="zh-CN" altLang="en-US" dirty="0">
                 <a:effectLst/>
               </a:rPr>
               <a:t> </a:t>
             </a:r>
             <a:r>
-              <a:rPr lang="en-US" altLang="zh-CN" dirty="0" smtClean="0">
+              <a:rPr lang="en-US" altLang="zh-CN" dirty="0">
                 <a:effectLst/>
               </a:rPr>
               <a:t>&amp;</a:t>
             </a:r>
             <a:r>
-              <a:rPr lang="zh-CN" altLang="en-US" dirty="0" smtClean="0">
+              <a:rPr lang="zh-CN" altLang="en-US" dirty="0">
                 <a:effectLst/>
               </a:rPr>
               <a:t> </a:t>
             </a:r>
             <a:r>
-              <a:rPr lang="en-US" altLang="zh-CN" dirty="0" smtClean="0">
+              <a:rPr lang="en-US" altLang="zh-CN" dirty="0">
                 <a:effectLst/>
               </a:rPr>
               <a:t>import]</a:t>
@@ -3440,75 +3504,75 @@
           </a:p>
           <a:p>
             <a:r>
-              <a:rPr lang="en-US" altLang="zh-CN" dirty="0" smtClean="0">
+              <a:rPr lang="en-US" altLang="zh-CN" dirty="0">
                 <a:effectLst/>
               </a:rPr>
               <a:t>export</a:t>
             </a:r>
             <a:r>
-              <a:rPr lang="zh-CN" altLang="en-US" dirty="0" smtClean="0">
+              <a:rPr lang="zh-CN" altLang="en-US" dirty="0">
                 <a:effectLst/>
               </a:rPr>
               <a:t>将容器的文件系统打包</a:t>
             </a:r>
-            <a:endParaRPr lang="en-US" altLang="zh-CN" dirty="0" smtClean="0">
+            <a:endParaRPr lang="en-US" altLang="zh-CN" dirty="0">
               <a:effectLst/>
             </a:endParaRPr>
           </a:p>
           <a:p>
             <a:r>
-              <a:rPr lang="en-US" altLang="zh-CN" dirty="0" smtClean="0">
+              <a:rPr lang="en-US" altLang="zh-CN" dirty="0">
                 <a:effectLst/>
               </a:rPr>
               <a:t>Import</a:t>
             </a:r>
             <a:r>
-              <a:rPr lang="zh-CN" altLang="en-US" dirty="0" smtClean="0">
+              <a:rPr lang="zh-CN" altLang="en-US" dirty="0">
                 <a:effectLst/>
               </a:rPr>
               <a:t>载入打包的容器为一个新的镜像</a:t>
             </a:r>
-            <a:endParaRPr lang="en-US" altLang="zh-CN" dirty="0" smtClean="0">
+            <a:endParaRPr lang="en-US" altLang="zh-CN" dirty="0">
               <a:effectLst/>
             </a:endParaRPr>
           </a:p>
           <a:p>
             <a:r>
-              <a:rPr lang="zh-CN" altLang="en-US" dirty="0" smtClean="0">
+              <a:rPr lang="zh-CN" altLang="en-US" dirty="0">
                 <a:effectLst/>
               </a:rPr>
               <a:t>主要用于制作基础镜像，比如从</a:t>
             </a:r>
             <a:r>
-              <a:rPr lang="en-US" altLang="zh-CN" dirty="0" err="1" smtClean="0">
+              <a:rPr lang="en-US" altLang="zh-CN" dirty="0" err="1">
                 <a:effectLst/>
               </a:rPr>
               <a:t>ubuntu</a:t>
             </a:r>
             <a:r>
-              <a:rPr lang="zh-CN" altLang="en-US" dirty="0" smtClean="0">
+              <a:rPr lang="zh-CN" altLang="en-US" dirty="0">
                 <a:effectLst/>
               </a:rPr>
               <a:t>镜像启动一个容器，安装一些软件，</a:t>
             </a:r>
             <a:r>
-              <a:rPr lang="en-US" altLang="zh-CN" dirty="0" smtClean="0">
+              <a:rPr lang="en-US" altLang="zh-CN" dirty="0">
                 <a:effectLst/>
               </a:rPr>
               <a:t>export</a:t>
             </a:r>
             <a:r>
-              <a:rPr lang="zh-CN" altLang="en-US" dirty="0" smtClean="0">
+              <a:rPr lang="zh-CN" altLang="en-US" dirty="0">
                 <a:effectLst/>
               </a:rPr>
               <a:t>后作为基础镜像分发给别人用</a:t>
             </a:r>
-            <a:endParaRPr lang="en-US" altLang="zh-CN" dirty="0" smtClean="0">
+            <a:endParaRPr lang="en-US" altLang="zh-CN" dirty="0">
               <a:effectLst/>
             </a:endParaRPr>
           </a:p>
           <a:p>
-            <a:endParaRPr lang="en-US" altLang="zh-CN" dirty="0" smtClean="0">
+            <a:endParaRPr lang="en-US" altLang="zh-CN" dirty="0">
               <a:effectLst/>
             </a:endParaRPr>
           </a:p>
@@ -3531,129 +3595,129 @@
               <a:defRPr/>
             </a:pPr>
             <a:r>
-              <a:rPr lang="en-US" altLang="zh-CN" dirty="0" err="1" smtClean="0"/>
+              <a:rPr lang="en-US" altLang="zh-CN" dirty="0" err="1"/>
               <a:t>docker</a:t>
             </a:r>
             <a:r>
-              <a:rPr lang="en-US" altLang="zh-CN" dirty="0" smtClean="0"/>
+              <a:rPr lang="en-US" altLang="zh-CN" dirty="0"/>
               <a:t> run -p 4000:80 </a:t>
             </a:r>
             <a:r>
-              <a:rPr lang="en-US" altLang="zh-CN" dirty="0" err="1" smtClean="0"/>
+              <a:rPr lang="en-US" altLang="zh-CN" dirty="0" err="1"/>
               <a:t>tallongsun</a:t>
             </a:r>
             <a:r>
-              <a:rPr lang="en-US" altLang="zh-CN" dirty="0" smtClean="0"/>
+              <a:rPr lang="en-US" altLang="zh-CN" dirty="0"/>
               <a:t>/get-started:part2</a:t>
             </a:r>
-            <a:endParaRPr lang="en-US" altLang="zh-CN" dirty="0" smtClean="0">
+            <a:endParaRPr lang="en-US" altLang="zh-CN" dirty="0">
               <a:effectLst/>
             </a:endParaRPr>
           </a:p>
           <a:p>
             <a:r>
-              <a:rPr lang="en-US" altLang="zh-CN" dirty="0" err="1" smtClean="0"/>
+              <a:rPr lang="en-US" altLang="zh-CN" dirty="0" err="1"/>
               <a:t>docker</a:t>
             </a:r>
             <a:r>
-              <a:rPr lang="en-US" altLang="zh-CN" dirty="0" smtClean="0"/>
+              <a:rPr lang="en-US" altLang="zh-CN" dirty="0"/>
               <a:t> exec -it bcccbb26da86 bash</a:t>
             </a:r>
           </a:p>
           <a:p>
             <a:r>
-              <a:rPr lang="en-US" altLang="zh-CN" dirty="0" smtClean="0"/>
+              <a:rPr lang="en-US" altLang="zh-CN" dirty="0"/>
               <a:t>apt-get update </a:t>
             </a:r>
           </a:p>
           <a:p>
             <a:r>
-              <a:rPr lang="en-US" altLang="zh-CN" dirty="0" smtClean="0"/>
+              <a:rPr lang="en-US" altLang="zh-CN" dirty="0"/>
               <a:t>apt-get install curl</a:t>
             </a:r>
           </a:p>
           <a:p>
             <a:r>
-              <a:rPr lang="en-US" altLang="zh-CN" dirty="0" smtClean="0"/>
+              <a:rPr lang="en-US" altLang="zh-CN" dirty="0"/>
               <a:t>curl </a:t>
             </a:r>
             <a:r>
-              <a:rPr lang="en-US" altLang="zh-CN" u="sng" dirty="0" smtClean="0">
+              <a:rPr lang="en-US" altLang="zh-CN" u="sng" dirty="0">
                 <a:hlinkClick r:id="rId3"/>
               </a:rPr>
               <a:t>http://localhost</a:t>
             </a:r>
-            <a:endParaRPr lang="en-US" altLang="zh-CN" dirty="0" smtClean="0"/>
-          </a:p>
-          <a:p>
-            <a:r>
-              <a:rPr lang="en-US" altLang="zh-CN" dirty="0" smtClean="0"/>
+            <a:endParaRPr lang="en-US" altLang="zh-CN" dirty="0"/>
+          </a:p>
+          <a:p>
+            <a:r>
+              <a:rPr lang="en-US" altLang="zh-CN" dirty="0"/>
               <a:t>exit</a:t>
             </a:r>
-            <a:endParaRPr lang="zh-CN" altLang="en-US" dirty="0" smtClean="0"/>
-          </a:p>
-          <a:p>
-            <a:endParaRPr lang="en-US" altLang="zh-CN" dirty="0" smtClean="0"/>
-          </a:p>
-          <a:p>
-            <a:r>
-              <a:rPr lang="en-US" altLang="zh-CN" dirty="0" err="1" smtClean="0"/>
+            <a:endParaRPr lang="zh-CN" altLang="en-US" dirty="0"/>
+          </a:p>
+          <a:p>
+            <a:endParaRPr lang="en-US" altLang="zh-CN" dirty="0"/>
+          </a:p>
+          <a:p>
+            <a:r>
+              <a:rPr lang="en-US" altLang="zh-CN" dirty="0" err="1"/>
               <a:t>docker</a:t>
             </a:r>
             <a:r>
-              <a:rPr lang="en-US" altLang="zh-CN" dirty="0" smtClean="0"/>
+              <a:rPr lang="en-US" altLang="zh-CN" dirty="0"/>
               <a:t> export bcccbb26da86 &gt; </a:t>
             </a:r>
             <a:r>
-              <a:rPr lang="en-US" altLang="zh-CN" dirty="0" err="1" smtClean="0"/>
+              <a:rPr lang="en-US" altLang="zh-CN" dirty="0" err="1"/>
               <a:t>latest.tar</a:t>
             </a:r>
-            <a:endParaRPr lang="en-US" altLang="zh-CN" dirty="0" smtClean="0"/>
-          </a:p>
-          <a:p>
-            <a:r>
-              <a:rPr lang="en-US" altLang="zh-CN" dirty="0" err="1" smtClean="0"/>
+            <a:endParaRPr lang="en-US" altLang="zh-CN" dirty="0"/>
+          </a:p>
+          <a:p>
+            <a:r>
+              <a:rPr lang="en-US" altLang="zh-CN" dirty="0" err="1"/>
               <a:t>docker</a:t>
             </a:r>
             <a:r>
-              <a:rPr lang="en-US" altLang="zh-CN" dirty="0" smtClean="0"/>
+              <a:rPr lang="en-US" altLang="zh-CN" dirty="0"/>
               <a:t> import </a:t>
             </a:r>
             <a:r>
-              <a:rPr lang="en-US" altLang="zh-CN" dirty="0" err="1" smtClean="0"/>
+              <a:rPr lang="en-US" altLang="zh-CN" dirty="0" err="1"/>
               <a:t>latest.tar</a:t>
             </a:r>
             <a:r>
-              <a:rPr lang="en-US" altLang="zh-CN" dirty="0" smtClean="0"/>
+              <a:rPr lang="en-US" altLang="zh-CN" dirty="0"/>
               <a:t> </a:t>
             </a:r>
             <a:r>
-              <a:rPr lang="en-US" altLang="zh-CN" dirty="0" err="1" smtClean="0"/>
+              <a:rPr lang="en-US" altLang="zh-CN" dirty="0" err="1"/>
               <a:t>tallongsun</a:t>
             </a:r>
             <a:r>
-              <a:rPr lang="en-US" altLang="zh-CN" dirty="0" smtClean="0"/>
+              <a:rPr lang="en-US" altLang="zh-CN" dirty="0"/>
               <a:t>/</a:t>
             </a:r>
             <a:r>
-              <a:rPr lang="en-US" altLang="zh-CN" dirty="0" err="1" smtClean="0"/>
+              <a:rPr lang="en-US" altLang="zh-CN" dirty="0" err="1"/>
               <a:t>get-started:latest</a:t>
             </a:r>
-            <a:endParaRPr lang="en-US" altLang="zh-CN" dirty="0" smtClean="0"/>
-          </a:p>
-          <a:p>
-            <a:r>
-              <a:rPr lang="en-US" altLang="zh-CN" dirty="0" err="1" smtClean="0"/>
+            <a:endParaRPr lang="en-US" altLang="zh-CN" dirty="0"/>
+          </a:p>
+          <a:p>
+            <a:r>
+              <a:rPr lang="en-US" altLang="zh-CN" dirty="0" err="1"/>
               <a:t>docker</a:t>
             </a:r>
             <a:r>
-              <a:rPr lang="en-US" altLang="zh-CN" dirty="0" smtClean="0"/>
+              <a:rPr lang="en-US" altLang="zh-CN" dirty="0"/>
               <a:t> image ls</a:t>
             </a:r>
           </a:p>
           <a:p>
             <a:r>
-              <a:rPr lang="en-US" altLang="zh-CN" sz="1200" kern="1200" dirty="0" err="1" smtClean="0">
+              <a:rPr lang="en-US" altLang="zh-CN" sz="1200" kern="1200" dirty="0" err="1">
                 <a:solidFill>
                   <a:schemeClr val="tx1"/>
                 </a:solidFill>
@@ -3664,7 +3728,7 @@
               <a:t>docker</a:t>
             </a:r>
             <a:r>
-              <a:rPr lang="en-US" altLang="zh-CN" sz="1200" kern="1200" dirty="0" smtClean="0">
+              <a:rPr lang="en-US" altLang="zh-CN" sz="1200" kern="1200" dirty="0">
                 <a:solidFill>
                   <a:schemeClr val="tx1"/>
                 </a:solidFill>
@@ -3675,7 +3739,7 @@
               <a:t> history </a:t>
             </a:r>
             <a:r>
-              <a:rPr lang="en-US" altLang="zh-CN" sz="1200" kern="1200" dirty="0" err="1" smtClean="0">
+              <a:rPr lang="en-US" altLang="zh-CN" sz="1200" kern="1200" dirty="0" err="1">
                 <a:solidFill>
                   <a:schemeClr val="tx1"/>
                 </a:solidFill>
@@ -3686,7 +3750,7 @@
               <a:t>tallongsun</a:t>
             </a:r>
             <a:r>
-              <a:rPr lang="en-US" altLang="zh-CN" sz="1200" kern="1200" dirty="0" smtClean="0">
+              <a:rPr lang="en-US" altLang="zh-CN" sz="1200" kern="1200" dirty="0">
                 <a:solidFill>
                   <a:schemeClr val="tx1"/>
                 </a:solidFill>
@@ -3697,7 +3761,7 @@
               <a:t>/</a:t>
             </a:r>
             <a:r>
-              <a:rPr lang="en-US" altLang="zh-CN" sz="1200" kern="1200" dirty="0" err="1" smtClean="0">
+              <a:rPr lang="en-US" altLang="zh-CN" sz="1200" kern="1200" dirty="0" err="1">
                 <a:solidFill>
                   <a:schemeClr val="tx1"/>
                 </a:solidFill>
@@ -3707,11 +3771,11 @@
               </a:rPr>
               <a:t>get-started:latest</a:t>
             </a:r>
-            <a:endParaRPr lang="en-US" altLang="zh-CN" dirty="0" smtClean="0"/>
-          </a:p>
-          <a:p>
-            <a:r>
-              <a:rPr lang="en-US" altLang="zh-CN" sz="1200" kern="1200" dirty="0" err="1" smtClean="0">
+            <a:endParaRPr lang="en-US" altLang="zh-CN" dirty="0"/>
+          </a:p>
+          <a:p>
+            <a:r>
+              <a:rPr lang="en-US" altLang="zh-CN" sz="1200" kern="1200" dirty="0" err="1">
                 <a:solidFill>
                   <a:schemeClr val="tx1"/>
                 </a:solidFill>
@@ -3722,7 +3786,7 @@
               <a:t>docker</a:t>
             </a:r>
             <a:r>
-              <a:rPr lang="en-US" altLang="zh-CN" sz="1200" kern="1200" dirty="0" smtClean="0">
+              <a:rPr lang="en-US" altLang="zh-CN" sz="1200" kern="1200" dirty="0">
                 <a:solidFill>
                   <a:schemeClr val="tx1"/>
                 </a:solidFill>
@@ -3733,7 +3797,7 @@
               <a:t> history </a:t>
             </a:r>
             <a:r>
-              <a:rPr lang="en-US" altLang="zh-CN" sz="1200" kern="1200" dirty="0" err="1" smtClean="0">
+              <a:rPr lang="en-US" altLang="zh-CN" sz="1200" kern="1200" dirty="0" err="1">
                 <a:solidFill>
                   <a:schemeClr val="tx1"/>
                 </a:solidFill>
@@ -3744,7 +3808,7 @@
               <a:t>tallongsun</a:t>
             </a:r>
             <a:r>
-              <a:rPr lang="en-US" altLang="zh-CN" sz="1200" kern="1200" dirty="0" smtClean="0">
+              <a:rPr lang="en-US" altLang="zh-CN" sz="1200" kern="1200" dirty="0">
                 <a:solidFill>
                   <a:schemeClr val="tx1"/>
                 </a:solidFill>
@@ -3754,57 +3818,53 @@
               </a:rPr>
               <a:t>/get-started:part2</a:t>
             </a:r>
-            <a:endParaRPr lang="zh-CN" altLang="en-US" dirty="0" smtClean="0"/>
-          </a:p>
-          <a:p>
-            <a:endParaRPr lang="en-US" altLang="zh-CN" dirty="0" smtClean="0"/>
-          </a:p>
-          <a:p>
-            <a:r>
-              <a:rPr lang="en-US" altLang="zh-CN" dirty="0" err="1" smtClean="0"/>
+            <a:endParaRPr lang="zh-CN" altLang="en-US" dirty="0"/>
+          </a:p>
+          <a:p>
+            <a:endParaRPr lang="en-US" altLang="zh-CN" dirty="0"/>
+          </a:p>
+          <a:p>
+            <a:r>
+              <a:rPr lang="en-US" altLang="zh-CN" dirty="0" err="1"/>
               <a:t>docker</a:t>
             </a:r>
             <a:r>
-              <a:rPr lang="en-US" altLang="zh-CN" dirty="0" smtClean="0"/>
+              <a:rPr lang="en-US" altLang="zh-CN" dirty="0"/>
               <a:t> run -it </a:t>
             </a:r>
             <a:r>
-              <a:rPr lang="en-US" altLang="zh-CN" dirty="0" err="1" smtClean="0"/>
+              <a:rPr lang="en-US" altLang="zh-CN" dirty="0" err="1"/>
               <a:t>tallongsun</a:t>
             </a:r>
             <a:r>
-              <a:rPr lang="en-US" altLang="zh-CN" dirty="0" smtClean="0"/>
-              <a:t>/get-started </a:t>
-            </a:r>
-            <a:r>
-              <a:rPr lang="en-US" altLang="zh-CN" dirty="0" smtClean="0"/>
-              <a:t>bash</a:t>
-            </a:r>
-          </a:p>
-          <a:p>
-            <a:r>
-              <a:rPr lang="en-US" altLang="zh-CN" dirty="0" smtClean="0"/>
+              <a:rPr lang="en-US" altLang="zh-CN" dirty="0"/>
+              <a:t>/get-started bash</a:t>
+            </a:r>
+          </a:p>
+          <a:p>
+            <a:r>
+              <a:rPr lang="en-US" altLang="zh-CN" dirty="0"/>
               <a:t>curl </a:t>
             </a:r>
             <a:r>
-              <a:rPr lang="en-US" altLang="zh-CN" u="sng" dirty="0" smtClean="0">
+              <a:rPr lang="en-US" altLang="zh-CN" u="sng" dirty="0">
                 <a:hlinkClick r:id="rId4"/>
               </a:rPr>
               <a:t>www.baidu.com</a:t>
             </a:r>
-            <a:endParaRPr lang="en-US" altLang="zh-CN" dirty="0" smtClean="0"/>
-          </a:p>
-          <a:p>
-            <a:r>
-              <a:rPr lang="en-US" altLang="zh-CN" dirty="0" smtClean="0"/>
+            <a:endParaRPr lang="en-US" altLang="zh-CN" dirty="0"/>
+          </a:p>
+          <a:p>
+            <a:r>
+              <a:rPr lang="en-US" altLang="zh-CN" dirty="0"/>
               <a:t>exit</a:t>
             </a:r>
-            <a:endParaRPr lang="en-US" altLang="zh-CN" dirty="0" smtClean="0">
+            <a:endParaRPr lang="en-US" altLang="zh-CN" dirty="0">
               <a:effectLst/>
             </a:endParaRPr>
           </a:p>
           <a:p>
-            <a:endParaRPr lang="en-US" altLang="zh-CN" dirty="0" smtClean="0">
+            <a:endParaRPr lang="en-US" altLang="zh-CN" dirty="0">
               <a:effectLst/>
             </a:endParaRPr>
           </a:p>
@@ -3827,7 +3887,7 @@
               <a:defRPr/>
             </a:pPr>
             <a:r>
-              <a:rPr lang="en-US" altLang="zh-CN" dirty="0" smtClean="0">
+              <a:rPr lang="en-US" altLang="zh-CN" dirty="0">
                 <a:effectLst/>
               </a:rPr>
               <a:t>[commit]</a:t>
@@ -3852,54 +3912,54 @@
               <a:defRPr/>
             </a:pPr>
             <a:r>
-              <a:rPr lang="en-US" altLang="zh-CN" dirty="0" smtClean="0">
+              <a:rPr lang="en-US" altLang="zh-CN" dirty="0">
                 <a:effectLst/>
               </a:rPr>
               <a:t>Commit</a:t>
             </a:r>
             <a:r>
-              <a:rPr lang="zh-CN" altLang="en-US" dirty="0" smtClean="0">
+              <a:rPr lang="zh-CN" altLang="en-US" dirty="0">
                 <a:effectLst/>
               </a:rPr>
               <a:t>类似</a:t>
             </a:r>
             <a:r>
-              <a:rPr lang="en-US" altLang="zh-CN" dirty="0" smtClean="0">
+              <a:rPr lang="en-US" altLang="zh-CN" dirty="0">
                 <a:effectLst/>
               </a:rPr>
               <a:t>import</a:t>
             </a:r>
             <a:r>
-              <a:rPr lang="zh-CN" altLang="en-US" dirty="0" smtClean="0">
+              <a:rPr lang="zh-CN" altLang="en-US" dirty="0">
                 <a:effectLst/>
               </a:rPr>
               <a:t>。</a:t>
             </a:r>
             <a:r>
-              <a:rPr lang="en-US" altLang="zh-CN" dirty="0" smtClean="0">
+              <a:rPr lang="en-US" altLang="zh-CN" dirty="0">
                 <a:effectLst/>
               </a:rPr>
               <a:t>import</a:t>
             </a:r>
             <a:r>
-              <a:rPr lang="zh-CN" altLang="en-US" dirty="0" smtClean="0">
+              <a:rPr lang="zh-CN" altLang="en-US" dirty="0">
                 <a:effectLst/>
               </a:rPr>
               <a:t>将外部文件复制到容器内，形成只有一层文件系统的镜像。</a:t>
             </a:r>
             <a:r>
-              <a:rPr lang="en-US" altLang="zh-CN" dirty="0" smtClean="0">
+              <a:rPr lang="en-US" altLang="zh-CN" dirty="0">
                 <a:effectLst/>
               </a:rPr>
               <a:t>commit</a:t>
             </a:r>
             <a:r>
-              <a:rPr lang="zh-CN" altLang="en-US" dirty="0" smtClean="0">
+              <a:rPr lang="zh-CN" altLang="en-US" dirty="0">
                 <a:effectLst/>
               </a:rPr>
               <a:t>将当前的改动提交为一层文件系统，叠加在原有镜像之上。</a:t>
             </a:r>
-            <a:endParaRPr lang="en-US" altLang="zh-CN" dirty="0" smtClean="0">
+            <a:endParaRPr lang="en-US" altLang="zh-CN" dirty="0">
               <a:effectLst/>
             </a:endParaRPr>
           </a:p>
@@ -3921,7 +3981,7 @@
               <a:tabLst/>
               <a:defRPr/>
             </a:pPr>
-            <a:endParaRPr lang="en-US" altLang="zh-CN" dirty="0" smtClean="0">
+            <a:endParaRPr lang="en-US" altLang="zh-CN" dirty="0">
               <a:effectLst/>
             </a:endParaRPr>
           </a:p>
@@ -3944,34 +4004,34 @@
               <a:defRPr/>
             </a:pPr>
             <a:r>
-              <a:rPr lang="en-US" altLang="zh-CN" dirty="0" err="1" smtClean="0"/>
+              <a:rPr lang="en-US" altLang="zh-CN" dirty="0" err="1"/>
               <a:t>docker</a:t>
             </a:r>
             <a:r>
-              <a:rPr lang="en-US" altLang="zh-CN" dirty="0" smtClean="0"/>
+              <a:rPr lang="en-US" altLang="zh-CN" dirty="0"/>
               <a:t> run -p 4000:80 </a:t>
             </a:r>
             <a:r>
-              <a:rPr lang="en-US" altLang="zh-CN" dirty="0" err="1" smtClean="0"/>
+              <a:rPr lang="en-US" altLang="zh-CN" dirty="0" err="1"/>
               <a:t>tallongsun</a:t>
             </a:r>
             <a:r>
-              <a:rPr lang="en-US" altLang="zh-CN" dirty="0" smtClean="0"/>
+              <a:rPr lang="en-US" altLang="zh-CN" dirty="0"/>
               <a:t>/get-started:part2</a:t>
             </a:r>
-            <a:endParaRPr lang="zh-CN" altLang="en-US" dirty="0" smtClean="0">
+            <a:endParaRPr lang="zh-CN" altLang="en-US" dirty="0">
               <a:effectLst/>
             </a:endParaRPr>
           </a:p>
           <a:p>
             <a:r>
-              <a:rPr lang="en-US" altLang="zh-CN" dirty="0" err="1" smtClean="0">
+              <a:rPr lang="en-US" altLang="zh-CN" dirty="0" err="1">
                 <a:effectLst/>
               </a:rPr>
               <a:t>docker</a:t>
             </a:r>
             <a:r>
-              <a:rPr lang="en-US" altLang="zh-CN" dirty="0" smtClean="0">
+              <a:rPr lang="en-US" altLang="zh-CN" dirty="0">
                 <a:effectLst/>
               </a:rPr>
               <a:t> exec -it 34073da66e08 bash</a:t>
@@ -3979,7 +4039,7 @@
           </a:p>
           <a:p>
             <a:r>
-              <a:rPr lang="en-US" altLang="zh-CN" dirty="0" smtClean="0">
+              <a:rPr lang="en-US" altLang="zh-CN" dirty="0">
                 <a:effectLst/>
               </a:rPr>
               <a:t>apt-get update </a:t>
@@ -3987,7 +4047,7 @@
           </a:p>
           <a:p>
             <a:r>
-              <a:rPr lang="en-US" altLang="zh-CN" dirty="0" smtClean="0">
+              <a:rPr lang="en-US" altLang="zh-CN" dirty="0">
                 <a:effectLst/>
               </a:rPr>
               <a:t>apt-get install curl</a:t>
@@ -3995,7 +4055,7 @@
           </a:p>
           <a:p>
             <a:r>
-              <a:rPr lang="en-US" altLang="zh-CN" dirty="0" smtClean="0">
+              <a:rPr lang="en-US" altLang="zh-CN" dirty="0">
                 <a:effectLst/>
               </a:rPr>
               <a:t>Exit</a:t>
@@ -4003,15 +4063,15 @@
           </a:p>
           <a:p>
             <a:r>
-              <a:rPr lang="en-US" altLang="zh-CN" dirty="0" err="1" smtClean="0"/>
+              <a:rPr lang="en-US" altLang="zh-CN" dirty="0" err="1"/>
               <a:t>docker</a:t>
             </a:r>
             <a:r>
-              <a:rPr lang="en-US" altLang="zh-CN" dirty="0" smtClean="0"/>
+              <a:rPr lang="en-US" altLang="zh-CN" dirty="0"/>
               <a:t> inspect </a:t>
             </a:r>
             <a:r>
-              <a:rPr lang="en-US" altLang="zh-CN" sz="1200" kern="1200" dirty="0" smtClean="0">
+              <a:rPr lang="en-US" altLang="zh-CN" sz="1200" kern="1200" dirty="0">
                 <a:solidFill>
                   <a:schemeClr val="tx1"/>
                 </a:solidFill>
@@ -4023,11 +4083,11 @@
               <a:t>-f</a:t>
             </a:r>
             <a:r>
-              <a:rPr lang="en-US" altLang="zh-CN" dirty="0" smtClean="0"/>
+              <a:rPr lang="en-US" altLang="zh-CN" dirty="0"/>
               <a:t> </a:t>
             </a:r>
             <a:r>
-              <a:rPr lang="en-US" altLang="zh-CN" sz="1200" kern="1200" dirty="0" smtClean="0">
+              <a:rPr lang="en-US" altLang="zh-CN" sz="1200" kern="1200" dirty="0">
                 <a:solidFill>
                   <a:schemeClr val="tx1"/>
                 </a:solidFill>
@@ -4039,7 +4099,7 @@
               <a:t>"{{ .</a:t>
             </a:r>
             <a:r>
-              <a:rPr lang="en-US" altLang="zh-CN" sz="1200" kern="1200" dirty="0" err="1" smtClean="0">
+              <a:rPr lang="en-US" altLang="zh-CN" sz="1200" kern="1200" dirty="0" err="1">
                 <a:solidFill>
                   <a:schemeClr val="tx1"/>
                 </a:solidFill>
@@ -4051,7 +4111,7 @@
               <a:t>Config.Env</a:t>
             </a:r>
             <a:r>
-              <a:rPr lang="en-US" altLang="zh-CN" sz="1200" kern="1200" dirty="0" smtClean="0">
+              <a:rPr lang="en-US" altLang="zh-CN" sz="1200" kern="1200" dirty="0">
                 <a:solidFill>
                   <a:schemeClr val="tx1"/>
                 </a:solidFill>
@@ -4063,11 +4123,11 @@
               <a:t> }}"</a:t>
             </a:r>
             <a:r>
-              <a:rPr lang="en-US" altLang="zh-CN" dirty="0" smtClean="0"/>
+              <a:rPr lang="en-US" altLang="zh-CN" dirty="0"/>
               <a:t> </a:t>
             </a:r>
             <a:r>
-              <a:rPr lang="en-US" altLang="zh-CN" dirty="0" smtClean="0">
+              <a:rPr lang="en-US" altLang="zh-CN" dirty="0">
                 <a:effectLst/>
               </a:rPr>
               <a:t>34073da66e08 </a:t>
@@ -4075,19 +4135,19 @@
           </a:p>
           <a:p>
             <a:r>
-              <a:rPr lang="en-US" altLang="zh-CN" dirty="0" err="1" smtClean="0">
+              <a:rPr lang="en-US" altLang="zh-CN" dirty="0" err="1">
                 <a:effectLst/>
               </a:rPr>
               <a:t>docker</a:t>
             </a:r>
             <a:r>
-              <a:rPr lang="en-US" altLang="zh-CN" dirty="0" smtClean="0">
+              <a:rPr lang="en-US" altLang="zh-CN" dirty="0">
                 <a:effectLst/>
               </a:rPr>
               <a:t> commit </a:t>
             </a:r>
             <a:r>
-              <a:rPr lang="en-US" altLang="zh-CN" sz="1200" kern="1200" dirty="0" smtClean="0">
+              <a:rPr lang="en-US" altLang="zh-CN" sz="1200" kern="1200" dirty="0">
                 <a:solidFill>
                   <a:schemeClr val="tx1"/>
                 </a:solidFill>
@@ -4099,11 +4159,11 @@
               <a:t>--change</a:t>
             </a:r>
             <a:r>
-              <a:rPr lang="en-US" altLang="zh-CN" dirty="0" smtClean="0"/>
+              <a:rPr lang="en-US" altLang="zh-CN" dirty="0"/>
               <a:t> </a:t>
             </a:r>
             <a:r>
-              <a:rPr lang="en-US" altLang="zh-CN" sz="1200" kern="1200" dirty="0" smtClean="0">
+              <a:rPr lang="en-US" altLang="zh-CN" sz="1200" kern="1200" dirty="0">
                 <a:solidFill>
                   <a:schemeClr val="tx1"/>
                 </a:solidFill>
@@ -4115,7 +4175,7 @@
               <a:t>"ENV DEBUG true"</a:t>
             </a:r>
             <a:r>
-              <a:rPr lang="zh-CN" altLang="en-US" sz="1200" kern="1200" dirty="0" smtClean="0">
+              <a:rPr lang="zh-CN" altLang="en-US" sz="1200" kern="1200" dirty="0">
                 <a:solidFill>
                   <a:schemeClr val="tx1"/>
                 </a:solidFill>
@@ -4127,30 +4187,30 @@
               <a:t> </a:t>
             </a:r>
             <a:r>
-              <a:rPr lang="en-US" altLang="zh-CN" dirty="0" smtClean="0">
+              <a:rPr lang="en-US" altLang="zh-CN" dirty="0">
                 <a:effectLst/>
               </a:rPr>
               <a:t>34073da66e08 </a:t>
             </a:r>
             <a:r>
-              <a:rPr lang="en-US" altLang="zh-CN" dirty="0" err="1" smtClean="0">
+              <a:rPr lang="en-US" altLang="zh-CN" dirty="0" err="1">
                 <a:effectLst/>
               </a:rPr>
               <a:t>tallongsun</a:t>
             </a:r>
             <a:r>
-              <a:rPr lang="en-US" altLang="zh-CN" dirty="0" smtClean="0">
+              <a:rPr lang="en-US" altLang="zh-CN" dirty="0">
                 <a:effectLst/>
               </a:rPr>
               <a:t>/</a:t>
             </a:r>
             <a:r>
-              <a:rPr lang="en-US" altLang="zh-CN" dirty="0" err="1" smtClean="0">
+              <a:rPr lang="en-US" altLang="zh-CN" dirty="0" err="1">
                 <a:effectLst/>
               </a:rPr>
               <a:t>get-started:curl</a:t>
             </a:r>
-            <a:endParaRPr lang="en-US" altLang="zh-CN" dirty="0" smtClean="0">
+            <a:endParaRPr lang="en-US" altLang="zh-CN" dirty="0">
               <a:effectLst/>
             </a:endParaRPr>
           </a:p>
@@ -4173,15 +4233,15 @@
               <a:defRPr/>
             </a:pPr>
             <a:r>
-              <a:rPr lang="en-US" altLang="zh-CN" dirty="0" err="1" smtClean="0"/>
+              <a:rPr lang="en-US" altLang="zh-CN" dirty="0" err="1"/>
               <a:t>docker</a:t>
             </a:r>
             <a:r>
-              <a:rPr lang="en-US" altLang="zh-CN" dirty="0" smtClean="0"/>
+              <a:rPr lang="en-US" altLang="zh-CN" dirty="0"/>
               <a:t> inspect </a:t>
             </a:r>
             <a:r>
-              <a:rPr lang="en-US" altLang="zh-CN" sz="1200" kern="1200" dirty="0" smtClean="0">
+              <a:rPr lang="en-US" altLang="zh-CN" sz="1200" kern="1200" dirty="0">
                 <a:solidFill>
                   <a:schemeClr val="tx1"/>
                 </a:solidFill>
@@ -4193,11 +4253,11 @@
               <a:t>-f</a:t>
             </a:r>
             <a:r>
-              <a:rPr lang="en-US" altLang="zh-CN" dirty="0" smtClean="0"/>
+              <a:rPr lang="en-US" altLang="zh-CN" dirty="0"/>
               <a:t> </a:t>
             </a:r>
             <a:r>
-              <a:rPr lang="en-US" altLang="zh-CN" sz="1200" kern="1200" dirty="0" smtClean="0">
+              <a:rPr lang="en-US" altLang="zh-CN" sz="1200" kern="1200" dirty="0">
                 <a:solidFill>
                   <a:schemeClr val="tx1"/>
                 </a:solidFill>
@@ -4209,7 +4269,7 @@
               <a:t>"{{ .</a:t>
             </a:r>
             <a:r>
-              <a:rPr lang="en-US" altLang="zh-CN" sz="1200" kern="1200" dirty="0" err="1" smtClean="0">
+              <a:rPr lang="en-US" altLang="zh-CN" sz="1200" kern="1200" dirty="0" err="1">
                 <a:solidFill>
                   <a:schemeClr val="tx1"/>
                 </a:solidFill>
@@ -4221,7 +4281,7 @@
               <a:t>Config.Env</a:t>
             </a:r>
             <a:r>
-              <a:rPr lang="en-US" altLang="zh-CN" sz="1200" kern="1200" dirty="0" smtClean="0">
+              <a:rPr lang="en-US" altLang="zh-CN" sz="1200" kern="1200" dirty="0">
                 <a:solidFill>
                   <a:schemeClr val="tx1"/>
                 </a:solidFill>
@@ -4233,11 +4293,11 @@
               <a:t> }}"</a:t>
             </a:r>
             <a:r>
-              <a:rPr lang="en-US" altLang="zh-CN" dirty="0" smtClean="0"/>
+              <a:rPr lang="en-US" altLang="zh-CN" dirty="0"/>
               <a:t> </a:t>
             </a:r>
             <a:r>
-              <a:rPr lang="en-US" altLang="zh-CN" dirty="0" smtClean="0">
+              <a:rPr lang="en-US" altLang="zh-CN" dirty="0">
                 <a:effectLst/>
               </a:rPr>
               <a:t>34073da66e08 </a:t>
@@ -4245,7 +4305,7 @@
           </a:p>
           <a:p>
             <a:r>
-              <a:rPr lang="en-US" altLang="zh-CN" sz="1200" kern="1200" dirty="0" err="1" smtClean="0">
+              <a:rPr lang="en-US" altLang="zh-CN" sz="1200" kern="1200" dirty="0" err="1">
                 <a:solidFill>
                   <a:schemeClr val="tx1"/>
                 </a:solidFill>
@@ -4256,7 +4316,7 @@
               <a:t>docker</a:t>
             </a:r>
             <a:r>
-              <a:rPr lang="en-US" altLang="zh-CN" sz="1200" kern="1200" dirty="0" smtClean="0">
+              <a:rPr lang="en-US" altLang="zh-CN" sz="1200" kern="1200" dirty="0">
                 <a:solidFill>
                   <a:schemeClr val="tx1"/>
                 </a:solidFill>
@@ -4267,7 +4327,7 @@
               <a:t> history </a:t>
             </a:r>
             <a:r>
-              <a:rPr lang="en-US" altLang="zh-CN" sz="1200" kern="1200" dirty="0" err="1" smtClean="0">
+              <a:rPr lang="en-US" altLang="zh-CN" sz="1200" kern="1200" dirty="0" err="1">
                 <a:solidFill>
                   <a:schemeClr val="tx1"/>
                 </a:solidFill>
@@ -4278,7 +4338,7 @@
               <a:t>tallongsun</a:t>
             </a:r>
             <a:r>
-              <a:rPr lang="en-US" altLang="zh-CN" sz="1200" kern="1200" dirty="0" smtClean="0">
+              <a:rPr lang="en-US" altLang="zh-CN" sz="1200" kern="1200" dirty="0">
                 <a:solidFill>
                   <a:schemeClr val="tx1"/>
                 </a:solidFill>
@@ -4289,7 +4349,7 @@
               <a:t>/</a:t>
             </a:r>
             <a:r>
-              <a:rPr lang="en-US" altLang="zh-CN" sz="1200" kern="1200" dirty="0" err="1" smtClean="0">
+              <a:rPr lang="en-US" altLang="zh-CN" sz="1200" kern="1200" dirty="0" err="1">
                 <a:solidFill>
                   <a:schemeClr val="tx1"/>
                 </a:solidFill>
@@ -4299,116 +4359,112 @@
               </a:rPr>
               <a:t>get-started:curl</a:t>
             </a:r>
-            <a:endParaRPr lang="en-US" altLang="zh-CN" dirty="0" smtClean="0">
+            <a:endParaRPr lang="en-US" altLang="zh-CN" dirty="0">
               <a:effectLst/>
             </a:endParaRPr>
           </a:p>
           <a:p>
-            <a:endParaRPr lang="en-US" altLang="zh-CN" dirty="0" smtClean="0">
+            <a:endParaRPr lang="en-US" altLang="zh-CN" dirty="0">
               <a:effectLst/>
             </a:endParaRPr>
           </a:p>
           <a:p>
             <a:r>
-              <a:rPr lang="en-US" altLang="zh-CN" dirty="0" err="1" smtClean="0"/>
+              <a:rPr lang="en-US" altLang="zh-CN" dirty="0" err="1"/>
               <a:t>docker</a:t>
             </a:r>
             <a:r>
-              <a:rPr lang="en-US" altLang="zh-CN" dirty="0" smtClean="0"/>
+              <a:rPr lang="en-US" altLang="zh-CN" dirty="0"/>
               <a:t> run -it </a:t>
             </a:r>
             <a:r>
-              <a:rPr lang="en-US" altLang="zh-CN" dirty="0" err="1" smtClean="0"/>
+              <a:rPr lang="en-US" altLang="zh-CN" dirty="0" err="1"/>
               <a:t>tallongsun</a:t>
             </a:r>
             <a:r>
-              <a:rPr lang="en-US" altLang="zh-CN" dirty="0" smtClean="0"/>
+              <a:rPr lang="en-US" altLang="zh-CN" dirty="0"/>
               <a:t>/</a:t>
             </a:r>
             <a:r>
-              <a:rPr lang="en-US" altLang="zh-CN" dirty="0" err="1" smtClean="0"/>
+              <a:rPr lang="en-US" altLang="zh-CN" dirty="0" err="1"/>
               <a:t>get-started:curl</a:t>
             </a:r>
             <a:r>
-              <a:rPr lang="en-US" altLang="zh-CN" dirty="0" smtClean="0"/>
-              <a:t> </a:t>
-            </a:r>
-            <a:r>
-              <a:rPr lang="en-US" altLang="zh-CN" dirty="0" smtClean="0"/>
-              <a:t>bash</a:t>
-            </a:r>
-          </a:p>
-          <a:p>
-            <a:r>
-              <a:rPr lang="en-US" altLang="zh-CN" dirty="0" smtClean="0"/>
+              <a:rPr lang="en-US" altLang="zh-CN" dirty="0"/>
+              <a:t> bash</a:t>
+            </a:r>
+          </a:p>
+          <a:p>
+            <a:r>
+              <a:rPr lang="en-US" altLang="zh-CN" dirty="0"/>
               <a:t>curl </a:t>
             </a:r>
             <a:r>
-              <a:rPr lang="en-US" altLang="zh-CN" u="sng" dirty="0" smtClean="0">
+              <a:rPr lang="en-US" altLang="zh-CN" u="sng" dirty="0">
                 <a:hlinkClick r:id="rId4"/>
               </a:rPr>
               <a:t>www.baidu.com</a:t>
             </a:r>
-            <a:endParaRPr lang="en-US" altLang="zh-CN" dirty="0" smtClean="0"/>
-          </a:p>
-          <a:p>
-            <a:r>
-              <a:rPr lang="en-US" altLang="zh-CN" dirty="0" smtClean="0"/>
+            <a:endParaRPr lang="en-US" altLang="zh-CN" dirty="0"/>
+          </a:p>
+          <a:p>
+            <a:r>
+              <a:rPr lang="en-US" altLang="zh-CN" dirty="0"/>
               <a:t>exit</a:t>
             </a:r>
-            <a:endParaRPr lang="en-US" altLang="zh-CN" dirty="0" smtClean="0">
+            <a:endParaRPr lang="en-US" altLang="zh-CN" dirty="0">
               <a:effectLst/>
             </a:endParaRPr>
           </a:p>
           <a:p>
-            <a:endParaRPr lang="en-US" altLang="zh-CN" dirty="0" smtClean="0">
+            <a:endParaRPr lang="en-US" altLang="zh-CN" dirty="0">
               <a:effectLst/>
             </a:endParaRPr>
           </a:p>
           <a:p>
             <a:r>
-              <a:rPr lang="en-US" altLang="zh-CN" dirty="0" smtClean="0">
+              <a:rPr lang="en-US" altLang="zh-CN" dirty="0">
                 <a:effectLst/>
               </a:rPr>
               <a:t>[</a:t>
             </a:r>
             <a:r>
-              <a:rPr lang="en-US" altLang="zh-CN" dirty="0" err="1" smtClean="0">
+              <a:rPr lang="en-US" altLang="zh-CN" dirty="0" err="1">
                 <a:effectLst/>
               </a:rPr>
               <a:t>cp</a:t>
             </a:r>
             <a:r>
-              <a:rPr lang="en-US" altLang="zh-CN" dirty="0" smtClean="0">
+              <a:rPr lang="en-US" altLang="zh-CN" dirty="0">
                 <a:effectLst/>
               </a:rPr>
               <a:t>]</a:t>
             </a:r>
             <a:r>
-              <a:rPr lang="zh-CN" altLang="en-US" dirty="0" smtClean="0">
+              <a:rPr lang="zh-CN" altLang="en-US" dirty="0">
                 <a:effectLst/>
               </a:rPr>
               <a:t>在容器和本机文件系统间拷贝文件</a:t>
             </a:r>
             <a:r>
-              <a:rPr lang="en-US" altLang="zh-CN" dirty="0" smtClean="0">
+              <a:rPr lang="en-US" altLang="zh-CN" dirty="0">
                 <a:effectLst/>
               </a:rPr>
               <a:t>/</a:t>
             </a:r>
             <a:r>
-              <a:rPr lang="zh-CN" altLang="en-US" dirty="0" smtClean="0">
+              <a:rPr lang="zh-CN" altLang="en-US" dirty="0">
                 <a:effectLst/>
               </a:rPr>
               <a:t>文件夹</a:t>
             </a:r>
-            <a:endParaRPr lang="en-US" altLang="zh-CN" dirty="0" smtClean="0">
+            <a:endParaRPr lang="en-US" altLang="zh-CN" dirty="0">
               <a:effectLst/>
             </a:endParaRPr>
           </a:p>
           <a:p>
             <a:r>
-              <a:rPr lang="en-US" altLang="zh-CN" sz="1200" kern="1200" dirty="0" err="1" smtClean="0">
+              <a:rPr lang="en-US" altLang="zh-CN" sz="1200" kern="1200" dirty="0" err="1">
                 <a:solidFill>
                   <a:schemeClr val="tx1"/>
                 </a:solidFill>
@@ -4419,7 +4475,7 @@
               <a:t>docker</a:t>
             </a:r>
             <a:r>
-              <a:rPr lang="en-US" altLang="zh-CN" sz="1200" kern="1200" dirty="0" smtClean="0">
+              <a:rPr lang="en-US" altLang="zh-CN" sz="1200" kern="1200" dirty="0">
                 <a:solidFill>
                   <a:schemeClr val="tx1"/>
                 </a:solidFill>
@@ -4430,7 +4486,7 @@
               <a:t> </a:t>
             </a:r>
             <a:r>
-              <a:rPr lang="en-US" altLang="zh-CN" sz="1200" kern="1200" dirty="0" err="1" smtClean="0">
+              <a:rPr lang="en-US" altLang="zh-CN" sz="1200" kern="1200" dirty="0" err="1">
                 <a:solidFill>
                   <a:schemeClr val="tx1"/>
                 </a:solidFill>
@@ -4441,7 +4497,7 @@
               <a:t>cp</a:t>
             </a:r>
             <a:r>
-              <a:rPr lang="en-US" altLang="zh-CN" sz="1200" kern="1200" dirty="0" smtClean="0">
+              <a:rPr lang="en-US" altLang="zh-CN" sz="1200" kern="1200" dirty="0">
                 <a:solidFill>
                   <a:schemeClr val="tx1"/>
                 </a:solidFill>
@@ -4452,7 +4508,7 @@
               <a:t> </a:t>
             </a:r>
             <a:r>
-              <a:rPr lang="en-US" altLang="zh-CN" sz="1200" kern="1200" dirty="0" err="1" smtClean="0">
+              <a:rPr lang="en-US" altLang="zh-CN" sz="1200" kern="1200" dirty="0" err="1">
                 <a:solidFill>
                   <a:schemeClr val="tx1"/>
                 </a:solidFill>
@@ -4463,7 +4519,7 @@
               <a:t>somefile.txt</a:t>
             </a:r>
             <a:r>
-              <a:rPr lang="en-US" altLang="zh-CN" sz="1200" kern="1200" dirty="0" smtClean="0">
+              <a:rPr lang="en-US" altLang="zh-CN" sz="1200" kern="1200" dirty="0">
                 <a:solidFill>
                   <a:schemeClr val="tx1"/>
                 </a:solidFill>
@@ -4476,7 +4532,7 @@
           </a:p>
           <a:p>
             <a:r>
-              <a:rPr lang="en-US" altLang="zh-CN" sz="1200" kern="1200" dirty="0" err="1" smtClean="0">
+              <a:rPr lang="en-US" altLang="zh-CN" sz="1200" kern="1200" dirty="0" err="1">
                 <a:solidFill>
                   <a:schemeClr val="tx1"/>
                 </a:solidFill>
@@ -4487,7 +4543,7 @@
               <a:t>docker</a:t>
             </a:r>
             <a:r>
-              <a:rPr lang="en-US" altLang="zh-CN" sz="1200" kern="1200" dirty="0" smtClean="0">
+              <a:rPr lang="en-US" altLang="zh-CN" sz="1200" kern="1200" dirty="0">
                 <a:solidFill>
                   <a:schemeClr val="tx1"/>
                 </a:solidFill>
@@ -4498,7 +4554,7 @@
               <a:t> </a:t>
             </a:r>
             <a:r>
-              <a:rPr lang="en-US" altLang="zh-CN" sz="1200" kern="1200" dirty="0" err="1" smtClean="0">
+              <a:rPr lang="en-US" altLang="zh-CN" sz="1200" kern="1200" dirty="0" err="1">
                 <a:solidFill>
                   <a:schemeClr val="tx1"/>
                 </a:solidFill>
@@ -4509,7 +4565,7 @@
               <a:t>cp</a:t>
             </a:r>
             <a:r>
-              <a:rPr lang="en-US" altLang="zh-CN" sz="1200" kern="1200" dirty="0" smtClean="0">
+              <a:rPr lang="en-US" altLang="zh-CN" sz="1200" kern="1200" dirty="0">
                 <a:solidFill>
                   <a:schemeClr val="tx1"/>
                 </a:solidFill>
@@ -4521,7 +4577,7 @@
             </a:r>
           </a:p>
           <a:p>
-            <a:endParaRPr lang="en-US" altLang="zh-CN" sz="1200" kern="1200" dirty="0" smtClean="0">
+            <a:endParaRPr lang="en-US" altLang="zh-CN" sz="1200" kern="1200" dirty="0">
               <a:solidFill>
                 <a:schemeClr val="tx1"/>
               </a:solidFill>
@@ -4532,7 +4588,7 @@
           </a:p>
           <a:p>
             <a:r>
-              <a:rPr lang="en-US" altLang="zh-CN" sz="1200" kern="1200" dirty="0" smtClean="0">
+              <a:rPr lang="en-US" altLang="zh-CN" sz="1200" kern="1200" dirty="0">
                 <a:solidFill>
                   <a:schemeClr val="tx1"/>
                 </a:solidFill>
@@ -4543,7 +4599,7 @@
               <a:t>[create</a:t>
             </a:r>
             <a:r>
-              <a:rPr lang="zh-CN" altLang="en-US" sz="1200" kern="1200" dirty="0" smtClean="0">
+              <a:rPr lang="zh-CN" altLang="en-US" sz="1200" kern="1200" dirty="0">
                 <a:solidFill>
                   <a:schemeClr val="tx1"/>
                 </a:solidFill>
@@ -4554,7 +4610,7 @@
               <a:t> </a:t>
             </a:r>
             <a:r>
-              <a:rPr lang="en-US" altLang="zh-CN" sz="1200" kern="1200" dirty="0" smtClean="0">
+              <a:rPr lang="en-US" altLang="zh-CN" sz="1200" kern="1200" dirty="0">
                 <a:solidFill>
                   <a:schemeClr val="tx1"/>
                 </a:solidFill>
@@ -4565,7 +4621,7 @@
               <a:t>&amp;</a:t>
             </a:r>
             <a:r>
-              <a:rPr lang="zh-CN" altLang="en-US" sz="1200" kern="1200" dirty="0" smtClean="0">
+              <a:rPr lang="zh-CN" altLang="en-US" sz="1200" kern="1200" dirty="0">
                 <a:solidFill>
                   <a:schemeClr val="tx1"/>
                 </a:solidFill>
@@ -4576,7 +4632,7 @@
               <a:t> </a:t>
             </a:r>
             <a:r>
-              <a:rPr lang="en-US" altLang="zh-CN" sz="1200" kern="1200" dirty="0" smtClean="0">
+              <a:rPr lang="en-US" altLang="zh-CN" sz="1200" kern="1200" dirty="0">
                 <a:solidFill>
                   <a:schemeClr val="tx1"/>
                 </a:solidFill>
@@ -4587,7 +4643,7 @@
               <a:t>start</a:t>
             </a:r>
             <a:r>
-              <a:rPr lang="zh-CN" altLang="en-US" sz="1200" kern="1200" dirty="0" smtClean="0">
+              <a:rPr lang="zh-CN" altLang="en-US" sz="1200" kern="1200" dirty="0">
                 <a:solidFill>
                   <a:schemeClr val="tx1"/>
                 </a:solidFill>
@@ -4598,7 +4654,7 @@
               <a:t> </a:t>
             </a:r>
             <a:r>
-              <a:rPr lang="en-US" altLang="zh-CN" sz="1200" kern="1200" dirty="0" smtClean="0">
+              <a:rPr lang="en-US" altLang="zh-CN" sz="1200" kern="1200" dirty="0">
                 <a:solidFill>
                   <a:schemeClr val="tx1"/>
                 </a:solidFill>
@@ -4609,7 +4665,7 @@
               <a:t>&amp;</a:t>
             </a:r>
             <a:r>
-              <a:rPr lang="zh-CN" altLang="en-US" sz="1200" kern="1200" dirty="0" smtClean="0">
+              <a:rPr lang="zh-CN" altLang="en-US" sz="1200" kern="1200" dirty="0">
                 <a:solidFill>
                   <a:schemeClr val="tx1"/>
                 </a:solidFill>
@@ -4620,7 +4676,7 @@
               <a:t> </a:t>
             </a:r>
             <a:r>
-              <a:rPr lang="en-US" altLang="zh-CN" sz="1200" kern="1200" dirty="0" smtClean="0">
+              <a:rPr lang="en-US" altLang="zh-CN" sz="1200" kern="1200" dirty="0">
                 <a:solidFill>
                   <a:schemeClr val="tx1"/>
                 </a:solidFill>
@@ -4631,7 +4687,7 @@
               <a:t>stop</a:t>
             </a:r>
             <a:r>
-              <a:rPr lang="zh-CN" altLang="en-US" sz="1200" kern="1200" dirty="0" smtClean="0">
+              <a:rPr lang="zh-CN" altLang="en-US" sz="1200" kern="1200" dirty="0">
                 <a:solidFill>
                   <a:schemeClr val="tx1"/>
                 </a:solidFill>
@@ -4642,7 +4698,7 @@
               <a:t> </a:t>
             </a:r>
             <a:r>
-              <a:rPr lang="en-US" altLang="zh-CN" sz="1200" kern="1200" dirty="0" smtClean="0">
+              <a:rPr lang="en-US" altLang="zh-CN" sz="1200" kern="1200" dirty="0">
                 <a:solidFill>
                   <a:schemeClr val="tx1"/>
                 </a:solidFill>
@@ -4653,7 +4709,7 @@
               <a:t>&amp;</a:t>
             </a:r>
             <a:r>
-              <a:rPr lang="zh-CN" altLang="en-US" sz="1200" kern="1200" baseline="0" dirty="0" smtClean="0">
+              <a:rPr lang="zh-CN" altLang="en-US" sz="1200" kern="1200" baseline="0" dirty="0">
                 <a:solidFill>
                   <a:schemeClr val="tx1"/>
                 </a:solidFill>
@@ -4664,7 +4720,7 @@
               <a:t> </a:t>
             </a:r>
             <a:r>
-              <a:rPr lang="en-US" altLang="zh-CN" sz="1200" kern="1200" baseline="0" dirty="0" smtClean="0">
+              <a:rPr lang="en-US" altLang="zh-CN" sz="1200" kern="1200" baseline="0" dirty="0">
                 <a:solidFill>
                   <a:schemeClr val="tx1"/>
                 </a:solidFill>
@@ -4675,7 +4731,7 @@
               <a:t>restart</a:t>
             </a:r>
             <a:r>
-              <a:rPr lang="zh-CN" altLang="en-US" sz="1200" kern="1200" baseline="0" dirty="0" smtClean="0">
+              <a:rPr lang="zh-CN" altLang="en-US" sz="1200" kern="1200" baseline="0" dirty="0">
                 <a:solidFill>
                   <a:schemeClr val="tx1"/>
                 </a:solidFill>
@@ -4686,7 +4742,7 @@
               <a:t> </a:t>
             </a:r>
             <a:r>
-              <a:rPr lang="en-US" altLang="zh-CN" sz="1200" kern="1200" baseline="0" dirty="0" smtClean="0">
+              <a:rPr lang="en-US" altLang="zh-CN" sz="1200" kern="1200" baseline="0" dirty="0">
                 <a:solidFill>
                   <a:schemeClr val="tx1"/>
                 </a:solidFill>
@@ -4697,7 +4753,7 @@
               <a:t>&amp;</a:t>
             </a:r>
             <a:r>
-              <a:rPr lang="zh-CN" altLang="en-US" sz="1200" kern="1200" baseline="0" dirty="0" smtClean="0">
+              <a:rPr lang="zh-CN" altLang="en-US" sz="1200" kern="1200" baseline="0" dirty="0">
                 <a:solidFill>
                   <a:schemeClr val="tx1"/>
                 </a:solidFill>
@@ -4708,7 +4764,7 @@
               <a:t> </a:t>
             </a:r>
             <a:r>
-              <a:rPr lang="en-US" altLang="zh-CN" sz="1200" kern="1200" baseline="0" dirty="0" smtClean="0">
+              <a:rPr lang="en-US" altLang="zh-CN" sz="1200" kern="1200" baseline="0" dirty="0">
                 <a:solidFill>
                   <a:schemeClr val="tx1"/>
                 </a:solidFill>
@@ -4719,7 +4775,7 @@
               <a:t>pause</a:t>
             </a:r>
             <a:r>
-              <a:rPr lang="zh-CN" altLang="en-US" sz="1200" kern="1200" baseline="0" dirty="0" smtClean="0">
+              <a:rPr lang="zh-CN" altLang="en-US" sz="1200" kern="1200" baseline="0" dirty="0">
                 <a:solidFill>
                   <a:schemeClr val="tx1"/>
                 </a:solidFill>
@@ -4730,7 +4786,7 @@
               <a:t> </a:t>
             </a:r>
             <a:r>
-              <a:rPr lang="en-US" altLang="zh-CN" sz="1200" kern="1200" baseline="0" dirty="0" smtClean="0">
+              <a:rPr lang="en-US" altLang="zh-CN" sz="1200" kern="1200" baseline="0" dirty="0">
                 <a:solidFill>
                   <a:schemeClr val="tx1"/>
                 </a:solidFill>
@@ -4741,7 +4797,7 @@
               <a:t>&amp;</a:t>
             </a:r>
             <a:r>
-              <a:rPr lang="zh-CN" altLang="en-US" sz="1200" kern="1200" baseline="0" dirty="0" smtClean="0">
+              <a:rPr lang="zh-CN" altLang="en-US" sz="1200" kern="1200" baseline="0" dirty="0">
                 <a:solidFill>
                   <a:schemeClr val="tx1"/>
                 </a:solidFill>
@@ -4752,7 +4808,7 @@
               <a:t> </a:t>
             </a:r>
             <a:r>
-              <a:rPr lang="en-US" altLang="zh-CN" sz="1200" kern="1200" baseline="0" dirty="0" err="1" smtClean="0">
+              <a:rPr lang="en-US" altLang="zh-CN" sz="1200" kern="1200" baseline="0" dirty="0" err="1">
                 <a:solidFill>
                   <a:schemeClr val="tx1"/>
                 </a:solidFill>
@@ -4763,7 +4819,7 @@
               <a:t>unpause</a:t>
             </a:r>
             <a:r>
-              <a:rPr lang="zh-CN" altLang="en-US" sz="1200" kern="1200" baseline="0" dirty="0" smtClean="0">
+              <a:rPr lang="zh-CN" altLang="en-US" sz="1200" kern="1200" baseline="0" dirty="0">
                 <a:solidFill>
                   <a:schemeClr val="tx1"/>
                 </a:solidFill>
@@ -4774,7 +4830,7 @@
               <a:t> </a:t>
             </a:r>
             <a:r>
-              <a:rPr lang="en-US" altLang="zh-CN" sz="1200" kern="1200" baseline="0" dirty="0" smtClean="0">
+              <a:rPr lang="en-US" altLang="zh-CN" sz="1200" kern="1200" baseline="0" dirty="0">
                 <a:solidFill>
                   <a:schemeClr val="tx1"/>
                 </a:solidFill>
@@ -4785,7 +4841,7 @@
               <a:t>&amp;</a:t>
             </a:r>
             <a:r>
-              <a:rPr lang="zh-CN" altLang="en-US" sz="1200" kern="1200" baseline="0" dirty="0" smtClean="0">
+              <a:rPr lang="zh-CN" altLang="en-US" sz="1200" kern="1200" baseline="0" dirty="0">
                 <a:solidFill>
                   <a:schemeClr val="tx1"/>
                 </a:solidFill>
@@ -4796,7 +4852,7 @@
               <a:t> </a:t>
             </a:r>
             <a:r>
-              <a:rPr lang="en-US" altLang="zh-CN" sz="1200" kern="1200" baseline="0" dirty="0" err="1" smtClean="0">
+              <a:rPr lang="en-US" altLang="zh-CN" sz="1200" kern="1200" baseline="0" dirty="0" err="1">
                 <a:solidFill>
                   <a:schemeClr val="tx1"/>
                 </a:solidFill>
@@ -4807,7 +4863,7 @@
               <a:t>rm</a:t>
             </a:r>
             <a:r>
-              <a:rPr lang="en-US" altLang="zh-CN" sz="1200" kern="1200" dirty="0" smtClean="0">
+              <a:rPr lang="en-US" altLang="zh-CN" sz="1200" kern="1200" dirty="0">
                 <a:solidFill>
                   <a:schemeClr val="tx1"/>
                 </a:solidFill>
@@ -4837,15 +4893,15 @@
               <a:defRPr/>
             </a:pPr>
             <a:r>
-              <a:rPr lang="en-US" altLang="zh-CN" dirty="0" err="1" smtClean="0"/>
+              <a:rPr lang="en-US" altLang="zh-CN" dirty="0" err="1"/>
               <a:t>docker</a:t>
             </a:r>
             <a:r>
-              <a:rPr lang="en-US" altLang="zh-CN" dirty="0" smtClean="0"/>
+              <a:rPr lang="en-US" altLang="zh-CN" dirty="0"/>
               <a:t> create </a:t>
             </a:r>
             <a:r>
-              <a:rPr lang="en-US" altLang="zh-CN" sz="1200" kern="1200" dirty="0" smtClean="0">
+              <a:rPr lang="en-US" altLang="zh-CN" sz="1200" kern="1200" dirty="0">
                 <a:solidFill>
                   <a:schemeClr val="tx1"/>
                 </a:solidFill>
@@ -4857,11 +4913,11 @@
               <a:t>-t</a:t>
             </a:r>
             <a:r>
-              <a:rPr lang="en-US" altLang="zh-CN" dirty="0" smtClean="0"/>
+              <a:rPr lang="en-US" altLang="zh-CN" dirty="0"/>
               <a:t> </a:t>
             </a:r>
             <a:r>
-              <a:rPr lang="en-US" altLang="zh-CN" sz="1200" kern="1200" dirty="0" smtClean="0">
+              <a:rPr lang="en-US" altLang="zh-CN" sz="1200" kern="1200" dirty="0">
                 <a:solidFill>
                   <a:schemeClr val="tx1"/>
                 </a:solidFill>
@@ -4873,7 +4929,7 @@
               <a:t>-</a:t>
             </a:r>
             <a:r>
-              <a:rPr lang="en-US" altLang="zh-CN" sz="1200" kern="1200" dirty="0" err="1" smtClean="0">
+              <a:rPr lang="en-US" altLang="zh-CN" sz="1200" kern="1200" dirty="0" err="1">
                 <a:solidFill>
                   <a:schemeClr val="tx1"/>
                 </a:solidFill>
@@ -4885,7 +4941,7 @@
               <a:t>i</a:t>
             </a:r>
             <a:r>
-              <a:rPr lang="en-US" altLang="zh-CN" dirty="0" smtClean="0"/>
+              <a:rPr lang="en-US" altLang="zh-CN" dirty="0"/>
               <a:t> fedora bash</a:t>
             </a:r>
           </a:p>
@@ -4908,7 +4964,7 @@
               <a:defRPr/>
             </a:pPr>
             <a:r>
-              <a:rPr lang="en-US" altLang="zh-CN" sz="1200" kern="1200" dirty="0" smtClean="0">
+              <a:rPr lang="en-US" altLang="zh-CN" sz="1200" kern="1200" dirty="0">
                 <a:solidFill>
                   <a:schemeClr val="tx1"/>
                 </a:solidFill>
@@ -4919,7 +4975,7 @@
               <a:t>-t</a:t>
             </a:r>
             <a:r>
-              <a:rPr lang="zh-CN" altLang="en-US" sz="1200" kern="1200" dirty="0" smtClean="0">
+              <a:rPr lang="zh-CN" altLang="en-US" sz="1200" kern="1200" dirty="0">
                 <a:solidFill>
                   <a:schemeClr val="tx1"/>
                 </a:solidFill>
@@ -4930,7 +4986,7 @@
               <a:t> 分配一个虚拟终端</a:t>
             </a:r>
             <a:r>
-              <a:rPr lang="en-US" altLang="zh-CN" sz="1200" kern="1200" dirty="0" err="1" smtClean="0">
+              <a:rPr lang="en-US" altLang="zh-CN" sz="1200" kern="1200" dirty="0" err="1">
                 <a:solidFill>
                   <a:schemeClr val="tx1"/>
                 </a:solidFill>
@@ -4940,7 +4996,7 @@
               </a:rPr>
               <a:t>pty</a:t>
             </a:r>
-            <a:endParaRPr lang="en-US" altLang="zh-CN" sz="1200" kern="1200" dirty="0" smtClean="0">
+            <a:endParaRPr lang="en-US" altLang="zh-CN" sz="1200" kern="1200" dirty="0">
               <a:solidFill>
                 <a:schemeClr val="tx1"/>
               </a:solidFill>
@@ -4951,7 +5007,7 @@
           </a:p>
           <a:p>
             <a:r>
-              <a:rPr lang="en-US" altLang="zh-CN" sz="1200" kern="1200" dirty="0" smtClean="0">
+              <a:rPr lang="en-US" altLang="zh-CN" sz="1200" kern="1200" dirty="0">
                 <a:solidFill>
                   <a:schemeClr val="tx1"/>
                 </a:solidFill>
@@ -4962,7 +5018,7 @@
               <a:t>-</a:t>
             </a:r>
             <a:r>
-              <a:rPr lang="en-US" altLang="zh-CN" sz="1200" kern="1200" dirty="0" err="1" smtClean="0">
+              <a:rPr lang="en-US" altLang="zh-CN" sz="1200" kern="1200" dirty="0" err="1">
                 <a:solidFill>
                   <a:schemeClr val="tx1"/>
                 </a:solidFill>
@@ -4973,7 +5029,7 @@
               <a:t>i</a:t>
             </a:r>
             <a:r>
-              <a:rPr lang="zh-CN" altLang="en-US" sz="1200" kern="1200" dirty="0" smtClean="0">
+              <a:rPr lang="zh-CN" altLang="en-US" sz="1200" kern="1200" dirty="0">
                 <a:solidFill>
                   <a:schemeClr val="tx1"/>
                 </a:solidFill>
@@ -4984,7 +5040,7 @@
               <a:t> 交互方式运行容器，打开</a:t>
             </a:r>
             <a:r>
-              <a:rPr lang="en-US" altLang="zh-CN" sz="1200" kern="1200" dirty="0" smtClean="0">
+              <a:rPr lang="en-US" altLang="zh-CN" sz="1200" kern="1200" dirty="0">
                 <a:solidFill>
                   <a:schemeClr val="tx1"/>
                 </a:solidFill>
@@ -4995,7 +5051,7 @@
               <a:t>STDIN</a:t>
             </a:r>
             <a:r>
-              <a:rPr lang="zh-CN" altLang="en-US" sz="1200" kern="1200" dirty="0" smtClean="0">
+              <a:rPr lang="zh-CN" altLang="en-US" sz="1200" kern="1200" dirty="0">
                 <a:solidFill>
                   <a:schemeClr val="tx1"/>
                 </a:solidFill>
@@ -5006,7 +5062,7 @@
               <a:t>即使不是</a:t>
             </a:r>
             <a:r>
-              <a:rPr lang="en-US" altLang="zh-CN" sz="1200" kern="1200" dirty="0" smtClean="0">
+              <a:rPr lang="en-US" altLang="zh-CN" sz="1200" kern="1200" dirty="0">
                 <a:solidFill>
                   <a:schemeClr val="tx1"/>
                 </a:solidFill>
@@ -5019,15 +5075,15 @@
           </a:p>
           <a:p>
             <a:r>
-              <a:rPr lang="en-US" altLang="zh-CN" dirty="0" err="1" smtClean="0"/>
+              <a:rPr lang="en-US" altLang="zh-CN" dirty="0" err="1"/>
               <a:t>docker</a:t>
             </a:r>
             <a:r>
-              <a:rPr lang="en-US" altLang="zh-CN" dirty="0" smtClean="0"/>
+              <a:rPr lang="en-US" altLang="zh-CN" dirty="0"/>
               <a:t> start </a:t>
             </a:r>
             <a:r>
-              <a:rPr lang="en-US" altLang="zh-CN" sz="1200" kern="1200" dirty="0" smtClean="0">
+              <a:rPr lang="en-US" altLang="zh-CN" sz="1200" kern="1200" dirty="0">
                 <a:solidFill>
                   <a:schemeClr val="tx1"/>
                 </a:solidFill>
@@ -5039,11 +5095,11 @@
               <a:t>-a</a:t>
             </a:r>
             <a:r>
-              <a:rPr lang="en-US" altLang="zh-CN" dirty="0" smtClean="0"/>
+              <a:rPr lang="en-US" altLang="zh-CN" dirty="0"/>
               <a:t> </a:t>
             </a:r>
             <a:r>
-              <a:rPr lang="en-US" altLang="zh-CN" sz="1200" kern="1200" dirty="0" smtClean="0">
+              <a:rPr lang="en-US" altLang="zh-CN" sz="1200" kern="1200" dirty="0">
                 <a:solidFill>
                   <a:schemeClr val="tx1"/>
                 </a:solidFill>
@@ -5055,7 +5111,7 @@
               <a:t>-</a:t>
             </a:r>
             <a:r>
-              <a:rPr lang="en-US" altLang="zh-CN" sz="1200" kern="1200" dirty="0" err="1" smtClean="0">
+              <a:rPr lang="en-US" altLang="zh-CN" sz="1200" kern="1200" dirty="0" err="1">
                 <a:solidFill>
                   <a:schemeClr val="tx1"/>
                 </a:solidFill>
@@ -5067,11 +5123,11 @@
               <a:t>i</a:t>
             </a:r>
             <a:r>
-              <a:rPr lang="en-US" altLang="zh-CN" dirty="0" smtClean="0"/>
+              <a:rPr lang="en-US" altLang="zh-CN" dirty="0"/>
               <a:t> </a:t>
             </a:r>
             <a:r>
-              <a:rPr lang="fi-FI" altLang="zh-CN" sz="1200" kern="1200" dirty="0" smtClean="0">
+              <a:rPr lang="fi-FI" altLang="zh-CN" sz="1200" kern="1200" dirty="0">
                 <a:solidFill>
                   <a:schemeClr val="tx1"/>
                 </a:solidFill>
@@ -5081,11 +5137,11 @@
               </a:rPr>
               <a:t>1a57954d7e30</a:t>
             </a:r>
-            <a:endParaRPr lang="en-US" altLang="zh-CN" dirty="0" smtClean="0"/>
-          </a:p>
-          <a:p>
-            <a:r>
-              <a:rPr lang="en-US" altLang="zh-CN" sz="1200" kern="1200" dirty="0" smtClean="0">
+            <a:endParaRPr lang="en-US" altLang="zh-CN" dirty="0"/>
+          </a:p>
+          <a:p>
+            <a:r>
+              <a:rPr lang="en-US" altLang="zh-CN" sz="1200" kern="1200" dirty="0">
                 <a:solidFill>
                   <a:schemeClr val="tx1"/>
                 </a:solidFill>
@@ -5096,7 +5152,7 @@
               <a:t>-a</a:t>
             </a:r>
             <a:r>
-              <a:rPr lang="zh-CN" altLang="en-US" sz="1200" kern="1200" dirty="0" smtClean="0">
+              <a:rPr lang="zh-CN" altLang="en-US" sz="1200" kern="1200" dirty="0">
                 <a:solidFill>
                   <a:schemeClr val="tx1"/>
                 </a:solidFill>
@@ -5107,7 +5163,7 @@
               <a:t> </a:t>
             </a:r>
             <a:r>
-              <a:rPr lang="en-US" altLang="zh-CN" sz="1200" kern="1200" dirty="0" smtClean="0">
+              <a:rPr lang="en-US" altLang="zh-CN" sz="1200" kern="1200" dirty="0">
                 <a:solidFill>
                   <a:schemeClr val="tx1"/>
                 </a:solidFill>
@@ -5118,7 +5174,7 @@
               <a:t>attach</a:t>
             </a:r>
             <a:r>
-              <a:rPr lang="zh-CN" altLang="en-US" sz="1200" kern="1200" dirty="0" smtClean="0">
+              <a:rPr lang="zh-CN" altLang="en-US" sz="1200" kern="1200" dirty="0">
                 <a:solidFill>
                   <a:schemeClr val="tx1"/>
                 </a:solidFill>
@@ -5129,7 +5185,7 @@
               <a:t>本地的</a:t>
             </a:r>
             <a:r>
-              <a:rPr lang="en-US" altLang="zh-CN" sz="1200" kern="1200" dirty="0" smtClean="0">
+              <a:rPr lang="en-US" altLang="zh-CN" sz="1200" kern="1200" dirty="0">
                 <a:solidFill>
                   <a:schemeClr val="tx1"/>
                 </a:solidFill>
@@ -5140,7 +5196,7 @@
               <a:t>STDOUT/STDERR</a:t>
             </a:r>
             <a:r>
-              <a:rPr lang="zh-CN" altLang="en-US" sz="1200" kern="1200" dirty="0" smtClean="0">
+              <a:rPr lang="zh-CN" altLang="en-US" sz="1200" kern="1200" dirty="0">
                 <a:solidFill>
                   <a:schemeClr val="tx1"/>
                 </a:solidFill>
@@ -5150,7 +5206,7 @@
               </a:rPr>
               <a:t>到容器</a:t>
             </a:r>
-            <a:endParaRPr lang="en-US" altLang="zh-CN" sz="1200" kern="1200" dirty="0" smtClean="0">
+            <a:endParaRPr lang="en-US" altLang="zh-CN" sz="1200" kern="1200" dirty="0">
               <a:solidFill>
                 <a:schemeClr val="tx1"/>
               </a:solidFill>
@@ -5161,7 +5217,7 @@
           </a:p>
           <a:p>
             <a:r>
-              <a:rPr lang="en-US" altLang="zh-CN" sz="1200" kern="1200" dirty="0" smtClean="0">
+              <a:rPr lang="en-US" altLang="zh-CN" sz="1200" kern="1200" dirty="0">
                 <a:solidFill>
                   <a:schemeClr val="tx1"/>
                 </a:solidFill>
@@ -5172,7 +5228,7 @@
               <a:t>-</a:t>
             </a:r>
             <a:r>
-              <a:rPr lang="en-US" altLang="zh-CN" sz="1200" kern="1200" dirty="0" err="1" smtClean="0">
+              <a:rPr lang="en-US" altLang="zh-CN" sz="1200" kern="1200" dirty="0" err="1">
                 <a:solidFill>
                   <a:schemeClr val="tx1"/>
                 </a:solidFill>
@@ -5183,7 +5239,7 @@
               <a:t>i</a:t>
             </a:r>
             <a:r>
-              <a:rPr lang="zh-CN" altLang="en-US" sz="1200" kern="1200" baseline="0" dirty="0" smtClean="0">
+              <a:rPr lang="zh-CN" altLang="en-US" sz="1200" kern="1200" baseline="0" dirty="0">
                 <a:solidFill>
                   <a:schemeClr val="tx1"/>
                 </a:solidFill>
@@ -5194,7 +5250,7 @@
               <a:t> </a:t>
             </a:r>
             <a:r>
-              <a:rPr lang="en-US" altLang="zh-CN" sz="1200" kern="1200" baseline="0" dirty="0" smtClean="0">
+              <a:rPr lang="en-US" altLang="zh-CN" sz="1200" kern="1200" baseline="0" dirty="0">
                 <a:solidFill>
                   <a:schemeClr val="tx1"/>
                 </a:solidFill>
@@ -5205,7 +5261,7 @@
               <a:t>attach</a:t>
             </a:r>
             <a:r>
-              <a:rPr lang="zh-CN" altLang="en-US" sz="1200" kern="1200" baseline="0" dirty="0" smtClean="0">
+              <a:rPr lang="zh-CN" altLang="en-US" sz="1200" kern="1200" baseline="0" dirty="0">
                 <a:solidFill>
                   <a:schemeClr val="tx1"/>
                 </a:solidFill>
@@ -5216,7 +5272,7 @@
               <a:t>本地的</a:t>
             </a:r>
             <a:r>
-              <a:rPr lang="en-US" altLang="zh-CN" sz="1200" kern="1200" baseline="0" dirty="0" smtClean="0">
+              <a:rPr lang="en-US" altLang="zh-CN" sz="1200" kern="1200" baseline="0" dirty="0">
                 <a:solidFill>
                   <a:schemeClr val="tx1"/>
                 </a:solidFill>
@@ -5227,7 +5283,7 @@
               <a:t>STDIN</a:t>
             </a:r>
             <a:r>
-              <a:rPr lang="zh-CN" altLang="en-US" sz="1200" kern="1200" baseline="0" dirty="0" smtClean="0">
+              <a:rPr lang="zh-CN" altLang="en-US" sz="1200" kern="1200" baseline="0" dirty="0">
                 <a:solidFill>
                   <a:schemeClr val="tx1"/>
                 </a:solidFill>
@@ -5238,7 +5294,7 @@
               <a:t>到容器的</a:t>
             </a:r>
             <a:r>
-              <a:rPr lang="en-US" altLang="zh-CN" sz="1200" kern="1200" baseline="0" dirty="0" smtClean="0">
+              <a:rPr lang="en-US" altLang="zh-CN" sz="1200" kern="1200" baseline="0" dirty="0">
                 <a:solidFill>
                   <a:schemeClr val="tx1"/>
                 </a:solidFill>
@@ -5249,7 +5305,7 @@
               <a:t>STDIN</a:t>
             </a:r>
             <a:r>
-              <a:rPr lang="zh-CN" altLang="en-US" sz="1200" kern="1200" dirty="0" smtClean="0">
+              <a:rPr lang="zh-CN" altLang="en-US" sz="1200" kern="1200" dirty="0">
                 <a:solidFill>
                   <a:schemeClr val="tx1"/>
                 </a:solidFill>
@@ -5259,7 +5315,7 @@
               </a:rPr>
               <a:t> </a:t>
             </a:r>
-            <a:endParaRPr lang="en-US" altLang="zh-CN" sz="1200" kern="1200" dirty="0" smtClean="0">
+            <a:endParaRPr lang="en-US" altLang="zh-CN" sz="1200" kern="1200" dirty="0">
               <a:solidFill>
                 <a:schemeClr val="tx1"/>
               </a:solidFill>
@@ -5270,7 +5326,7 @@
           </a:p>
           <a:p>
             <a:r>
-              <a:rPr lang="en-US" altLang="zh-CN" sz="1200" kern="1200" dirty="0" err="1" smtClean="0">
+              <a:rPr lang="en-US" altLang="zh-CN" sz="1200" kern="1200" dirty="0" err="1">
                 <a:solidFill>
                   <a:schemeClr val="tx1"/>
                 </a:solidFill>
@@ -5281,7 +5337,7 @@
               <a:t>docker</a:t>
             </a:r>
             <a:r>
-              <a:rPr lang="zh-CN" altLang="en-US" sz="1200" kern="1200" dirty="0" smtClean="0">
+              <a:rPr lang="zh-CN" altLang="en-US" sz="1200" kern="1200" dirty="0">
                 <a:solidFill>
                   <a:schemeClr val="tx1"/>
                 </a:solidFill>
@@ -5292,7 +5348,7 @@
               <a:t> </a:t>
             </a:r>
             <a:r>
-              <a:rPr lang="en-US" altLang="zh-CN" sz="1200" kern="1200" dirty="0" smtClean="0">
+              <a:rPr lang="en-US" altLang="zh-CN" sz="1200" kern="1200" dirty="0">
                 <a:solidFill>
                   <a:schemeClr val="tx1"/>
                 </a:solidFill>
@@ -5303,7 +5359,7 @@
               <a:t>stop</a:t>
             </a:r>
             <a:r>
-              <a:rPr lang="zh-CN" altLang="en-US" sz="1200" kern="1200" dirty="0" smtClean="0">
+              <a:rPr lang="zh-CN" altLang="en-US" sz="1200" kern="1200" dirty="0">
                 <a:solidFill>
                   <a:schemeClr val="tx1"/>
                 </a:solidFill>
@@ -5314,7 +5370,7 @@
               <a:t> </a:t>
             </a:r>
             <a:r>
-              <a:rPr lang="fi-FI" altLang="zh-CN" sz="1200" kern="1200" dirty="0" smtClean="0">
+              <a:rPr lang="fi-FI" altLang="zh-CN" sz="1200" kern="1200" dirty="0">
                 <a:solidFill>
                   <a:schemeClr val="tx1"/>
                 </a:solidFill>
@@ -5344,7 +5400,7 @@
               <a:defRPr/>
             </a:pPr>
             <a:r>
-              <a:rPr lang="en-US" altLang="zh-CN" sz="1200" kern="1200" dirty="0" err="1" smtClean="0">
+              <a:rPr lang="en-US" altLang="zh-CN" sz="1200" kern="1200" dirty="0" err="1">
                 <a:solidFill>
                   <a:schemeClr val="tx1"/>
                 </a:solidFill>
@@ -5355,7 +5411,7 @@
               <a:t>docker</a:t>
             </a:r>
             <a:r>
-              <a:rPr lang="zh-CN" altLang="en-US" sz="1200" kern="1200" dirty="0" smtClean="0">
+              <a:rPr lang="zh-CN" altLang="en-US" sz="1200" kern="1200" dirty="0">
                 <a:solidFill>
                   <a:schemeClr val="tx1"/>
                 </a:solidFill>
@@ -5366,7 +5422,7 @@
               <a:t> </a:t>
             </a:r>
             <a:r>
-              <a:rPr lang="en-US" altLang="zh-CN" sz="1200" kern="1200" dirty="0" smtClean="0">
+              <a:rPr lang="en-US" altLang="zh-CN" sz="1200" kern="1200" dirty="0">
                 <a:solidFill>
                   <a:schemeClr val="tx1"/>
                 </a:solidFill>
@@ -5377,7 +5433,7 @@
               <a:t>restart</a:t>
             </a:r>
             <a:r>
-              <a:rPr lang="zh-CN" altLang="en-US" sz="1200" kern="1200" dirty="0" smtClean="0">
+              <a:rPr lang="zh-CN" altLang="en-US" sz="1200" kern="1200" dirty="0">
                 <a:solidFill>
                   <a:schemeClr val="tx1"/>
                 </a:solidFill>
@@ -5388,7 +5444,7 @@
               <a:t> </a:t>
             </a:r>
             <a:r>
-              <a:rPr lang="fi-FI" altLang="zh-CN" sz="1200" kern="1200" dirty="0" smtClean="0">
+              <a:rPr lang="fi-FI" altLang="zh-CN" sz="1200" kern="1200" dirty="0">
                 <a:solidFill>
                   <a:schemeClr val="tx1"/>
                 </a:solidFill>
@@ -5418,7 +5474,7 @@
               <a:defRPr/>
             </a:pPr>
             <a:r>
-              <a:rPr lang="en-US" altLang="zh-CN" sz="1200" kern="1200" dirty="0" err="1" smtClean="0">
+              <a:rPr lang="en-US" altLang="zh-CN" sz="1200" kern="1200" dirty="0" err="1">
                 <a:solidFill>
                   <a:schemeClr val="tx1"/>
                 </a:solidFill>
@@ -5429,7 +5485,7 @@
               <a:t>docker</a:t>
             </a:r>
             <a:r>
-              <a:rPr lang="zh-CN" altLang="en-US" sz="1200" kern="1200" dirty="0" smtClean="0">
+              <a:rPr lang="zh-CN" altLang="en-US" sz="1200" kern="1200" dirty="0">
                 <a:solidFill>
                   <a:schemeClr val="tx1"/>
                 </a:solidFill>
@@ -5440,7 +5496,7 @@
               <a:t> </a:t>
             </a:r>
             <a:r>
-              <a:rPr lang="en-US" altLang="zh-CN" sz="1200" kern="1200" baseline="0" dirty="0" smtClean="0">
+              <a:rPr lang="en-US" altLang="zh-CN" sz="1200" kern="1200" baseline="0" dirty="0">
                 <a:solidFill>
                   <a:schemeClr val="tx1"/>
                 </a:solidFill>
@@ -5451,7 +5507,7 @@
               <a:t>pause</a:t>
             </a:r>
             <a:r>
-              <a:rPr lang="zh-CN" altLang="en-US" sz="1200" kern="1200" baseline="0" dirty="0" smtClean="0">
+              <a:rPr lang="zh-CN" altLang="en-US" sz="1200" kern="1200" baseline="0" dirty="0">
                 <a:solidFill>
                   <a:schemeClr val="tx1"/>
                 </a:solidFill>
@@ -5462,7 +5518,7 @@
               <a:t> </a:t>
             </a:r>
             <a:r>
-              <a:rPr lang="fi-FI" altLang="zh-CN" sz="1200" kern="1200" dirty="0" smtClean="0">
+              <a:rPr lang="fi-FI" altLang="zh-CN" sz="1200" kern="1200" dirty="0">
                 <a:solidFill>
                   <a:schemeClr val="tx1"/>
                 </a:solidFill>
@@ -5492,7 +5548,7 @@
               <a:defRPr/>
             </a:pPr>
             <a:r>
-              <a:rPr lang="en-US" altLang="zh-CN" sz="1200" kern="1200" dirty="0" err="1" smtClean="0">
+              <a:rPr lang="en-US" altLang="zh-CN" sz="1200" kern="1200" dirty="0" err="1">
                 <a:solidFill>
                   <a:schemeClr val="tx1"/>
                 </a:solidFill>
@@ -5503,7 +5559,7 @@
               <a:t>docker</a:t>
             </a:r>
             <a:r>
-              <a:rPr lang="zh-CN" altLang="en-US" sz="1200" kern="1200" dirty="0" smtClean="0">
+              <a:rPr lang="zh-CN" altLang="en-US" sz="1200" kern="1200" dirty="0">
                 <a:solidFill>
                   <a:schemeClr val="tx1"/>
                 </a:solidFill>
@@ -5514,7 +5570,7 @@
               <a:t> </a:t>
             </a:r>
             <a:r>
-              <a:rPr lang="en-US" altLang="zh-CN" sz="1200" kern="1200" baseline="0" dirty="0" err="1" smtClean="0">
+              <a:rPr lang="en-US" altLang="zh-CN" sz="1200" kern="1200" baseline="0" dirty="0" err="1">
                 <a:solidFill>
                   <a:schemeClr val="tx1"/>
                 </a:solidFill>
@@ -5525,7 +5581,7 @@
               <a:t>unpause</a:t>
             </a:r>
             <a:r>
-              <a:rPr lang="zh-CN" altLang="en-US" sz="1200" kern="1200" baseline="0" dirty="0" smtClean="0">
+              <a:rPr lang="zh-CN" altLang="en-US" sz="1200" kern="1200" baseline="0" dirty="0">
                 <a:solidFill>
                   <a:schemeClr val="tx1"/>
                 </a:solidFill>
@@ -5536,7 +5592,7 @@
               <a:t> </a:t>
             </a:r>
             <a:r>
-              <a:rPr lang="fi-FI" altLang="zh-CN" sz="1200" kern="1200" dirty="0" smtClean="0">
+              <a:rPr lang="fi-FI" altLang="zh-CN" sz="1200" kern="1200" dirty="0">
                 <a:solidFill>
                   <a:schemeClr val="tx1"/>
                 </a:solidFill>
@@ -5566,7 +5622,7 @@
               <a:defRPr/>
             </a:pPr>
             <a:r>
-              <a:rPr lang="en-US" altLang="zh-CN" sz="1200" kern="1200" dirty="0" err="1" smtClean="0">
+              <a:rPr lang="en-US" altLang="zh-CN" sz="1200" kern="1200" dirty="0" err="1">
                 <a:solidFill>
                   <a:schemeClr val="tx1"/>
                 </a:solidFill>
@@ -5577,7 +5633,7 @@
               <a:t>docker</a:t>
             </a:r>
             <a:r>
-              <a:rPr lang="en-US" altLang="zh-CN" sz="1200" kern="1200" dirty="0" smtClean="0">
+              <a:rPr lang="en-US" altLang="zh-CN" sz="1200" kern="1200" dirty="0">
                 <a:solidFill>
                   <a:schemeClr val="tx1"/>
                 </a:solidFill>
@@ -5588,7 +5644,7 @@
               <a:t> kill --signal=SIGKILL</a:t>
             </a:r>
             <a:r>
-              <a:rPr lang="zh-CN" altLang="en-US" sz="1200" kern="1200" dirty="0" smtClean="0">
+              <a:rPr lang="zh-CN" altLang="en-US" sz="1200" kern="1200" dirty="0">
                 <a:solidFill>
                   <a:schemeClr val="tx1"/>
                 </a:solidFill>
@@ -5599,7 +5655,7 @@
               <a:t> </a:t>
             </a:r>
             <a:r>
-              <a:rPr lang="en-US" altLang="zh-CN" sz="1200" kern="1200" dirty="0" smtClean="0">
+              <a:rPr lang="en-US" altLang="zh-CN" sz="1200" kern="1200" dirty="0">
                 <a:solidFill>
                   <a:schemeClr val="tx1"/>
                 </a:solidFill>
@@ -5629,7 +5685,7 @@
               <a:defRPr/>
             </a:pPr>
             <a:r>
-              <a:rPr lang="en-US" altLang="zh-CN" sz="1200" kern="1200" dirty="0" err="1" smtClean="0">
+              <a:rPr lang="en-US" altLang="zh-CN" sz="1200" kern="1200" dirty="0" err="1">
                 <a:solidFill>
                   <a:schemeClr val="tx1"/>
                 </a:solidFill>
@@ -5640,7 +5696,7 @@
               <a:t>docker</a:t>
             </a:r>
             <a:r>
-              <a:rPr lang="zh-CN" altLang="en-US" sz="1200" kern="1200" dirty="0" smtClean="0">
+              <a:rPr lang="zh-CN" altLang="en-US" sz="1200" kern="1200" dirty="0">
                 <a:solidFill>
                   <a:schemeClr val="tx1"/>
                 </a:solidFill>
@@ -5651,7 +5707,7 @@
               <a:t> </a:t>
             </a:r>
             <a:r>
-              <a:rPr lang="en-US" altLang="zh-CN" sz="1200" kern="1200" dirty="0" err="1" smtClean="0">
+              <a:rPr lang="en-US" altLang="zh-CN" sz="1200" kern="1200" dirty="0" err="1">
                 <a:solidFill>
                   <a:schemeClr val="tx1"/>
                 </a:solidFill>
@@ -5662,7 +5718,7 @@
               <a:t>rm</a:t>
             </a:r>
             <a:r>
-              <a:rPr lang="zh-CN" altLang="en-US" sz="1200" kern="1200" dirty="0" smtClean="0">
+              <a:rPr lang="zh-CN" altLang="en-US" sz="1200" kern="1200" dirty="0">
                 <a:solidFill>
                   <a:schemeClr val="tx1"/>
                 </a:solidFill>
@@ -5673,7 +5729,7 @@
               <a:t> </a:t>
             </a:r>
             <a:r>
-              <a:rPr lang="fi-FI" altLang="zh-CN" sz="1200" kern="1200" dirty="0" smtClean="0">
+              <a:rPr lang="fi-FI" altLang="zh-CN" sz="1200" kern="1200" dirty="0">
                 <a:solidFill>
                   <a:schemeClr val="tx1"/>
                 </a:solidFill>
@@ -5683,7 +5739,7 @@
               </a:rPr>
               <a:t>1a57954d7e30</a:t>
             </a:r>
-            <a:endParaRPr lang="en-US" altLang="zh-CN" sz="1200" kern="1200" dirty="0" smtClean="0">
+            <a:endParaRPr lang="en-US" altLang="zh-CN" sz="1200" kern="1200" dirty="0">
               <a:solidFill>
                 <a:schemeClr val="tx1"/>
               </a:solidFill>
@@ -5710,7 +5766,7 @@
               <a:tabLst/>
               <a:defRPr/>
             </a:pPr>
-            <a:endParaRPr lang="en-US" altLang="zh-CN" sz="1200" kern="1200" dirty="0" smtClean="0">
+            <a:endParaRPr lang="en-US" altLang="zh-CN" sz="1200" kern="1200" dirty="0">
               <a:solidFill>
                 <a:schemeClr val="tx1"/>
               </a:solidFill>
@@ -5738,7 +5794,7 @@
               <a:defRPr/>
             </a:pPr>
             <a:r>
-              <a:rPr lang="en-US" altLang="zh-CN" sz="1200" kern="1200" dirty="0" smtClean="0">
+              <a:rPr lang="en-US" altLang="zh-CN" sz="1200" kern="1200" dirty="0">
                 <a:solidFill>
                   <a:schemeClr val="tx1"/>
                 </a:solidFill>
@@ -5768,7 +5824,7 @@
               <a:defRPr/>
             </a:pPr>
             <a:r>
-              <a:rPr lang="en-US" altLang="zh-CN" sz="1200" kern="1200" dirty="0" smtClean="0">
+              <a:rPr lang="en-US" altLang="zh-CN" sz="1200" kern="1200" dirty="0">
                 <a:solidFill>
                   <a:schemeClr val="tx1"/>
                 </a:solidFill>
@@ -5779,7 +5835,7 @@
               <a:t>--name</a:t>
             </a:r>
             <a:r>
-              <a:rPr lang="zh-CN" altLang="en-US" sz="1200" kern="1200" baseline="0" dirty="0" smtClean="0">
+              <a:rPr lang="zh-CN" altLang="en-US" sz="1200" kern="1200" baseline="0" dirty="0">
                 <a:solidFill>
                   <a:schemeClr val="tx1"/>
                 </a:solidFill>
@@ -5789,7 +5845,7 @@
               </a:rPr>
               <a:t> 指定容器名</a:t>
             </a:r>
-            <a:endParaRPr lang="en-US" altLang="zh-CN" sz="1200" kern="1200" baseline="0" dirty="0" smtClean="0">
+            <a:endParaRPr lang="en-US" altLang="zh-CN" sz="1200" kern="1200" baseline="0" dirty="0">
               <a:solidFill>
                 <a:schemeClr val="tx1"/>
               </a:solidFill>
@@ -5817,29 +5873,18 @@
               <a:defRPr/>
             </a:pPr>
             <a:r>
-              <a:rPr lang="en-US" altLang="zh-CN" sz="1200" kern="1200" baseline="0" dirty="0" smtClean="0">
-                <a:solidFill>
-                  <a:schemeClr val="tx1"/>
-                </a:solidFill>
-                <a:latin typeface="+mn-lt"/>
-                <a:ea typeface="+mn-ea"/>
-                <a:cs typeface="+mn-cs"/>
-              </a:rPr>
-              <a:t>-</a:t>
-            </a:r>
-            <a:r>
-              <a:rPr lang="en-US" altLang="zh-CN" sz="1200" kern="1200" baseline="0" dirty="0" smtClean="0">
-                <a:solidFill>
-                  <a:schemeClr val="tx1"/>
-                </a:solidFill>
-                <a:latin typeface="+mn-lt"/>
-                <a:ea typeface="+mn-ea"/>
-                <a:cs typeface="+mn-cs"/>
-              </a:rPr>
-              <a:t>it</a:t>
-            </a:r>
-            <a:r>
-              <a:rPr lang="zh-CN" altLang="en-US" sz="1200" kern="1200" baseline="0" dirty="0" smtClean="0">
+              <a:rPr lang="en-US" altLang="zh-CN" sz="1200" kern="1200" baseline="0" dirty="0">
+                <a:solidFill>
+                  <a:schemeClr val="tx1"/>
+                </a:solidFill>
+                <a:latin typeface="+mn-lt"/>
+                <a:ea typeface="+mn-ea"/>
+                <a:cs typeface="+mn-cs"/>
+              </a:rPr>
+              <a:t>-it</a:t>
+            </a:r>
+            <a:r>
+              <a:rPr lang="zh-CN" altLang="en-US" sz="1200" kern="1200" baseline="0" dirty="0">
                 <a:solidFill>
                   <a:schemeClr val="tx1"/>
                 </a:solidFill>
@@ -5850,7 +5895,7 @@
               <a:t> 交互式</a:t>
             </a:r>
             <a:r>
-              <a:rPr lang="en-US" altLang="zh-CN" sz="1200" kern="1200" baseline="0" dirty="0" err="1" smtClean="0">
+              <a:rPr lang="en-US" altLang="zh-CN" sz="1200" kern="1200" baseline="0" dirty="0" err="1">
                 <a:solidFill>
                   <a:schemeClr val="tx1"/>
                 </a:solidFill>
@@ -5861,7 +5906,7 @@
               <a:t>pty</a:t>
             </a:r>
             <a:r>
-              <a:rPr lang="zh-CN" altLang="en-US" sz="1200" kern="1200" baseline="0" dirty="0" smtClean="0">
+              <a:rPr lang="zh-CN" altLang="en-US" sz="1200" kern="1200" baseline="0" dirty="0">
                 <a:solidFill>
                   <a:schemeClr val="tx1"/>
                 </a:solidFill>
@@ -5871,7 +5916,7 @@
               </a:rPr>
               <a:t>连接容器</a:t>
             </a:r>
-            <a:endParaRPr lang="en-US" altLang="zh-CN" sz="1200" kern="1200" baseline="0" dirty="0" smtClean="0">
+            <a:endParaRPr lang="en-US" altLang="zh-CN" sz="1200" kern="1200" baseline="0" dirty="0">
               <a:solidFill>
                 <a:schemeClr val="tx1"/>
               </a:solidFill>
@@ -5899,7 +5944,7 @@
               <a:defRPr/>
             </a:pPr>
             <a:r>
-              <a:rPr lang="en-US" altLang="zh-CN" sz="1200" kern="1200" baseline="0" dirty="0" smtClean="0">
+              <a:rPr lang="en-US" altLang="zh-CN" sz="1200" kern="1200" baseline="0" dirty="0">
                 <a:solidFill>
                   <a:schemeClr val="tx1"/>
                 </a:solidFill>
@@ -5910,7 +5955,7 @@
               <a:t>--</a:t>
             </a:r>
             <a:r>
-              <a:rPr lang="en-US" altLang="zh-CN" sz="1200" kern="1200" baseline="0" dirty="0" err="1" smtClean="0">
+              <a:rPr lang="en-US" altLang="zh-CN" sz="1200" kern="1200" baseline="0" dirty="0" err="1">
                 <a:solidFill>
                   <a:schemeClr val="tx1"/>
                 </a:solidFill>
@@ -5921,7 +5966,7 @@
               <a:t>rm</a:t>
             </a:r>
             <a:r>
-              <a:rPr lang="zh-CN" altLang="en-US" sz="1200" kern="1200" baseline="0" dirty="0" smtClean="0">
+              <a:rPr lang="zh-CN" altLang="en-US" sz="1200" kern="1200" baseline="0" dirty="0">
                 <a:solidFill>
                   <a:schemeClr val="tx1"/>
                 </a:solidFill>
@@ -5931,7 +5976,7 @@
               </a:rPr>
               <a:t> 容器退出后自动删除</a:t>
             </a:r>
-            <a:endParaRPr lang="en-US" altLang="zh-CN" sz="1200" kern="1200" baseline="0" dirty="0" smtClean="0">
+            <a:endParaRPr lang="en-US" altLang="zh-CN" sz="1200" kern="1200" baseline="0" dirty="0">
               <a:solidFill>
                 <a:schemeClr val="tx1"/>
               </a:solidFill>
@@ -5959,7 +6004,7 @@
               <a:defRPr/>
             </a:pPr>
             <a:r>
-              <a:rPr lang="en-US" altLang="zh-CN" sz="1200" kern="1200" baseline="0" dirty="0" smtClean="0">
+              <a:rPr lang="en-US" altLang="zh-CN" sz="1200" kern="1200" baseline="0" dirty="0">
                 <a:solidFill>
                   <a:schemeClr val="tx1"/>
                 </a:solidFill>
@@ -5970,7 +6015,7 @@
               <a:t>-d</a:t>
             </a:r>
             <a:r>
-              <a:rPr lang="zh-CN" altLang="en-US" sz="1200" kern="1200" baseline="0" dirty="0" smtClean="0">
+              <a:rPr lang="zh-CN" altLang="en-US" sz="1200" kern="1200" baseline="0" dirty="0">
                 <a:solidFill>
                   <a:schemeClr val="tx1"/>
                 </a:solidFill>
@@ -5980,7 +6025,7 @@
               </a:rPr>
               <a:t> 后台运行容器</a:t>
             </a:r>
-            <a:endParaRPr lang="en-US" altLang="zh-CN" sz="1200" kern="1200" baseline="0" dirty="0" smtClean="0">
+            <a:endParaRPr lang="en-US" altLang="zh-CN" sz="1200" kern="1200" baseline="0" dirty="0">
               <a:solidFill>
                 <a:schemeClr val="tx1"/>
               </a:solidFill>
@@ -6008,7 +6053,7 @@
               <a:defRPr/>
             </a:pPr>
             <a:r>
-              <a:rPr lang="en-US" altLang="zh-CN" sz="1200" kern="1200" baseline="0" dirty="0" smtClean="0">
+              <a:rPr lang="en-US" altLang="zh-CN" sz="1200" kern="1200" baseline="0" dirty="0">
                 <a:solidFill>
                   <a:schemeClr val="tx1"/>
                 </a:solidFill>
@@ -6019,7 +6064,7 @@
               <a:t>--mount</a:t>
             </a:r>
             <a:r>
-              <a:rPr lang="zh-CN" altLang="en-US" sz="1200" kern="1200" baseline="0" dirty="0" smtClean="0">
+              <a:rPr lang="zh-CN" altLang="en-US" sz="1200" kern="1200" baseline="0" dirty="0">
                 <a:solidFill>
                   <a:schemeClr val="tx1"/>
                 </a:solidFill>
@@ -6029,7 +6074,7 @@
               </a:rPr>
               <a:t> 挂载文件系统到容器</a:t>
             </a:r>
-            <a:endParaRPr lang="en-US" altLang="zh-CN" sz="1200" kern="1200" baseline="0" dirty="0" smtClean="0">
+            <a:endParaRPr lang="en-US" altLang="zh-CN" sz="1200" kern="1200" baseline="0" dirty="0">
               <a:solidFill>
                 <a:schemeClr val="tx1"/>
               </a:solidFill>
@@ -6057,7 +6102,7 @@
               <a:defRPr/>
             </a:pPr>
             <a:r>
-              <a:rPr lang="en-US" altLang="zh-CN" sz="1200" kern="1200" baseline="0" dirty="0" smtClean="0">
+              <a:rPr lang="en-US" altLang="zh-CN" sz="1200" kern="1200" baseline="0" dirty="0">
                 <a:solidFill>
                   <a:schemeClr val="tx1"/>
                 </a:solidFill>
@@ -6068,7 +6113,7 @@
               <a:t>--network</a:t>
             </a:r>
             <a:r>
-              <a:rPr lang="zh-CN" altLang="en-US" sz="1200" kern="1200" baseline="0" dirty="0" smtClean="0">
+              <a:rPr lang="zh-CN" altLang="en-US" sz="1200" kern="1200" baseline="0" dirty="0">
                 <a:solidFill>
                   <a:schemeClr val="tx1"/>
                 </a:solidFill>
@@ -6078,7 +6123,7 @@
               </a:rPr>
               <a:t> 连接网络到容器</a:t>
             </a:r>
-            <a:endParaRPr lang="en-US" altLang="zh-CN" sz="1200" kern="1200" baseline="0" dirty="0" smtClean="0">
+            <a:endParaRPr lang="en-US" altLang="zh-CN" sz="1200" kern="1200" baseline="0" dirty="0">
               <a:solidFill>
                 <a:schemeClr val="tx1"/>
               </a:solidFill>
@@ -6106,7 +6151,7 @@
               <a:defRPr/>
             </a:pPr>
             <a:r>
-              <a:rPr lang="en-US" altLang="zh-CN" sz="1200" kern="1200" baseline="0" dirty="0" smtClean="0">
+              <a:rPr lang="en-US" altLang="zh-CN" sz="1200" kern="1200" baseline="0" dirty="0">
                 <a:solidFill>
                   <a:schemeClr val="tx1"/>
                 </a:solidFill>
@@ -6117,7 +6162,7 @@
               <a:t>-p</a:t>
             </a:r>
             <a:r>
-              <a:rPr lang="zh-CN" altLang="en-US" sz="1200" kern="1200" baseline="0" dirty="0" smtClean="0">
+              <a:rPr lang="zh-CN" altLang="en-US" sz="1200" kern="1200" baseline="0" dirty="0">
                 <a:solidFill>
                   <a:schemeClr val="tx1"/>
                 </a:solidFill>
@@ -6127,7 +6172,7 @@
               </a:rPr>
               <a:t> 将容器端口映射到主机</a:t>
             </a:r>
-            <a:endParaRPr lang="en-US" altLang="zh-CN" sz="1200" kern="1200" baseline="0" dirty="0" smtClean="0">
+            <a:endParaRPr lang="en-US" altLang="zh-CN" sz="1200" kern="1200" baseline="0" dirty="0">
               <a:solidFill>
                 <a:schemeClr val="tx1"/>
               </a:solidFill>
@@ -6155,7 +6200,7 @@
               <a:defRPr/>
             </a:pPr>
             <a:r>
-              <a:rPr lang="en-US" altLang="zh-CN" sz="1200" kern="1200" baseline="0" dirty="0" smtClean="0">
+              <a:rPr lang="en-US" altLang="zh-CN" sz="1200" kern="1200" baseline="0" dirty="0">
                 <a:solidFill>
                   <a:schemeClr val="tx1"/>
                 </a:solidFill>
@@ -6166,7 +6211,7 @@
               <a:t>-e</a:t>
             </a:r>
             <a:r>
-              <a:rPr lang="zh-CN" altLang="en-US" sz="1200" kern="1200" baseline="0" dirty="0" smtClean="0">
+              <a:rPr lang="zh-CN" altLang="en-US" sz="1200" kern="1200" baseline="0" dirty="0">
                 <a:solidFill>
                   <a:schemeClr val="tx1"/>
                 </a:solidFill>
@@ -6176,7 +6221,7 @@
               </a:rPr>
               <a:t> 设置环境变量</a:t>
             </a:r>
-            <a:endParaRPr lang="en-US" altLang="zh-CN" sz="1200" kern="1200" baseline="0" dirty="0" smtClean="0">
+            <a:endParaRPr lang="en-US" altLang="zh-CN" sz="1200" kern="1200" baseline="0" dirty="0">
               <a:solidFill>
                 <a:schemeClr val="tx1"/>
               </a:solidFill>
@@ -6204,7 +6249,7 @@
               <a:defRPr/>
             </a:pPr>
             <a:r>
-              <a:rPr lang="en-US" altLang="zh-CN" sz="1200" kern="1200" baseline="0" dirty="0" smtClean="0">
+              <a:rPr lang="en-US" altLang="zh-CN" sz="1200" kern="1200" baseline="0" dirty="0">
                 <a:solidFill>
                   <a:schemeClr val="tx1"/>
                 </a:solidFill>
@@ -6215,7 +6260,7 @@
               <a:t>--</a:t>
             </a:r>
             <a:r>
-              <a:rPr lang="en-US" altLang="zh-CN" sz="1200" kern="1200" baseline="0" dirty="0" err="1" smtClean="0">
+              <a:rPr lang="en-US" altLang="zh-CN" sz="1200" kern="1200" baseline="0" dirty="0" err="1">
                 <a:solidFill>
                   <a:schemeClr val="tx1"/>
                 </a:solidFill>
@@ -6226,7 +6271,7 @@
               <a:t>cpus</a:t>
             </a:r>
             <a:r>
-              <a:rPr lang="zh-CN" altLang="en-US" sz="1200" kern="1200" baseline="0" dirty="0" smtClean="0">
+              <a:rPr lang="zh-CN" altLang="en-US" sz="1200" kern="1200" baseline="0" dirty="0">
                 <a:solidFill>
                   <a:schemeClr val="tx1"/>
                 </a:solidFill>
@@ -6237,7 +6282,7 @@
               <a:t> </a:t>
             </a:r>
             <a:r>
-              <a:rPr lang="en-US" altLang="zh-CN" sz="1200" kern="1200" baseline="0" dirty="0" err="1" smtClean="0">
+              <a:rPr lang="en-US" altLang="zh-CN" sz="1200" kern="1200" baseline="0" dirty="0" err="1">
                 <a:solidFill>
                   <a:schemeClr val="tx1"/>
                 </a:solidFill>
@@ -6248,7 +6293,7 @@
               <a:t>cpu</a:t>
             </a:r>
             <a:r>
-              <a:rPr lang="zh-CN" altLang="en-US" sz="1200" kern="1200" baseline="0" dirty="0" smtClean="0">
+              <a:rPr lang="zh-CN" altLang="en-US" sz="1200" kern="1200" baseline="0" dirty="0">
                 <a:solidFill>
                   <a:schemeClr val="tx1"/>
                 </a:solidFill>
@@ -6258,7 +6303,7 @@
               </a:rPr>
               <a:t>限制</a:t>
             </a:r>
-            <a:endParaRPr lang="en-US" altLang="zh-CN" sz="1200" kern="1200" baseline="0" dirty="0" smtClean="0">
+            <a:endParaRPr lang="en-US" altLang="zh-CN" sz="1200" kern="1200" baseline="0" dirty="0">
               <a:solidFill>
                 <a:schemeClr val="tx1"/>
               </a:solidFill>
@@ -6286,7 +6331,7 @@
               <a:defRPr/>
             </a:pPr>
             <a:r>
-              <a:rPr lang="en-US" altLang="zh-CN" sz="1200" kern="1200" baseline="0" dirty="0" smtClean="0">
+              <a:rPr lang="en-US" altLang="zh-CN" sz="1200" kern="1200" baseline="0" dirty="0">
                 <a:solidFill>
                   <a:schemeClr val="tx1"/>
                 </a:solidFill>
@@ -6297,7 +6342,7 @@
               <a:t>-m</a:t>
             </a:r>
             <a:r>
-              <a:rPr lang="zh-CN" altLang="en-US" sz="1200" kern="1200" baseline="0" dirty="0" smtClean="0">
+              <a:rPr lang="zh-CN" altLang="en-US" sz="1200" kern="1200" baseline="0" dirty="0">
                 <a:solidFill>
                   <a:schemeClr val="tx1"/>
                 </a:solidFill>
@@ -6307,7 +6352,7 @@
               </a:rPr>
               <a:t> 内存限制</a:t>
             </a:r>
-            <a:endParaRPr lang="en-US" altLang="zh-CN" sz="1200" kern="1200" baseline="0" dirty="0" smtClean="0">
+            <a:endParaRPr lang="en-US" altLang="zh-CN" sz="1200" kern="1200" baseline="0" dirty="0">
               <a:solidFill>
                 <a:schemeClr val="tx1"/>
               </a:solidFill>
@@ -6335,7 +6380,7 @@
               <a:defRPr/>
             </a:pPr>
             <a:r>
-              <a:rPr lang="en-US" altLang="zh-CN" sz="1200" kern="1200" dirty="0" err="1" smtClean="0">
+              <a:rPr lang="en-US" altLang="zh-CN" sz="1200" kern="1200" dirty="0" err="1">
                 <a:solidFill>
                   <a:schemeClr val="tx1"/>
                 </a:solidFill>
@@ -6346,7 +6391,7 @@
               <a:t>docker</a:t>
             </a:r>
             <a:r>
-              <a:rPr lang="en-US" altLang="zh-CN" sz="1200" kern="1200" dirty="0" smtClean="0">
+              <a:rPr lang="en-US" altLang="zh-CN" sz="1200" kern="1200" dirty="0">
                 <a:solidFill>
                   <a:schemeClr val="tx1"/>
                 </a:solidFill>
@@ -6357,7 +6402,7 @@
               <a:t> run --name gs2 -it -d --</a:t>
             </a:r>
             <a:r>
-              <a:rPr lang="en-US" altLang="zh-CN" sz="1200" kern="1200" dirty="0" err="1" smtClean="0">
+              <a:rPr lang="en-US" altLang="zh-CN" sz="1200" kern="1200" dirty="0" err="1">
                 <a:solidFill>
                   <a:schemeClr val="tx1"/>
                 </a:solidFill>
@@ -6368,7 +6413,7 @@
               <a:t>rm</a:t>
             </a:r>
             <a:r>
-              <a:rPr lang="en-US" altLang="zh-CN" sz="1200" kern="1200" dirty="0" smtClean="0">
+              <a:rPr lang="en-US" altLang="zh-CN" sz="1200" kern="1200" dirty="0">
                 <a:solidFill>
                   <a:schemeClr val="tx1"/>
                 </a:solidFill>
@@ -6379,7 +6424,7 @@
               <a:t> -p 4000:80 -e VAR1=value1 --</a:t>
             </a:r>
             <a:r>
-              <a:rPr lang="en-US" altLang="zh-CN" sz="1200" kern="1200" dirty="0" err="1" smtClean="0">
+              <a:rPr lang="en-US" altLang="zh-CN" sz="1200" kern="1200" dirty="0" err="1">
                 <a:solidFill>
                   <a:schemeClr val="tx1"/>
                 </a:solidFill>
@@ -6390,7 +6435,7 @@
               <a:t>cpus</a:t>
             </a:r>
             <a:r>
-              <a:rPr lang="en-US" altLang="zh-CN" sz="1200" kern="1200" dirty="0" smtClean="0">
+              <a:rPr lang="en-US" altLang="zh-CN" sz="1200" kern="1200" dirty="0">
                 <a:solidFill>
                   <a:schemeClr val="tx1"/>
                 </a:solidFill>
@@ -6401,7 +6446,7 @@
               <a:t> 1 -m 1GB </a:t>
             </a:r>
             <a:r>
-              <a:rPr lang="en-US" altLang="zh-CN" sz="1200" kern="1200" dirty="0" err="1" smtClean="0">
+              <a:rPr lang="en-US" altLang="zh-CN" sz="1200" kern="1200" dirty="0" err="1">
                 <a:solidFill>
                   <a:schemeClr val="tx1"/>
                 </a:solidFill>
@@ -6412,7 +6457,7 @@
               <a:t>tallongsun</a:t>
             </a:r>
             <a:r>
-              <a:rPr lang="en-US" altLang="zh-CN" sz="1200" kern="1200" dirty="0" smtClean="0">
+              <a:rPr lang="en-US" altLang="zh-CN" sz="1200" kern="1200" dirty="0">
                 <a:solidFill>
                   <a:schemeClr val="tx1"/>
                 </a:solidFill>
@@ -6423,7 +6468,7 @@
               <a:t>/get-started:part2</a:t>
             </a:r>
             <a:r>
-              <a:rPr lang="zh-CN" altLang="en-US" sz="1200" kern="1200" baseline="0" dirty="0" smtClean="0">
+              <a:rPr lang="zh-CN" altLang="en-US" sz="1200" kern="1200" baseline="0" dirty="0">
                 <a:solidFill>
                   <a:schemeClr val="tx1"/>
                 </a:solidFill>
@@ -6434,7 +6479,7 @@
               <a:t> </a:t>
             </a:r>
             <a:r>
-              <a:rPr lang="en-US" altLang="zh-CN" sz="1200" kern="1200" dirty="0" smtClean="0">
+              <a:rPr lang="en-US" altLang="zh-CN" sz="1200" kern="1200" dirty="0">
                 <a:solidFill>
                   <a:schemeClr val="tx1"/>
                 </a:solidFill>
@@ -6464,7 +6509,7 @@
               <a:defRPr/>
             </a:pPr>
             <a:r>
-              <a:rPr lang="en-US" altLang="zh-CN" sz="1200" kern="1200" dirty="0" err="1" smtClean="0">
+              <a:rPr lang="en-US" altLang="zh-CN" sz="1200" kern="1200" dirty="0" err="1">
                 <a:solidFill>
                   <a:schemeClr val="tx1"/>
                 </a:solidFill>
@@ -6475,7 +6520,7 @@
               <a:t>docker</a:t>
             </a:r>
             <a:r>
-              <a:rPr lang="en-US" altLang="zh-CN" sz="1200" kern="1200" dirty="0" smtClean="0">
+              <a:rPr lang="en-US" altLang="zh-CN" sz="1200" kern="1200" dirty="0">
                 <a:solidFill>
                   <a:schemeClr val="tx1"/>
                 </a:solidFill>
@@ -6486,7 +6531,7 @@
               <a:t> </a:t>
             </a:r>
             <a:r>
-              <a:rPr lang="en-US" altLang="zh-CN" sz="1200" kern="1200" dirty="0" err="1" smtClean="0">
+              <a:rPr lang="en-US" altLang="zh-CN" sz="1200" kern="1200" dirty="0" err="1">
                 <a:solidFill>
                   <a:schemeClr val="tx1"/>
                 </a:solidFill>
@@ -6497,26 +6542,15 @@
               <a:t>ps</a:t>
             </a:r>
             <a:r>
-              <a:rPr lang="en-US" altLang="zh-CN" sz="1200" kern="1200" dirty="0" smtClean="0">
-                <a:solidFill>
-                  <a:schemeClr val="tx1"/>
-                </a:solidFill>
-                <a:latin typeface="+mn-lt"/>
-                <a:ea typeface="+mn-ea"/>
-                <a:cs typeface="+mn-cs"/>
-              </a:rPr>
-              <a:t> |grep </a:t>
-            </a:r>
-            <a:r>
-              <a:rPr lang="en-US" altLang="zh-CN" sz="1200" kern="1200" dirty="0" smtClean="0">
-                <a:solidFill>
-                  <a:schemeClr val="tx1"/>
-                </a:solidFill>
-                <a:latin typeface="+mn-lt"/>
-                <a:ea typeface="+mn-ea"/>
-                <a:cs typeface="+mn-cs"/>
-              </a:rPr>
-              <a:t>gs2</a:t>
+              <a:rPr lang="en-US" altLang="zh-CN" sz="1200" kern="1200" dirty="0">
+                <a:solidFill>
+                  <a:schemeClr val="tx1"/>
+                </a:solidFill>
+                <a:latin typeface="+mn-lt"/>
+                <a:ea typeface="+mn-ea"/>
+                <a:cs typeface="+mn-cs"/>
+              </a:rPr>
+              <a:t> |grep gs2</a:t>
             </a:r>
           </a:p>
           <a:p>
@@ -6538,7 +6572,7 @@
               <a:defRPr/>
             </a:pPr>
             <a:r>
-              <a:rPr lang="en-US" altLang="zh-CN" sz="1200" kern="1200" dirty="0" err="1" smtClean="0">
+              <a:rPr lang="en-US" altLang="zh-CN" sz="1200" kern="1200" dirty="0" err="1">
                 <a:solidFill>
                   <a:schemeClr val="tx1"/>
                 </a:solidFill>
@@ -6549,7 +6583,7 @@
               <a:t>docker</a:t>
             </a:r>
             <a:r>
-              <a:rPr lang="en-US" altLang="zh-CN" sz="1200" kern="1200" dirty="0" smtClean="0">
+              <a:rPr lang="en-US" altLang="zh-CN" sz="1200" kern="1200" dirty="0">
                 <a:solidFill>
                   <a:schemeClr val="tx1"/>
                 </a:solidFill>
@@ -6559,14 +6593,6 @@
               </a:rPr>
               <a:t> inspect gs2</a:t>
             </a:r>
-            <a:endParaRPr lang="en-US" altLang="zh-CN" sz="1200" kern="1200" dirty="0" smtClean="0">
-              <a:solidFill>
-                <a:schemeClr val="tx1"/>
-              </a:solidFill>
-              <a:latin typeface="+mn-lt"/>
-              <a:ea typeface="+mn-ea"/>
-              <a:cs typeface="+mn-cs"/>
-            </a:endParaRPr>
           </a:p>
           <a:p>
             <a:pPr marL="0" marR="0" indent="0" algn="l" defTabSz="914400" rtl="0" eaLnBrk="1" fontAlgn="auto" latinLnBrk="0" hangingPunct="1">
@@ -6587,7 +6613,7 @@
               <a:defRPr/>
             </a:pPr>
             <a:r>
-              <a:rPr lang="en-US" altLang="zh-CN" sz="1200" kern="1200" dirty="0" err="1" smtClean="0">
+              <a:rPr lang="en-US" altLang="zh-CN" sz="1200" kern="1200" dirty="0" err="1">
                 <a:solidFill>
                   <a:schemeClr val="tx1"/>
                 </a:solidFill>
@@ -6598,7 +6624,7 @@
               <a:t>docker</a:t>
             </a:r>
             <a:r>
-              <a:rPr lang="en-US" altLang="zh-CN" sz="1200" kern="1200" dirty="0" smtClean="0">
+              <a:rPr lang="en-US" altLang="zh-CN" sz="1200" kern="1200" dirty="0">
                 <a:solidFill>
                   <a:schemeClr val="tx1"/>
                 </a:solidFill>
@@ -6628,7 +6654,7 @@
               <a:defRPr/>
             </a:pPr>
             <a:r>
-              <a:rPr lang="en-US" altLang="zh-CN" sz="1200" kern="1200" baseline="0" dirty="0" smtClean="0">
+              <a:rPr lang="en-US" altLang="zh-CN" sz="1200" kern="1200" baseline="0" dirty="0">
                 <a:solidFill>
                   <a:schemeClr val="tx1"/>
                 </a:solidFill>
@@ -6658,7 +6684,7 @@
               <a:defRPr/>
             </a:pPr>
             <a:r>
-              <a:rPr lang="en-US" altLang="zh-CN" sz="1200" kern="1200" dirty="0" err="1" smtClean="0">
+              <a:rPr lang="en-US" altLang="zh-CN" sz="1200" kern="1200" dirty="0" err="1">
                 <a:solidFill>
                   <a:schemeClr val="tx1"/>
                 </a:solidFill>
@@ -6669,7 +6695,7 @@
               <a:t>docker</a:t>
             </a:r>
             <a:r>
-              <a:rPr lang="en-US" altLang="zh-CN" sz="1200" kern="1200" dirty="0" smtClean="0">
+              <a:rPr lang="en-US" altLang="zh-CN" sz="1200" kern="1200" dirty="0">
                 <a:solidFill>
                   <a:schemeClr val="tx1"/>
                 </a:solidFill>
@@ -6680,7 +6706,7 @@
               <a:t> </a:t>
             </a:r>
             <a:r>
-              <a:rPr lang="en-US" altLang="zh-CN" sz="1200" kern="1200" dirty="0" err="1" smtClean="0">
+              <a:rPr lang="en-US" altLang="zh-CN" sz="1200" kern="1200" dirty="0" err="1">
                 <a:solidFill>
                   <a:schemeClr val="tx1"/>
                 </a:solidFill>
@@ -6691,7 +6717,7 @@
               <a:t>ps</a:t>
             </a:r>
             <a:r>
-              <a:rPr lang="en-US" altLang="zh-CN" sz="1200" kern="1200" dirty="0" smtClean="0">
+              <a:rPr lang="en-US" altLang="zh-CN" sz="1200" kern="1200" dirty="0">
                 <a:solidFill>
                   <a:schemeClr val="tx1"/>
                 </a:solidFill>
@@ -6702,7 +6728,7 @@
               <a:t> -</a:t>
             </a:r>
             <a:r>
-              <a:rPr lang="en-US" altLang="zh-CN" sz="1200" kern="1200" dirty="0" err="1" smtClean="0">
+              <a:rPr lang="en-US" altLang="zh-CN" sz="1200" kern="1200" dirty="0" err="1">
                 <a:solidFill>
                   <a:schemeClr val="tx1"/>
                 </a:solidFill>
@@ -6713,7 +6739,7 @@
               <a:t>a|grep</a:t>
             </a:r>
             <a:r>
-              <a:rPr lang="en-US" altLang="zh-CN" sz="1200" kern="1200" dirty="0" smtClean="0">
+              <a:rPr lang="en-US" altLang="zh-CN" sz="1200" kern="1200" dirty="0">
                 <a:solidFill>
                   <a:schemeClr val="tx1"/>
                 </a:solidFill>
@@ -6742,7 +6768,7 @@
               <a:tabLst/>
               <a:defRPr/>
             </a:pPr>
-            <a:endParaRPr lang="en-US" altLang="zh-CN" sz="1200" kern="1200" baseline="0" dirty="0" smtClean="0">
+            <a:endParaRPr lang="en-US" altLang="zh-CN" sz="1200" kern="1200" baseline="0" dirty="0">
               <a:solidFill>
                 <a:schemeClr val="tx1"/>
               </a:solidFill>
@@ -6770,7 +6796,7 @@
               <a:defRPr/>
             </a:pPr>
             <a:r>
-              <a:rPr lang="en-US" altLang="zh-CN" sz="1200" kern="1200" baseline="0" dirty="0" smtClean="0">
+              <a:rPr lang="en-US" altLang="zh-CN" sz="1200" kern="1200" baseline="0" dirty="0">
                 <a:solidFill>
                   <a:schemeClr val="tx1"/>
                 </a:solidFill>
@@ -6800,15 +6826,15 @@
               <a:defRPr/>
             </a:pPr>
             <a:r>
-              <a:rPr lang="en-US" altLang="zh-CN" dirty="0" err="1" smtClean="0"/>
+              <a:rPr lang="en-US" altLang="zh-CN" dirty="0" err="1"/>
               <a:t>docker</a:t>
             </a:r>
             <a:r>
-              <a:rPr lang="en-US" altLang="zh-CN" dirty="0" smtClean="0"/>
+              <a:rPr lang="en-US" altLang="zh-CN" dirty="0"/>
               <a:t> run </a:t>
             </a:r>
             <a:r>
-              <a:rPr lang="en-US" altLang="zh-CN" sz="1200" kern="1200" dirty="0" smtClean="0">
+              <a:rPr lang="en-US" altLang="zh-CN" sz="1200" kern="1200" dirty="0">
                 <a:solidFill>
                   <a:schemeClr val="tx1"/>
                 </a:solidFill>
@@ -6820,19 +6846,19 @@
               <a:t>--name</a:t>
             </a:r>
             <a:r>
-              <a:rPr lang="en-US" altLang="zh-CN" dirty="0" smtClean="0"/>
+              <a:rPr lang="en-US" altLang="zh-CN" dirty="0"/>
               <a:t> </a:t>
             </a:r>
             <a:r>
-              <a:rPr lang="en-US" altLang="zh-CN" dirty="0" err="1" smtClean="0"/>
+              <a:rPr lang="en-US" altLang="zh-CN" dirty="0" err="1"/>
               <a:t>ubuntu_bash</a:t>
             </a:r>
             <a:r>
-              <a:rPr lang="en-US" altLang="zh-CN" dirty="0" smtClean="0"/>
+              <a:rPr lang="en-US" altLang="zh-CN" dirty="0"/>
               <a:t> </a:t>
             </a:r>
             <a:r>
-              <a:rPr lang="en-US" altLang="zh-CN" sz="1200" kern="1200" dirty="0" smtClean="0">
+              <a:rPr lang="en-US" altLang="zh-CN" sz="1200" kern="1200" dirty="0">
                 <a:solidFill>
                   <a:schemeClr val="tx1"/>
                 </a:solidFill>
@@ -6844,7 +6870,7 @@
               <a:t>--</a:t>
             </a:r>
             <a:r>
-              <a:rPr lang="en-US" altLang="zh-CN" sz="1200" kern="1200" dirty="0" err="1" smtClean="0">
+              <a:rPr lang="en-US" altLang="zh-CN" sz="1200" kern="1200" dirty="0" err="1">
                 <a:solidFill>
                   <a:schemeClr val="tx1"/>
                 </a:solidFill>
@@ -6856,11 +6882,11 @@
               <a:t>rm</a:t>
             </a:r>
             <a:r>
-              <a:rPr lang="en-US" altLang="zh-CN" dirty="0" smtClean="0"/>
+              <a:rPr lang="en-US" altLang="zh-CN" dirty="0"/>
               <a:t> </a:t>
             </a:r>
             <a:r>
-              <a:rPr lang="en-US" altLang="zh-CN" sz="1200" kern="1200" dirty="0" smtClean="0">
+              <a:rPr lang="en-US" altLang="zh-CN" sz="1200" kern="1200" dirty="0">
                 <a:solidFill>
                   <a:schemeClr val="tx1"/>
                 </a:solidFill>
@@ -6872,7 +6898,7 @@
               <a:t>-</a:t>
             </a:r>
             <a:r>
-              <a:rPr lang="en-US" altLang="zh-CN" sz="1200" kern="1200" dirty="0" err="1" smtClean="0">
+              <a:rPr lang="en-US" altLang="zh-CN" sz="1200" kern="1200" dirty="0" err="1">
                 <a:solidFill>
                   <a:schemeClr val="tx1"/>
                 </a:solidFill>
@@ -6884,11 +6910,11 @@
               <a:t>i</a:t>
             </a:r>
             <a:r>
-              <a:rPr lang="en-US" altLang="zh-CN" dirty="0" smtClean="0"/>
+              <a:rPr lang="en-US" altLang="zh-CN" dirty="0"/>
               <a:t> </a:t>
             </a:r>
             <a:r>
-              <a:rPr lang="en-US" altLang="zh-CN" sz="1200" kern="1200" dirty="0" smtClean="0">
+              <a:rPr lang="en-US" altLang="zh-CN" sz="1200" kern="1200" dirty="0">
                 <a:solidFill>
                   <a:schemeClr val="tx1"/>
                 </a:solidFill>
@@ -6900,20 +6926,16 @@
               <a:t>-t</a:t>
             </a:r>
             <a:r>
-              <a:rPr lang="en-US" altLang="zh-CN" dirty="0" smtClean="0"/>
+              <a:rPr lang="en-US" altLang="zh-CN" dirty="0"/>
               <a:t> </a:t>
             </a:r>
             <a:r>
-              <a:rPr lang="en-US" altLang="zh-CN" dirty="0" err="1" smtClean="0"/>
+              <a:rPr lang="en-US" altLang="zh-CN" dirty="0" err="1"/>
               <a:t>ubuntu</a:t>
             </a:r>
             <a:r>
-              <a:rPr lang="en-US" altLang="zh-CN" dirty="0" smtClean="0"/>
-              <a:t> </a:t>
-            </a:r>
-            <a:r>
-              <a:rPr lang="en-US" altLang="zh-CN" dirty="0" smtClean="0"/>
-              <a:t>bash</a:t>
+              <a:rPr lang="en-US" altLang="zh-CN" dirty="0"/>
+              <a:t> bash</a:t>
             </a:r>
           </a:p>
           <a:p>
@@ -6935,10 +6957,10 @@
               <a:defRPr/>
             </a:pPr>
             <a:r>
-              <a:rPr lang="en-US" altLang="zh-CN" dirty="0" err="1" smtClean="0"/>
+              <a:rPr lang="en-US" altLang="zh-CN" dirty="0" err="1"/>
               <a:t>crtl+p,crlt+q</a:t>
             </a:r>
-            <a:endParaRPr lang="en-US" altLang="zh-CN" dirty="0" smtClean="0"/>
+            <a:endParaRPr lang="en-US" altLang="zh-CN" dirty="0"/>
           </a:p>
           <a:p>
             <a:pPr marL="0" marR="0" indent="0" algn="l" defTabSz="914400" rtl="0" eaLnBrk="1" fontAlgn="auto" latinLnBrk="0" hangingPunct="1">
@@ -6959,15 +6981,15 @@
               <a:defRPr/>
             </a:pPr>
             <a:r>
-              <a:rPr lang="en-US" altLang="zh-CN" dirty="0" err="1" smtClean="0"/>
+              <a:rPr lang="en-US" altLang="zh-CN" dirty="0" err="1"/>
               <a:t>docker</a:t>
             </a:r>
             <a:r>
-              <a:rPr lang="en-US" altLang="zh-CN" dirty="0" smtClean="0"/>
+              <a:rPr lang="en-US" altLang="zh-CN" dirty="0"/>
               <a:t> </a:t>
             </a:r>
             <a:r>
-              <a:rPr lang="en-US" altLang="zh-CN" sz="1200" kern="1200" dirty="0" smtClean="0">
+              <a:rPr lang="en-US" altLang="zh-CN" sz="1200" kern="1200" dirty="0">
                 <a:solidFill>
                   <a:schemeClr val="tx1"/>
                 </a:solidFill>
@@ -6979,19 +7001,19 @@
               <a:t>exec</a:t>
             </a:r>
             <a:r>
-              <a:rPr lang="en-US" altLang="zh-CN" dirty="0" smtClean="0"/>
+              <a:rPr lang="en-US" altLang="zh-CN" dirty="0"/>
               <a:t> </a:t>
             </a:r>
             <a:r>
-              <a:rPr lang="en-US" altLang="zh-CN" dirty="0" err="1" smtClean="0"/>
+              <a:rPr lang="en-US" altLang="zh-CN" dirty="0" err="1"/>
               <a:t>ubuntu_bash</a:t>
             </a:r>
             <a:r>
-              <a:rPr lang="en-US" altLang="zh-CN" dirty="0" smtClean="0"/>
+              <a:rPr lang="en-US" altLang="zh-CN" dirty="0"/>
               <a:t> </a:t>
             </a:r>
             <a:r>
-              <a:rPr lang="en-US" altLang="zh-CN" sz="1200" kern="1200" dirty="0" err="1" smtClean="0">
+              <a:rPr lang="en-US" altLang="zh-CN" sz="1200" kern="1200" dirty="0" err="1">
                 <a:solidFill>
                   <a:schemeClr val="tx1"/>
                 </a:solidFill>
@@ -7002,7 +7024,7 @@
               </a:rPr>
               <a:t>pwd</a:t>
             </a:r>
-            <a:endParaRPr lang="en-US" altLang="zh-CN" sz="1200" kern="1200" dirty="0" smtClean="0">
+            <a:endParaRPr lang="en-US" altLang="zh-CN" sz="1200" kern="1200" dirty="0">
               <a:solidFill>
                 <a:schemeClr val="tx1"/>
               </a:solidFill>
@@ -7031,15 +7053,15 @@
               <a:defRPr/>
             </a:pPr>
             <a:r>
-              <a:rPr lang="en-US" altLang="zh-CN" dirty="0" err="1" smtClean="0"/>
+              <a:rPr lang="en-US" altLang="zh-CN" dirty="0" err="1"/>
               <a:t>docker</a:t>
             </a:r>
             <a:r>
-              <a:rPr lang="en-US" altLang="zh-CN" dirty="0" smtClean="0"/>
+              <a:rPr lang="en-US" altLang="zh-CN" dirty="0"/>
               <a:t> </a:t>
             </a:r>
             <a:r>
-              <a:rPr lang="en-US" altLang="zh-CN" sz="1200" kern="1200" dirty="0" smtClean="0">
+              <a:rPr lang="en-US" altLang="zh-CN" sz="1200" kern="1200" dirty="0">
                 <a:solidFill>
                   <a:schemeClr val="tx1"/>
                 </a:solidFill>
@@ -7051,11 +7073,11 @@
               <a:t>exec</a:t>
             </a:r>
             <a:r>
-              <a:rPr lang="en-US" altLang="zh-CN" dirty="0" smtClean="0"/>
+              <a:rPr lang="en-US" altLang="zh-CN" dirty="0"/>
               <a:t> </a:t>
             </a:r>
             <a:r>
-              <a:rPr lang="en-US" altLang="zh-CN" sz="1200" kern="1200" dirty="0" smtClean="0">
+              <a:rPr lang="en-US" altLang="zh-CN" sz="1200" kern="1200" dirty="0">
                 <a:solidFill>
                   <a:schemeClr val="tx1"/>
                 </a:solidFill>
@@ -7067,18 +7089,18 @@
               <a:t>-it</a:t>
             </a:r>
             <a:r>
-              <a:rPr lang="en-US" altLang="zh-CN" dirty="0" smtClean="0"/>
+              <a:rPr lang="en-US" altLang="zh-CN" dirty="0"/>
               <a:t> </a:t>
             </a:r>
             <a:r>
-              <a:rPr lang="en-US" altLang="zh-CN" dirty="0" err="1" smtClean="0"/>
+              <a:rPr lang="en-US" altLang="zh-CN" dirty="0" err="1"/>
               <a:t>ubuntu_bash</a:t>
             </a:r>
             <a:r>
-              <a:rPr lang="en-US" altLang="zh-CN" dirty="0" smtClean="0"/>
+              <a:rPr lang="en-US" altLang="zh-CN" dirty="0"/>
               <a:t> bash</a:t>
             </a:r>
-            <a:endParaRPr lang="en-US" altLang="zh-CN" sz="1200" kern="1200" baseline="0" dirty="0" smtClean="0">
+            <a:endParaRPr lang="en-US" altLang="zh-CN" sz="1200" kern="1200" baseline="0" dirty="0">
               <a:solidFill>
                 <a:schemeClr val="tx1"/>
               </a:solidFill>
@@ -7105,7 +7127,7 @@
               <a:tabLst/>
               <a:defRPr/>
             </a:pPr>
-            <a:endParaRPr lang="en-US" altLang="zh-CN" sz="1200" kern="1200" dirty="0" smtClean="0">
+            <a:endParaRPr lang="en-US" altLang="zh-CN" sz="1200" kern="1200" dirty="0">
               <a:solidFill>
                 <a:schemeClr val="tx1"/>
               </a:solidFill>
@@ -7133,7 +7155,7 @@
               <a:defRPr/>
             </a:pPr>
             <a:r>
-              <a:rPr lang="en-US" altLang="zh-CN" sz="1200" kern="1200" dirty="0" smtClean="0">
+              <a:rPr lang="en-US" altLang="zh-CN" sz="1200" kern="1200" dirty="0">
                 <a:solidFill>
                   <a:schemeClr val="tx1"/>
                 </a:solidFill>
@@ -7163,7 +7185,7 @@
               <a:defRPr/>
             </a:pPr>
             <a:r>
-              <a:rPr lang="en-US" altLang="zh-CN" sz="1200" kern="1200" dirty="0" err="1" smtClean="0">
+              <a:rPr lang="en-US" altLang="zh-CN" sz="1200" kern="1200" dirty="0" err="1">
                 <a:solidFill>
                   <a:schemeClr val="tx1"/>
                 </a:solidFill>
@@ -7174,7 +7196,7 @@
               <a:t>docker</a:t>
             </a:r>
             <a:r>
-              <a:rPr lang="en-US" altLang="zh-CN" sz="1200" kern="1200" dirty="0" smtClean="0">
+              <a:rPr lang="en-US" altLang="zh-CN" sz="1200" kern="1200" dirty="0">
                 <a:solidFill>
                   <a:schemeClr val="tx1"/>
                 </a:solidFill>
@@ -7185,7 +7207,7 @@
               <a:t> diff </a:t>
             </a:r>
             <a:r>
-              <a:rPr lang="en-US" altLang="zh-CN" sz="1200" kern="1200" dirty="0" err="1" smtClean="0">
+              <a:rPr lang="en-US" altLang="zh-CN" sz="1200" kern="1200" dirty="0" err="1">
                 <a:solidFill>
                   <a:schemeClr val="tx1"/>
                 </a:solidFill>
@@ -7195,7 +7217,7 @@
               </a:rPr>
               <a:t>ubuntu_bash</a:t>
             </a:r>
-            <a:endParaRPr lang="en-US" altLang="zh-CN" sz="1200" kern="1200" dirty="0" smtClean="0">
+            <a:endParaRPr lang="en-US" altLang="zh-CN" sz="1200" kern="1200" dirty="0">
               <a:solidFill>
                 <a:schemeClr val="tx1"/>
               </a:solidFill>
@@ -7222,7 +7244,7 @@
               <a:tabLst/>
               <a:defRPr/>
             </a:pPr>
-            <a:endParaRPr lang="en-US" altLang="zh-CN" sz="1200" kern="1200" dirty="0" smtClean="0">
+            <a:endParaRPr lang="en-US" altLang="zh-CN" sz="1200" kern="1200" dirty="0">
               <a:solidFill>
                 <a:schemeClr val="tx1"/>
               </a:solidFill>
@@ -7250,7 +7272,7 @@
               <a:defRPr/>
             </a:pPr>
             <a:r>
-              <a:rPr lang="en-US" altLang="zh-CN" sz="1200" kern="1200" dirty="0" smtClean="0">
+              <a:rPr lang="en-US" altLang="zh-CN" sz="1200" kern="1200" dirty="0">
                 <a:solidFill>
                   <a:schemeClr val="tx1"/>
                 </a:solidFill>
@@ -7260,7 +7282,7 @@
               </a:rPr>
               <a:t>[inspect]</a:t>
             </a:r>
-            <a:endParaRPr lang="fi-FI" altLang="zh-CN" sz="1200" kern="1200" dirty="0" smtClean="0">
+            <a:endParaRPr lang="fi-FI" altLang="zh-CN" sz="1200" kern="1200" dirty="0">
               <a:solidFill>
                 <a:schemeClr val="tx1"/>
               </a:solidFill>
@@ -7288,7 +7310,7 @@
               <a:defRPr/>
             </a:pPr>
             <a:r>
-              <a:rPr lang="en-US" altLang="zh-CN" sz="1200" kern="1200" dirty="0" err="1" smtClean="0">
+              <a:rPr lang="en-US" altLang="zh-CN" sz="1200" kern="1200" dirty="0" err="1">
                 <a:solidFill>
                   <a:schemeClr val="tx1"/>
                 </a:solidFill>
@@ -7299,7 +7321,7 @@
               <a:t>docker</a:t>
             </a:r>
             <a:r>
-              <a:rPr lang="en-US" altLang="zh-CN" sz="1200" kern="1200" dirty="0" smtClean="0">
+              <a:rPr lang="en-US" altLang="zh-CN" sz="1200" kern="1200" dirty="0">
                 <a:solidFill>
                   <a:schemeClr val="tx1"/>
                 </a:solidFill>
@@ -7310,7 +7332,7 @@
               <a:t> inspect --format='{{.</a:t>
             </a:r>
             <a:r>
-              <a:rPr lang="en-US" altLang="zh-CN" sz="1200" kern="1200" dirty="0" err="1" smtClean="0">
+              <a:rPr lang="en-US" altLang="zh-CN" sz="1200" kern="1200" dirty="0" err="1">
                 <a:solidFill>
                   <a:schemeClr val="tx1"/>
                 </a:solidFill>
@@ -7321,7 +7343,7 @@
               <a:t>Config.Image</a:t>
             </a:r>
             <a:r>
-              <a:rPr lang="en-US" altLang="zh-CN" sz="1200" kern="1200" dirty="0" smtClean="0">
+              <a:rPr lang="en-US" altLang="zh-CN" sz="1200" kern="1200" dirty="0">
                 <a:solidFill>
                   <a:schemeClr val="tx1"/>
                 </a:solidFill>
@@ -7332,10 +7354,10 @@
               <a:t>}}'  </a:t>
             </a:r>
             <a:r>
-              <a:rPr lang="en-US" altLang="zh-CN" dirty="0" err="1" smtClean="0"/>
+              <a:rPr lang="en-US" altLang="zh-CN" dirty="0" err="1"/>
               <a:t>ubuntu_bash</a:t>
             </a:r>
-            <a:endParaRPr lang="fi-FI" altLang="zh-CN" sz="1200" kern="1200" dirty="0" smtClean="0">
+            <a:endParaRPr lang="fi-FI" altLang="zh-CN" sz="1200" kern="1200" dirty="0">
               <a:solidFill>
                 <a:schemeClr val="tx1"/>
               </a:solidFill>
@@ -7345,7 +7367,7 @@
             </a:endParaRPr>
           </a:p>
           <a:p>
-            <a:endParaRPr lang="en-US" altLang="zh-CN" sz="1200" kern="1200" dirty="0" smtClean="0">
+            <a:endParaRPr lang="en-US" altLang="zh-CN" sz="1200" kern="1200" dirty="0">
               <a:solidFill>
                 <a:schemeClr val="tx1"/>
               </a:solidFill>
@@ -7356,7 +7378,7 @@
           </a:p>
           <a:p>
             <a:r>
-              <a:rPr lang="en-US" altLang="zh-CN" sz="1200" kern="1200" dirty="0" smtClean="0">
+              <a:rPr lang="en-US" altLang="zh-CN" sz="1200" kern="1200" dirty="0">
                 <a:solidFill>
                   <a:schemeClr val="tx1"/>
                 </a:solidFill>
@@ -7369,15 +7391,15 @@
           </a:p>
           <a:p>
             <a:r>
-              <a:rPr lang="en-US" altLang="zh-CN" dirty="0" err="1" smtClean="0"/>
+              <a:rPr lang="en-US" altLang="zh-CN" dirty="0" err="1"/>
               <a:t>docker</a:t>
             </a:r>
             <a:r>
-              <a:rPr lang="en-US" altLang="zh-CN" dirty="0" smtClean="0"/>
+              <a:rPr lang="en-US" altLang="zh-CN" dirty="0"/>
               <a:t> run </a:t>
             </a:r>
             <a:r>
-              <a:rPr lang="en-US" altLang="zh-CN" sz="1200" kern="1200" dirty="0" smtClean="0">
+              <a:rPr lang="en-US" altLang="zh-CN" sz="1200" kern="1200" dirty="0">
                 <a:solidFill>
                   <a:schemeClr val="tx1"/>
                 </a:solidFill>
@@ -7389,11 +7411,11 @@
               <a:t>--name</a:t>
             </a:r>
             <a:r>
-              <a:rPr lang="en-US" altLang="zh-CN" dirty="0" smtClean="0"/>
+              <a:rPr lang="en-US" altLang="zh-CN" dirty="0"/>
               <a:t> </a:t>
             </a:r>
             <a:r>
-              <a:rPr lang="en-US" altLang="zh-CN" sz="1200" kern="1200" dirty="0" smtClean="0">
+              <a:rPr lang="en-US" altLang="zh-CN" sz="1200" kern="1200" dirty="0">
                 <a:solidFill>
                   <a:schemeClr val="tx1"/>
                 </a:solidFill>
@@ -7405,11 +7427,11 @@
               <a:t>test</a:t>
             </a:r>
             <a:r>
-              <a:rPr lang="en-US" altLang="zh-CN" dirty="0" smtClean="0"/>
+              <a:rPr lang="en-US" altLang="zh-CN" dirty="0"/>
               <a:t> </a:t>
             </a:r>
             <a:r>
-              <a:rPr lang="en-US" altLang="zh-CN" sz="1200" kern="1200" dirty="0" smtClean="0">
+              <a:rPr lang="en-US" altLang="zh-CN" sz="1200" kern="1200" dirty="0">
                 <a:solidFill>
                   <a:schemeClr val="tx1"/>
                 </a:solidFill>
@@ -7421,27 +7443,27 @@
               <a:t>-d</a:t>
             </a:r>
             <a:r>
-              <a:rPr lang="en-US" altLang="zh-CN" dirty="0" smtClean="0"/>
+              <a:rPr lang="en-US" altLang="zh-CN" dirty="0"/>
               <a:t> </a:t>
             </a:r>
             <a:r>
-              <a:rPr lang="en-US" altLang="zh-CN" dirty="0" err="1" smtClean="0"/>
+              <a:rPr lang="en-US" altLang="zh-CN" dirty="0" err="1"/>
               <a:t>busybox</a:t>
             </a:r>
             <a:r>
-              <a:rPr lang="en-US" altLang="zh-CN" dirty="0" smtClean="0"/>
+              <a:rPr lang="en-US" altLang="zh-CN" dirty="0"/>
               <a:t> </a:t>
             </a:r>
             <a:r>
-              <a:rPr lang="en-US" altLang="zh-CN" dirty="0" err="1" smtClean="0"/>
+              <a:rPr lang="en-US" altLang="zh-CN" dirty="0" err="1"/>
               <a:t>sh</a:t>
             </a:r>
             <a:r>
-              <a:rPr lang="en-US" altLang="zh-CN" dirty="0" smtClean="0"/>
+              <a:rPr lang="en-US" altLang="zh-CN" dirty="0"/>
               <a:t> </a:t>
             </a:r>
             <a:r>
-              <a:rPr lang="en-US" altLang="zh-CN" sz="1200" kern="1200" dirty="0" smtClean="0">
+              <a:rPr lang="en-US" altLang="zh-CN" sz="1200" kern="1200" dirty="0">
                 <a:solidFill>
                   <a:schemeClr val="tx1"/>
                 </a:solidFill>
@@ -7453,11 +7475,11 @@
               <a:t>-c</a:t>
             </a:r>
             <a:r>
-              <a:rPr lang="en-US" altLang="zh-CN" dirty="0" smtClean="0"/>
+              <a:rPr lang="en-US" altLang="zh-CN" dirty="0"/>
               <a:t> </a:t>
             </a:r>
             <a:r>
-              <a:rPr lang="en-US" altLang="zh-CN" sz="1200" kern="1200" dirty="0" smtClean="0">
+              <a:rPr lang="en-US" altLang="zh-CN" sz="1200" kern="1200" dirty="0">
                 <a:solidFill>
                   <a:schemeClr val="tx1"/>
                 </a:solidFill>
@@ -7469,11 +7491,11 @@
               <a:t>"while true; do $(echo </a:t>
             </a:r>
             <a:r>
-              <a:rPr lang="en-US" altLang="zh-CN" dirty="0" smtClean="0"/>
+              <a:rPr lang="en-US" altLang="zh-CN" dirty="0"/>
               <a:t>date</a:t>
             </a:r>
             <a:r>
-              <a:rPr lang="en-US" altLang="zh-CN" sz="1200" kern="1200" dirty="0" smtClean="0">
+              <a:rPr lang="en-US" altLang="zh-CN" sz="1200" kern="1200" dirty="0">
                 <a:solidFill>
                   <a:schemeClr val="tx1"/>
                 </a:solidFill>
@@ -7484,7 +7506,7 @@
               </a:rPr>
               <a:t>); sleep 1; done"</a:t>
             </a:r>
-            <a:endParaRPr lang="en-US" altLang="zh-CN" sz="1200" kern="1200" dirty="0" smtClean="0">
+            <a:endParaRPr lang="en-US" altLang="zh-CN" sz="1200" kern="1200" dirty="0">
               <a:solidFill>
                 <a:schemeClr val="tx1"/>
               </a:solidFill>
@@ -7495,7 +7517,7 @@
           </a:p>
           <a:p>
             <a:r>
-              <a:rPr lang="en-US" altLang="zh-CN" sz="1200" kern="1200" dirty="0" err="1" smtClean="0">
+              <a:rPr lang="en-US" altLang="zh-CN" sz="1200" kern="1200" dirty="0" err="1">
                 <a:solidFill>
                   <a:schemeClr val="tx1"/>
                 </a:solidFill>
@@ -7506,7 +7528,7 @@
               <a:t>docker</a:t>
             </a:r>
             <a:r>
-              <a:rPr lang="en-US" altLang="zh-CN" sz="1200" kern="1200" dirty="0" smtClean="0">
+              <a:rPr lang="en-US" altLang="zh-CN" sz="1200" kern="1200" dirty="0">
                 <a:solidFill>
                   <a:schemeClr val="tx1"/>
                 </a:solidFill>
@@ -7518,7 +7540,7 @@
             </a:r>
           </a:p>
           <a:p>
-            <a:endParaRPr lang="en-US" altLang="zh-CN" sz="1200" kern="1200" dirty="0" smtClean="0">
+            <a:endParaRPr lang="en-US" altLang="zh-CN" sz="1200" kern="1200" dirty="0">
               <a:solidFill>
                 <a:schemeClr val="tx1"/>
               </a:solidFill>
@@ -7529,7 +7551,7 @@
           </a:p>
           <a:p>
             <a:r>
-              <a:rPr lang="en-US" altLang="zh-CN" sz="1200" kern="1200" dirty="0" smtClean="0">
+              <a:rPr lang="en-US" altLang="zh-CN" sz="1200" kern="1200" dirty="0">
                 <a:solidFill>
                   <a:schemeClr val="tx1"/>
                 </a:solidFill>
@@ -7542,7 +7564,7 @@
           </a:p>
           <a:p>
             <a:r>
-              <a:rPr lang="en-US" altLang="zh-CN" sz="1200" kern="1200" dirty="0" err="1" smtClean="0">
+              <a:rPr lang="en-US" altLang="zh-CN" sz="1200" kern="1200" dirty="0" err="1">
                 <a:solidFill>
                   <a:schemeClr val="tx1"/>
                 </a:solidFill>
@@ -7553,7 +7575,7 @@
               <a:t>docker</a:t>
             </a:r>
             <a:r>
-              <a:rPr lang="zh-CN" altLang="en-US" sz="1200" kern="1200" baseline="0" dirty="0" smtClean="0">
+              <a:rPr lang="zh-CN" altLang="en-US" sz="1200" kern="1200" baseline="0" dirty="0">
                 <a:solidFill>
                   <a:schemeClr val="tx1"/>
                 </a:solidFill>
@@ -7564,7 +7586,7 @@
               <a:t> </a:t>
             </a:r>
             <a:r>
-              <a:rPr lang="en-US" altLang="zh-CN" sz="1200" kern="1200" baseline="0" dirty="0" err="1" smtClean="0">
+              <a:rPr lang="en-US" altLang="zh-CN" sz="1200" kern="1200" baseline="0" dirty="0" err="1">
                 <a:solidFill>
                   <a:schemeClr val="tx1"/>
                 </a:solidFill>
@@ -7575,7 +7597,7 @@
               <a:t>p</a:t>
             </a:r>
             <a:r>
-              <a:rPr lang="en-US" altLang="zh-CN" sz="1200" kern="1200" dirty="0" err="1" smtClean="0">
+              <a:rPr lang="en-US" altLang="zh-CN" sz="1200" kern="1200" dirty="0" err="1">
                 <a:solidFill>
                   <a:schemeClr val="tx1"/>
                 </a:solidFill>
@@ -7585,7 +7607,7 @@
               </a:rPr>
               <a:t>s</a:t>
             </a:r>
-            <a:endParaRPr lang="en-US" altLang="zh-CN" sz="1200" kern="1200" dirty="0" smtClean="0">
+            <a:endParaRPr lang="en-US" altLang="zh-CN" sz="1200" kern="1200" dirty="0">
               <a:solidFill>
                 <a:schemeClr val="tx1"/>
               </a:solidFill>
@@ -7595,7 +7617,7 @@
             </a:endParaRPr>
           </a:p>
           <a:p>
-            <a:endParaRPr lang="en-US" altLang="zh-CN" sz="1200" kern="1200" dirty="0" smtClean="0">
+            <a:endParaRPr lang="en-US" altLang="zh-CN" sz="1200" kern="1200" dirty="0">
               <a:solidFill>
                 <a:schemeClr val="tx1"/>
               </a:solidFill>
@@ -7606,7 +7628,7 @@
           </a:p>
           <a:p>
             <a:r>
-              <a:rPr lang="en-US" altLang="zh-CN" sz="1200" kern="1200" dirty="0" smtClean="0">
+              <a:rPr lang="en-US" altLang="zh-CN" sz="1200" kern="1200" dirty="0">
                 <a:solidFill>
                   <a:schemeClr val="tx1"/>
                 </a:solidFill>
@@ -7636,28 +7658,28 @@
               <a:defRPr/>
             </a:pPr>
             <a:r>
-              <a:rPr lang="en-US" altLang="zh-CN" dirty="0" err="1" smtClean="0"/>
+              <a:rPr lang="en-US" altLang="zh-CN" dirty="0" err="1"/>
               <a:t>docker</a:t>
             </a:r>
             <a:r>
-              <a:rPr lang="en-US" altLang="zh-CN" dirty="0" smtClean="0"/>
+              <a:rPr lang="en-US" altLang="zh-CN" dirty="0"/>
               <a:t> run -p 4000:80 </a:t>
             </a:r>
             <a:r>
-              <a:rPr lang="en-US" altLang="zh-CN" dirty="0" err="1" smtClean="0"/>
+              <a:rPr lang="en-US" altLang="zh-CN" dirty="0" err="1"/>
               <a:t>tallongsun</a:t>
             </a:r>
             <a:r>
-              <a:rPr lang="en-US" altLang="zh-CN" dirty="0" smtClean="0"/>
+              <a:rPr lang="en-US" altLang="zh-CN" dirty="0"/>
               <a:t>/get-started:part2</a:t>
             </a:r>
-            <a:endParaRPr lang="en-US" altLang="zh-CN" dirty="0" smtClean="0">
+            <a:endParaRPr lang="en-US" altLang="zh-CN" dirty="0">
               <a:effectLst/>
             </a:endParaRPr>
           </a:p>
           <a:p>
             <a:r>
-              <a:rPr lang="en-US" altLang="zh-CN" sz="1200" kern="1200" dirty="0" err="1" smtClean="0">
+              <a:rPr lang="en-US" altLang="zh-CN" sz="1200" kern="1200" dirty="0" err="1">
                 <a:solidFill>
                   <a:schemeClr val="tx1"/>
                 </a:solidFill>
@@ -7668,7 +7690,7 @@
               <a:t>docker</a:t>
             </a:r>
             <a:r>
-              <a:rPr lang="en-US" altLang="zh-CN" sz="1200" kern="1200" dirty="0" smtClean="0">
+              <a:rPr lang="en-US" altLang="zh-CN" sz="1200" kern="1200" dirty="0">
                 <a:solidFill>
                   <a:schemeClr val="tx1"/>
                 </a:solidFill>
@@ -7681,7 +7703,7 @@
           </a:p>
           <a:p>
             <a:r>
-              <a:rPr lang="en-US" altLang="zh-CN" sz="1200" kern="1200" dirty="0" err="1" smtClean="0">
+              <a:rPr lang="en-US" altLang="zh-CN" sz="1200" kern="1200" dirty="0" err="1">
                 <a:solidFill>
                   <a:schemeClr val="tx1"/>
                 </a:solidFill>
@@ -7692,7 +7714,7 @@
               <a:t>docker</a:t>
             </a:r>
             <a:r>
-              <a:rPr lang="en-US" altLang="zh-CN" sz="1200" kern="1200" dirty="0" smtClean="0">
+              <a:rPr lang="en-US" altLang="zh-CN" sz="1200" kern="1200" dirty="0">
                 <a:solidFill>
                   <a:schemeClr val="tx1"/>
                 </a:solidFill>
@@ -7703,7 +7725,7 @@
               <a:t> port ff0085b53a55 80/</a:t>
             </a:r>
             <a:r>
-              <a:rPr lang="en-US" altLang="zh-CN" sz="1200" kern="1200" dirty="0" err="1" smtClean="0">
+              <a:rPr lang="en-US" altLang="zh-CN" sz="1200" kern="1200" dirty="0" err="1">
                 <a:solidFill>
                   <a:schemeClr val="tx1"/>
                 </a:solidFill>
@@ -7713,7 +7735,7 @@
               </a:rPr>
               <a:t>tcp</a:t>
             </a:r>
-            <a:endParaRPr lang="en-US" altLang="zh-CN" sz="1200" kern="1200" dirty="0" smtClean="0">
+            <a:endParaRPr lang="en-US" altLang="zh-CN" sz="1200" kern="1200" dirty="0">
               <a:solidFill>
                 <a:schemeClr val="tx1"/>
               </a:solidFill>
@@ -7724,7 +7746,7 @@
           </a:p>
           <a:p>
             <a:r>
-              <a:rPr lang="en-US" altLang="zh-CN" sz="1200" kern="1200" dirty="0" err="1" smtClean="0">
+              <a:rPr lang="en-US" altLang="zh-CN" sz="1200" kern="1200" dirty="0" err="1">
                 <a:solidFill>
                   <a:schemeClr val="tx1"/>
                 </a:solidFill>
@@ -7735,7 +7757,7 @@
               <a:t>docker</a:t>
             </a:r>
             <a:r>
-              <a:rPr lang="en-US" altLang="zh-CN" sz="1200" kern="1200" dirty="0" smtClean="0">
+              <a:rPr lang="en-US" altLang="zh-CN" sz="1200" kern="1200" dirty="0">
                 <a:solidFill>
                   <a:schemeClr val="tx1"/>
                 </a:solidFill>
@@ -7748,7 +7770,7 @@
           </a:p>
           <a:p>
             <a:r>
-              <a:rPr lang="en-US" altLang="zh-CN" sz="1200" kern="1200" dirty="0" err="1" smtClean="0">
+              <a:rPr lang="en-US" altLang="zh-CN" sz="1200" kern="1200" dirty="0" err="1">
                 <a:solidFill>
                   <a:schemeClr val="tx1"/>
                 </a:solidFill>
@@ -7759,7 +7781,7 @@
               <a:t>docker</a:t>
             </a:r>
             <a:r>
-              <a:rPr lang="en-US" altLang="zh-CN" sz="1200" kern="1200" dirty="0" smtClean="0">
+              <a:rPr lang="en-US" altLang="zh-CN" sz="1200" kern="1200" dirty="0">
                 <a:solidFill>
                   <a:schemeClr val="tx1"/>
                 </a:solidFill>
@@ -7770,7 +7792,7 @@
               <a:t> port ff0085b53a55 80/</a:t>
             </a:r>
             <a:r>
-              <a:rPr lang="en-US" altLang="zh-CN" sz="1200" kern="1200" dirty="0" err="1" smtClean="0">
+              <a:rPr lang="en-US" altLang="zh-CN" sz="1200" kern="1200" dirty="0" err="1">
                 <a:solidFill>
                   <a:schemeClr val="tx1"/>
                 </a:solidFill>
@@ -7780,7 +7802,7 @@
               </a:rPr>
               <a:t>udp</a:t>
             </a:r>
-            <a:endParaRPr lang="en-US" altLang="zh-CN" sz="1200" kern="1200" dirty="0" smtClean="0">
+            <a:endParaRPr lang="en-US" altLang="zh-CN" sz="1200" kern="1200" dirty="0">
               <a:solidFill>
                 <a:schemeClr val="tx1"/>
               </a:solidFill>
@@ -7790,7 +7812,7 @@
             </a:endParaRPr>
           </a:p>
           <a:p>
-            <a:endParaRPr lang="en-US" altLang="zh-CN" sz="1200" kern="1200" dirty="0" smtClean="0">
+            <a:endParaRPr lang="en-US" altLang="zh-CN" sz="1200" kern="1200" dirty="0">
               <a:solidFill>
                 <a:schemeClr val="tx1"/>
               </a:solidFill>
@@ -7801,7 +7823,7 @@
           </a:p>
           <a:p>
             <a:r>
-              <a:rPr lang="en-US" altLang="zh-CN" sz="1200" kern="1200" dirty="0" smtClean="0">
+              <a:rPr lang="en-US" altLang="zh-CN" sz="1200" kern="1200" dirty="0">
                 <a:solidFill>
                   <a:schemeClr val="tx1"/>
                 </a:solidFill>
@@ -7814,7 +7836,7 @@
           </a:p>
           <a:p>
             <a:r>
-              <a:rPr lang="en-US" altLang="zh-CN" sz="1200" kern="1200" dirty="0" err="1" smtClean="0">
+              <a:rPr lang="en-US" altLang="zh-CN" sz="1200" kern="1200" dirty="0" err="1">
                 <a:solidFill>
                   <a:schemeClr val="tx1"/>
                 </a:solidFill>
@@ -7825,7 +7847,7 @@
               <a:t>docker</a:t>
             </a:r>
             <a:r>
-              <a:rPr lang="en-US" altLang="zh-CN" sz="1200" kern="1200" dirty="0" smtClean="0">
+              <a:rPr lang="en-US" altLang="zh-CN" sz="1200" kern="1200" dirty="0">
                 <a:solidFill>
                   <a:schemeClr val="tx1"/>
                 </a:solidFill>
@@ -7837,7 +7859,7 @@
             </a:r>
           </a:p>
           <a:p>
-            <a:endParaRPr lang="en-US" altLang="zh-CN" sz="1200" kern="1200" dirty="0" smtClean="0">
+            <a:endParaRPr lang="en-US" altLang="zh-CN" sz="1200" kern="1200" dirty="0">
               <a:solidFill>
                 <a:schemeClr val="tx1"/>
               </a:solidFill>
@@ -7848,7 +7870,7 @@
           </a:p>
           <a:p>
             <a:r>
-              <a:rPr lang="en-US" altLang="zh-CN" sz="1200" kern="1200" dirty="0" smtClean="0">
+              <a:rPr lang="en-US" altLang="zh-CN" sz="1200" kern="1200" dirty="0">
                 <a:solidFill>
                   <a:schemeClr val="tx1"/>
                 </a:solidFill>
@@ -7861,7 +7883,7 @@
           </a:p>
           <a:p>
             <a:r>
-              <a:rPr lang="en-US" altLang="zh-CN" sz="1200" kern="1200" dirty="0" err="1" smtClean="0">
+              <a:rPr lang="en-US" altLang="zh-CN" sz="1200" kern="1200" dirty="0" err="1">
                 <a:solidFill>
                   <a:schemeClr val="tx1"/>
                 </a:solidFill>
@@ -7872,7 +7894,7 @@
               <a:t>docker</a:t>
             </a:r>
             <a:r>
-              <a:rPr lang="en-US" altLang="zh-CN" sz="1200" kern="1200" dirty="0" smtClean="0">
+              <a:rPr lang="en-US" altLang="zh-CN" sz="1200" kern="1200" dirty="0">
                 <a:solidFill>
                   <a:schemeClr val="tx1"/>
                 </a:solidFill>
@@ -7885,7 +7907,7 @@
           </a:p>
           <a:p>
             <a:r>
-              <a:rPr lang="en-US" altLang="zh-CN" sz="1200" kern="1200" dirty="0" err="1" smtClean="0">
+              <a:rPr lang="en-US" altLang="zh-CN" sz="1200" kern="1200" dirty="0" err="1">
                 <a:solidFill>
                   <a:schemeClr val="tx1"/>
                 </a:solidFill>
@@ -7896,7 +7918,7 @@
               <a:t>docker</a:t>
             </a:r>
             <a:r>
-              <a:rPr lang="en-US" altLang="zh-CN" sz="1200" kern="1200" dirty="0" smtClean="0">
+              <a:rPr lang="en-US" altLang="zh-CN" sz="1200" kern="1200" dirty="0">
                 <a:solidFill>
                   <a:schemeClr val="tx1"/>
                 </a:solidFill>
@@ -7908,7 +7930,7 @@
             </a:r>
           </a:p>
           <a:p>
-            <a:endParaRPr lang="en-US" altLang="zh-CN" sz="1200" kern="1200" dirty="0" smtClean="0">
+            <a:endParaRPr lang="en-US" altLang="zh-CN" sz="1200" kern="1200" dirty="0">
               <a:solidFill>
                 <a:schemeClr val="tx1"/>
               </a:solidFill>
@@ -7919,7 +7941,7 @@
           </a:p>
           <a:p>
             <a:r>
-              <a:rPr lang="en-US" altLang="zh-CN" sz="1200" kern="1200" dirty="0" smtClean="0">
+              <a:rPr lang="en-US" altLang="zh-CN" sz="1200" kern="1200" dirty="0">
                 <a:solidFill>
                   <a:schemeClr val="tx1"/>
                 </a:solidFill>
@@ -7932,7 +7954,7 @@
           </a:p>
           <a:p>
             <a:r>
-              <a:rPr lang="en-US" altLang="zh-CN" sz="1200" kern="1200" dirty="0" err="1" smtClean="0">
+              <a:rPr lang="en-US" altLang="zh-CN" sz="1200" kern="1200" dirty="0" err="1">
                 <a:solidFill>
                   <a:schemeClr val="tx1"/>
                 </a:solidFill>
@@ -7943,7 +7965,7 @@
               <a:t>docker</a:t>
             </a:r>
             <a:r>
-              <a:rPr lang="en-US" altLang="zh-CN" sz="1200" kern="1200" dirty="0" smtClean="0">
+              <a:rPr lang="en-US" altLang="zh-CN" sz="1200" kern="1200" dirty="0">
                 <a:solidFill>
                   <a:schemeClr val="tx1"/>
                 </a:solidFill>
@@ -7956,7 +7978,7 @@
           </a:p>
           <a:p>
             <a:r>
-              <a:rPr lang="en-US" altLang="zh-CN" sz="1200" kern="1200" dirty="0" err="1" smtClean="0">
+              <a:rPr lang="en-US" altLang="zh-CN" sz="1200" kern="1200" dirty="0" err="1">
                 <a:solidFill>
                   <a:schemeClr val="tx1"/>
                 </a:solidFill>
@@ -7967,7 +7989,7 @@
               <a:t>docker</a:t>
             </a:r>
             <a:r>
-              <a:rPr lang="en-US" altLang="zh-CN" sz="1200" kern="1200" dirty="0" smtClean="0">
+              <a:rPr lang="en-US" altLang="zh-CN" sz="1200" kern="1200" dirty="0">
                 <a:solidFill>
                   <a:schemeClr val="tx1"/>
                 </a:solidFill>
@@ -7979,7 +8001,7 @@
             </a:r>
           </a:p>
           <a:p>
-            <a:endParaRPr lang="en-US" altLang="zh-CN" sz="1200" kern="1200" dirty="0" smtClean="0">
+            <a:endParaRPr lang="en-US" altLang="zh-CN" sz="1200" kern="1200" dirty="0">
               <a:solidFill>
                 <a:schemeClr val="tx1"/>
               </a:solidFill>
@@ -7990,7 +8012,7 @@
           </a:p>
           <a:p>
             <a:r>
-              <a:rPr lang="en-US" altLang="zh-CN" sz="1200" kern="1200" dirty="0" smtClean="0">
+              <a:rPr lang="en-US" altLang="zh-CN" sz="1200" kern="1200" dirty="0">
                 <a:solidFill>
                   <a:schemeClr val="tx1"/>
                 </a:solidFill>
@@ -8003,7 +8025,7 @@
           </a:p>
           <a:p>
             <a:r>
-              <a:rPr lang="en-US" altLang="zh-CN" sz="1200" kern="1200" dirty="0" err="1" smtClean="0">
+              <a:rPr lang="en-US" altLang="zh-CN" sz="1200" kern="1200" dirty="0" err="1">
                 <a:solidFill>
                   <a:schemeClr val="tx1"/>
                 </a:solidFill>
@@ -8014,7 +8036,7 @@
               <a:t>docker</a:t>
             </a:r>
             <a:r>
-              <a:rPr lang="en-US" altLang="zh-CN" sz="1200" kern="1200" dirty="0" smtClean="0">
+              <a:rPr lang="en-US" altLang="zh-CN" sz="1200" kern="1200" dirty="0">
                 <a:solidFill>
                   <a:schemeClr val="tx1"/>
                 </a:solidFill>
@@ -8026,7 +8048,7 @@
             </a:r>
           </a:p>
           <a:p>
-            <a:endParaRPr lang="en-US" altLang="zh-CN" sz="1200" kern="1200" dirty="0" smtClean="0">
+            <a:endParaRPr lang="en-US" altLang="zh-CN" sz="1200" kern="1200" dirty="0">
               <a:solidFill>
                 <a:schemeClr val="tx1"/>
               </a:solidFill>
@@ -8037,7 +8059,7 @@
           </a:p>
           <a:p>
             <a:r>
-              <a:rPr lang="en-US" altLang="zh-CN" sz="1200" kern="1200" dirty="0" smtClean="0">
+              <a:rPr lang="en-US" altLang="zh-CN" sz="1200" kern="1200" dirty="0">
                 <a:solidFill>
                   <a:schemeClr val="tx1"/>
                 </a:solidFill>
@@ -8050,7 +8072,7 @@
           </a:p>
           <a:p>
             <a:r>
-              <a:rPr lang="en-US" altLang="zh-CN" sz="1200" kern="1200" dirty="0" err="1" smtClean="0">
+              <a:rPr lang="en-US" altLang="zh-CN" sz="1200" kern="1200" dirty="0" err="1">
                 <a:solidFill>
                   <a:schemeClr val="tx1"/>
                 </a:solidFill>
@@ -8061,7 +8083,7 @@
               <a:t>docker</a:t>
             </a:r>
             <a:r>
-              <a:rPr lang="zh-CN" altLang="en-US" sz="1200" kern="1200" dirty="0" smtClean="0">
+              <a:rPr lang="zh-CN" altLang="en-US" sz="1200" kern="1200" dirty="0">
                 <a:solidFill>
                   <a:schemeClr val="tx1"/>
                 </a:solidFill>
@@ -8072,7 +8094,7 @@
               <a:t> </a:t>
             </a:r>
             <a:r>
-              <a:rPr lang="en-US" altLang="zh-CN" sz="1200" kern="1200" dirty="0" smtClean="0">
+              <a:rPr lang="en-US" altLang="zh-CN" sz="1200" kern="1200" dirty="0">
                 <a:solidFill>
                   <a:schemeClr val="tx1"/>
                 </a:solidFill>
@@ -8083,7 +8105,7 @@
               <a:t>update</a:t>
             </a:r>
             <a:r>
-              <a:rPr lang="zh-CN" altLang="en-US" sz="1200" kern="1200" dirty="0" smtClean="0">
+              <a:rPr lang="zh-CN" altLang="en-US" sz="1200" kern="1200" dirty="0">
                 <a:solidFill>
                   <a:schemeClr val="tx1"/>
                 </a:solidFill>
@@ -8094,7 +8116,7 @@
               <a:t> </a:t>
             </a:r>
             <a:r>
-              <a:rPr lang="en-US" altLang="zh-CN" sz="1200" kern="1200" dirty="0" smtClean="0">
+              <a:rPr lang="en-US" altLang="zh-CN" sz="1200" kern="1200" dirty="0">
                 <a:solidFill>
                   <a:schemeClr val="tx1"/>
                 </a:solidFill>
@@ -8105,7 +8127,7 @@
               <a:t>--</a:t>
             </a:r>
             <a:r>
-              <a:rPr lang="en-US" altLang="zh-CN" sz="1200" kern="1200" dirty="0" err="1" smtClean="0">
+              <a:rPr lang="en-US" altLang="zh-CN" sz="1200" kern="1200" dirty="0" err="1">
                 <a:solidFill>
                   <a:schemeClr val="tx1"/>
                 </a:solidFill>
@@ -8116,7 +8138,7 @@
               <a:t>cpus</a:t>
             </a:r>
             <a:r>
-              <a:rPr lang="en-US" altLang="zh-CN" sz="1200" kern="1200" dirty="0" smtClean="0">
+              <a:rPr lang="en-US" altLang="zh-CN" sz="1200" kern="1200" dirty="0">
                 <a:solidFill>
                   <a:schemeClr val="tx1"/>
                 </a:solidFill>
@@ -8128,7 +8150,7 @@
             </a:r>
           </a:p>
           <a:p>
-            <a:endParaRPr lang="en-US" altLang="zh-CN" sz="1200" kern="1200" dirty="0" smtClean="0">
+            <a:endParaRPr lang="en-US" altLang="zh-CN" sz="1200" kern="1200" dirty="0">
               <a:solidFill>
                 <a:schemeClr val="tx1"/>
               </a:solidFill>
@@ -8139,7 +8161,7 @@
           </a:p>
           <a:p>
             <a:r>
-              <a:rPr lang="en-US" altLang="zh-CN" sz="1200" kern="1200" dirty="0" smtClean="0">
+              <a:rPr lang="en-US" altLang="zh-CN" sz="1200" kern="1200" dirty="0">
                 <a:solidFill>
                   <a:schemeClr val="tx1"/>
                 </a:solidFill>
@@ -8152,7 +8174,7 @@
           </a:p>
           <a:p>
             <a:r>
-              <a:rPr lang="zh-CN" altLang="en-US" sz="1200" kern="1200" dirty="0" smtClean="0">
+              <a:rPr lang="zh-CN" altLang="en-US" sz="1200" kern="1200" dirty="0">
                 <a:solidFill>
                   <a:schemeClr val="tx1"/>
                 </a:solidFill>
@@ -8163,7 +8185,7 @@
               <a:t>后台异步启动</a:t>
             </a:r>
             <a:r>
-              <a:rPr lang="en-US" altLang="zh-CN" sz="1200" kern="1200" dirty="0" err="1" smtClean="0">
+              <a:rPr lang="en-US" altLang="zh-CN" sz="1200" kern="1200" dirty="0" err="1">
                 <a:solidFill>
                   <a:schemeClr val="tx1"/>
                 </a:solidFill>
@@ -8174,29 +8196,18 @@
               <a:t>docker</a:t>
             </a:r>
             <a:r>
-              <a:rPr lang="zh-CN" altLang="en-US" sz="1200" kern="1200" dirty="0" smtClean="0">
-                <a:solidFill>
-                  <a:schemeClr val="tx1"/>
-                </a:solidFill>
-                <a:latin typeface="+mn-lt"/>
-                <a:ea typeface="+mn-ea"/>
-                <a:cs typeface="+mn-cs"/>
-              </a:rPr>
-              <a:t>容器，前台同步阻塞等待</a:t>
-            </a:r>
-            <a:r>
-              <a:rPr lang="zh-CN" altLang="en-US" sz="1200" kern="1200" dirty="0" smtClean="0">
-                <a:solidFill>
-                  <a:schemeClr val="tx1"/>
-                </a:solidFill>
-                <a:latin typeface="+mn-lt"/>
-                <a:ea typeface="+mn-ea"/>
-                <a:cs typeface="+mn-cs"/>
-              </a:rPr>
-              <a:t>退出。跟</a:t>
-            </a:r>
-            <a:r>
-              <a:rPr lang="en-US" altLang="zh-CN" sz="1200" kern="1200" dirty="0" smtClean="0">
+              <a:rPr lang="zh-CN" altLang="en-US" sz="1200" kern="1200" dirty="0">
+                <a:solidFill>
+                  <a:schemeClr val="tx1"/>
+                </a:solidFill>
+                <a:latin typeface="+mn-lt"/>
+                <a:ea typeface="+mn-ea"/>
+                <a:cs typeface="+mn-cs"/>
+              </a:rPr>
+              <a:t>容器，前台同步阻塞等待退出。跟</a:t>
+            </a:r>
+            <a:r>
+              <a:rPr lang="en-US" altLang="zh-CN" sz="1200" kern="1200" dirty="0">
                 <a:solidFill>
                   <a:schemeClr val="tx1"/>
                 </a:solidFill>
@@ -8207,7 +8218,7 @@
               <a:t>java</a:t>
             </a:r>
             <a:r>
-              <a:rPr lang="zh-CN" altLang="en-US" sz="1200" kern="1200" dirty="0" smtClean="0">
+              <a:rPr lang="zh-CN" altLang="en-US" sz="1200" kern="1200" dirty="0">
                 <a:solidFill>
                   <a:schemeClr val="tx1"/>
                 </a:solidFill>
@@ -8218,7 +8229,7 @@
               <a:t>的</a:t>
             </a:r>
             <a:r>
-              <a:rPr lang="en-US" altLang="zh-CN" sz="1200" kern="1200" dirty="0" smtClean="0">
+              <a:rPr lang="en-US" altLang="zh-CN" sz="1200" kern="1200" dirty="0">
                 <a:solidFill>
                   <a:schemeClr val="tx1"/>
                 </a:solidFill>
@@ -8229,7 +8240,7 @@
               <a:t>future</a:t>
             </a:r>
             <a:r>
-              <a:rPr lang="zh-CN" altLang="en-US" sz="1200" kern="1200" dirty="0" smtClean="0">
+              <a:rPr lang="zh-CN" altLang="en-US" sz="1200" kern="1200" dirty="0">
                 <a:solidFill>
                   <a:schemeClr val="tx1"/>
                 </a:solidFill>
@@ -8239,7 +8250,7 @@
               </a:rPr>
               <a:t>类似。</a:t>
             </a:r>
-            <a:endParaRPr lang="en-US" altLang="zh-CN" sz="1200" kern="1200" dirty="0" smtClean="0">
+            <a:endParaRPr lang="en-US" altLang="zh-CN" sz="1200" kern="1200" dirty="0">
               <a:solidFill>
                 <a:schemeClr val="tx1"/>
               </a:solidFill>
@@ -8250,7 +8261,7 @@
           </a:p>
           <a:p>
             <a:r>
-              <a:rPr lang="en-US" altLang="zh-CN" sz="1200" kern="1200" dirty="0" err="1" smtClean="0">
+              <a:rPr lang="en-US" altLang="zh-CN" sz="1200" kern="1200" dirty="0" err="1">
                 <a:solidFill>
                   <a:schemeClr val="tx1"/>
                 </a:solidFill>
@@ -8261,7 +8272,7 @@
               <a:t>docker</a:t>
             </a:r>
             <a:r>
-              <a:rPr lang="en-US" altLang="zh-CN" sz="1200" kern="1200" dirty="0" smtClean="0">
+              <a:rPr lang="en-US" altLang="zh-CN" sz="1200" kern="1200" dirty="0">
                 <a:solidFill>
                   <a:schemeClr val="tx1"/>
                 </a:solidFill>
@@ -8272,7 +8283,7 @@
               <a:t> run -</a:t>
             </a:r>
             <a:r>
-              <a:rPr lang="en-US" altLang="zh-CN" sz="1200" kern="1200" dirty="0" err="1" smtClean="0">
+              <a:rPr lang="en-US" altLang="zh-CN" sz="1200" kern="1200" dirty="0" err="1">
                 <a:solidFill>
                   <a:schemeClr val="tx1"/>
                 </a:solidFill>
@@ -8283,7 +8294,7 @@
               <a:t>dit</a:t>
             </a:r>
             <a:r>
-              <a:rPr lang="en-US" altLang="zh-CN" sz="1200" kern="1200" dirty="0" smtClean="0">
+              <a:rPr lang="en-US" altLang="zh-CN" sz="1200" kern="1200" dirty="0">
                 <a:solidFill>
                   <a:schemeClr val="tx1"/>
                 </a:solidFill>
@@ -8294,7 +8305,7 @@
               <a:t> --name=</a:t>
             </a:r>
             <a:r>
-              <a:rPr lang="en-US" altLang="zh-CN" sz="1200" kern="1200" dirty="0" err="1" smtClean="0">
+              <a:rPr lang="en-US" altLang="zh-CN" sz="1200" kern="1200" dirty="0" err="1">
                 <a:solidFill>
                   <a:schemeClr val="tx1"/>
                 </a:solidFill>
@@ -8305,7 +8316,7 @@
               <a:t>my_container</a:t>
             </a:r>
             <a:r>
-              <a:rPr lang="en-US" altLang="zh-CN" sz="1200" kern="1200" dirty="0" smtClean="0">
+              <a:rPr lang="en-US" altLang="zh-CN" sz="1200" kern="1200" dirty="0">
                 <a:solidFill>
                   <a:schemeClr val="tx1"/>
                 </a:solidFill>
@@ -8316,7 +8327,7 @@
               <a:t> </a:t>
             </a:r>
             <a:r>
-              <a:rPr lang="en-US" altLang="zh-CN" sz="1200" kern="1200" dirty="0" err="1" smtClean="0">
+              <a:rPr lang="en-US" altLang="zh-CN" sz="1200" kern="1200" dirty="0" err="1">
                 <a:solidFill>
                   <a:schemeClr val="tx1"/>
                 </a:solidFill>
@@ -8327,7 +8338,7 @@
               <a:t>ubuntu</a:t>
             </a:r>
             <a:r>
-              <a:rPr lang="en-US" altLang="zh-CN" sz="1200" kern="1200" dirty="0" smtClean="0">
+              <a:rPr lang="en-US" altLang="zh-CN" sz="1200" kern="1200" dirty="0">
                 <a:solidFill>
                   <a:schemeClr val="tx1"/>
                 </a:solidFill>
@@ -8340,7 +8351,7 @@
           </a:p>
           <a:p>
             <a:r>
-              <a:rPr lang="en-US" altLang="zh-CN" sz="1200" kern="1200" dirty="0" err="1" smtClean="0">
+              <a:rPr lang="en-US" altLang="zh-CN" sz="1200" kern="1200" dirty="0" err="1">
                 <a:solidFill>
                   <a:schemeClr val="tx1"/>
                 </a:solidFill>
@@ -8351,7 +8362,7 @@
               <a:t>docker</a:t>
             </a:r>
             <a:r>
-              <a:rPr lang="en-US" altLang="zh-CN" sz="1200" kern="1200" dirty="0" smtClean="0">
+              <a:rPr lang="en-US" altLang="zh-CN" sz="1200" kern="1200" dirty="0">
                 <a:solidFill>
                   <a:schemeClr val="tx1"/>
                 </a:solidFill>
@@ -8362,7 +8373,7 @@
               <a:t> wait </a:t>
             </a:r>
             <a:r>
-              <a:rPr lang="en-US" altLang="zh-CN" sz="1200" kern="1200" dirty="0" err="1" smtClean="0">
+              <a:rPr lang="en-US" altLang="zh-CN" sz="1200" kern="1200" dirty="0" err="1">
                 <a:solidFill>
                   <a:schemeClr val="tx1"/>
                 </a:solidFill>
@@ -8372,7 +8383,7 @@
               </a:rPr>
               <a:t>my_container</a:t>
             </a:r>
-            <a:endParaRPr lang="en-US" altLang="zh-CN" sz="1200" kern="1200" dirty="0" smtClean="0">
+            <a:endParaRPr lang="en-US" altLang="zh-CN" sz="1200" kern="1200" dirty="0">
               <a:solidFill>
                 <a:schemeClr val="tx1"/>
               </a:solidFill>
@@ -8383,7 +8394,7 @@
           </a:p>
           <a:p>
             <a:r>
-              <a:rPr lang="en-US" altLang="zh-CN" sz="1200" kern="1200" dirty="0" err="1" smtClean="0">
+              <a:rPr lang="en-US" altLang="zh-CN" sz="1200" kern="1200" dirty="0" err="1">
                 <a:solidFill>
                   <a:schemeClr val="tx1"/>
                 </a:solidFill>
@@ -8394,7 +8405,7 @@
               <a:t>docker</a:t>
             </a:r>
             <a:r>
-              <a:rPr lang="en-US" altLang="zh-CN" sz="1200" kern="1200" dirty="0" smtClean="0">
+              <a:rPr lang="en-US" altLang="zh-CN" sz="1200" kern="1200" dirty="0">
                 <a:solidFill>
                   <a:schemeClr val="tx1"/>
                 </a:solidFill>
@@ -8405,7 +8416,7 @@
               <a:t> stop </a:t>
             </a:r>
             <a:r>
-              <a:rPr lang="en-US" altLang="zh-CN" sz="1200" kern="1200" dirty="0" err="1" smtClean="0">
+              <a:rPr lang="en-US" altLang="zh-CN" sz="1200" kern="1200" dirty="0" err="1">
                 <a:solidFill>
                   <a:schemeClr val="tx1"/>
                 </a:solidFill>
@@ -8415,7 +8426,7 @@
               </a:rPr>
               <a:t>my_container</a:t>
             </a:r>
-            <a:endParaRPr lang="en-US" altLang="zh-CN" sz="1200" kern="1200" dirty="0" smtClean="0">
+            <a:endParaRPr lang="en-US" altLang="zh-CN" sz="1200" kern="1200" dirty="0">
               <a:solidFill>
                 <a:schemeClr val="tx1"/>
               </a:solidFill>
@@ -8425,7 +8436,7 @@
             </a:endParaRPr>
           </a:p>
           <a:p>
-            <a:endParaRPr lang="en-US" altLang="zh-CN" sz="1200" kern="1200" dirty="0" smtClean="0">
+            <a:endParaRPr lang="en-US" altLang="zh-CN" sz="1200" kern="1200" dirty="0">
               <a:solidFill>
                 <a:schemeClr val="tx1"/>
               </a:solidFill>
@@ -8435,7 +8446,7 @@
             </a:endParaRPr>
           </a:p>
           <a:p>
-            <a:endParaRPr lang="en-US" altLang="zh-CN" sz="1200" kern="1200" dirty="0" smtClean="0">
+            <a:endParaRPr lang="en-US" altLang="zh-CN" sz="1200" kern="1200" dirty="0">
               <a:solidFill>
                 <a:schemeClr val="tx1"/>
               </a:solidFill>
@@ -8445,7 +8456,7 @@
             </a:endParaRPr>
           </a:p>
           <a:p>
-            <a:endParaRPr lang="en-US" altLang="zh-CN" sz="1200" kern="1200" dirty="0" smtClean="0">
+            <a:endParaRPr lang="en-US" altLang="zh-CN" sz="1200" kern="1200" dirty="0">
               <a:solidFill>
                 <a:schemeClr val="tx1"/>
               </a:solidFill>
@@ -8455,7 +8466,7 @@
             </a:endParaRPr>
           </a:p>
           <a:p>
-            <a:endParaRPr lang="en-US" altLang="zh-CN" sz="1200" kern="1200" dirty="0" smtClean="0">
+            <a:endParaRPr lang="en-US" altLang="zh-CN" sz="1200" kern="1200" dirty="0">
               <a:solidFill>
                 <a:schemeClr val="tx1"/>
               </a:solidFill>
@@ -8465,7 +8476,7 @@
             </a:endParaRPr>
           </a:p>
           <a:p>
-            <a:endParaRPr lang="en-US" altLang="zh-CN" sz="1200" kern="1200" dirty="0" smtClean="0">
+            <a:endParaRPr lang="en-US" altLang="zh-CN" sz="1200" kern="1200" dirty="0">
               <a:solidFill>
                 <a:schemeClr val="tx1"/>
               </a:solidFill>
@@ -8475,7 +8486,7 @@
             </a:endParaRPr>
           </a:p>
           <a:p>
-            <a:endParaRPr lang="en-US" altLang="zh-CN" sz="1200" kern="1200" dirty="0" smtClean="0">
+            <a:endParaRPr lang="en-US" altLang="zh-CN" sz="1200" kern="1200" dirty="0">
               <a:solidFill>
                 <a:schemeClr val="tx1"/>
               </a:solidFill>
@@ -8485,7 +8496,7 @@
             </a:endParaRPr>
           </a:p>
           <a:p>
-            <a:endParaRPr lang="en-US" altLang="zh-CN" dirty="0" smtClean="0">
+            <a:endParaRPr lang="en-US" altLang="zh-CN" dirty="0">
               <a:effectLst/>
             </a:endParaRPr>
           </a:p>
@@ -8575,7 +8586,7 @@
           <a:lstStyle/>
           <a:p>
             <a:r>
-              <a:rPr lang="en-US" altLang="zh-CN" sz="1200" kern="1200" dirty="0" err="1" smtClean="0">
+              <a:rPr lang="en-US" altLang="zh-CN" sz="1200" kern="1200" dirty="0" err="1">
                 <a:solidFill>
                   <a:schemeClr val="tx1"/>
                 </a:solidFill>
@@ -8586,7 +8597,7 @@
               <a:t>docker</a:t>
             </a:r>
             <a:r>
-              <a:rPr lang="zh-CN" altLang="en-US" sz="1200" kern="1200" dirty="0" smtClean="0">
+              <a:rPr lang="zh-CN" altLang="en-US" sz="1200" kern="1200" dirty="0">
                 <a:solidFill>
                   <a:schemeClr val="tx1"/>
                 </a:solidFill>
@@ -8596,7 +8607,7 @@
               </a:rPr>
               <a:t>的磁盘使用状况</a:t>
             </a:r>
-            <a:endParaRPr lang="en-US" altLang="zh-CN" sz="1200" kern="1200" dirty="0" smtClean="0">
+            <a:endParaRPr lang="en-US" altLang="zh-CN" sz="1200" kern="1200" dirty="0">
               <a:solidFill>
                 <a:schemeClr val="tx1"/>
               </a:solidFill>
@@ -8607,7 +8618,7 @@
           </a:p>
           <a:p>
             <a:r>
-              <a:rPr lang="en-US" altLang="zh-CN" sz="1200" kern="1200" dirty="0" err="1" smtClean="0">
+              <a:rPr lang="en-US" altLang="zh-CN" sz="1200" kern="1200" dirty="0" err="1">
                 <a:solidFill>
                   <a:schemeClr val="tx1"/>
                 </a:solidFill>
@@ -8618,7 +8629,7 @@
               <a:t>docker</a:t>
             </a:r>
             <a:r>
-              <a:rPr lang="en-US" altLang="zh-CN" sz="1200" kern="1200" dirty="0" smtClean="0">
+              <a:rPr lang="en-US" altLang="zh-CN" sz="1200" kern="1200" dirty="0">
                 <a:solidFill>
                   <a:schemeClr val="tx1"/>
                 </a:solidFill>
@@ -8629,7 +8640,7 @@
               <a:t> system </a:t>
             </a:r>
             <a:r>
-              <a:rPr lang="en-US" altLang="zh-CN" sz="1200" kern="1200" dirty="0" err="1" smtClean="0">
+              <a:rPr lang="en-US" altLang="zh-CN" sz="1200" kern="1200" dirty="0" err="1">
                 <a:solidFill>
                   <a:schemeClr val="tx1"/>
                 </a:solidFill>
@@ -8639,7 +8650,7 @@
               </a:rPr>
               <a:t>df</a:t>
             </a:r>
-            <a:endParaRPr lang="en-US" altLang="zh-CN" sz="1200" kern="1200" dirty="0" smtClean="0">
+            <a:endParaRPr lang="en-US" altLang="zh-CN" sz="1200" kern="1200" dirty="0">
               <a:solidFill>
                 <a:schemeClr val="tx1"/>
               </a:solidFill>
@@ -8650,7 +8661,7 @@
           </a:p>
           <a:p>
             <a:r>
-              <a:rPr lang="en-US" altLang="zh-CN" sz="1200" kern="1200" dirty="0" err="1" smtClean="0">
+              <a:rPr lang="en-US" altLang="zh-CN" sz="1200" kern="1200" dirty="0" err="1">
                 <a:solidFill>
                   <a:schemeClr val="tx1"/>
                 </a:solidFill>
@@ -8661,7 +8672,7 @@
               <a:t>docker</a:t>
             </a:r>
             <a:r>
-              <a:rPr lang="en-US" altLang="zh-CN" sz="1200" kern="1200" dirty="0" smtClean="0">
+              <a:rPr lang="en-US" altLang="zh-CN" sz="1200" kern="1200" dirty="0">
                 <a:solidFill>
                   <a:schemeClr val="tx1"/>
                 </a:solidFill>
@@ -8672,7 +8683,7 @@
               <a:t> system </a:t>
             </a:r>
             <a:r>
-              <a:rPr lang="en-US" altLang="zh-CN" sz="1200" kern="1200" dirty="0" err="1" smtClean="0">
+              <a:rPr lang="en-US" altLang="zh-CN" sz="1200" kern="1200" dirty="0" err="1">
                 <a:solidFill>
                   <a:schemeClr val="tx1"/>
                 </a:solidFill>
@@ -8683,7 +8694,7 @@
               <a:t>df</a:t>
             </a:r>
             <a:r>
-              <a:rPr lang="zh-CN" altLang="en-US" sz="1200" kern="1200" dirty="0" smtClean="0">
+              <a:rPr lang="zh-CN" altLang="en-US" sz="1200" kern="1200" dirty="0">
                 <a:solidFill>
                   <a:schemeClr val="tx1"/>
                 </a:solidFill>
@@ -8694,7 +8705,7 @@
               <a:t> </a:t>
             </a:r>
             <a:r>
-              <a:rPr lang="mr-IN" altLang="zh-CN" sz="1200" kern="1200" dirty="0" smtClean="0">
+              <a:rPr lang="mr-IN" altLang="zh-CN" sz="1200" kern="1200" dirty="0">
                 <a:solidFill>
                   <a:schemeClr val="tx1"/>
                 </a:solidFill>
@@ -8705,7 +8716,7 @@
               <a:t>–</a:t>
             </a:r>
             <a:r>
-              <a:rPr lang="en-US" altLang="zh-CN" sz="1200" kern="1200" dirty="0" smtClean="0">
+              <a:rPr lang="en-US" altLang="zh-CN" sz="1200" kern="1200" dirty="0">
                 <a:solidFill>
                   <a:schemeClr val="tx1"/>
                 </a:solidFill>
@@ -8717,26 +8728,26 @@
             </a:r>
           </a:p>
           <a:p>
-            <a:endParaRPr kumimoji="1" lang="en-US" altLang="zh-CN" dirty="0" smtClean="0"/>
-          </a:p>
-          <a:p>
-            <a:r>
-              <a:rPr kumimoji="1" lang="zh-CN" altLang="en-US" dirty="0" smtClean="0"/>
+            <a:endParaRPr kumimoji="1" lang="en-US" altLang="zh-CN" dirty="0"/>
+          </a:p>
+          <a:p>
+            <a:r>
+              <a:rPr kumimoji="1" lang="zh-CN" altLang="en-US" dirty="0"/>
               <a:t>实时获取</a:t>
             </a:r>
             <a:r>
-              <a:rPr kumimoji="1" lang="en-US" altLang="zh-CN" dirty="0" err="1" smtClean="0"/>
+              <a:rPr kumimoji="1" lang="en-US" altLang="zh-CN" dirty="0" err="1"/>
               <a:t>docker</a:t>
             </a:r>
             <a:r>
-              <a:rPr kumimoji="1" lang="zh-CN" altLang="en-US" dirty="0" smtClean="0"/>
+              <a:rPr kumimoji="1" lang="zh-CN" altLang="en-US" dirty="0"/>
               <a:t>的各种事件，容器、镜像、卷、网络、服务、节点、配置、插件等</a:t>
             </a:r>
-            <a:endParaRPr kumimoji="1" lang="en-US" altLang="zh-CN" dirty="0" smtClean="0"/>
-          </a:p>
-          <a:p>
-            <a:r>
-              <a:rPr lang="en-US" altLang="zh-CN" sz="1200" kern="1200" dirty="0" err="1" smtClean="0">
+            <a:endParaRPr kumimoji="1" lang="en-US" altLang="zh-CN" dirty="0"/>
+          </a:p>
+          <a:p>
+            <a:r>
+              <a:rPr lang="en-US" altLang="zh-CN" sz="1200" kern="1200" dirty="0" err="1">
                 <a:solidFill>
                   <a:schemeClr val="tx1"/>
                 </a:solidFill>
@@ -8747,7 +8758,7 @@
               <a:t>docker</a:t>
             </a:r>
             <a:r>
-              <a:rPr lang="en-US" altLang="zh-CN" sz="1200" kern="1200" dirty="0" smtClean="0">
+              <a:rPr lang="en-US" altLang="zh-CN" sz="1200" kern="1200" dirty="0">
                 <a:solidFill>
                   <a:schemeClr val="tx1"/>
                 </a:solidFill>
@@ -8760,43 +8771,43 @@
           </a:p>
           <a:p>
             <a:r>
-              <a:rPr lang="en-US" altLang="zh-CN" dirty="0" err="1" smtClean="0"/>
+              <a:rPr lang="en-US" altLang="zh-CN" dirty="0" err="1"/>
               <a:t>docker</a:t>
             </a:r>
             <a:r>
-              <a:rPr lang="en-US" altLang="zh-CN" dirty="0" smtClean="0"/>
+              <a:rPr lang="en-US" altLang="zh-CN" dirty="0"/>
               <a:t> events --format '{{</a:t>
             </a:r>
             <a:r>
-              <a:rPr lang="en-US" altLang="zh-CN" dirty="0" err="1" smtClean="0"/>
+              <a:rPr lang="en-US" altLang="zh-CN" dirty="0" err="1"/>
               <a:t>json</a:t>
             </a:r>
             <a:r>
-              <a:rPr lang="en-US" altLang="zh-CN" dirty="0" smtClean="0"/>
+              <a:rPr lang="en-US" altLang="zh-CN" dirty="0"/>
               <a:t> .}}’</a:t>
             </a:r>
           </a:p>
           <a:p>
-            <a:endParaRPr kumimoji="1" lang="en-US" altLang="zh-CN" dirty="0" smtClean="0"/>
-          </a:p>
-          <a:p>
-            <a:r>
-              <a:rPr kumimoji="1" lang="zh-CN" altLang="en-US" dirty="0" smtClean="0"/>
+            <a:endParaRPr kumimoji="1" lang="en-US" altLang="zh-CN" dirty="0"/>
+          </a:p>
+          <a:p>
+            <a:r>
+              <a:rPr kumimoji="1" lang="zh-CN" altLang="en-US" dirty="0"/>
               <a:t>展示系统信息</a:t>
             </a:r>
-            <a:endParaRPr kumimoji="1" lang="en-US" altLang="zh-CN" dirty="0" smtClean="0"/>
-          </a:p>
-          <a:p>
-            <a:r>
-              <a:rPr kumimoji="1" lang="en-US" altLang="zh-CN" dirty="0" err="1" smtClean="0"/>
+            <a:endParaRPr kumimoji="1" lang="en-US" altLang="zh-CN" dirty="0"/>
+          </a:p>
+          <a:p>
+            <a:r>
+              <a:rPr kumimoji="1" lang="en-US" altLang="zh-CN" dirty="0" err="1"/>
               <a:t>docker</a:t>
             </a:r>
             <a:r>
-              <a:rPr kumimoji="1" lang="zh-CN" altLang="en-US" dirty="0" smtClean="0"/>
+              <a:rPr kumimoji="1" lang="zh-CN" altLang="en-US" dirty="0"/>
               <a:t> </a:t>
             </a:r>
             <a:r>
-              <a:rPr kumimoji="1" lang="en-US" altLang="zh-CN" dirty="0" smtClean="0"/>
+              <a:rPr kumimoji="1" lang="en-US" altLang="zh-CN" dirty="0"/>
               <a:t>info</a:t>
             </a:r>
           </a:p>
@@ -8819,7 +8830,7 @@
               <a:defRPr/>
             </a:pPr>
             <a:r>
-              <a:rPr lang="en-US" altLang="zh-CN" sz="1200" kern="1200" dirty="0" err="1" smtClean="0">
+              <a:rPr lang="en-US" altLang="zh-CN" sz="1200" kern="1200" dirty="0" err="1">
                 <a:solidFill>
                   <a:schemeClr val="tx1"/>
                 </a:solidFill>
@@ -8830,7 +8841,7 @@
               <a:t>docker</a:t>
             </a:r>
             <a:r>
-              <a:rPr lang="en-US" altLang="zh-CN" sz="1200" kern="1200" dirty="0" smtClean="0">
+              <a:rPr lang="en-US" altLang="zh-CN" sz="1200" kern="1200" dirty="0">
                 <a:solidFill>
                   <a:schemeClr val="tx1"/>
                 </a:solidFill>
@@ -8841,7 +8852,7 @@
               <a:t> info --format '{{</a:t>
             </a:r>
             <a:r>
-              <a:rPr lang="en-US" altLang="zh-CN" sz="1200" kern="1200" dirty="0" err="1" smtClean="0">
+              <a:rPr lang="en-US" altLang="zh-CN" sz="1200" kern="1200" dirty="0" err="1">
                 <a:solidFill>
                   <a:schemeClr val="tx1"/>
                 </a:solidFill>
@@ -8852,7 +8863,7 @@
               <a:t>json</a:t>
             </a:r>
             <a:r>
-              <a:rPr lang="en-US" altLang="zh-CN" sz="1200" kern="1200" dirty="0" smtClean="0">
+              <a:rPr lang="en-US" altLang="zh-CN" sz="1200" kern="1200" dirty="0">
                 <a:solidFill>
                   <a:schemeClr val="tx1"/>
                 </a:solidFill>
@@ -8881,7 +8892,7 @@
               <a:tabLst/>
               <a:defRPr/>
             </a:pPr>
-            <a:endParaRPr kumimoji="1" lang="en-US" altLang="zh-CN" sz="1200" kern="1200" dirty="0" smtClean="0">
+            <a:endParaRPr kumimoji="1" lang="en-US" altLang="zh-CN" sz="1200" kern="1200" dirty="0">
               <a:solidFill>
                 <a:schemeClr val="tx1"/>
               </a:solidFill>
@@ -8909,14 +8920,14 @@
               <a:defRPr/>
             </a:pPr>
             <a:r>
-              <a:rPr lang="en-US" altLang="zh-CN" dirty="0" err="1" smtClean="0"/>
+              <a:rPr lang="en-US" altLang="zh-CN" dirty="0" err="1"/>
               <a:t>docker</a:t>
             </a:r>
             <a:r>
-              <a:rPr lang="en-US" altLang="zh-CN" dirty="0" smtClean="0"/>
+              <a:rPr lang="en-US" altLang="zh-CN" dirty="0"/>
               <a:t> system prune</a:t>
             </a:r>
-            <a:endParaRPr kumimoji="1" lang="en-US" altLang="zh-CN" dirty="0" smtClean="0"/>
+            <a:endParaRPr kumimoji="1" lang="en-US" altLang="zh-CN" dirty="0"/>
           </a:p>
           <a:p>
             <a:endParaRPr kumimoji="1" lang="zh-CN" altLang="en-US" dirty="0"/>
@@ -9004,50 +9015,41 @@
           <a:lstStyle/>
           <a:p>
             <a:r>
-              <a:rPr kumimoji="1" lang="zh-CN" altLang="en-US" dirty="0" smtClean="0"/>
+              <a:rPr kumimoji="1" lang="zh-CN" altLang="en-US" dirty="0"/>
               <a:t>跟</a:t>
             </a:r>
             <a:r>
-              <a:rPr kumimoji="1" lang="en-US" altLang="zh-CN" dirty="0" smtClean="0"/>
+              <a:rPr kumimoji="1" lang="en-US" altLang="zh-CN" dirty="0"/>
               <a:t>swarm</a:t>
             </a:r>
             <a:r>
-              <a:rPr kumimoji="1" lang="zh-CN" altLang="en-US" dirty="0" smtClean="0"/>
+              <a:rPr kumimoji="1" lang="zh-CN" altLang="en-US" dirty="0"/>
               <a:t>有关，需要</a:t>
             </a:r>
             <a:r>
-              <a:rPr kumimoji="1" lang="en-US" altLang="zh-CN" dirty="0" smtClean="0"/>
+              <a:rPr kumimoji="1" lang="en-US" altLang="zh-CN" dirty="0"/>
               <a:t>swarm</a:t>
             </a:r>
             <a:r>
-              <a:rPr kumimoji="1" lang="zh-CN" altLang="en-US" dirty="0" smtClean="0"/>
-              <a:t>编排器才能工作，用于在多机</a:t>
-            </a:r>
-            <a:r>
-              <a:rPr kumimoji="1" lang="zh-CN" altLang="en-US" dirty="0" smtClean="0"/>
-              <a:t>环境分发配置及</a:t>
-            </a:r>
-            <a:r>
-              <a:rPr kumimoji="1" lang="zh-CN" altLang="en-US" dirty="0" smtClean="0"/>
-              <a:t>弹性伸缩容器。现在</a:t>
-            </a:r>
-            <a:r>
-              <a:rPr kumimoji="1" lang="en-US" altLang="zh-CN" dirty="0" smtClean="0"/>
+              <a:rPr kumimoji="1" lang="zh-CN" altLang="en-US" dirty="0"/>
+              <a:t>编排器才能工作，用于在多机环境分发配置及弹性伸缩容器。现在</a:t>
+            </a:r>
+            <a:r>
+              <a:rPr kumimoji="1" lang="en-US" altLang="zh-CN" dirty="0"/>
               <a:t>k8s</a:t>
             </a:r>
             <a:r>
-              <a:rPr kumimoji="1" lang="zh-CN" altLang="en-US" dirty="0" smtClean="0"/>
+              <a:rPr kumimoji="1" lang="zh-CN" altLang="en-US" dirty="0"/>
               <a:t>更流行，后面讲到</a:t>
             </a:r>
             <a:r>
-              <a:rPr kumimoji="1" lang="en-US" altLang="zh-CN" dirty="0" smtClean="0"/>
+              <a:rPr kumimoji="1" lang="en-US" altLang="zh-CN" dirty="0"/>
               <a:t>swarm</a:t>
             </a:r>
             <a:r>
-              <a:rPr kumimoji="1" lang="zh-CN" altLang="en-US" dirty="0" smtClean="0"/>
+              <a:rPr kumimoji="1" lang="zh-CN" altLang="en-US" dirty="0"/>
               <a:t>再说。</a:t>
             </a:r>
-            <a:endParaRPr kumimoji="1" lang="zh-CN" altLang="en-US" dirty="0"/>
           </a:p>
         </p:txBody>
       </p:sp>
@@ -9216,139 +9218,139 @@
           <a:lstStyle/>
           <a:p>
             <a:r>
-              <a:rPr lang="en-US" altLang="zh-CN" dirty="0" smtClean="0">
+              <a:rPr lang="en-US" altLang="zh-CN" dirty="0">
                 <a:effectLst/>
               </a:rPr>
               <a:t>curl --</a:t>
             </a:r>
             <a:r>
-              <a:rPr lang="en-US" altLang="zh-CN" dirty="0" err="1" smtClean="0">
+              <a:rPr lang="en-US" altLang="zh-CN" dirty="0" err="1">
                 <a:effectLst/>
               </a:rPr>
               <a:t>unix</a:t>
             </a:r>
             <a:r>
-              <a:rPr lang="en-US" altLang="zh-CN" dirty="0" smtClean="0">
+              <a:rPr lang="en-US" altLang="zh-CN" dirty="0">
                 <a:effectLst/>
               </a:rPr>
               <a:t>-socket /</a:t>
             </a:r>
             <a:r>
-              <a:rPr lang="en-US" altLang="zh-CN" dirty="0" err="1" smtClean="0">
+              <a:rPr lang="en-US" altLang="zh-CN" dirty="0" err="1">
                 <a:effectLst/>
               </a:rPr>
               <a:t>var</a:t>
             </a:r>
             <a:r>
-              <a:rPr lang="en-US" altLang="zh-CN" dirty="0" smtClean="0">
+              <a:rPr lang="en-US" altLang="zh-CN" dirty="0">
                 <a:effectLst/>
               </a:rPr>
               <a:t>/run/</a:t>
             </a:r>
             <a:r>
-              <a:rPr lang="en-US" altLang="zh-CN" dirty="0" err="1" smtClean="0">
+              <a:rPr lang="en-US" altLang="zh-CN" dirty="0" err="1">
                 <a:effectLst/>
               </a:rPr>
               <a:t>docker.sock</a:t>
             </a:r>
             <a:r>
-              <a:rPr lang="en-US" altLang="zh-CN" dirty="0" smtClean="0">
+              <a:rPr lang="en-US" altLang="zh-CN" dirty="0">
                 <a:effectLst/>
               </a:rPr>
               <a:t> -H "Content-Type: application/</a:t>
             </a:r>
             <a:r>
-              <a:rPr lang="en-US" altLang="zh-CN" dirty="0" err="1" smtClean="0">
+              <a:rPr lang="en-US" altLang="zh-CN" dirty="0" err="1">
                 <a:effectLst/>
               </a:rPr>
               <a:t>json</a:t>
             </a:r>
             <a:r>
-              <a:rPr lang="en-US" altLang="zh-CN" dirty="0" smtClean="0">
+              <a:rPr lang="en-US" altLang="zh-CN" dirty="0">
                 <a:effectLst/>
               </a:rPr>
               <a:t>" -d '{"</a:t>
             </a:r>
             <a:r>
-              <a:rPr lang="en-US" altLang="zh-CN" dirty="0" err="1" smtClean="0">
+              <a:rPr lang="en-US" altLang="zh-CN" dirty="0" err="1">
                 <a:effectLst/>
               </a:rPr>
               <a:t>AttachStdin</a:t>
             </a:r>
             <a:r>
-              <a:rPr lang="en-US" altLang="zh-CN" dirty="0" smtClean="0">
+              <a:rPr lang="en-US" altLang="zh-CN" dirty="0">
                 <a:effectLst/>
               </a:rPr>
               <a:t>": true,"</a:t>
             </a:r>
             <a:r>
-              <a:rPr lang="en-US" altLang="zh-CN" dirty="0" err="1" smtClean="0">
+              <a:rPr lang="en-US" altLang="zh-CN" dirty="0" err="1">
                 <a:effectLst/>
               </a:rPr>
               <a:t>AttachStdout</a:t>
             </a:r>
             <a:r>
-              <a:rPr lang="en-US" altLang="zh-CN" dirty="0" smtClean="0">
+              <a:rPr lang="en-US" altLang="zh-CN" dirty="0">
                 <a:effectLst/>
               </a:rPr>
               <a:t>": true,"</a:t>
             </a:r>
             <a:r>
-              <a:rPr lang="en-US" altLang="zh-CN" dirty="0" err="1" smtClean="0">
+              <a:rPr lang="en-US" altLang="zh-CN" dirty="0" err="1">
                 <a:effectLst/>
               </a:rPr>
               <a:t>AttachStderr</a:t>
             </a:r>
             <a:r>
-              <a:rPr lang="en-US" altLang="zh-CN" dirty="0" smtClean="0">
+              <a:rPr lang="en-US" altLang="zh-CN" dirty="0">
                 <a:effectLst/>
               </a:rPr>
               <a:t>": true,"</a:t>
             </a:r>
             <a:r>
-              <a:rPr lang="en-US" altLang="zh-CN" dirty="0" err="1" smtClean="0">
+              <a:rPr lang="en-US" altLang="zh-CN" dirty="0" err="1">
                 <a:effectLst/>
               </a:rPr>
               <a:t>DetachKeys</a:t>
             </a:r>
             <a:r>
-              <a:rPr lang="en-US" altLang="zh-CN" dirty="0" smtClean="0">
+              <a:rPr lang="en-US" altLang="zh-CN" dirty="0">
                 <a:effectLst/>
               </a:rPr>
               <a:t>": "ctrl-</a:t>
             </a:r>
             <a:r>
-              <a:rPr lang="en-US" altLang="zh-CN" dirty="0" err="1" smtClean="0">
+              <a:rPr lang="en-US" altLang="zh-CN" dirty="0" err="1">
                 <a:effectLst/>
               </a:rPr>
               <a:t>p,ctrl</a:t>
             </a:r>
             <a:r>
-              <a:rPr lang="en-US" altLang="zh-CN" dirty="0" smtClean="0">
+              <a:rPr lang="en-US" altLang="zh-CN" dirty="0">
                 <a:effectLst/>
               </a:rPr>
               <a:t>-q","</a:t>
             </a:r>
             <a:r>
-              <a:rPr lang="en-US" altLang="zh-CN" dirty="0" err="1" smtClean="0">
+              <a:rPr lang="en-US" altLang="zh-CN" dirty="0" err="1">
                 <a:effectLst/>
               </a:rPr>
               <a:t>Tty</a:t>
             </a:r>
             <a:r>
-              <a:rPr lang="en-US" altLang="zh-CN" dirty="0" smtClean="0">
+              <a:rPr lang="en-US" altLang="zh-CN" dirty="0">
                 <a:effectLst/>
               </a:rPr>
               <a:t>": true,"</a:t>
             </a:r>
             <a:r>
-              <a:rPr lang="en-US" altLang="zh-CN" dirty="0" err="1" smtClean="0">
+              <a:rPr lang="en-US" altLang="zh-CN" dirty="0" err="1">
                 <a:effectLst/>
               </a:rPr>
               <a:t>Cmd</a:t>
             </a:r>
             <a:r>
-              <a:rPr lang="en-US" altLang="zh-CN" dirty="0" smtClean="0">
+              <a:rPr lang="en-US" altLang="zh-CN" dirty="0">
                 <a:effectLst/>
               </a:rPr>
               <a:t>": ["bash"]}' -X POST http:/v1.24/containers/5a2243ebd36c/exec</a:t>
@@ -9356,102 +9358,96 @@
           </a:p>
           <a:p>
             <a:r>
-              <a:rPr lang="en-US" altLang="zh-CN" dirty="0" smtClean="0">
+              <a:rPr lang="en-US" altLang="zh-CN" dirty="0">
                 <a:effectLst/>
               </a:rPr>
               <a:t>curl --</a:t>
             </a:r>
             <a:r>
-              <a:rPr lang="en-US" altLang="zh-CN" dirty="0" err="1" smtClean="0">
+              <a:rPr lang="en-US" altLang="zh-CN" dirty="0" err="1">
                 <a:effectLst/>
               </a:rPr>
               <a:t>unix</a:t>
             </a:r>
             <a:r>
-              <a:rPr lang="en-US" altLang="zh-CN" dirty="0" smtClean="0">
+              <a:rPr lang="en-US" altLang="zh-CN" dirty="0">
                 <a:effectLst/>
               </a:rPr>
               <a:t>-socket /</a:t>
             </a:r>
             <a:r>
-              <a:rPr lang="en-US" altLang="zh-CN" dirty="0" err="1" smtClean="0">
+              <a:rPr lang="en-US" altLang="zh-CN" dirty="0" err="1">
                 <a:effectLst/>
               </a:rPr>
               <a:t>var</a:t>
             </a:r>
             <a:r>
-              <a:rPr lang="en-US" altLang="zh-CN" dirty="0" smtClean="0">
+              <a:rPr lang="en-US" altLang="zh-CN" dirty="0">
                 <a:effectLst/>
               </a:rPr>
               <a:t>/run/</a:t>
             </a:r>
             <a:r>
-              <a:rPr lang="en-US" altLang="zh-CN" dirty="0" err="1" smtClean="0">
+              <a:rPr lang="en-US" altLang="zh-CN" dirty="0" err="1">
                 <a:effectLst/>
               </a:rPr>
               <a:t>docker.sock</a:t>
             </a:r>
             <a:r>
-              <a:rPr lang="en-US" altLang="zh-CN" dirty="0" smtClean="0">
+              <a:rPr lang="en-US" altLang="zh-CN" dirty="0">
                 <a:effectLst/>
               </a:rPr>
               <a:t> -H "Content-Type: application/</a:t>
             </a:r>
             <a:r>
-              <a:rPr lang="en-US" altLang="zh-CN" dirty="0" err="1" smtClean="0">
+              <a:rPr lang="en-US" altLang="zh-CN" dirty="0" err="1">
                 <a:effectLst/>
               </a:rPr>
               <a:t>json</a:t>
             </a:r>
             <a:r>
-              <a:rPr lang="en-US" altLang="zh-CN" dirty="0" smtClean="0">
+              <a:rPr lang="en-US" altLang="zh-CN" dirty="0">
                 <a:effectLst/>
               </a:rPr>
               <a:t>" -d '{"Detach": false,"</a:t>
             </a:r>
             <a:r>
-              <a:rPr lang="en-US" altLang="zh-CN" dirty="0" err="1" smtClean="0">
+              <a:rPr lang="en-US" altLang="zh-CN" dirty="0" err="1">
                 <a:effectLst/>
               </a:rPr>
               <a:t>Tty</a:t>
             </a:r>
             <a:r>
-              <a:rPr lang="en-US" altLang="zh-CN" dirty="0" smtClean="0">
+              <a:rPr lang="en-US" altLang="zh-CN" dirty="0">
                 <a:effectLst/>
               </a:rPr>
               <a:t>": true}' -X POST http</a:t>
             </a:r>
             <a:r>
-              <a:rPr lang="en-US" altLang="zh-CN" smtClean="0">
-                <a:effectLst/>
-              </a:rPr>
-              <a:t>:/</a:t>
-            </a:r>
-            <a:r>
-              <a:rPr lang="en-US" altLang="zh-CN" smtClean="0">
-                <a:effectLst/>
-              </a:rPr>
-              <a:t>v1.24/exec/5024e20bf2d45bd39b029bcd63da862ca156f3ef1851e52711174ca424dd06ad/start</a:t>
-            </a:r>
-          </a:p>
-          <a:p>
-            <a:endParaRPr lang="en-US" altLang="zh-CN" smtClean="0">
+              <a:rPr lang="en-US" altLang="zh-CN">
+                <a:effectLst/>
+              </a:rPr>
+              <a:t>:/v1.24/exec/5024e20bf2d45bd39b029bcd63da862ca156f3ef1851e52711174ca424dd06ad/start</a:t>
+            </a:r>
+          </a:p>
+          <a:p>
+            <a:endParaRPr lang="en-US" altLang="zh-CN">
               <a:effectLst/>
             </a:endParaRPr>
           </a:p>
           <a:p>
             <a:r>
-              <a:rPr lang="en-US" altLang="zh-CN" smtClean="0">
+              <a:rPr lang="en-US" altLang="zh-CN">
                 <a:hlinkClick r:id="rId3"/>
               </a:rPr>
               <a:t>https://docs.docker.com/engine/api/v1.39/#</a:t>
             </a:r>
-            <a:endParaRPr lang="en-US" altLang="zh-CN" dirty="0" smtClean="0">
+            <a:endParaRPr lang="en-US" altLang="zh-CN" dirty="0">
               <a:effectLst/>
             </a:endParaRPr>
           </a:p>
           <a:p>
-            <a:endParaRPr kumimoji="1" lang="zh-CN" altLang="en-US" dirty="0" smtClean="0"/>
+            <a:endParaRPr kumimoji="1" lang="zh-CN" altLang="en-US" dirty="0"/>
           </a:p>
           <a:p>
             <a:endParaRPr kumimoji="1" lang="zh-CN" altLang="en-US" dirty="0"/>
@@ -9589,7 +9585,7 @@
           <a:effectLst/>
           <a:extLst>
             <a:ext uri="{91240B29-F687-4f45-9708-019B960494DF}">
-              <a14:hiddenLine xmlns:a14="http://schemas.microsoft.com/office/drawing/2010/main" xmlns="" w="9525">
+              <a14:hiddenLine xmlns="" xmlns:a14="http://schemas.microsoft.com/office/drawing/2010/main" w="9525">
                 <a:solidFill>
                   <a:srgbClr val="000000"/>
                 </a:solidFill>
@@ -9640,7 +9636,7 @@
           </a:lstStyle>
           <a:p>
             <a:r>
-              <a:rPr lang="zh-CN" altLang="en-US" smtClean="0"/>
+              <a:rPr lang="zh-CN" altLang="en-US"/>
               <a:t>单击此处编辑母版标题样式</a:t>
             </a:r>
             <a:endParaRPr lang="en-US" dirty="0"/>
@@ -9757,7 +9753,7 @@
           </a:lstStyle>
           <a:p>
             <a:r>
-              <a:rPr lang="zh-CN" altLang="en-US" smtClean="0"/>
+              <a:rPr lang="zh-CN" altLang="en-US"/>
               <a:t>单击此处编辑母版副标题样式</a:t>
             </a:r>
             <a:endParaRPr lang="en-US" dirty="0"/>
@@ -9782,7 +9778,7 @@
             <a:fld id="{08B9EBBA-996F-894A-B54A-D6246ED52CEA}" type="datetimeFigureOut">
               <a:rPr lang="en-US" dirty="0"/>
               <a:pPr/>
-              <a:t>5/19/19</a:t>
+              <a:t>11/27/19</a:t>
             </a:fld>
             <a:endParaRPr lang="en-US" dirty="0"/>
           </a:p>
@@ -9883,7 +9879,7 @@
           </a:lstStyle>
           <a:p>
             <a:r>
-              <a:rPr lang="zh-CN" altLang="en-US" smtClean="0"/>
+              <a:rPr lang="zh-CN" altLang="en-US"/>
               <a:t>单击此处编辑母版标题样式</a:t>
             </a:r>
             <a:endParaRPr lang="en-US" dirty="0"/>
@@ -10005,7 +10001,7 @@
           </a:lstStyle>
           <a:p>
             <a:r>
-              <a:rPr lang="zh-CN" altLang="en-US" smtClean="0"/>
+              <a:rPr lang="zh-CN" altLang="en-US"/>
               <a:t>将图片拖动到占位符，或单击添加图标</a:t>
             </a:r>
             <a:endParaRPr lang="en-US" dirty="0"/>
@@ -10073,7 +10069,7 @@
           <a:p>
             <a:pPr lvl="0"/>
             <a:r>
-              <a:rPr lang="zh-CN" altLang="en-US" smtClean="0"/>
+              <a:rPr lang="zh-CN" altLang="en-US"/>
               <a:t>单击此处编辑母版文本样式</a:t>
             </a:r>
           </a:p>
@@ -10097,7 +10093,7 @@
             <a:fld id="{18C79C5D-2A6F-F04D-97DA-BEF2467B64E4}" type="datetimeFigureOut">
               <a:rPr lang="en-US" dirty="0"/>
               <a:pPr/>
-              <a:t>5/19/19</a:t>
+              <a:t>11/27/19</a:t>
             </a:fld>
             <a:endParaRPr lang="en-US" dirty="0"/>
           </a:p>
@@ -10404,7 +10400,7 @@
           </a:lstStyle>
           <a:p>
             <a:r>
-              <a:rPr lang="zh-CN" altLang="en-US" smtClean="0"/>
+              <a:rPr lang="zh-CN" altLang="en-US"/>
               <a:t>单击此处编辑母版标题样式</a:t>
             </a:r>
             <a:endParaRPr lang="en-US" dirty="0"/>
@@ -10524,7 +10520,7 @@
           <a:p>
             <a:pPr lvl="0"/>
             <a:r>
-              <a:rPr lang="zh-CN" altLang="en-US" smtClean="0"/>
+              <a:rPr lang="zh-CN" altLang="en-US"/>
               <a:t>单击此处编辑母版文本样式</a:t>
             </a:r>
           </a:p>
@@ -10558,7 +10554,7 @@
           <a:p>
             <a:pPr lvl="0"/>
             <a:r>
-              <a:rPr lang="zh-CN" altLang="en-US" smtClean="0"/>
+              <a:rPr lang="zh-CN" altLang="en-US"/>
               <a:t>单击此处编辑母版文本样式</a:t>
             </a:r>
           </a:p>
@@ -10582,7 +10578,7 @@
             <a:fld id="{8DFA1846-DA80-1C48-A609-854EA85C59AD}" type="datetimeFigureOut">
               <a:rPr lang="en-US" dirty="0"/>
               <a:pPr/>
-              <a:t>5/19/19</a:t>
+              <a:t>11/27/19</a:t>
             </a:fld>
             <a:endParaRPr lang="en-US" dirty="0"/>
           </a:p>
@@ -10889,7 +10885,7 @@
           </a:lstStyle>
           <a:p>
             <a:r>
-              <a:rPr lang="zh-CN" altLang="en-US" smtClean="0"/>
+              <a:rPr lang="zh-CN" altLang="en-US"/>
               <a:t>单击此处编辑母版标题样式</a:t>
             </a:r>
             <a:endParaRPr lang="en-US" dirty="0"/>
@@ -10924,7 +10920,7 @@
           <a:p>
             <a:pPr lvl="0"/>
             <a:r>
-              <a:rPr lang="zh-CN" altLang="en-US" smtClean="0"/>
+              <a:rPr lang="zh-CN" altLang="en-US"/>
               <a:t>单击此处编辑母版文本样式</a:t>
             </a:r>
           </a:p>
@@ -10948,7 +10944,7 @@
             <a:fld id="{FBF54567-0DE4-3F47-BF90-CB84690072F9}" type="datetimeFigureOut">
               <a:rPr lang="en-US" dirty="0"/>
               <a:pPr/>
-              <a:t>5/19/19</a:t>
+              <a:t>11/27/19</a:t>
             </a:fld>
             <a:endParaRPr lang="en-US" dirty="0"/>
           </a:p>
@@ -11099,7 +11095,7 @@
           <a:ln/>
           <a:extLst>
             <a:ext uri="{91240B29-F687-4f45-9708-019B960494DF}">
-              <a14:hiddenLine xmlns:a14="http://schemas.microsoft.com/office/drawing/2010/main" xmlns="" w="9525">
+              <a14:hiddenLine xmlns="" xmlns:a14="http://schemas.microsoft.com/office/drawing/2010/main" w="9525">
                 <a:solidFill>
                   <a:srgbClr val="000000"/>
                 </a:solidFill>
@@ -11141,7 +11137,7 @@
           <a:lstStyle/>
           <a:p>
             <a:r>
-              <a:rPr lang="zh-CN" altLang="en-US" smtClean="0"/>
+              <a:rPr lang="zh-CN" altLang="en-US"/>
               <a:t>单击此处编辑母版标题样式</a:t>
             </a:r>
             <a:endParaRPr lang="en-US" dirty="0"/>
@@ -11165,35 +11161,35 @@
           <a:p>
             <a:pPr lvl="0"/>
             <a:r>
-              <a:rPr lang="zh-CN" altLang="en-US" smtClean="0"/>
+              <a:rPr lang="zh-CN" altLang="en-US"/>
               <a:t>单击此处编辑母版文本样式</a:t>
             </a:r>
           </a:p>
           <a:p>
             <a:pPr lvl="1"/>
             <a:r>
-              <a:rPr lang="zh-CN" altLang="en-US" smtClean="0"/>
+              <a:rPr lang="zh-CN" altLang="en-US"/>
               <a:t>二级</a:t>
             </a:r>
           </a:p>
           <a:p>
             <a:pPr lvl="2"/>
             <a:r>
-              <a:rPr lang="zh-CN" altLang="en-US" smtClean="0"/>
+              <a:rPr lang="zh-CN" altLang="en-US"/>
               <a:t>三级</a:t>
             </a:r>
           </a:p>
           <a:p>
             <a:pPr lvl="3"/>
             <a:r>
-              <a:rPr lang="zh-CN" altLang="en-US" smtClean="0"/>
+              <a:rPr lang="zh-CN" altLang="en-US"/>
               <a:t>四级</a:t>
             </a:r>
           </a:p>
           <a:p>
             <a:pPr lvl="4"/>
             <a:r>
-              <a:rPr lang="zh-CN" altLang="en-US" smtClean="0"/>
+              <a:rPr lang="zh-CN" altLang="en-US"/>
               <a:t>五级</a:t>
             </a:r>
             <a:endParaRPr lang="en-US" dirty="0"/>
@@ -11218,7 +11214,7 @@
             <a:fld id="{C6C52C72-DE31-F449-A4ED-4C594FD91407}" type="datetimeFigureOut">
               <a:rPr lang="en-US" dirty="0"/>
               <a:pPr/>
-              <a:t>5/19/19</a:t>
+              <a:t>11/27/19</a:t>
             </a:fld>
             <a:endParaRPr lang="en-US" dirty="0"/>
           </a:p>
@@ -11371,7 +11367,7 @@
           <a:ln/>
           <a:extLst>
             <a:ext uri="{91240B29-F687-4f45-9708-019B960494DF}">
-              <a14:hiddenLine xmlns:a14="http://schemas.microsoft.com/office/drawing/2010/main" xmlns="" w="9525">
+              <a14:hiddenLine xmlns="" xmlns:a14="http://schemas.microsoft.com/office/drawing/2010/main" w="9525">
                 <a:solidFill>
                   <a:srgbClr val="000000"/>
                 </a:solidFill>
@@ -11418,7 +11414,7 @@
           <a:lstStyle/>
           <a:p>
             <a:r>
-              <a:rPr lang="zh-CN" altLang="en-US" smtClean="0"/>
+              <a:rPr lang="zh-CN" altLang="en-US"/>
               <a:t>单击此处编辑母版标题样式</a:t>
             </a:r>
             <a:endParaRPr lang="en-US" dirty="0"/>
@@ -11447,35 +11443,35 @@
           <a:p>
             <a:pPr lvl="0"/>
             <a:r>
-              <a:rPr lang="zh-CN" altLang="en-US" smtClean="0"/>
+              <a:rPr lang="zh-CN" altLang="en-US"/>
               <a:t>单击此处编辑母版文本样式</a:t>
             </a:r>
           </a:p>
           <a:p>
             <a:pPr lvl="1"/>
             <a:r>
-              <a:rPr lang="zh-CN" altLang="en-US" smtClean="0"/>
+              <a:rPr lang="zh-CN" altLang="en-US"/>
               <a:t>二级</a:t>
             </a:r>
           </a:p>
           <a:p>
             <a:pPr lvl="2"/>
             <a:r>
-              <a:rPr lang="zh-CN" altLang="en-US" smtClean="0"/>
+              <a:rPr lang="zh-CN" altLang="en-US"/>
               <a:t>三级</a:t>
             </a:r>
           </a:p>
           <a:p>
             <a:pPr lvl="3"/>
             <a:r>
-              <a:rPr lang="zh-CN" altLang="en-US" smtClean="0"/>
+              <a:rPr lang="zh-CN" altLang="en-US"/>
               <a:t>四级</a:t>
             </a:r>
           </a:p>
           <a:p>
             <a:pPr lvl="4"/>
             <a:r>
-              <a:rPr lang="zh-CN" altLang="en-US" smtClean="0"/>
+              <a:rPr lang="zh-CN" altLang="en-US"/>
               <a:t>五级</a:t>
             </a:r>
             <a:endParaRPr lang="en-US" dirty="0"/>
@@ -11500,7 +11496,7 @@
             <a:fld id="{ED62726E-379B-B349-9EED-81ED093FA806}" type="datetimeFigureOut">
               <a:rPr lang="en-US" dirty="0"/>
               <a:pPr/>
-              <a:t>5/19/19</a:t>
+              <a:t>11/27/19</a:t>
             </a:fld>
             <a:endParaRPr lang="en-US" dirty="0"/>
           </a:p>
@@ -11651,7 +11647,7 @@
           <a:ln/>
           <a:extLst>
             <a:ext uri="{91240B29-F687-4f45-9708-019B960494DF}">
-              <a14:hiddenLine xmlns:a14="http://schemas.microsoft.com/office/drawing/2010/main" xmlns="" w="9525">
+              <a14:hiddenLine xmlns="" xmlns:a14="http://schemas.microsoft.com/office/drawing/2010/main" w="9525">
                 <a:solidFill>
                   <a:srgbClr val="000000"/>
                 </a:solidFill>
@@ -11698,7 +11694,7 @@
           <a:lstStyle/>
           <a:p>
             <a:r>
-              <a:rPr lang="zh-CN" altLang="en-US" smtClean="0"/>
+              <a:rPr lang="zh-CN" altLang="en-US"/>
               <a:t>单击此处编辑母版标题样式</a:t>
             </a:r>
             <a:endParaRPr lang="en-US" dirty="0"/>
@@ -11727,35 +11723,35 @@
           <a:p>
             <a:pPr lvl="0"/>
             <a:r>
-              <a:rPr lang="zh-CN" altLang="en-US" smtClean="0"/>
+              <a:rPr lang="zh-CN" altLang="en-US"/>
               <a:t>单击此处编辑母版文本样式</a:t>
             </a:r>
           </a:p>
           <a:p>
             <a:pPr lvl="1"/>
             <a:r>
-              <a:rPr lang="zh-CN" altLang="en-US" smtClean="0"/>
+              <a:rPr lang="zh-CN" altLang="en-US"/>
               <a:t>二级</a:t>
             </a:r>
           </a:p>
           <a:p>
             <a:pPr lvl="2"/>
             <a:r>
-              <a:rPr lang="zh-CN" altLang="en-US" smtClean="0"/>
+              <a:rPr lang="zh-CN" altLang="en-US"/>
               <a:t>三级</a:t>
             </a:r>
           </a:p>
           <a:p>
             <a:pPr lvl="3"/>
             <a:r>
-              <a:rPr lang="zh-CN" altLang="en-US" smtClean="0"/>
+              <a:rPr lang="zh-CN" altLang="en-US"/>
               <a:t>四级</a:t>
             </a:r>
           </a:p>
           <a:p>
             <a:pPr lvl="4"/>
             <a:r>
-              <a:rPr lang="zh-CN" altLang="en-US" smtClean="0"/>
+              <a:rPr lang="zh-CN" altLang="en-US"/>
               <a:t>五级</a:t>
             </a:r>
             <a:endParaRPr lang="en-US" dirty="0"/>
@@ -11780,7 +11776,7 @@
             <a:fld id="{9B3A1323-8D79-1946-B0D7-40001CF92E9D}" type="datetimeFigureOut">
               <a:rPr lang="en-US" dirty="0"/>
               <a:pPr/>
-              <a:t>5/19/19</a:t>
+              <a:t>11/27/19</a:t>
             </a:fld>
             <a:endParaRPr lang="en-US" dirty="0"/>
           </a:p>
@@ -11976,7 +11972,7 @@
           </a:lstStyle>
           <a:p>
             <a:r>
-              <a:rPr lang="zh-CN" altLang="en-US" smtClean="0"/>
+              <a:rPr lang="zh-CN" altLang="en-US"/>
               <a:t>单击此处编辑母版标题样式</a:t>
             </a:r>
             <a:endParaRPr lang="en-US" dirty="0"/>
@@ -12096,7 +12092,7 @@
           <a:p>
             <a:pPr lvl="0"/>
             <a:r>
-              <a:rPr lang="zh-CN" altLang="en-US" smtClean="0"/>
+              <a:rPr lang="zh-CN" altLang="en-US"/>
               <a:t>单击此处编辑母版文本样式</a:t>
             </a:r>
           </a:p>
@@ -12120,7 +12116,7 @@
             <a:fld id="{8DFA1846-DA80-1C48-A609-854EA85C59AD}" type="datetimeFigureOut">
               <a:rPr lang="en-US" dirty="0"/>
               <a:pPr/>
-              <a:t>5/19/19</a:t>
+              <a:t>11/27/19</a:t>
             </a:fld>
             <a:endParaRPr lang="en-US" dirty="0"/>
           </a:p>
@@ -12271,7 +12267,7 @@
           <a:ln/>
           <a:extLst>
             <a:ext uri="{91240B29-F687-4f45-9708-019B960494DF}">
-              <a14:hiddenLine xmlns:a14="http://schemas.microsoft.com/office/drawing/2010/main" xmlns="" w="9525">
+              <a14:hiddenLine xmlns="" xmlns:a14="http://schemas.microsoft.com/office/drawing/2010/main" w="9525">
                 <a:solidFill>
                   <a:srgbClr val="000000"/>
                 </a:solidFill>
@@ -12313,7 +12309,7 @@
           <a:lstStyle/>
           <a:p>
             <a:r>
-              <a:rPr lang="zh-CN" altLang="en-US" smtClean="0"/>
+              <a:rPr lang="zh-CN" altLang="en-US"/>
               <a:t>单击此处编辑母版标题样式</a:t>
             </a:r>
             <a:endParaRPr lang="en-US" dirty="0"/>
@@ -12344,35 +12340,35 @@
           <a:p>
             <a:pPr lvl="0"/>
             <a:r>
-              <a:rPr lang="zh-CN" altLang="en-US" smtClean="0"/>
+              <a:rPr lang="zh-CN" altLang="en-US"/>
               <a:t>单击此处编辑母版文本样式</a:t>
             </a:r>
           </a:p>
           <a:p>
             <a:pPr lvl="1"/>
             <a:r>
-              <a:rPr lang="zh-CN" altLang="en-US" smtClean="0"/>
+              <a:rPr lang="zh-CN" altLang="en-US"/>
               <a:t>二级</a:t>
             </a:r>
           </a:p>
           <a:p>
             <a:pPr lvl="2"/>
             <a:r>
-              <a:rPr lang="zh-CN" altLang="en-US" smtClean="0"/>
+              <a:rPr lang="zh-CN" altLang="en-US"/>
               <a:t>三级</a:t>
             </a:r>
           </a:p>
           <a:p>
             <a:pPr lvl="3"/>
             <a:r>
-              <a:rPr lang="zh-CN" altLang="en-US" smtClean="0"/>
+              <a:rPr lang="zh-CN" altLang="en-US"/>
               <a:t>四级</a:t>
             </a:r>
           </a:p>
           <a:p>
             <a:pPr lvl="4"/>
             <a:r>
-              <a:rPr lang="zh-CN" altLang="en-US" smtClean="0"/>
+              <a:rPr lang="zh-CN" altLang="en-US"/>
               <a:t>五级</a:t>
             </a:r>
             <a:endParaRPr lang="en-US" dirty="0"/>
@@ -12403,35 +12399,35 @@
           <a:p>
             <a:pPr lvl="0"/>
             <a:r>
-              <a:rPr lang="zh-CN" altLang="en-US" smtClean="0"/>
+              <a:rPr lang="zh-CN" altLang="en-US"/>
               <a:t>单击此处编辑母版文本样式</a:t>
             </a:r>
           </a:p>
           <a:p>
             <a:pPr lvl="1"/>
             <a:r>
-              <a:rPr lang="zh-CN" altLang="en-US" smtClean="0"/>
+              <a:rPr lang="zh-CN" altLang="en-US"/>
               <a:t>二级</a:t>
             </a:r>
           </a:p>
           <a:p>
             <a:pPr lvl="2"/>
             <a:r>
-              <a:rPr lang="zh-CN" altLang="en-US" smtClean="0"/>
+              <a:rPr lang="zh-CN" altLang="en-US"/>
               <a:t>三级</a:t>
             </a:r>
           </a:p>
           <a:p>
             <a:pPr lvl="3"/>
             <a:r>
-              <a:rPr lang="zh-CN" altLang="en-US" smtClean="0"/>
+              <a:rPr lang="zh-CN" altLang="en-US"/>
               <a:t>四级</a:t>
             </a:r>
           </a:p>
           <a:p>
             <a:pPr lvl="4"/>
             <a:r>
-              <a:rPr lang="zh-CN" altLang="en-US" smtClean="0"/>
+              <a:rPr lang="zh-CN" altLang="en-US"/>
               <a:t>五级</a:t>
             </a:r>
             <a:endParaRPr lang="en-US" dirty="0"/>
@@ -12456,7 +12452,7 @@
             <a:fld id="{57302355-E14B-8545-A8F8-0FE83CC9D524}" type="datetimeFigureOut">
               <a:rPr lang="en-US" dirty="0"/>
               <a:pPr/>
-              <a:t>5/19/19</a:t>
+              <a:t>11/27/19</a:t>
             </a:fld>
             <a:endParaRPr lang="en-US" dirty="0"/>
           </a:p>
@@ -12607,7 +12603,7 @@
           <a:ln/>
           <a:extLst>
             <a:ext uri="{91240B29-F687-4f45-9708-019B960494DF}">
-              <a14:hiddenLine xmlns:a14="http://schemas.microsoft.com/office/drawing/2010/main" xmlns="" w="9525">
+              <a14:hiddenLine xmlns="" xmlns:a14="http://schemas.microsoft.com/office/drawing/2010/main" w="9525">
                 <a:solidFill>
                   <a:srgbClr val="000000"/>
                 </a:solidFill>
@@ -12653,7 +12649,7 @@
           </a:lstStyle>
           <a:p>
             <a:r>
-              <a:rPr lang="zh-CN" altLang="en-US" smtClean="0"/>
+              <a:rPr lang="zh-CN" altLang="en-US"/>
               <a:t>单击此处编辑母版标题样式</a:t>
             </a:r>
             <a:endParaRPr lang="en-US" dirty="0"/>
@@ -12721,7 +12717,7 @@
           <a:p>
             <a:pPr lvl="0"/>
             <a:r>
-              <a:rPr lang="zh-CN" altLang="en-US" smtClean="0"/>
+              <a:rPr lang="zh-CN" altLang="en-US"/>
               <a:t>单击此处编辑母版文本样式</a:t>
             </a:r>
           </a:p>
@@ -12751,35 +12747,35 @@
           <a:p>
             <a:pPr lvl="0"/>
             <a:r>
-              <a:rPr lang="zh-CN" altLang="en-US" smtClean="0"/>
+              <a:rPr lang="zh-CN" altLang="en-US"/>
               <a:t>单击此处编辑母版文本样式</a:t>
             </a:r>
           </a:p>
           <a:p>
             <a:pPr lvl="1"/>
             <a:r>
-              <a:rPr lang="zh-CN" altLang="en-US" smtClean="0"/>
+              <a:rPr lang="zh-CN" altLang="en-US"/>
               <a:t>二级</a:t>
             </a:r>
           </a:p>
           <a:p>
             <a:pPr lvl="2"/>
             <a:r>
-              <a:rPr lang="zh-CN" altLang="en-US" smtClean="0"/>
+              <a:rPr lang="zh-CN" altLang="en-US"/>
               <a:t>三级</a:t>
             </a:r>
           </a:p>
           <a:p>
             <a:pPr lvl="3"/>
             <a:r>
-              <a:rPr lang="zh-CN" altLang="en-US" smtClean="0"/>
+              <a:rPr lang="zh-CN" altLang="en-US"/>
               <a:t>四级</a:t>
             </a:r>
           </a:p>
           <a:p>
             <a:pPr lvl="4"/>
             <a:r>
-              <a:rPr lang="zh-CN" altLang="en-US" smtClean="0"/>
+              <a:rPr lang="zh-CN" altLang="en-US"/>
               <a:t>五级</a:t>
             </a:r>
             <a:endParaRPr lang="en-US" dirty="0"/>
@@ -12847,7 +12843,7 @@
           <a:p>
             <a:pPr lvl="0"/>
             <a:r>
-              <a:rPr lang="zh-CN" altLang="en-US" smtClean="0"/>
+              <a:rPr lang="zh-CN" altLang="en-US"/>
               <a:t>单击此处编辑母版文本样式</a:t>
             </a:r>
           </a:p>
@@ -12877,35 +12873,35 @@
           <a:p>
             <a:pPr lvl="0"/>
             <a:r>
-              <a:rPr lang="zh-CN" altLang="en-US" smtClean="0"/>
+              <a:rPr lang="zh-CN" altLang="en-US"/>
               <a:t>单击此处编辑母版文本样式</a:t>
             </a:r>
           </a:p>
           <a:p>
             <a:pPr lvl="1"/>
             <a:r>
-              <a:rPr lang="zh-CN" altLang="en-US" smtClean="0"/>
+              <a:rPr lang="zh-CN" altLang="en-US"/>
               <a:t>二级</a:t>
             </a:r>
           </a:p>
           <a:p>
             <a:pPr lvl="2"/>
             <a:r>
-              <a:rPr lang="zh-CN" altLang="en-US" smtClean="0"/>
+              <a:rPr lang="zh-CN" altLang="en-US"/>
               <a:t>三级</a:t>
             </a:r>
           </a:p>
           <a:p>
             <a:pPr lvl="3"/>
             <a:r>
-              <a:rPr lang="zh-CN" altLang="en-US" smtClean="0"/>
+              <a:rPr lang="zh-CN" altLang="en-US"/>
               <a:t>四级</a:t>
             </a:r>
           </a:p>
           <a:p>
             <a:pPr lvl="4"/>
             <a:r>
-              <a:rPr lang="zh-CN" altLang="en-US" smtClean="0"/>
+              <a:rPr lang="zh-CN" altLang="en-US"/>
               <a:t>五级</a:t>
             </a:r>
             <a:endParaRPr lang="en-US" dirty="0"/>
@@ -12930,7 +12926,7 @@
             <a:fld id="{02640F58-564D-2B4F-AE67-E407BA4FCF45}" type="datetimeFigureOut">
               <a:rPr lang="en-US" dirty="0"/>
               <a:pPr/>
-              <a:t>5/19/19</a:t>
+              <a:t>11/27/19</a:t>
             </a:fld>
             <a:endParaRPr lang="en-US" dirty="0"/>
           </a:p>
@@ -13081,7 +13077,7 @@
           <a:ln/>
           <a:extLst>
             <a:ext uri="{91240B29-F687-4f45-9708-019B960494DF}">
-              <a14:hiddenLine xmlns:a14="http://schemas.microsoft.com/office/drawing/2010/main" xmlns="" w="9525">
+              <a14:hiddenLine xmlns="" xmlns:a14="http://schemas.microsoft.com/office/drawing/2010/main" w="9525">
                 <a:solidFill>
                   <a:srgbClr val="000000"/>
                 </a:solidFill>
@@ -13123,7 +13119,7 @@
           <a:lstStyle/>
           <a:p>
             <a:r>
-              <a:rPr lang="zh-CN" altLang="en-US" smtClean="0"/>
+              <a:rPr lang="zh-CN" altLang="en-US"/>
               <a:t>单击此处编辑母版标题样式</a:t>
             </a:r>
             <a:endParaRPr lang="en-US" dirty="0"/>
@@ -13148,7 +13144,7 @@
             <a:fld id="{F13A34C8-038E-2045-AF43-DF7DBB8E0E9E}" type="datetimeFigureOut">
               <a:rPr lang="en-US" dirty="0"/>
               <a:pPr/>
-              <a:t>5/19/19</a:t>
+              <a:t>11/27/19</a:t>
             </a:fld>
             <a:endParaRPr lang="en-US" dirty="0"/>
           </a:p>
@@ -13240,7 +13236,7 @@
             <a:fld id="{8818C68F-D26B-8F47-958C-23B49CF8A634}" type="datetimeFigureOut">
               <a:rPr lang="en-US" dirty="0"/>
               <a:pPr/>
-              <a:t>5/19/19</a:t>
+              <a:t>11/27/19</a:t>
             </a:fld>
             <a:endParaRPr lang="en-US" dirty="0"/>
           </a:p>
@@ -13504,7 +13500,7 @@
           <a:ln/>
           <a:extLst>
             <a:ext uri="{91240B29-F687-4f45-9708-019B960494DF}">
-              <a14:hiddenLine xmlns:a14="http://schemas.microsoft.com/office/drawing/2010/main" xmlns="" w="9525">
+              <a14:hiddenLine xmlns="" xmlns:a14="http://schemas.microsoft.com/office/drawing/2010/main" w="9525">
                 <a:solidFill>
                   <a:srgbClr val="000000"/>
                 </a:solidFill>
@@ -13555,7 +13551,7 @@
           </a:lstStyle>
           <a:p>
             <a:r>
-              <a:rPr lang="zh-CN" altLang="en-US" smtClean="0"/>
+              <a:rPr lang="zh-CN" altLang="en-US"/>
               <a:t>单击此处编辑母版标题样式</a:t>
             </a:r>
             <a:endParaRPr lang="en-US" dirty="0"/>
@@ -13586,35 +13582,35 @@
           <a:p>
             <a:pPr lvl="0"/>
             <a:r>
-              <a:rPr lang="zh-CN" altLang="en-US" smtClean="0"/>
+              <a:rPr lang="zh-CN" altLang="en-US"/>
               <a:t>单击此处编辑母版文本样式</a:t>
             </a:r>
           </a:p>
           <a:p>
             <a:pPr lvl="1"/>
             <a:r>
-              <a:rPr lang="zh-CN" altLang="en-US" smtClean="0"/>
+              <a:rPr lang="zh-CN" altLang="en-US"/>
               <a:t>二级</a:t>
             </a:r>
           </a:p>
           <a:p>
             <a:pPr lvl="2"/>
             <a:r>
-              <a:rPr lang="zh-CN" altLang="en-US" smtClean="0"/>
+              <a:rPr lang="zh-CN" altLang="en-US"/>
               <a:t>三级</a:t>
             </a:r>
           </a:p>
           <a:p>
             <a:pPr lvl="3"/>
             <a:r>
-              <a:rPr lang="zh-CN" altLang="en-US" smtClean="0"/>
+              <a:rPr lang="zh-CN" altLang="en-US"/>
               <a:t>四级</a:t>
             </a:r>
           </a:p>
           <a:p>
             <a:pPr lvl="4"/>
             <a:r>
-              <a:rPr lang="zh-CN" altLang="en-US" smtClean="0"/>
+              <a:rPr lang="zh-CN" altLang="en-US"/>
               <a:t>五级</a:t>
             </a:r>
             <a:endParaRPr lang="en-US" dirty="0"/>
@@ -13680,7 +13676,7 @@
           <a:p>
             <a:pPr lvl="0"/>
             <a:r>
-              <a:rPr lang="zh-CN" altLang="en-US" smtClean="0"/>
+              <a:rPr lang="zh-CN" altLang="en-US"/>
               <a:t>单击此处编辑母版文本样式</a:t>
             </a:r>
           </a:p>
@@ -13704,7 +13700,7 @@
             <a:fld id="{D0DF5E60-9974-AC48-9591-99C2BB44B7CF}" type="datetimeFigureOut">
               <a:rPr lang="en-US" dirty="0"/>
               <a:pPr/>
-              <a:t>5/19/19</a:t>
+              <a:t>11/27/19</a:t>
             </a:fld>
             <a:endParaRPr lang="en-US" dirty="0"/>
           </a:p>
@@ -13805,7 +13801,7 @@
           </a:lstStyle>
           <a:p>
             <a:r>
-              <a:rPr lang="zh-CN" altLang="en-US" smtClean="0"/>
+              <a:rPr lang="zh-CN" altLang="en-US"/>
               <a:t>单击此处编辑母版标题样式</a:t>
             </a:r>
             <a:endParaRPr lang="en-US" dirty="0"/>
@@ -13917,7 +13913,7 @@
           </a:lstStyle>
           <a:p>
             <a:r>
-              <a:rPr lang="zh-CN" altLang="en-US" smtClean="0"/>
+              <a:rPr lang="zh-CN" altLang="en-US"/>
               <a:t>将图片拖动到占位符，或单击添加图标</a:t>
             </a:r>
             <a:endParaRPr lang="en-US" dirty="0"/>
@@ -13985,7 +13981,7 @@
           <a:p>
             <a:pPr lvl="0"/>
             <a:r>
-              <a:rPr lang="zh-CN" altLang="en-US" smtClean="0"/>
+              <a:rPr lang="zh-CN" altLang="en-US"/>
               <a:t>单击此处编辑母版文本样式</a:t>
             </a:r>
           </a:p>
@@ -14014,7 +14010,7 @@
             <a:fld id="{18C79C5D-2A6F-F04D-97DA-BEF2467B64E4}" type="datetimeFigureOut">
               <a:rPr lang="en-US" dirty="0"/>
               <a:pPr/>
-              <a:t>5/19/19</a:t>
+              <a:t>11/27/19</a:t>
             </a:fld>
             <a:endParaRPr lang="en-US" dirty="0"/>
           </a:p>
@@ -14136,7 +14132,7 @@
           <a:lstStyle/>
           <a:p>
             <a:r>
-              <a:rPr lang="zh-CN" altLang="en-US" smtClean="0"/>
+              <a:rPr lang="zh-CN" altLang="en-US"/>
               <a:t>单击此处编辑母版标题样式</a:t>
             </a:r>
             <a:endParaRPr lang="en-US" dirty="0"/>
@@ -14177,35 +14173,35 @@
           <a:p>
             <a:pPr lvl="0"/>
             <a:r>
-              <a:rPr lang="zh-CN" altLang="en-US" smtClean="0"/>
+              <a:rPr lang="zh-CN" altLang="en-US"/>
               <a:t>单击此处编辑母版文本样式</a:t>
             </a:r>
           </a:p>
           <a:p>
             <a:pPr lvl="1"/>
             <a:r>
-              <a:rPr lang="zh-CN" altLang="en-US" smtClean="0"/>
+              <a:rPr lang="zh-CN" altLang="en-US"/>
               <a:t>二级</a:t>
             </a:r>
           </a:p>
           <a:p>
             <a:pPr lvl="2"/>
             <a:r>
-              <a:rPr lang="zh-CN" altLang="en-US" smtClean="0"/>
+              <a:rPr lang="zh-CN" altLang="en-US"/>
               <a:t>三级</a:t>
             </a:r>
           </a:p>
           <a:p>
             <a:pPr lvl="3"/>
             <a:r>
-              <a:rPr lang="zh-CN" altLang="en-US" smtClean="0"/>
+              <a:rPr lang="zh-CN" altLang="en-US"/>
               <a:t>四级</a:t>
             </a:r>
           </a:p>
           <a:p>
             <a:pPr lvl="4"/>
             <a:r>
-              <a:rPr lang="zh-CN" altLang="en-US" smtClean="0"/>
+              <a:rPr lang="zh-CN" altLang="en-US"/>
               <a:t>五级</a:t>
             </a:r>
             <a:endParaRPr lang="en-US" dirty="0"/>
@@ -14281,7 +14277,7 @@
             <a:fld id="{09B482E8-6E0E-1B4F-B1FD-C69DB9E858D9}" type="datetimeFigureOut">
               <a:rPr lang="en-US" dirty="0"/>
               <a:pPr/>
-              <a:t>5/19/19</a:t>
+              <a:t>11/27/19</a:t>
             </a:fld>
             <a:endParaRPr lang="en-US" dirty="0"/>
           </a:p>
@@ -14763,14 +14759,13 @@
           <a:p>
             <a:pPr algn="ctr"/>
             <a:r>
-              <a:rPr kumimoji="1" lang="en-US" altLang="zh-CN" dirty="0" smtClean="0"/>
+              <a:rPr kumimoji="1" lang="en-US" altLang="zh-CN" dirty="0"/>
               <a:t>Docker</a:t>
             </a:r>
             <a:r>
-              <a:rPr kumimoji="1" lang="zh-CN" altLang="en-US" dirty="0" smtClean="0"/>
+              <a:rPr kumimoji="1" lang="zh-CN" altLang="en-US" dirty="0"/>
               <a:t>操作</a:t>
             </a:r>
-            <a:endParaRPr kumimoji="1" lang="zh-CN" altLang="en-US" dirty="0"/>
           </a:p>
         </p:txBody>
       </p:sp>
@@ -14814,13 +14809,6 @@
   <p:clrMapOvr>
     <a:masterClrMapping/>
   </p:clrMapOvr>
-  <p:timing>
-    <p:tnLst>
-      <p:par>
-        <p:cTn id="1" dur="indefinite" restart="never" nodeType="tmRoot"/>
-      </p:par>
-    </p:tnLst>
-  </p:timing>
 </p:sld>
 </file>
 
@@ -14857,14 +14845,13 @@
           <a:lstStyle/>
           <a:p>
             <a:r>
-              <a:rPr kumimoji="1" lang="en-US" altLang="zh-CN" dirty="0" smtClean="0"/>
+              <a:rPr kumimoji="1" lang="en-US" altLang="zh-CN" dirty="0"/>
               <a:t>Docker</a:t>
             </a:r>
             <a:r>
-              <a:rPr kumimoji="1" lang="zh-CN" altLang="en-US" dirty="0" smtClean="0"/>
+              <a:rPr kumimoji="1" lang="zh-CN" altLang="en-US" dirty="0"/>
               <a:t>命令</a:t>
             </a:r>
-            <a:endParaRPr kumimoji="1" lang="zh-CN" altLang="en-US" dirty="0"/>
           </a:p>
         </p:txBody>
       </p:sp>
@@ -14884,38 +14871,38 @@
           <a:lstStyle/>
           <a:p>
             <a:r>
-              <a:rPr kumimoji="1" lang="en-US" altLang="zh-CN" dirty="0" smtClean="0"/>
+              <a:rPr kumimoji="1" lang="en-US" altLang="zh-CN" dirty="0"/>
               <a:t>Node</a:t>
             </a:r>
           </a:p>
           <a:p>
             <a:r>
-              <a:rPr kumimoji="1" lang="en-US" altLang="zh-CN" dirty="0" err="1" smtClean="0"/>
+              <a:rPr kumimoji="1" lang="en-US" altLang="zh-CN" dirty="0" err="1"/>
               <a:t>Config</a:t>
             </a:r>
-            <a:endParaRPr kumimoji="1" lang="en-US" altLang="zh-CN" dirty="0" smtClean="0"/>
-          </a:p>
-          <a:p>
-            <a:r>
-              <a:rPr kumimoji="1" lang="en-US" altLang="zh-CN" dirty="0" smtClean="0"/>
+            <a:endParaRPr kumimoji="1" lang="en-US" altLang="zh-CN" dirty="0"/>
+          </a:p>
+          <a:p>
+            <a:r>
+              <a:rPr kumimoji="1" lang="en-US" altLang="zh-CN" dirty="0"/>
               <a:t>Secret</a:t>
             </a:r>
           </a:p>
           <a:p>
             <a:r>
-              <a:rPr kumimoji="1" lang="en-US" altLang="zh-CN" dirty="0" smtClean="0"/>
+              <a:rPr kumimoji="1" lang="en-US" altLang="zh-CN" dirty="0"/>
               <a:t>Swarm</a:t>
             </a:r>
           </a:p>
           <a:p>
             <a:r>
-              <a:rPr kumimoji="1" lang="en-US" altLang="zh-CN" dirty="0" smtClean="0"/>
+              <a:rPr kumimoji="1" lang="en-US" altLang="zh-CN" dirty="0"/>
               <a:t>Service</a:t>
             </a:r>
           </a:p>
           <a:p>
             <a:r>
-              <a:rPr kumimoji="1" lang="en-US" altLang="zh-CN" dirty="0" smtClean="0"/>
+              <a:rPr kumimoji="1" lang="en-US" altLang="zh-CN" dirty="0"/>
               <a:t>Stack</a:t>
             </a:r>
           </a:p>
@@ -14967,15 +14954,15 @@
           <a:lstStyle/>
           <a:p>
             <a:r>
-              <a:rPr kumimoji="1" lang="en-US" altLang="zh-CN" dirty="0" smtClean="0"/>
+              <a:rPr kumimoji="1" lang="en-US" altLang="zh-CN" dirty="0"/>
               <a:t>Docker</a:t>
             </a:r>
             <a:r>
-              <a:rPr kumimoji="1" lang="zh-CN" altLang="en-US" dirty="0" smtClean="0"/>
+              <a:rPr kumimoji="1" lang="zh-CN" altLang="en-US" dirty="0"/>
               <a:t> </a:t>
             </a:r>
             <a:r>
-              <a:rPr kumimoji="1" lang="en-US" altLang="zh-CN" dirty="0" smtClean="0"/>
+              <a:rPr kumimoji="1" lang="en-US" altLang="zh-CN" dirty="0"/>
               <a:t>API</a:t>
             </a:r>
             <a:endParaRPr kumimoji="1" lang="zh-CN" altLang="en-US" dirty="0"/>
@@ -15483,7 +15470,7 @@
           <a:lstStyle/>
           <a:p>
             <a:r>
-              <a:rPr kumimoji="1" lang="en-US" altLang="zh-CN" dirty="0" smtClean="0"/>
+              <a:rPr kumimoji="1" lang="en-US" altLang="zh-CN" dirty="0"/>
               <a:t>Agenda</a:t>
             </a:r>
             <a:endParaRPr kumimoji="1" lang="zh-CN" altLang="en-US" dirty="0"/>
@@ -15506,29 +15493,29 @@
           <a:lstStyle/>
           <a:p>
             <a:r>
-              <a:rPr kumimoji="1" lang="en-US" altLang="zh-CN" dirty="0" smtClean="0"/>
+              <a:rPr kumimoji="1" lang="en-US" altLang="zh-CN" dirty="0"/>
               <a:t>Docker</a:t>
             </a:r>
             <a:r>
-              <a:rPr kumimoji="1" lang="zh-CN" altLang="en-US" dirty="0" smtClean="0"/>
+              <a:rPr kumimoji="1" lang="zh-CN" altLang="en-US" dirty="0"/>
               <a:t>快速入门</a:t>
             </a:r>
-            <a:endParaRPr kumimoji="1" lang="en-US" altLang="zh-CN" dirty="0" smtClean="0"/>
-          </a:p>
-          <a:p>
-            <a:r>
-              <a:rPr kumimoji="1" lang="en-US" altLang="zh-CN" dirty="0" smtClean="0"/>
+            <a:endParaRPr kumimoji="1" lang="en-US" altLang="zh-CN" dirty="0"/>
+          </a:p>
+          <a:p>
+            <a:r>
+              <a:rPr kumimoji="1" lang="en-US" altLang="zh-CN" dirty="0"/>
               <a:t>Docker</a:t>
             </a:r>
             <a:r>
-              <a:rPr kumimoji="1" lang="zh-CN" altLang="en-US" dirty="0" smtClean="0"/>
+              <a:rPr kumimoji="1" lang="zh-CN" altLang="en-US" dirty="0"/>
               <a:t>命令</a:t>
             </a:r>
-            <a:endParaRPr kumimoji="1" lang="en-US" altLang="zh-CN" dirty="0" smtClean="0"/>
-          </a:p>
-          <a:p>
-            <a:r>
-              <a:rPr kumimoji="1" lang="en-US" altLang="zh-CN" dirty="0" err="1" smtClean="0"/>
+            <a:endParaRPr kumimoji="1" lang="en-US" altLang="zh-CN" dirty="0"/>
+          </a:p>
+          <a:p>
+            <a:r>
+              <a:rPr kumimoji="1" lang="en-US" altLang="zh-CN" dirty="0" err="1"/>
               <a:t>DockerAPI</a:t>
             </a:r>
             <a:endParaRPr kumimoji="1" lang="zh-CN" altLang="en-US" dirty="0"/>
@@ -15545,13 +15532,6 @@
   <p:clrMapOvr>
     <a:masterClrMapping/>
   </p:clrMapOvr>
-  <p:timing>
-    <p:tnLst>
-      <p:par>
-        <p:cTn id="1" dur="indefinite" restart="never" nodeType="tmRoot"/>
-      </p:par>
-    </p:tnLst>
-  </p:timing>
 </p:sld>
 </file>
 
@@ -15588,14 +15568,13 @@
           <a:lstStyle/>
           <a:p>
             <a:r>
-              <a:rPr kumimoji="1" lang="en-US" altLang="zh-CN" dirty="0" err="1" smtClean="0"/>
+              <a:rPr kumimoji="1" lang="en-US" altLang="zh-CN" dirty="0" err="1"/>
               <a:t>Docker</a:t>
             </a:r>
             <a:r>
-              <a:rPr kumimoji="1" lang="zh-CN" altLang="en-US" dirty="0" smtClean="0"/>
+              <a:rPr kumimoji="1" lang="zh-CN" altLang="en-US" dirty="0"/>
               <a:t>快速入门</a:t>
             </a:r>
-            <a:endParaRPr kumimoji="1" lang="zh-CN" altLang="en-US" dirty="0"/>
           </a:p>
         </p:txBody>
       </p:sp>
@@ -15623,34 +15602,29 @@
               <a:t> </a:t>
             </a:r>
             <a:r>
-              <a:rPr lang="zh-CN" altLang="en-US" dirty="0" smtClean="0"/>
+              <a:rPr lang="zh-CN" altLang="en-US" dirty="0"/>
               <a:t> </a:t>
             </a:r>
             <a:r>
-              <a:rPr lang="en-US" altLang="zh-CN" dirty="0" smtClean="0"/>
+              <a:rPr lang="en-US" altLang="zh-CN" dirty="0"/>
               <a:t>version</a:t>
             </a:r>
-            <a:endParaRPr lang="zh-CN" altLang="en-US" dirty="0" smtClean="0"/>
-          </a:p>
-          <a:p>
-            <a:r>
-              <a:rPr lang="en-US" altLang="zh-CN" dirty="0" err="1" smtClean="0"/>
+            <a:endParaRPr lang="zh-CN" altLang="en-US" dirty="0"/>
+          </a:p>
+          <a:p>
+            <a:r>
+              <a:rPr lang="en-US" altLang="zh-CN" dirty="0" err="1"/>
               <a:t>docker</a:t>
             </a:r>
             <a:r>
-              <a:rPr lang="en-US" altLang="zh-CN" dirty="0" smtClean="0"/>
+              <a:rPr lang="en-US" altLang="zh-CN" dirty="0"/>
               <a:t> info</a:t>
             </a:r>
-            <a:endParaRPr lang="en-US" altLang="zh-CN" dirty="0"/>
           </a:p>
           <a:p>
             <a:pPr marL="0" indent="0">
               <a:buNone/>
             </a:pPr>
-            <a:r>
-              <a:rPr lang="en-US" altLang="zh-CN" dirty="0"/>
-              <a:t/>
-            </a:r>
             <a:br>
               <a:rPr lang="en-US" altLang="zh-CN" dirty="0"/>
             </a:br>
@@ -15704,13 +15678,6 @@
   <p:clrMapOvr>
     <a:masterClrMapping/>
   </p:clrMapOvr>
-  <p:timing>
-    <p:tnLst>
-      <p:par>
-        <p:cTn id="1" dur="indefinite" restart="never" nodeType="tmRoot"/>
-      </p:par>
-    </p:tnLst>
-  </p:timing>
 </p:sld>
 </file>
 
@@ -15747,14 +15714,13 @@
           <a:lstStyle/>
           <a:p>
             <a:r>
-              <a:rPr kumimoji="1" lang="en-US" altLang="zh-CN" dirty="0" err="1" smtClean="0"/>
+              <a:rPr kumimoji="1" lang="en-US" altLang="zh-CN" dirty="0" err="1"/>
               <a:t>Docker</a:t>
             </a:r>
             <a:r>
-              <a:rPr kumimoji="1" lang="zh-CN" altLang="en-US" dirty="0" smtClean="0"/>
+              <a:rPr kumimoji="1" lang="zh-CN" altLang="en-US" dirty="0"/>
               <a:t>快速入门</a:t>
             </a:r>
-            <a:endParaRPr kumimoji="1" lang="zh-CN" altLang="en-US" dirty="0"/>
           </a:p>
         </p:txBody>
       </p:sp>
@@ -15777,81 +15743,61 @@
           <a:p>
             <a:r>
               <a:rPr lang="en-US" altLang="zh-CN" dirty="0" err="1"/>
-              <a:t>g</a:t>
-            </a:r>
-            <a:r>
-              <a:rPr lang="en-US" altLang="zh-CN" dirty="0" err="1" smtClean="0"/>
-              <a:t>it</a:t>
-            </a:r>
-            <a:r>
-              <a:rPr lang="zh-CN" altLang="en-US" dirty="0" smtClean="0"/>
+              <a:t>git</a:t>
+            </a:r>
+            <a:r>
+              <a:rPr lang="zh-CN" altLang="en-US" dirty="0"/>
               <a:t> </a:t>
             </a:r>
             <a:r>
-              <a:rPr lang="en-US" altLang="zh-CN" dirty="0" smtClean="0"/>
+              <a:rPr lang="en-US" altLang="zh-CN" dirty="0"/>
               <a:t>clone</a:t>
             </a:r>
             <a:r>
-              <a:rPr lang="zh-CN" altLang="en-US" dirty="0" smtClean="0"/>
+              <a:rPr lang="zh-CN" altLang="en-US" dirty="0"/>
               <a:t> </a:t>
-            </a:r>
-            <a:r>
-              <a:rPr lang="en-US" altLang="zh-CN" dirty="0" smtClean="0">
-                <a:hlinkClick r:id="rId2"/>
-              </a:rPr>
-              <a:t>https</a:t>
             </a:r>
             <a:r>
               <a:rPr lang="en-US" altLang="zh-CN" dirty="0">
                 <a:hlinkClick r:id="rId2"/>
               </a:rPr>
-              <a:t>://</a:t>
-            </a:r>
-            <a:r>
-              <a:rPr lang="en-US" altLang="zh-CN" dirty="0" smtClean="0">
-                <a:hlinkClick r:id="rId2"/>
-              </a:rPr>
-              <a:t>github.com/airuitian/CloudNative.git</a:t>
-            </a:r>
-            <a:endParaRPr lang="zh-CN" altLang="en-US" dirty="0" smtClean="0"/>
-          </a:p>
-          <a:p>
-            <a:endParaRPr lang="zh-CN" altLang="en-US" dirty="0" smtClean="0"/>
-          </a:p>
-          <a:p>
-            <a:r>
-              <a:rPr lang="en-US" altLang="zh-CN" dirty="0" smtClean="0"/>
+              <a:t>https://github.com/airuitian/CloudNative.git</a:t>
+            </a:r>
+            <a:endParaRPr lang="zh-CN" altLang="en-US" dirty="0"/>
+          </a:p>
+          <a:p>
+            <a:endParaRPr lang="zh-CN" altLang="en-US" dirty="0"/>
+          </a:p>
+          <a:p>
+            <a:r>
+              <a:rPr lang="en-US" altLang="zh-CN" dirty="0"/>
               <a:t>cd</a:t>
             </a:r>
             <a:r>
-              <a:rPr lang="zh-CN" altLang="en-US" dirty="0" smtClean="0"/>
+              <a:rPr lang="zh-CN" altLang="en-US" dirty="0"/>
               <a:t> </a:t>
             </a:r>
             <a:r>
-              <a:rPr lang="en-US" altLang="zh-CN" dirty="0" err="1" smtClean="0"/>
+              <a:rPr lang="en-US" altLang="zh-CN" dirty="0" err="1"/>
               <a:t>CloudNative</a:t>
             </a:r>
             <a:r>
-              <a:rPr lang="en-US" altLang="zh-CN" dirty="0" smtClean="0"/>
+              <a:rPr lang="en-US" altLang="zh-CN" dirty="0"/>
               <a:t>/docker001</a:t>
             </a:r>
             <a:r>
-              <a:rPr lang="zh-CN" altLang="en-US" dirty="0" smtClean="0"/>
+              <a:rPr lang="zh-CN" altLang="en-US" dirty="0"/>
               <a:t> </a:t>
             </a:r>
           </a:p>
           <a:p>
             <a:r>
-              <a:rPr lang="en-US" altLang="zh-CN" dirty="0" err="1" smtClean="0"/>
+              <a:rPr lang="en-US" altLang="zh-CN" dirty="0" err="1"/>
               <a:t>docker</a:t>
             </a:r>
             <a:r>
-              <a:rPr lang="en-US" altLang="zh-CN" dirty="0" smtClean="0"/>
-              <a:t> </a:t>
-            </a:r>
-            <a:r>
               <a:rPr lang="en-US" altLang="zh-CN" dirty="0"/>
-              <a:t>build --tag=</a:t>
+              <a:t> build --tag=</a:t>
             </a:r>
             <a:r>
               <a:rPr lang="en-US" altLang="zh-CN" dirty="0" err="1"/>
@@ -15872,10 +15818,10 @@
               <a:t> image </a:t>
             </a:r>
             <a:r>
-              <a:rPr lang="en-US" altLang="zh-CN" dirty="0" err="1" smtClean="0"/>
+              <a:rPr lang="en-US" altLang="zh-CN" dirty="0" err="1"/>
               <a:t>ls</a:t>
             </a:r>
-            <a:endParaRPr lang="zh-CN" altLang="en-US" dirty="0" smtClean="0"/>
+            <a:endParaRPr lang="zh-CN" altLang="en-US" dirty="0"/>
           </a:p>
           <a:p>
             <a:endParaRPr lang="en-US" altLang="zh-CN" dirty="0"/>
@@ -15948,13 +15894,6 @@
   <p:clrMapOvr>
     <a:masterClrMapping/>
   </p:clrMapOvr>
-  <p:timing>
-    <p:tnLst>
-      <p:par>
-        <p:cTn id="1" dur="indefinite" restart="never" nodeType="tmRoot"/>
-      </p:par>
-    </p:tnLst>
-  </p:timing>
 </p:sld>
 </file>
 
@@ -15991,38 +15930,37 @@
           <a:lstStyle/>
           <a:p>
             <a:r>
-              <a:rPr kumimoji="1" lang="en-US" altLang="zh-CN" dirty="0" err="1" smtClean="0"/>
+              <a:rPr kumimoji="1" lang="en-US" altLang="zh-CN" dirty="0" err="1"/>
               <a:t>Docker</a:t>
             </a:r>
             <a:r>
-              <a:rPr kumimoji="1" lang="zh-CN" altLang="en-US" dirty="0" smtClean="0"/>
+              <a:rPr kumimoji="1" lang="zh-CN" altLang="en-US" dirty="0"/>
               <a:t>快速入门（</a:t>
             </a:r>
             <a:r>
-              <a:rPr kumimoji="1" lang="en-US" altLang="zh-CN" dirty="0" smtClean="0"/>
+              <a:rPr kumimoji="1" lang="en-US" altLang="zh-CN" dirty="0"/>
               <a:t>Push</a:t>
             </a:r>
             <a:r>
-              <a:rPr kumimoji="1" lang="zh-CN" altLang="en-US" dirty="0" smtClean="0"/>
+              <a:rPr kumimoji="1" lang="zh-CN" altLang="en-US" dirty="0"/>
               <a:t> </a:t>
             </a:r>
             <a:r>
-              <a:rPr kumimoji="1" lang="en-US" altLang="zh-CN" dirty="0" smtClean="0"/>
+              <a:rPr kumimoji="1" lang="en-US" altLang="zh-CN" dirty="0"/>
               <a:t>&amp;</a:t>
             </a:r>
             <a:r>
-              <a:rPr kumimoji="1" lang="zh-CN" altLang="en-US" dirty="0" smtClean="0"/>
+              <a:rPr kumimoji="1" lang="zh-CN" altLang="en-US" dirty="0"/>
               <a:t> </a:t>
             </a:r>
             <a:r>
-              <a:rPr kumimoji="1" lang="en-US" altLang="zh-CN" dirty="0" smtClean="0"/>
+              <a:rPr kumimoji="1" lang="en-US" altLang="zh-CN" dirty="0"/>
               <a:t>Pull</a:t>
             </a:r>
             <a:r>
-              <a:rPr kumimoji="1" lang="zh-CN" altLang="en-US" dirty="0" smtClean="0"/>
+              <a:rPr kumimoji="1" lang="zh-CN" altLang="en-US" dirty="0"/>
               <a:t>）</a:t>
             </a:r>
-            <a:endParaRPr kumimoji="1" lang="zh-CN" altLang="en-US" dirty="0"/>
           </a:p>
         </p:txBody>
       </p:sp>
@@ -16097,14 +16035,14 @@
               <a:t> push </a:t>
             </a:r>
             <a:r>
-              <a:rPr lang="en-US" altLang="zh-CN" dirty="0" err="1" smtClean="0"/>
+              <a:rPr lang="en-US" altLang="zh-CN" dirty="0" err="1"/>
               <a:t>tallongsun</a:t>
             </a:r>
             <a:r>
-              <a:rPr lang="en-US" altLang="zh-CN" dirty="0" smtClean="0"/>
+              <a:rPr lang="en-US" altLang="zh-CN" dirty="0"/>
               <a:t>/get-started:part2</a:t>
             </a:r>
-            <a:endParaRPr lang="zh-CN" altLang="en-US" dirty="0" smtClean="0"/>
+            <a:endParaRPr lang="zh-CN" altLang="en-US" dirty="0"/>
           </a:p>
           <a:p>
             <a:endParaRPr lang="en-US" altLang="zh-CN" dirty="0"/>
@@ -16142,13 +16080,6 @@
   <p:clrMapOvr>
     <a:masterClrMapping/>
   </p:clrMapOvr>
-  <p:timing>
-    <p:tnLst>
-      <p:par>
-        <p:cTn id="1" dur="indefinite" restart="never" nodeType="tmRoot"/>
-      </p:par>
-    </p:tnLst>
-  </p:timing>
 </p:sld>
 </file>
 
@@ -16185,14 +16116,13 @@
           <a:lstStyle/>
           <a:p>
             <a:r>
-              <a:rPr kumimoji="1" lang="en-US" altLang="zh-CN" dirty="0" err="1" smtClean="0"/>
+              <a:rPr kumimoji="1" lang="en-US" altLang="zh-CN" dirty="0" err="1"/>
               <a:t>Docker</a:t>
             </a:r>
             <a:r>
-              <a:rPr kumimoji="1" lang="zh-CN" altLang="en-US" dirty="0" smtClean="0"/>
+              <a:rPr kumimoji="1" lang="zh-CN" altLang="en-US" dirty="0"/>
               <a:t>快速入门</a:t>
             </a:r>
-            <a:endParaRPr kumimoji="1" lang="zh-CN" altLang="en-US" dirty="0"/>
           </a:p>
         </p:txBody>
       </p:sp>
@@ -16246,14 +16176,13 @@
               <a:t> -a </a:t>
             </a:r>
             <a:r>
-              <a:rPr lang="mr-IN" altLang="zh-CN" dirty="0" smtClean="0"/>
+              <a:rPr lang="mr-IN" altLang="zh-CN" dirty="0"/>
               <a:t>–</a:t>
             </a:r>
             <a:r>
-              <a:rPr lang="en-US" altLang="zh-CN" dirty="0" smtClean="0"/>
+              <a:rPr lang="en-US" altLang="zh-CN" dirty="0"/>
               <a:t>q)</a:t>
             </a:r>
-            <a:endParaRPr lang="en-US" altLang="zh-CN" dirty="0"/>
           </a:p>
           <a:p>
             <a:r>
@@ -16288,7 +16217,7 @@
               <a:rPr lang="en-US" altLang="zh-CN" dirty="0"/>
               <a:t> -a -q) </a:t>
             </a:r>
-            <a:endParaRPr lang="zh-CN" altLang="en-US" dirty="0" smtClean="0"/>
+            <a:endParaRPr lang="zh-CN" altLang="en-US" dirty="0"/>
           </a:p>
           <a:p>
             <a:endParaRPr lang="zh-CN" altLang="en-US" dirty="0">
@@ -16333,13 +16262,6 @@
   <p:clrMapOvr>
     <a:masterClrMapping/>
   </p:clrMapOvr>
-  <p:timing>
-    <p:tnLst>
-      <p:par>
-        <p:cTn id="1" dur="indefinite" restart="never" nodeType="tmRoot"/>
-      </p:par>
-    </p:tnLst>
-  </p:timing>
 </p:sld>
 </file>
 
@@ -16376,14 +16298,13 @@
           <a:lstStyle/>
           <a:p>
             <a:r>
-              <a:rPr kumimoji="1" lang="en-US" altLang="zh-CN" dirty="0" smtClean="0"/>
+              <a:rPr kumimoji="1" lang="en-US" altLang="zh-CN" dirty="0"/>
               <a:t>Docker</a:t>
             </a:r>
             <a:r>
-              <a:rPr kumimoji="1" lang="zh-CN" altLang="en-US" dirty="0" smtClean="0"/>
+              <a:rPr kumimoji="1" lang="zh-CN" altLang="en-US" dirty="0"/>
               <a:t>命令</a:t>
             </a:r>
-            <a:endParaRPr kumimoji="1" lang="zh-CN" altLang="en-US" dirty="0"/>
           </a:p>
         </p:txBody>
       </p:sp>
@@ -16410,26 +16331,26 @@
           <a:lstStyle/>
           <a:p>
             <a:pPr lvl="1"/>
-            <a:endParaRPr lang="zh-CN" altLang="en-US" dirty="0" smtClean="0">
+            <a:endParaRPr lang="zh-CN" altLang="en-US" dirty="0">
               <a:effectLst/>
             </a:endParaRPr>
           </a:p>
           <a:p>
             <a:pPr lvl="1"/>
             <a:r>
-              <a:rPr lang="en-US" altLang="zh-CN" dirty="0" smtClean="0">
+              <a:rPr lang="en-US" altLang="zh-CN" dirty="0">
                 <a:effectLst/>
               </a:rPr>
               <a:t>Prune</a:t>
             </a:r>
-            <a:endParaRPr lang="zh-CN" altLang="en-US" dirty="0" smtClean="0">
+            <a:endParaRPr lang="zh-CN" altLang="en-US" dirty="0">
               <a:effectLst/>
             </a:endParaRPr>
           </a:p>
           <a:p>
             <a:pPr lvl="1"/>
             <a:r>
-              <a:rPr lang="en-US" altLang="zh-CN" b="1" dirty="0" smtClean="0">
+              <a:rPr lang="en-US" altLang="zh-CN" b="1" dirty="0">
                 <a:solidFill>
                   <a:srgbClr val="FF0000"/>
                 </a:solidFill>
@@ -16437,7 +16358,7 @@
               </a:rPr>
               <a:t>Pull</a:t>
             </a:r>
-            <a:endParaRPr lang="zh-CN" altLang="en-US" b="1" dirty="0" smtClean="0">
+            <a:endParaRPr lang="zh-CN" altLang="en-US" b="1" dirty="0">
               <a:solidFill>
                 <a:srgbClr val="FF0000"/>
               </a:solidFill>
@@ -16447,7 +16368,7 @@
           <a:p>
             <a:pPr lvl="1"/>
             <a:r>
-              <a:rPr lang="en-US" altLang="zh-CN" b="1" dirty="0" smtClean="0">
+              <a:rPr lang="en-US" altLang="zh-CN" b="1" dirty="0">
                 <a:solidFill>
                   <a:srgbClr val="FF0000"/>
                 </a:solidFill>
@@ -16455,7 +16376,7 @@
               </a:rPr>
               <a:t>Push</a:t>
             </a:r>
-            <a:endParaRPr lang="zh-CN" altLang="en-US" b="1" dirty="0" smtClean="0">
+            <a:endParaRPr lang="zh-CN" altLang="en-US" b="1" dirty="0">
               <a:solidFill>
                 <a:srgbClr val="FF0000"/>
               </a:solidFill>
@@ -16465,7 +16386,7 @@
           <a:p>
             <a:pPr lvl="1"/>
             <a:r>
-              <a:rPr lang="en-US" altLang="zh-CN" b="1" dirty="0" smtClean="0">
+              <a:rPr lang="en-US" altLang="zh-CN" b="1" dirty="0">
                 <a:solidFill>
                   <a:srgbClr val="FF0000"/>
                 </a:solidFill>
@@ -16473,7 +16394,7 @@
               </a:rPr>
               <a:t>Rm</a:t>
             </a:r>
-            <a:endParaRPr lang="zh-CN" altLang="en-US" b="1" dirty="0" smtClean="0">
+            <a:endParaRPr lang="zh-CN" altLang="en-US" b="1" dirty="0">
               <a:solidFill>
                 <a:srgbClr val="FF0000"/>
               </a:solidFill>
@@ -16483,19 +16404,19 @@
           <a:p>
             <a:pPr lvl="1"/>
             <a:r>
-              <a:rPr lang="en-US" altLang="zh-CN" dirty="0" smtClean="0">
+              <a:rPr lang="en-US" altLang="zh-CN" dirty="0">
                 <a:effectLst/>
               </a:rPr>
               <a:t>Save</a:t>
             </a:r>
-            <a:endParaRPr lang="zh-CN" altLang="en-US" dirty="0" smtClean="0">
+            <a:endParaRPr lang="zh-CN" altLang="en-US" dirty="0">
               <a:effectLst/>
             </a:endParaRPr>
           </a:p>
           <a:p>
             <a:pPr lvl="1"/>
             <a:r>
-              <a:rPr lang="en-US" altLang="zh-CN" b="1" dirty="0" smtClean="0">
+              <a:rPr lang="en-US" altLang="zh-CN" b="1" dirty="0">
                 <a:solidFill>
                   <a:srgbClr val="FF0000"/>
                 </a:solidFill>
@@ -16503,12 +16424,6 @@
               </a:rPr>
               <a:t>tag</a:t>
             </a:r>
-            <a:endParaRPr lang="en-US" altLang="zh-CN" b="1" dirty="0">
-              <a:solidFill>
-                <a:srgbClr val="FF0000"/>
-              </a:solidFill>
-              <a:effectLst/>
-            </a:endParaRPr>
           </a:p>
         </p:txBody>
       </p:sp>
@@ -16733,30 +16648,30 @@
           </a:lstStyle>
           <a:p>
             <a:r>
-              <a:rPr lang="en-US" altLang="zh-CN" dirty="0" err="1" smtClean="0"/>
+              <a:rPr lang="en-US" altLang="zh-CN" dirty="0" err="1"/>
               <a:t>Docker</a:t>
             </a:r>
             <a:r>
-              <a:rPr lang="zh-CN" altLang="en-US" dirty="0" smtClean="0"/>
+              <a:rPr lang="zh-CN" altLang="en-US" dirty="0"/>
               <a:t> </a:t>
             </a:r>
             <a:r>
-              <a:rPr lang="en-US" altLang="zh-CN" dirty="0" smtClean="0"/>
+              <a:rPr lang="en-US" altLang="zh-CN" dirty="0"/>
               <a:t>image</a:t>
             </a:r>
-            <a:endParaRPr lang="zh-CN" altLang="en-US" dirty="0" smtClean="0"/>
+            <a:endParaRPr lang="zh-CN" altLang="en-US" dirty="0"/>
           </a:p>
           <a:p>
             <a:pPr lvl="1"/>
             <a:r>
-              <a:rPr lang="en-US" altLang="zh-CN" b="1" dirty="0" smtClean="0">
+              <a:rPr lang="en-US" altLang="zh-CN" b="1" dirty="0">
                 <a:solidFill>
                   <a:srgbClr val="FF0000"/>
                 </a:solidFill>
               </a:rPr>
               <a:t>Build</a:t>
             </a:r>
-            <a:endParaRPr lang="zh-CN" altLang="en-US" b="1" dirty="0" smtClean="0">
+            <a:endParaRPr lang="zh-CN" altLang="en-US" b="1" dirty="0">
               <a:solidFill>
                 <a:srgbClr val="FF0000"/>
               </a:solidFill>
@@ -16765,46 +16680,46 @@
           <a:p>
             <a:pPr lvl="1"/>
             <a:r>
-              <a:rPr lang="en-US" altLang="zh-CN" dirty="0" smtClean="0"/>
+              <a:rPr lang="en-US" altLang="zh-CN" dirty="0"/>
               <a:t>History</a:t>
             </a:r>
-            <a:endParaRPr lang="zh-CN" altLang="en-US" dirty="0" smtClean="0"/>
+            <a:endParaRPr lang="zh-CN" altLang="en-US" dirty="0"/>
           </a:p>
           <a:p>
             <a:pPr lvl="1"/>
             <a:r>
-              <a:rPr lang="en-US" altLang="zh-CN" dirty="0" smtClean="0"/>
+              <a:rPr lang="en-US" altLang="zh-CN" dirty="0"/>
               <a:t>Import</a:t>
             </a:r>
-            <a:endParaRPr lang="zh-CN" altLang="en-US" dirty="0" smtClean="0"/>
+            <a:endParaRPr lang="zh-CN" altLang="en-US" dirty="0"/>
           </a:p>
           <a:p>
             <a:pPr lvl="1"/>
             <a:r>
-              <a:rPr lang="en-US" altLang="zh-CN" dirty="0" smtClean="0"/>
+              <a:rPr lang="en-US" altLang="zh-CN" dirty="0"/>
               <a:t>Inspect</a:t>
             </a:r>
-            <a:endParaRPr lang="zh-CN" altLang="en-US" dirty="0" smtClean="0"/>
+            <a:endParaRPr lang="zh-CN" altLang="en-US" dirty="0"/>
           </a:p>
           <a:p>
             <a:pPr lvl="1"/>
             <a:r>
-              <a:rPr lang="en-US" altLang="zh-CN" dirty="0" smtClean="0"/>
+              <a:rPr lang="en-US" altLang="zh-CN" dirty="0"/>
               <a:t>Load</a:t>
             </a:r>
-            <a:endParaRPr lang="zh-CN" altLang="en-US" dirty="0" smtClean="0"/>
+            <a:endParaRPr lang="zh-CN" altLang="en-US" dirty="0"/>
           </a:p>
           <a:p>
             <a:pPr lvl="1"/>
             <a:r>
-              <a:rPr lang="en-US" altLang="zh-CN" b="1" dirty="0" err="1" smtClean="0">
+              <a:rPr lang="en-US" altLang="zh-CN" b="1" dirty="0" err="1">
                 <a:solidFill>
                   <a:srgbClr val="FF0000"/>
                 </a:solidFill>
               </a:rPr>
               <a:t>Ls</a:t>
             </a:r>
-            <a:endParaRPr lang="zh-CN" altLang="en-US" b="1" dirty="0" smtClean="0">
+            <a:endParaRPr lang="zh-CN" altLang="en-US" b="1" dirty="0">
               <a:solidFill>
                 <a:srgbClr val="FF0000"/>
               </a:solidFill>
@@ -16822,13 +16737,6 @@
   <p:clrMapOvr>
     <a:masterClrMapping/>
   </p:clrMapOvr>
-  <p:timing>
-    <p:tnLst>
-      <p:par>
-        <p:cTn id="1" dur="indefinite" restart="never" nodeType="tmRoot"/>
-      </p:par>
-    </p:tnLst>
-  </p:timing>
 </p:sld>
 </file>
 
@@ -16899,53 +16807,53 @@
           <a:p>
             <a:pPr lvl="1"/>
             <a:r>
-              <a:rPr lang="en-US" altLang="zh-CN" dirty="0" smtClean="0"/>
+              <a:rPr lang="en-US" altLang="zh-CN" dirty="0"/>
               <a:t>port</a:t>
             </a:r>
-            <a:endParaRPr lang="zh-CN" altLang="en-US" dirty="0" smtClean="0">
+            <a:endParaRPr lang="zh-CN" altLang="en-US" dirty="0">
               <a:effectLst/>
             </a:endParaRPr>
           </a:p>
           <a:p>
             <a:pPr lvl="1"/>
             <a:r>
-              <a:rPr lang="en-US" altLang="zh-CN" dirty="0" smtClean="0">
+              <a:rPr lang="en-US" altLang="zh-CN" dirty="0">
                 <a:effectLst/>
               </a:rPr>
               <a:t>Prune</a:t>
             </a:r>
-            <a:endParaRPr lang="zh-CN" altLang="en-US" dirty="0" smtClean="0">
+            <a:endParaRPr lang="zh-CN" altLang="en-US" dirty="0">
               <a:effectLst/>
             </a:endParaRPr>
           </a:p>
           <a:p>
             <a:pPr lvl="1"/>
             <a:r>
-              <a:rPr lang="en-US" altLang="zh-CN" dirty="0" smtClean="0">
+              <a:rPr lang="en-US" altLang="zh-CN" dirty="0">
                 <a:effectLst/>
               </a:rPr>
               <a:t>rename</a:t>
             </a:r>
-            <a:endParaRPr lang="zh-CN" altLang="en-US" dirty="0" smtClean="0">
+            <a:endParaRPr lang="zh-CN" altLang="en-US" dirty="0">
               <a:effectLst/>
             </a:endParaRPr>
           </a:p>
           <a:p>
             <a:pPr lvl="1"/>
             <a:r>
-              <a:rPr lang="en-US" altLang="zh-CN" dirty="0" smtClean="0">
+              <a:rPr lang="en-US" altLang="zh-CN" dirty="0">
                 <a:effectLst/>
               </a:rPr>
               <a:t>Restart</a:t>
             </a:r>
-            <a:endParaRPr lang="zh-CN" altLang="en-US" dirty="0" smtClean="0">
+            <a:endParaRPr lang="zh-CN" altLang="en-US" dirty="0">
               <a:effectLst/>
             </a:endParaRPr>
           </a:p>
           <a:p>
             <a:pPr lvl="1"/>
             <a:r>
-              <a:rPr lang="en-US" altLang="zh-CN" b="1" dirty="0" smtClean="0">
+              <a:rPr lang="en-US" altLang="zh-CN" b="1" dirty="0">
                 <a:solidFill>
                   <a:srgbClr val="FF0000"/>
                 </a:solidFill>
@@ -16953,7 +16861,7 @@
               </a:rPr>
               <a:t>Rm</a:t>
             </a:r>
-            <a:endParaRPr lang="zh-CN" altLang="en-US" b="1" dirty="0" smtClean="0">
+            <a:endParaRPr lang="zh-CN" altLang="en-US" b="1" dirty="0">
               <a:solidFill>
                 <a:srgbClr val="FF0000"/>
               </a:solidFill>
@@ -16963,7 +16871,7 @@
           <a:p>
             <a:pPr lvl="1"/>
             <a:r>
-              <a:rPr lang="en-US" altLang="zh-CN" b="1" dirty="0" smtClean="0">
+              <a:rPr lang="en-US" altLang="zh-CN" b="1" dirty="0">
                 <a:solidFill>
                   <a:srgbClr val="FF0000"/>
                 </a:solidFill>
@@ -16971,7 +16879,7 @@
               </a:rPr>
               <a:t>Run</a:t>
             </a:r>
-            <a:endParaRPr lang="zh-CN" altLang="en-US" b="1" dirty="0" smtClean="0">
+            <a:endParaRPr lang="zh-CN" altLang="en-US" b="1" dirty="0">
               <a:solidFill>
                 <a:srgbClr val="FF0000"/>
               </a:solidFill>
@@ -16981,31 +16889,31 @@
           <a:p>
             <a:pPr lvl="1"/>
             <a:r>
-              <a:rPr lang="en-US" altLang="zh-CN" dirty="0" smtClean="0">
+              <a:rPr lang="en-US" altLang="zh-CN" dirty="0">
                 <a:effectLst/>
               </a:rPr>
               <a:t>Start</a:t>
             </a:r>
-            <a:endParaRPr lang="zh-CN" altLang="en-US" dirty="0" smtClean="0">
+            <a:endParaRPr lang="zh-CN" altLang="en-US" dirty="0">
               <a:effectLst/>
             </a:endParaRPr>
           </a:p>
           <a:p>
             <a:pPr lvl="1"/>
             <a:r>
-              <a:rPr lang="en-US" altLang="zh-CN" dirty="0" smtClean="0">
+              <a:rPr lang="en-US" altLang="zh-CN" dirty="0">
                 <a:effectLst/>
               </a:rPr>
               <a:t>Stats</a:t>
             </a:r>
-            <a:endParaRPr lang="zh-CN" altLang="en-US" dirty="0" smtClean="0">
+            <a:endParaRPr lang="zh-CN" altLang="en-US" dirty="0">
               <a:effectLst/>
             </a:endParaRPr>
           </a:p>
           <a:p>
             <a:pPr lvl="1"/>
             <a:r>
-              <a:rPr lang="en-US" altLang="zh-CN" b="1" dirty="0" smtClean="0">
+              <a:rPr lang="en-US" altLang="zh-CN" b="1" dirty="0">
                 <a:solidFill>
                   <a:srgbClr val="FF0000"/>
                 </a:solidFill>
@@ -17013,7 +16921,7 @@
               </a:rPr>
               <a:t>Stop</a:t>
             </a:r>
-            <a:endParaRPr lang="zh-CN" altLang="en-US" b="1" dirty="0" smtClean="0">
+            <a:endParaRPr lang="zh-CN" altLang="en-US" b="1" dirty="0">
               <a:solidFill>
                 <a:srgbClr val="FF0000"/>
               </a:solidFill>
@@ -17023,50 +16931,47 @@
           <a:p>
             <a:pPr lvl="1"/>
             <a:r>
-              <a:rPr lang="en-US" altLang="zh-CN" dirty="0" smtClean="0">
+              <a:rPr lang="en-US" altLang="zh-CN" dirty="0">
                 <a:effectLst/>
               </a:rPr>
               <a:t>Top</a:t>
             </a:r>
-            <a:endParaRPr lang="zh-CN" altLang="en-US" dirty="0" smtClean="0">
+            <a:endParaRPr lang="zh-CN" altLang="en-US" dirty="0">
               <a:effectLst/>
             </a:endParaRPr>
           </a:p>
           <a:p>
             <a:pPr lvl="1"/>
             <a:r>
-              <a:rPr lang="en-US" altLang="zh-CN" dirty="0" err="1" smtClean="0">
+              <a:rPr lang="en-US" altLang="zh-CN" dirty="0" err="1">
                 <a:effectLst/>
               </a:rPr>
               <a:t>Unpause</a:t>
             </a:r>
-            <a:endParaRPr lang="zh-CN" altLang="en-US" dirty="0" smtClean="0">
+            <a:endParaRPr lang="zh-CN" altLang="en-US" dirty="0">
               <a:effectLst/>
             </a:endParaRPr>
           </a:p>
           <a:p>
             <a:pPr lvl="1"/>
             <a:r>
-              <a:rPr lang="en-US" altLang="zh-CN" dirty="0" smtClean="0">
+              <a:rPr lang="en-US" altLang="zh-CN" dirty="0">
                 <a:effectLst/>
               </a:rPr>
               <a:t>Update</a:t>
             </a:r>
-            <a:endParaRPr lang="zh-CN" altLang="en-US" dirty="0" smtClean="0">
+            <a:endParaRPr lang="zh-CN" altLang="en-US" dirty="0">
               <a:effectLst/>
             </a:endParaRPr>
           </a:p>
           <a:p>
             <a:pPr lvl="1"/>
             <a:r>
-              <a:rPr lang="en-US" altLang="zh-CN" dirty="0" smtClean="0">
+              <a:rPr lang="en-US" altLang="zh-CN" dirty="0">
                 <a:effectLst/>
               </a:rPr>
               <a:t>wait</a:t>
             </a:r>
-            <a:endParaRPr lang="en-US" altLang="zh-CN" dirty="0">
-              <a:effectLst/>
-            </a:endParaRPr>
           </a:p>
         </p:txBody>
       </p:sp>
@@ -17291,46 +17196,46 @@
           </a:lstStyle>
           <a:p>
             <a:r>
-              <a:rPr lang="en-US" altLang="zh-CN" dirty="0" err="1" smtClean="0"/>
+              <a:rPr lang="en-US" altLang="zh-CN" dirty="0" err="1"/>
               <a:t>Docker</a:t>
             </a:r>
             <a:r>
-              <a:rPr lang="zh-CN" altLang="en-US" dirty="0" smtClean="0"/>
+              <a:rPr lang="zh-CN" altLang="en-US" dirty="0"/>
               <a:t> </a:t>
             </a:r>
             <a:r>
-              <a:rPr lang="en-US" altLang="zh-CN" dirty="0" smtClean="0"/>
+              <a:rPr lang="en-US" altLang="zh-CN" dirty="0"/>
               <a:t>Container</a:t>
             </a:r>
-            <a:endParaRPr lang="zh-CN" altLang="en-US" dirty="0" smtClean="0"/>
+            <a:endParaRPr lang="zh-CN" altLang="en-US" dirty="0"/>
           </a:p>
           <a:p>
             <a:pPr lvl="1"/>
             <a:r>
-              <a:rPr lang="en-US" altLang="zh-CN" dirty="0" smtClean="0"/>
+              <a:rPr lang="en-US" altLang="zh-CN" dirty="0"/>
               <a:t>Attach</a:t>
             </a:r>
-            <a:endParaRPr lang="zh-CN" altLang="en-US" dirty="0" smtClean="0"/>
+            <a:endParaRPr lang="zh-CN" altLang="en-US" dirty="0"/>
           </a:p>
           <a:p>
             <a:pPr lvl="1"/>
             <a:r>
-              <a:rPr lang="en-US" altLang="zh-CN" dirty="0" smtClean="0"/>
+              <a:rPr lang="en-US" altLang="zh-CN" dirty="0"/>
               <a:t>Commit</a:t>
             </a:r>
-            <a:endParaRPr lang="zh-CN" altLang="en-US" dirty="0" smtClean="0"/>
+            <a:endParaRPr lang="zh-CN" altLang="en-US" dirty="0"/>
           </a:p>
           <a:p>
             <a:pPr lvl="1"/>
             <a:r>
-              <a:rPr lang="en-US" altLang="zh-CN" b="1" dirty="0" err="1" smtClean="0">
+              <a:rPr lang="en-US" altLang="zh-CN" b="1" dirty="0" err="1">
                 <a:solidFill>
                   <a:srgbClr val="FF0000"/>
                 </a:solidFill>
               </a:rPr>
               <a:t>cp</a:t>
             </a:r>
-            <a:endParaRPr lang="zh-CN" altLang="en-US" b="1" dirty="0" smtClean="0">
+            <a:endParaRPr lang="zh-CN" altLang="en-US" b="1" dirty="0">
               <a:solidFill>
                 <a:srgbClr val="FF0000"/>
               </a:solidFill>
@@ -17339,30 +17244,30 @@
           <a:p>
             <a:pPr lvl="1"/>
             <a:r>
-              <a:rPr lang="en-US" altLang="zh-CN" dirty="0" smtClean="0"/>
+              <a:rPr lang="en-US" altLang="zh-CN" dirty="0"/>
               <a:t>Create</a:t>
             </a:r>
-            <a:endParaRPr lang="zh-CN" altLang="en-US" dirty="0" smtClean="0"/>
+            <a:endParaRPr lang="zh-CN" altLang="en-US" dirty="0"/>
           </a:p>
           <a:p>
             <a:pPr lvl="1"/>
             <a:r>
-              <a:rPr lang="en-US" altLang="zh-CN" dirty="0" smtClean="0"/>
+              <a:rPr lang="en-US" altLang="zh-CN" dirty="0"/>
               <a:t>diff</a:t>
             </a:r>
-            <a:endParaRPr lang="zh-CN" altLang="en-US" dirty="0" smtClean="0"/>
+            <a:endParaRPr lang="zh-CN" altLang="en-US" dirty="0"/>
           </a:p>
           <a:p>
             <a:pPr lvl="1"/>
             <a:r>
-              <a:rPr lang="en-US" altLang="zh-CN" b="1" dirty="0" smtClean="0">
+              <a:rPr lang="en-US" altLang="zh-CN" b="1" dirty="0">
                 <a:solidFill>
                   <a:srgbClr val="FF0000"/>
                 </a:solidFill>
               </a:rPr>
               <a:t>Exec</a:t>
             </a:r>
-            <a:endParaRPr lang="zh-CN" altLang="en-US" b="1" dirty="0" smtClean="0">
+            <a:endParaRPr lang="zh-CN" altLang="en-US" b="1" dirty="0">
               <a:solidFill>
                 <a:srgbClr val="FF0000"/>
               </a:solidFill>
@@ -17379,30 +17284,30 @@
           <a:p>
             <a:pPr lvl="1"/>
             <a:r>
-              <a:rPr lang="en-US" altLang="zh-CN" dirty="0" smtClean="0"/>
+              <a:rPr lang="en-US" altLang="zh-CN" dirty="0"/>
               <a:t>Inspect</a:t>
             </a:r>
-            <a:endParaRPr lang="zh-CN" altLang="en-US" dirty="0" smtClean="0"/>
+            <a:endParaRPr lang="zh-CN" altLang="en-US" dirty="0"/>
           </a:p>
           <a:p>
             <a:pPr lvl="1"/>
             <a:r>
-              <a:rPr lang="en-US" altLang="zh-CN" dirty="0" smtClean="0"/>
+              <a:rPr lang="en-US" altLang="zh-CN" dirty="0"/>
               <a:t>Kill</a:t>
             </a:r>
-            <a:endParaRPr lang="zh-CN" altLang="en-US" dirty="0" smtClean="0"/>
+            <a:endParaRPr lang="zh-CN" altLang="en-US" dirty="0"/>
           </a:p>
           <a:p>
             <a:pPr lvl="1"/>
             <a:r>
-              <a:rPr lang="en-US" altLang="zh-CN" b="1" dirty="0" smtClean="0">
+              <a:rPr lang="en-US" altLang="zh-CN" b="1" dirty="0">
                 <a:solidFill>
                   <a:srgbClr val="FF0000"/>
                 </a:solidFill>
               </a:rPr>
               <a:t>Logs</a:t>
             </a:r>
-            <a:endParaRPr lang="zh-CN" altLang="en-US" b="1" dirty="0" smtClean="0">
+            <a:endParaRPr lang="zh-CN" altLang="en-US" b="1" dirty="0">
               <a:solidFill>
                 <a:srgbClr val="FF0000"/>
               </a:solidFill>
@@ -17411,14 +17316,14 @@
           <a:p>
             <a:pPr lvl="1"/>
             <a:r>
-              <a:rPr lang="en-US" altLang="zh-CN" b="1" dirty="0" err="1" smtClean="0">
+              <a:rPr lang="en-US" altLang="zh-CN" b="1" dirty="0" err="1">
                 <a:solidFill>
                   <a:srgbClr val="FF0000"/>
                 </a:solidFill>
               </a:rPr>
               <a:t>Ls</a:t>
             </a:r>
-            <a:endParaRPr lang="zh-CN" altLang="en-US" b="1" dirty="0" smtClean="0">
+            <a:endParaRPr lang="zh-CN" altLang="en-US" b="1" dirty="0">
               <a:solidFill>
                 <a:srgbClr val="FF0000"/>
               </a:solidFill>
@@ -17434,7 +17339,7 @@
           </a:p>
           <a:p>
             <a:pPr lvl="1"/>
-            <a:endParaRPr lang="zh-CN" altLang="en-US" b="1" dirty="0" smtClean="0">
+            <a:endParaRPr lang="zh-CN" altLang="en-US" b="1" dirty="0">
               <a:solidFill>
                 <a:srgbClr val="FF0000"/>
               </a:solidFill>
@@ -17452,13 +17357,6 @@
   <p:clrMapOvr>
     <a:masterClrMapping/>
   </p:clrMapOvr>
-  <p:timing>
-    <p:tnLst>
-      <p:par>
-        <p:cTn id="1" dur="indefinite" restart="never" nodeType="tmRoot"/>
-      </p:par>
-    </p:tnLst>
-  </p:timing>
 </p:sld>
 </file>
 
@@ -17521,50 +17419,50 @@
           <a:lstStyle/>
           <a:p>
             <a:r>
-              <a:rPr kumimoji="1" lang="en-US" altLang="zh-CN" dirty="0" err="1" smtClean="0"/>
+              <a:rPr kumimoji="1" lang="en-US" altLang="zh-CN" dirty="0" err="1"/>
               <a:t>Docker</a:t>
             </a:r>
             <a:r>
-              <a:rPr kumimoji="1" lang="zh-CN" altLang="en-US" dirty="0" smtClean="0"/>
+              <a:rPr kumimoji="1" lang="zh-CN" altLang="en-US" dirty="0"/>
               <a:t> </a:t>
             </a:r>
             <a:r>
-              <a:rPr kumimoji="1" lang="en-US" altLang="zh-CN" dirty="0" smtClean="0"/>
+              <a:rPr kumimoji="1" lang="en-US" altLang="zh-CN" dirty="0"/>
               <a:t>system</a:t>
             </a:r>
-            <a:endParaRPr kumimoji="1" lang="zh-CN" altLang="en-US" dirty="0" smtClean="0"/>
+            <a:endParaRPr kumimoji="1" lang="zh-CN" altLang="en-US" dirty="0"/>
           </a:p>
           <a:p>
             <a:pPr lvl="1"/>
             <a:r>
-              <a:rPr kumimoji="1" lang="en-US" altLang="zh-CN" dirty="0" err="1" smtClean="0"/>
+              <a:rPr kumimoji="1" lang="en-US" altLang="zh-CN" dirty="0" err="1"/>
               <a:t>Df</a:t>
             </a:r>
-            <a:endParaRPr kumimoji="1" lang="zh-CN" altLang="en-US" dirty="0" smtClean="0"/>
+            <a:endParaRPr kumimoji="1" lang="zh-CN" altLang="en-US" dirty="0"/>
           </a:p>
           <a:p>
             <a:pPr lvl="1"/>
             <a:r>
-              <a:rPr kumimoji="1" lang="en-US" altLang="zh-CN" dirty="0" smtClean="0"/>
+              <a:rPr kumimoji="1" lang="en-US" altLang="zh-CN" dirty="0"/>
               <a:t>Events</a:t>
             </a:r>
-            <a:endParaRPr kumimoji="1" lang="zh-CN" altLang="en-US" dirty="0" smtClean="0"/>
+            <a:endParaRPr kumimoji="1" lang="zh-CN" altLang="en-US" dirty="0"/>
           </a:p>
           <a:p>
             <a:pPr lvl="1"/>
             <a:r>
-              <a:rPr kumimoji="1" lang="en-US" altLang="zh-CN" dirty="0" smtClean="0"/>
+              <a:rPr kumimoji="1" lang="en-US" altLang="zh-CN" dirty="0"/>
               <a:t>Info</a:t>
             </a:r>
-            <a:endParaRPr kumimoji="1" lang="zh-CN" altLang="en-US" dirty="0" smtClean="0"/>
+            <a:endParaRPr kumimoji="1" lang="zh-CN" altLang="en-US" dirty="0"/>
           </a:p>
           <a:p>
             <a:pPr lvl="1"/>
             <a:r>
-              <a:rPr kumimoji="1" lang="en-US" altLang="zh-CN" dirty="0" smtClean="0"/>
+              <a:rPr kumimoji="1" lang="en-US" altLang="zh-CN" dirty="0"/>
               <a:t>Prune</a:t>
             </a:r>
-            <a:endParaRPr kumimoji="1" lang="zh-CN" altLang="en-US" dirty="0" smtClean="0"/>
+            <a:endParaRPr kumimoji="1" lang="zh-CN" altLang="en-US" dirty="0"/>
           </a:p>
           <a:p>
             <a:pPr lvl="1"/>
@@ -17572,45 +17470,45 @@
           </a:p>
           <a:p>
             <a:r>
-              <a:rPr kumimoji="1" lang="en-US" altLang="zh-CN" dirty="0" err="1" smtClean="0"/>
+              <a:rPr kumimoji="1" lang="en-US" altLang="zh-CN" dirty="0" err="1"/>
               <a:t>Docker</a:t>
             </a:r>
             <a:r>
-              <a:rPr kumimoji="1" lang="zh-CN" altLang="en-US" dirty="0" smtClean="0"/>
+              <a:rPr kumimoji="1" lang="zh-CN" altLang="en-US" dirty="0"/>
               <a:t> </a:t>
             </a:r>
             <a:r>
-              <a:rPr kumimoji="1" lang="en-US" altLang="zh-CN" dirty="0" smtClean="0"/>
+              <a:rPr kumimoji="1" lang="en-US" altLang="zh-CN" dirty="0"/>
               <a:t>network</a:t>
             </a:r>
-            <a:endParaRPr kumimoji="1" lang="zh-CN" altLang="en-US" dirty="0" smtClean="0"/>
-          </a:p>
-          <a:p>
-            <a:r>
-              <a:rPr kumimoji="1" lang="en-US" altLang="zh-CN" dirty="0" err="1" smtClean="0"/>
+            <a:endParaRPr kumimoji="1" lang="zh-CN" altLang="en-US" dirty="0"/>
+          </a:p>
+          <a:p>
+            <a:r>
+              <a:rPr kumimoji="1" lang="en-US" altLang="zh-CN" dirty="0" err="1"/>
               <a:t>Docker</a:t>
             </a:r>
             <a:r>
-              <a:rPr kumimoji="1" lang="zh-CN" altLang="en-US" dirty="0" smtClean="0"/>
+              <a:rPr kumimoji="1" lang="zh-CN" altLang="en-US" dirty="0"/>
               <a:t> </a:t>
             </a:r>
             <a:r>
-              <a:rPr kumimoji="1" lang="en-US" altLang="zh-CN" dirty="0" smtClean="0"/>
+              <a:rPr kumimoji="1" lang="en-US" altLang="zh-CN" dirty="0"/>
               <a:t>volume</a:t>
             </a:r>
-            <a:endParaRPr kumimoji="1" lang="zh-CN" altLang="en-US" dirty="0" smtClean="0"/>
-          </a:p>
-          <a:p>
-            <a:r>
-              <a:rPr kumimoji="1" lang="en-US" altLang="zh-CN" dirty="0" err="1" smtClean="0"/>
+            <a:endParaRPr kumimoji="1" lang="zh-CN" altLang="en-US" dirty="0"/>
+          </a:p>
+          <a:p>
+            <a:r>
+              <a:rPr kumimoji="1" lang="en-US" altLang="zh-CN" dirty="0" err="1"/>
               <a:t>Docker</a:t>
             </a:r>
             <a:r>
-              <a:rPr kumimoji="1" lang="zh-CN" altLang="en-US" dirty="0" smtClean="0"/>
+              <a:rPr kumimoji="1" lang="zh-CN" altLang="en-US" dirty="0"/>
               <a:t> </a:t>
             </a:r>
             <a:r>
-              <a:rPr kumimoji="1" lang="en-US" altLang="zh-CN" dirty="0" smtClean="0"/>
+              <a:rPr kumimoji="1" lang="en-US" altLang="zh-CN" dirty="0"/>
               <a:t>plugin</a:t>
             </a:r>
             <a:endParaRPr kumimoji="1" lang="zh-CN" altLang="en-US" dirty="0"/>
